--- a/DOCUMENTATION/LTE_Cell_Search_3_Main_Components.pptx
+++ b/DOCUMENTATION/LTE_Cell_Search_3_Main_Components.pptx
@@ -7476,7 +7476,7 @@
       </p:grpSpPr>
       <p:sp>
         <p:nvSpPr>
-          <p:cNvPr id="79" name="PlaceHolder 1"/>
+          <p:cNvPr id="76" name="PlaceHolder 1"/>
           <p:cNvSpPr>
             <a:spLocks noGrp="1"/>
           </p:cNvSpPr>
@@ -7513,7 +7513,7 @@
       </p:sp>
       <p:sp>
         <p:nvSpPr>
-          <p:cNvPr id="80" name="PlaceHolder 2"/>
+          <p:cNvPr id="77" name="PlaceHolder 2"/>
           <p:cNvSpPr>
             <a:spLocks noGrp="1"/>
           </p:cNvSpPr>
@@ -7549,7 +7549,7 @@
       </p:sp>
       <p:sp>
         <p:nvSpPr>
-          <p:cNvPr id="81" name="PlaceHolder 3"/>
+          <p:cNvPr id="78" name="PlaceHolder 3"/>
           <p:cNvSpPr>
             <a:spLocks noGrp="1"/>
           </p:cNvSpPr>
@@ -7585,7 +7585,7 @@
       </p:sp>
       <p:sp>
         <p:nvSpPr>
-          <p:cNvPr id="82" name="PlaceHolder 4"/>
+          <p:cNvPr id="79" name="PlaceHolder 4"/>
           <p:cNvSpPr>
             <a:spLocks noGrp="1"/>
           </p:cNvSpPr>
@@ -7622,7 +7622,7 @@
       </p:sp>
       <p:sp>
         <p:nvSpPr>
-          <p:cNvPr id="83" name="PlaceHolder 5"/>
+          <p:cNvPr id="80" name="PlaceHolder 5"/>
           <p:cNvSpPr>
             <a:spLocks noGrp="1"/>
           </p:cNvSpPr>
@@ -7658,7 +7658,7 @@
       </p:sp>
       <p:sp>
         <p:nvSpPr>
-          <p:cNvPr id="84" name="PlaceHolder 6"/>
+          <p:cNvPr id="81" name="PlaceHolder 6"/>
           <p:cNvSpPr>
             <a:spLocks noGrp="1"/>
           </p:cNvSpPr>
@@ -7681,7 +7681,7 @@
           </a:bodyPr>
           <a:p>
             <a:pPr algn="r"/>
-            <a:fld id="{7899E7D7-4E20-40ED-9E87-887AB37CC920}" type="slidenum">
+            <a:fld id="{C3B287F5-B78A-4F53-886E-23EC01DF3E29}" type="slidenum">
               <a:rPr b="0" lang="en-US" sz="1400" spc="-1" strike="noStrike">
                 <a:latin typeface="Times New Roman"/>
               </a:rPr>
@@ -7718,7 +7718,7 @@
       </p:grpSpPr>
       <p:sp>
         <p:nvSpPr>
-          <p:cNvPr id="145" name="PlaceHolder 1"/>
+          <p:cNvPr id="142" name="PlaceHolder 1"/>
           <p:cNvSpPr>
             <a:spLocks noGrp="1"/>
           </p:cNvSpPr>
@@ -7729,7 +7729,7 @@
         <p:spPr>
           <a:xfrm>
             <a:off x="685800" y="4400640"/>
-            <a:ext cx="5485680" cy="3599640"/>
+            <a:ext cx="5484960" cy="3598920"/>
           </a:xfrm>
           <a:prstGeom prst="rect">
             <a:avLst/>
@@ -7740,7 +7740,7 @@
             <a:noAutofit/>
           </a:bodyPr>
           <a:p>
-            <a:pPr marL="216000" indent="-215640">
+            <a:pPr marL="216000" indent="-214920">
               <a:lnSpc>
                 <a:spcPct val="100000"/>
               </a:lnSpc>
@@ -7762,7 +7762,7 @@
             </a:endParaRPr>
           </a:p>
           <a:p>
-            <a:pPr marL="216000" indent="-215640">
+            <a:pPr marL="216000" indent="-214920">
               <a:lnSpc>
                 <a:spcPct val="100000"/>
               </a:lnSpc>
@@ -7784,7 +7784,7 @@
             </a:endParaRPr>
           </a:p>
           <a:p>
-            <a:pPr marL="216000" indent="-215640">
+            <a:pPr marL="216000" indent="-214920">
               <a:lnSpc>
                 <a:spcPct val="100000"/>
               </a:lnSpc>
@@ -7807,7 +7807,7 @@
             </a:endParaRPr>
           </a:p>
           <a:p>
-            <a:pPr marL="216000" indent="-215640">
+            <a:pPr marL="216000" indent="-214920">
               <a:lnSpc>
                 <a:spcPct val="100000"/>
               </a:lnSpc>
@@ -7829,7 +7829,7 @@
             </a:endParaRPr>
           </a:p>
           <a:p>
-            <a:pPr marL="216000" indent="-215640">
+            <a:pPr marL="216000" indent="-214920">
               <a:lnSpc>
                 <a:spcPct val="100000"/>
               </a:lnSpc>
@@ -7851,7 +7851,7 @@
             </a:endParaRPr>
           </a:p>
           <a:p>
-            <a:pPr marL="216000" indent="-215640">
+            <a:pPr marL="216000" indent="-214920">
               <a:lnSpc>
                 <a:spcPct val="100000"/>
               </a:lnSpc>
@@ -7865,7 +7865,7 @@
             </a:endParaRPr>
           </a:p>
           <a:p>
-            <a:pPr marL="216000" indent="-215640">
+            <a:pPr marL="216000" indent="-214920">
               <a:lnSpc>
                 <a:spcPct val="100000"/>
               </a:lnSpc>
@@ -7881,7 +7881,7 @@
       </p:sp>
       <p:sp>
         <p:nvSpPr>
-          <p:cNvPr id="146" name="PlaceHolder 2"/>
+          <p:cNvPr id="143" name="PlaceHolder 2"/>
           <p:cNvSpPr>
             <a:spLocks noGrp="1"/>
           </p:cNvSpPr>
@@ -7892,7 +7892,7 @@
         <p:spPr>
           <a:xfrm>
             <a:off x="685800" y="1143000"/>
-            <a:ext cx="5485680" cy="3085560"/>
+            <a:ext cx="5484960" cy="3084840"/>
           </a:xfrm>
           <a:prstGeom prst="rect">
             <a:avLst/>
@@ -7923,7 +7923,7 @@
       </p:grpSpPr>
       <p:sp>
         <p:nvSpPr>
-          <p:cNvPr id="147" name="PlaceHolder 1"/>
+          <p:cNvPr id="144" name="PlaceHolder 1"/>
           <p:cNvSpPr>
             <a:spLocks noGrp="1"/>
           </p:cNvSpPr>
@@ -7934,7 +7934,7 @@
         <p:spPr>
           <a:xfrm>
             <a:off x="685800" y="4400640"/>
-            <a:ext cx="5485680" cy="3599640"/>
+            <a:ext cx="5484960" cy="3598920"/>
           </a:xfrm>
           <a:prstGeom prst="rect">
             <a:avLst/>
@@ -7945,7 +7945,7 @@
             <a:noAutofit/>
           </a:bodyPr>
           <a:p>
-            <a:pPr marL="216000" indent="-215640">
+            <a:pPr marL="216000" indent="-214920">
               <a:lnSpc>
                 <a:spcPct val="100000"/>
               </a:lnSpc>
@@ -7967,7 +7967,7 @@
             </a:endParaRPr>
           </a:p>
           <a:p>
-            <a:pPr marL="216000" indent="-215640">
+            <a:pPr marL="216000" indent="-214920">
               <a:lnSpc>
                 <a:spcPct val="100000"/>
               </a:lnSpc>
@@ -7990,7 +7990,7 @@
             </a:endParaRPr>
           </a:p>
           <a:p>
-            <a:pPr marL="216000" indent="-215640">
+            <a:pPr marL="216000" indent="-214920">
               <a:lnSpc>
                 <a:spcPct val="100000"/>
               </a:lnSpc>
@@ -8003,7 +8003,7 @@
             </a:endParaRPr>
           </a:p>
           <a:p>
-            <a:pPr marL="216000" indent="-215640">
+            <a:pPr marL="216000" indent="-214920">
               <a:lnSpc>
                 <a:spcPct val="100000"/>
               </a:lnSpc>
@@ -8034,7 +8034,7 @@
             </a:endParaRPr>
           </a:p>
           <a:p>
-            <a:pPr marL="216000" indent="-215640">
+            <a:pPr marL="216000" indent="-214920">
               <a:lnSpc>
                 <a:spcPct val="100000"/>
               </a:lnSpc>
@@ -8047,7 +8047,7 @@
             </a:endParaRPr>
           </a:p>
           <a:p>
-            <a:pPr marL="216000" indent="-215640">
+            <a:pPr marL="216000" indent="-214920">
               <a:lnSpc>
                 <a:spcPct val="100000"/>
               </a:lnSpc>
@@ -8118,7 +8118,7 @@
       </p:sp>
       <p:sp>
         <p:nvSpPr>
-          <p:cNvPr id="148" name="PlaceHolder 2"/>
+          <p:cNvPr id="145" name="PlaceHolder 2"/>
           <p:cNvSpPr>
             <a:spLocks noGrp="1"/>
           </p:cNvSpPr>
@@ -8129,7 +8129,7 @@
         <p:spPr>
           <a:xfrm>
             <a:off x="685800" y="1143000"/>
-            <a:ext cx="5485680" cy="3085560"/>
+            <a:ext cx="5484960" cy="3084840"/>
           </a:xfrm>
           <a:prstGeom prst="rect">
             <a:avLst/>
@@ -8160,7 +8160,7 @@
       </p:grpSpPr>
       <p:sp>
         <p:nvSpPr>
-          <p:cNvPr id="149" name="PlaceHolder 1"/>
+          <p:cNvPr id="146" name="PlaceHolder 1"/>
           <p:cNvSpPr>
             <a:spLocks noGrp="1"/>
           </p:cNvSpPr>
@@ -8171,18 +8171,18 @@
         <p:spPr>
           <a:xfrm>
             <a:off x="685800" y="4400640"/>
-            <a:ext cx="5486040" cy="3600360"/>
+            <a:ext cx="5485320" cy="3599640"/>
           </a:xfrm>
           <a:prstGeom prst="rect">
             <a:avLst/>
           </a:prstGeom>
         </p:spPr>
         <p:txBody>
-          <a:bodyPr>
+          <a:bodyPr lIns="0" rIns="0" tIns="0" bIns="0">
             <a:noAutofit/>
           </a:bodyPr>
           <a:p>
-            <a:pPr>
+            <a:pPr marL="216000" indent="-215640">
               <a:lnSpc>
                 <a:spcPct val="100000"/>
               </a:lnSpc>
@@ -8205,7 +8205,7 @@
             </a:endParaRPr>
           </a:p>
           <a:p>
-            <a:pPr>
+            <a:pPr marL="216000" indent="-215640">
               <a:lnSpc>
                 <a:spcPct val="100000"/>
               </a:lnSpc>
@@ -8218,7 +8218,7 @@
             </a:endParaRPr>
           </a:p>
           <a:p>
-            <a:pPr marL="228600" indent="-228240">
+            <a:pPr marL="228600" indent="-227520">
               <a:lnSpc>
                 <a:spcPct val="100000"/>
               </a:lnSpc>
@@ -8256,7 +8256,7 @@
             </a:endParaRPr>
           </a:p>
           <a:p>
-            <a:pPr marL="228600" indent="-228240">
+            <a:pPr marL="228600" indent="-227520">
               <a:lnSpc>
                 <a:spcPct val="100000"/>
               </a:lnSpc>
@@ -8294,7 +8294,7 @@
             </a:endParaRPr>
           </a:p>
           <a:p>
-            <a:pPr marL="228600" indent="-151920">
+            <a:pPr marL="228600" indent="-151200">
               <a:lnSpc>
                 <a:spcPct val="100000"/>
               </a:lnSpc>
@@ -8307,7 +8307,7 @@
             </a:endParaRPr>
           </a:p>
           <a:p>
-            <a:pPr marL="228600" indent="-228240">
+            <a:pPr marL="228600" indent="-227520">
               <a:lnSpc>
                 <a:spcPct val="100000"/>
               </a:lnSpc>
@@ -8345,7 +8345,7 @@
             </a:endParaRPr>
           </a:p>
           <a:p>
-            <a:pPr marL="228600" indent="-114120">
+            <a:pPr marL="228600" indent="-113400">
               <a:lnSpc>
                 <a:spcPct val="100000"/>
               </a:lnSpc>
@@ -8358,7 +8358,7 @@
             </a:endParaRPr>
           </a:p>
           <a:p>
-            <a:pPr marL="228600" indent="-228240">
+            <a:pPr marL="228600" indent="-227520">
               <a:lnSpc>
                 <a:spcPct val="100000"/>
               </a:lnSpc>
@@ -8386,7 +8386,7 @@
             </a:endParaRPr>
           </a:p>
           <a:p>
-            <a:pPr marL="228600" indent="-151920">
+            <a:pPr marL="228600" indent="-151200">
               <a:lnSpc>
                 <a:spcPct val="100000"/>
               </a:lnSpc>
@@ -8402,7 +8402,7 @@
       </p:sp>
       <p:sp>
         <p:nvSpPr>
-          <p:cNvPr id="150" name="PlaceHolder 2"/>
+          <p:cNvPr id="147" name="PlaceHolder 2"/>
           <p:cNvSpPr>
             <a:spLocks noGrp="1"/>
           </p:cNvSpPr>
@@ -8413,7 +8413,7 @@
         <p:spPr>
           <a:xfrm>
             <a:off x="685800" y="1143000"/>
-            <a:ext cx="5486040" cy="3085920"/>
+            <a:ext cx="5485320" cy="3085200"/>
           </a:xfrm>
           <a:prstGeom prst="rect">
             <a:avLst/>
@@ -8444,7 +8444,7 @@
       </p:grpSpPr>
       <p:sp>
         <p:nvSpPr>
-          <p:cNvPr id="151" name="PlaceHolder 1"/>
+          <p:cNvPr id="148" name="PlaceHolder 1"/>
           <p:cNvSpPr>
             <a:spLocks noGrp="1"/>
           </p:cNvSpPr>
@@ -8455,18 +8455,18 @@
         <p:spPr>
           <a:xfrm>
             <a:off x="685800" y="4400640"/>
-            <a:ext cx="5486040" cy="3600360"/>
+            <a:ext cx="5485320" cy="3599640"/>
           </a:xfrm>
           <a:prstGeom prst="rect">
             <a:avLst/>
           </a:prstGeom>
         </p:spPr>
         <p:txBody>
-          <a:bodyPr>
+          <a:bodyPr lIns="0" rIns="0" tIns="0" bIns="0">
             <a:noAutofit/>
           </a:bodyPr>
           <a:p>
-            <a:pPr>
+            <a:pPr marL="216000" indent="-215640">
               <a:lnSpc>
                 <a:spcPct val="100000"/>
               </a:lnSpc>
@@ -8489,7 +8489,7 @@
             </a:endParaRPr>
           </a:p>
           <a:p>
-            <a:pPr>
+            <a:pPr marL="216000" indent="-215640">
               <a:lnSpc>
                 <a:spcPct val="100000"/>
               </a:lnSpc>
@@ -8502,7 +8502,7 @@
             </a:endParaRPr>
           </a:p>
           <a:p>
-            <a:pPr marL="228600" indent="-228240">
+            <a:pPr marL="228600" indent="-227520">
               <a:lnSpc>
                 <a:spcPct val="100000"/>
               </a:lnSpc>
@@ -8540,7 +8540,7 @@
             </a:endParaRPr>
           </a:p>
           <a:p>
-            <a:pPr marL="228600" indent="-228240">
+            <a:pPr marL="228600" indent="-227520">
               <a:lnSpc>
                 <a:spcPct val="100000"/>
               </a:lnSpc>
@@ -8578,7 +8578,7 @@
             </a:endParaRPr>
           </a:p>
           <a:p>
-            <a:pPr marL="228600" indent="-151920">
+            <a:pPr marL="228600" indent="-151200">
               <a:lnSpc>
                 <a:spcPct val="100000"/>
               </a:lnSpc>
@@ -8591,7 +8591,7 @@
             </a:endParaRPr>
           </a:p>
           <a:p>
-            <a:pPr marL="228600" indent="-228240">
+            <a:pPr marL="228600" indent="-227520">
               <a:lnSpc>
                 <a:spcPct val="100000"/>
               </a:lnSpc>
@@ -8629,7 +8629,7 @@
             </a:endParaRPr>
           </a:p>
           <a:p>
-            <a:pPr marL="228600" indent="-114120">
+            <a:pPr marL="228600" indent="-113400">
               <a:lnSpc>
                 <a:spcPct val="100000"/>
               </a:lnSpc>
@@ -8642,7 +8642,7 @@
             </a:endParaRPr>
           </a:p>
           <a:p>
-            <a:pPr marL="228600" indent="-228240">
+            <a:pPr marL="228600" indent="-227520">
               <a:lnSpc>
                 <a:spcPct val="100000"/>
               </a:lnSpc>
@@ -8670,7 +8670,7 @@
             </a:endParaRPr>
           </a:p>
           <a:p>
-            <a:pPr marL="228600" indent="-151920">
+            <a:pPr marL="228600" indent="-151200">
               <a:lnSpc>
                 <a:spcPct val="100000"/>
               </a:lnSpc>
@@ -8686,7 +8686,7 @@
       </p:sp>
       <p:sp>
         <p:nvSpPr>
-          <p:cNvPr id="152" name="PlaceHolder 2"/>
+          <p:cNvPr id="149" name="PlaceHolder 2"/>
           <p:cNvSpPr>
             <a:spLocks noGrp="1"/>
           </p:cNvSpPr>
@@ -8697,7 +8697,7 @@
         <p:spPr>
           <a:xfrm>
             <a:off x="685800" y="1143000"/>
-            <a:ext cx="5486040" cy="3085920"/>
+            <a:ext cx="5485320" cy="3085200"/>
           </a:xfrm>
           <a:prstGeom prst="rect">
             <a:avLst/>
@@ -8728,7 +8728,7 @@
       </p:grpSpPr>
       <p:sp>
         <p:nvSpPr>
-          <p:cNvPr id="153" name="PlaceHolder 1"/>
+          <p:cNvPr id="150" name="PlaceHolder 1"/>
           <p:cNvSpPr>
             <a:spLocks noGrp="1"/>
           </p:cNvSpPr>
@@ -8739,18 +8739,18 @@
         <p:spPr>
           <a:xfrm>
             <a:off x="685800" y="4400640"/>
-            <a:ext cx="5486040" cy="3600360"/>
+            <a:ext cx="5485320" cy="3599640"/>
           </a:xfrm>
           <a:prstGeom prst="rect">
             <a:avLst/>
           </a:prstGeom>
         </p:spPr>
         <p:txBody>
-          <a:bodyPr>
+          <a:bodyPr lIns="0" rIns="0" tIns="0" bIns="0">
             <a:noAutofit/>
           </a:bodyPr>
           <a:p>
-            <a:pPr>
+            <a:pPr marL="216000" indent="-215640">
               <a:lnSpc>
                 <a:spcPct val="100000"/>
               </a:lnSpc>
@@ -8773,7 +8773,7 @@
             </a:endParaRPr>
           </a:p>
           <a:p>
-            <a:pPr>
+            <a:pPr marL="216000" indent="-215640">
               <a:lnSpc>
                 <a:spcPct val="100000"/>
               </a:lnSpc>
@@ -8786,7 +8786,7 @@
             </a:endParaRPr>
           </a:p>
           <a:p>
-            <a:pPr marL="228600" indent="-228240">
+            <a:pPr marL="228600" indent="-227520">
               <a:lnSpc>
                 <a:spcPct val="100000"/>
               </a:lnSpc>
@@ -8824,7 +8824,7 @@
             </a:endParaRPr>
           </a:p>
           <a:p>
-            <a:pPr marL="228600" indent="-228240">
+            <a:pPr marL="228600" indent="-227520">
               <a:lnSpc>
                 <a:spcPct val="100000"/>
               </a:lnSpc>
@@ -8862,7 +8862,7 @@
             </a:endParaRPr>
           </a:p>
           <a:p>
-            <a:pPr marL="228600" indent="-151920">
+            <a:pPr marL="228600" indent="-151200">
               <a:lnSpc>
                 <a:spcPct val="100000"/>
               </a:lnSpc>
@@ -8875,7 +8875,7 @@
             </a:endParaRPr>
           </a:p>
           <a:p>
-            <a:pPr marL="228600" indent="-228240">
+            <a:pPr marL="228600" indent="-227520">
               <a:lnSpc>
                 <a:spcPct val="100000"/>
               </a:lnSpc>
@@ -8913,7 +8913,7 @@
             </a:endParaRPr>
           </a:p>
           <a:p>
-            <a:pPr marL="228600" indent="-114120">
+            <a:pPr marL="228600" indent="-113400">
               <a:lnSpc>
                 <a:spcPct val="100000"/>
               </a:lnSpc>
@@ -8926,7 +8926,7 @@
             </a:endParaRPr>
           </a:p>
           <a:p>
-            <a:pPr marL="228600" indent="-228240">
+            <a:pPr marL="228600" indent="-227520">
               <a:lnSpc>
                 <a:spcPct val="100000"/>
               </a:lnSpc>
@@ -8954,7 +8954,7 @@
             </a:endParaRPr>
           </a:p>
           <a:p>
-            <a:pPr marL="228600" indent="-151920">
+            <a:pPr marL="228600" indent="-151200">
               <a:lnSpc>
                 <a:spcPct val="100000"/>
               </a:lnSpc>
@@ -8970,7 +8970,7 @@
       </p:sp>
       <p:sp>
         <p:nvSpPr>
-          <p:cNvPr id="154" name="PlaceHolder 2"/>
+          <p:cNvPr id="151" name="PlaceHolder 2"/>
           <p:cNvSpPr>
             <a:spLocks noGrp="1"/>
           </p:cNvSpPr>
@@ -8981,7 +8981,7 @@
         <p:spPr>
           <a:xfrm>
             <a:off x="685800" y="1143000"/>
-            <a:ext cx="5486040" cy="3085920"/>
+            <a:ext cx="5485320" cy="3085200"/>
           </a:xfrm>
           <a:prstGeom prst="rect">
             <a:avLst/>
@@ -9012,7 +9012,7 @@
       </p:grpSpPr>
       <p:sp>
         <p:nvSpPr>
-          <p:cNvPr id="155" name="PlaceHolder 1"/>
+          <p:cNvPr id="152" name="PlaceHolder 1"/>
           <p:cNvSpPr>
             <a:spLocks noGrp="1"/>
           </p:cNvSpPr>
@@ -9023,18 +9023,18 @@
         <p:spPr>
           <a:xfrm>
             <a:off x="685800" y="4400640"/>
-            <a:ext cx="5486040" cy="3600360"/>
+            <a:ext cx="5485320" cy="3599640"/>
           </a:xfrm>
           <a:prstGeom prst="rect">
             <a:avLst/>
           </a:prstGeom>
         </p:spPr>
         <p:txBody>
-          <a:bodyPr>
+          <a:bodyPr lIns="0" rIns="0" tIns="0" bIns="0">
             <a:noAutofit/>
           </a:bodyPr>
           <a:p>
-            <a:pPr>
+            <a:pPr marL="216000" indent="-215640">
               <a:lnSpc>
                 <a:spcPct val="100000"/>
               </a:lnSpc>
@@ -9057,7 +9057,7 @@
             </a:endParaRPr>
           </a:p>
           <a:p>
-            <a:pPr>
+            <a:pPr marL="216000" indent="-215640">
               <a:lnSpc>
                 <a:spcPct val="100000"/>
               </a:lnSpc>
@@ -9070,7 +9070,7 @@
             </a:endParaRPr>
           </a:p>
           <a:p>
-            <a:pPr marL="228600" indent="-228240">
+            <a:pPr marL="228600" indent="-227520">
               <a:lnSpc>
                 <a:spcPct val="100000"/>
               </a:lnSpc>
@@ -9108,7 +9108,7 @@
             </a:endParaRPr>
           </a:p>
           <a:p>
-            <a:pPr marL="228600" indent="-228240">
+            <a:pPr marL="228600" indent="-227520">
               <a:lnSpc>
                 <a:spcPct val="100000"/>
               </a:lnSpc>
@@ -9146,7 +9146,7 @@
             </a:endParaRPr>
           </a:p>
           <a:p>
-            <a:pPr marL="228600" indent="-151920">
+            <a:pPr marL="228600" indent="-151200">
               <a:lnSpc>
                 <a:spcPct val="100000"/>
               </a:lnSpc>
@@ -9159,7 +9159,7 @@
             </a:endParaRPr>
           </a:p>
           <a:p>
-            <a:pPr marL="228600" indent="-228240">
+            <a:pPr marL="228600" indent="-227520">
               <a:lnSpc>
                 <a:spcPct val="100000"/>
               </a:lnSpc>
@@ -9197,7 +9197,7 @@
             </a:endParaRPr>
           </a:p>
           <a:p>
-            <a:pPr marL="228600" indent="-114120">
+            <a:pPr marL="228600" indent="-113400">
               <a:lnSpc>
                 <a:spcPct val="100000"/>
               </a:lnSpc>
@@ -9210,7 +9210,7 @@
             </a:endParaRPr>
           </a:p>
           <a:p>
-            <a:pPr marL="228600" indent="-228240">
+            <a:pPr marL="228600" indent="-227520">
               <a:lnSpc>
                 <a:spcPct val="100000"/>
               </a:lnSpc>
@@ -9238,7 +9238,7 @@
             </a:endParaRPr>
           </a:p>
           <a:p>
-            <a:pPr marL="228600" indent="-151920">
+            <a:pPr marL="228600" indent="-151200">
               <a:lnSpc>
                 <a:spcPct val="100000"/>
               </a:lnSpc>
@@ -9254,7 +9254,7 @@
       </p:sp>
       <p:sp>
         <p:nvSpPr>
-          <p:cNvPr id="156" name="PlaceHolder 2"/>
+          <p:cNvPr id="153" name="PlaceHolder 2"/>
           <p:cNvSpPr>
             <a:spLocks noGrp="1"/>
           </p:cNvSpPr>
@@ -9265,7 +9265,7 @@
         <p:spPr>
           <a:xfrm>
             <a:off x="685800" y="1143000"/>
-            <a:ext cx="5486040" cy="3085920"/>
+            <a:ext cx="5485320" cy="3085200"/>
           </a:xfrm>
           <a:prstGeom prst="rect">
             <a:avLst/>
@@ -9318,7 +9318,7 @@
       </p:grpSpPr>
       <p:sp>
         <p:nvSpPr>
-          <p:cNvPr id="26" name="PlaceHolder 1"/>
+          <p:cNvPr id="23" name="PlaceHolder 1"/>
           <p:cNvSpPr>
             <a:spLocks noGrp="1"/>
           </p:cNvSpPr>
@@ -9329,7 +9329,7 @@
         <p:spPr>
           <a:xfrm>
             <a:off x="1523880" y="1122480"/>
-            <a:ext cx="9143640" cy="2387160"/>
+            <a:ext cx="9142920" cy="2386440"/>
           </a:xfrm>
           <a:prstGeom prst="rect">
             <a:avLst/>
@@ -9340,10 +9340,8 @@
             <a:noAutofit/>
           </a:bodyPr>
           <a:p>
-            <a:endParaRPr b="0" lang="en-US" sz="1400" spc="-1" strike="noStrike">
-              <a:solidFill>
-                <a:srgbClr val="000000"/>
-              </a:solidFill>
+            <a:pPr algn="ctr"/>
+            <a:endParaRPr b="0" lang="en-US" sz="4400" spc="-1" strike="noStrike">
               <a:latin typeface="Arial"/>
             </a:endParaRPr>
           </a:p>
@@ -9351,7 +9349,7 @@
       </p:sp>
       <p:sp>
         <p:nvSpPr>
-          <p:cNvPr id="27" name="PlaceHolder 2"/>
+          <p:cNvPr id="24" name="PlaceHolder 2"/>
           <p:cNvSpPr>
             <a:spLocks noGrp="1"/>
           </p:cNvSpPr>
@@ -9362,7 +9360,7 @@
         <p:spPr>
           <a:xfrm>
             <a:off x="609480" y="1604520"/>
-            <a:ext cx="10972440" cy="1896840"/>
+            <a:ext cx="10972080" cy="1896840"/>
           </a:xfrm>
           <a:prstGeom prst="rect">
             <a:avLst/>
@@ -9373,10 +9371,7 @@
             <a:normAutofit/>
           </a:bodyPr>
           <a:p>
-            <a:endParaRPr b="0" lang="en-US" sz="1400" spc="-1" strike="noStrike">
-              <a:solidFill>
-                <a:srgbClr val="000000"/>
-              </a:solidFill>
+            <a:endParaRPr b="0" lang="en-US" sz="3200" spc="-1" strike="noStrike">
               <a:latin typeface="Arial"/>
             </a:endParaRPr>
           </a:p>
@@ -9384,7 +9379,7 @@
       </p:sp>
       <p:sp>
         <p:nvSpPr>
-          <p:cNvPr id="28" name="PlaceHolder 3"/>
+          <p:cNvPr id="25" name="PlaceHolder 3"/>
           <p:cNvSpPr>
             <a:spLocks noGrp="1"/>
           </p:cNvSpPr>
@@ -9395,7 +9390,7 @@
         <p:spPr>
           <a:xfrm>
             <a:off x="609480" y="3682080"/>
-            <a:ext cx="10972440" cy="1896840"/>
+            <a:ext cx="10972080" cy="1896840"/>
           </a:xfrm>
           <a:prstGeom prst="rect">
             <a:avLst/>
@@ -9406,10 +9401,7 @@
             <a:normAutofit/>
           </a:bodyPr>
           <a:p>
-            <a:endParaRPr b="0" lang="en-US" sz="1400" spc="-1" strike="noStrike">
-              <a:solidFill>
-                <a:srgbClr val="000000"/>
-              </a:solidFill>
+            <a:endParaRPr b="0" lang="en-US" sz="3200" spc="-1" strike="noStrike">
               <a:latin typeface="Arial"/>
             </a:endParaRPr>
           </a:p>
@@ -9439,7 +9431,7 @@
       </p:grpSpPr>
       <p:sp>
         <p:nvSpPr>
-          <p:cNvPr id="29" name="PlaceHolder 1"/>
+          <p:cNvPr id="26" name="PlaceHolder 1"/>
           <p:cNvSpPr>
             <a:spLocks noGrp="1"/>
           </p:cNvSpPr>
@@ -9450,7 +9442,7 @@
         <p:spPr>
           <a:xfrm>
             <a:off x="1523880" y="1122480"/>
-            <a:ext cx="9143640" cy="2387160"/>
+            <a:ext cx="9142920" cy="2386440"/>
           </a:xfrm>
           <a:prstGeom prst="rect">
             <a:avLst/>
@@ -9461,10 +9453,8 @@
             <a:noAutofit/>
           </a:bodyPr>
           <a:p>
-            <a:endParaRPr b="0" lang="en-US" sz="1400" spc="-1" strike="noStrike">
-              <a:solidFill>
-                <a:srgbClr val="000000"/>
-              </a:solidFill>
+            <a:pPr algn="ctr"/>
+            <a:endParaRPr b="0" lang="en-US" sz="4400" spc="-1" strike="noStrike">
               <a:latin typeface="Arial"/>
             </a:endParaRPr>
           </a:p>
@@ -9472,7 +9462,7 @@
       </p:sp>
       <p:sp>
         <p:nvSpPr>
-          <p:cNvPr id="30" name="PlaceHolder 2"/>
+          <p:cNvPr id="27" name="PlaceHolder 2"/>
           <p:cNvSpPr>
             <a:spLocks noGrp="1"/>
           </p:cNvSpPr>
@@ -9494,10 +9484,7 @@
             <a:normAutofit/>
           </a:bodyPr>
           <a:p>
-            <a:endParaRPr b="0" lang="en-US" sz="1400" spc="-1" strike="noStrike">
-              <a:solidFill>
-                <a:srgbClr val="000000"/>
-              </a:solidFill>
+            <a:endParaRPr b="0" lang="en-US" sz="3200" spc="-1" strike="noStrike">
               <a:latin typeface="Arial"/>
             </a:endParaRPr>
           </a:p>
@@ -9505,7 +9492,7 @@
       </p:sp>
       <p:sp>
         <p:nvSpPr>
-          <p:cNvPr id="31" name="PlaceHolder 3"/>
+          <p:cNvPr id="28" name="PlaceHolder 3"/>
           <p:cNvSpPr>
             <a:spLocks noGrp="1"/>
           </p:cNvSpPr>
@@ -9527,10 +9514,7 @@
             <a:normAutofit/>
           </a:bodyPr>
           <a:p>
-            <a:endParaRPr b="0" lang="en-US" sz="1400" spc="-1" strike="noStrike">
-              <a:solidFill>
-                <a:srgbClr val="000000"/>
-              </a:solidFill>
+            <a:endParaRPr b="0" lang="en-US" sz="3200" spc="-1" strike="noStrike">
               <a:latin typeface="Arial"/>
             </a:endParaRPr>
           </a:p>
@@ -9538,7 +9522,7 @@
       </p:sp>
       <p:sp>
         <p:nvSpPr>
-          <p:cNvPr id="32" name="PlaceHolder 4"/>
+          <p:cNvPr id="29" name="PlaceHolder 4"/>
           <p:cNvSpPr>
             <a:spLocks noGrp="1"/>
           </p:cNvSpPr>
@@ -9560,10 +9544,7 @@
             <a:normAutofit/>
           </a:bodyPr>
           <a:p>
-            <a:endParaRPr b="0" lang="en-US" sz="1400" spc="-1" strike="noStrike">
-              <a:solidFill>
-                <a:srgbClr val="000000"/>
-              </a:solidFill>
+            <a:endParaRPr b="0" lang="en-US" sz="3200" spc="-1" strike="noStrike">
               <a:latin typeface="Arial"/>
             </a:endParaRPr>
           </a:p>
@@ -9571,7 +9552,7 @@
       </p:sp>
       <p:sp>
         <p:nvSpPr>
-          <p:cNvPr id="33" name="PlaceHolder 5"/>
+          <p:cNvPr id="30" name="PlaceHolder 5"/>
           <p:cNvSpPr>
             <a:spLocks noGrp="1"/>
           </p:cNvSpPr>
@@ -9593,10 +9574,7 @@
             <a:normAutofit/>
           </a:bodyPr>
           <a:p>
-            <a:endParaRPr b="0" lang="en-US" sz="1400" spc="-1" strike="noStrike">
-              <a:solidFill>
-                <a:srgbClr val="000000"/>
-              </a:solidFill>
+            <a:endParaRPr b="0" lang="en-US" sz="3200" spc="-1" strike="noStrike">
               <a:latin typeface="Arial"/>
             </a:endParaRPr>
           </a:p>
@@ -9626,7 +9604,7 @@
       </p:grpSpPr>
       <p:sp>
         <p:nvSpPr>
-          <p:cNvPr id="34" name="PlaceHolder 1"/>
+          <p:cNvPr id="31" name="PlaceHolder 1"/>
           <p:cNvSpPr>
             <a:spLocks noGrp="1"/>
           </p:cNvSpPr>
@@ -9637,7 +9615,7 @@
         <p:spPr>
           <a:xfrm>
             <a:off x="1523880" y="1122480"/>
-            <a:ext cx="9143640" cy="2387160"/>
+            <a:ext cx="9142920" cy="2386440"/>
           </a:xfrm>
           <a:prstGeom prst="rect">
             <a:avLst/>
@@ -9648,10 +9626,8 @@
             <a:noAutofit/>
           </a:bodyPr>
           <a:p>
-            <a:endParaRPr b="0" lang="en-US" sz="1400" spc="-1" strike="noStrike">
-              <a:solidFill>
-                <a:srgbClr val="000000"/>
-              </a:solidFill>
+            <a:pPr algn="ctr"/>
+            <a:endParaRPr b="0" lang="en-US" sz="4400" spc="-1" strike="noStrike">
               <a:latin typeface="Arial"/>
             </a:endParaRPr>
           </a:p>
@@ -9659,7 +9635,7 @@
       </p:sp>
       <p:sp>
         <p:nvSpPr>
-          <p:cNvPr id="35" name="PlaceHolder 2"/>
+          <p:cNvPr id="32" name="PlaceHolder 2"/>
           <p:cNvSpPr>
             <a:spLocks noGrp="1"/>
           </p:cNvSpPr>
@@ -9670,7 +9646,7 @@
         <p:spPr>
           <a:xfrm>
             <a:off x="609480" y="1604520"/>
-            <a:ext cx="3533040" cy="1896840"/>
+            <a:ext cx="3532680" cy="1896840"/>
           </a:xfrm>
           <a:prstGeom prst="rect">
             <a:avLst/>
@@ -9681,10 +9657,7 @@
             <a:normAutofit/>
           </a:bodyPr>
           <a:p>
-            <a:endParaRPr b="0" lang="en-US" sz="1400" spc="-1" strike="noStrike">
-              <a:solidFill>
-                <a:srgbClr val="000000"/>
-              </a:solidFill>
+            <a:endParaRPr b="0" lang="en-US" sz="3200" spc="-1" strike="noStrike">
               <a:latin typeface="Arial"/>
             </a:endParaRPr>
           </a:p>
@@ -9692,7 +9665,7 @@
       </p:sp>
       <p:sp>
         <p:nvSpPr>
-          <p:cNvPr id="36" name="PlaceHolder 3"/>
+          <p:cNvPr id="33" name="PlaceHolder 3"/>
           <p:cNvSpPr>
             <a:spLocks noGrp="1"/>
           </p:cNvSpPr>
@@ -9702,8 +9675,8 @@
         </p:nvSpPr>
         <p:spPr>
           <a:xfrm>
-            <a:off x="4319640" y="1604520"/>
-            <a:ext cx="3533040" cy="1896840"/>
+            <a:off x="4319280" y="1604520"/>
+            <a:ext cx="3532680" cy="1896840"/>
           </a:xfrm>
           <a:prstGeom prst="rect">
             <a:avLst/>
@@ -9714,10 +9687,7 @@
             <a:normAutofit/>
           </a:bodyPr>
           <a:p>
-            <a:endParaRPr b="0" lang="en-US" sz="1400" spc="-1" strike="noStrike">
-              <a:solidFill>
-                <a:srgbClr val="000000"/>
-              </a:solidFill>
+            <a:endParaRPr b="0" lang="en-US" sz="3200" spc="-1" strike="noStrike">
               <a:latin typeface="Arial"/>
             </a:endParaRPr>
           </a:p>
@@ -9725,7 +9695,7 @@
       </p:sp>
       <p:sp>
         <p:nvSpPr>
-          <p:cNvPr id="37" name="PlaceHolder 4"/>
+          <p:cNvPr id="34" name="PlaceHolder 4"/>
           <p:cNvSpPr>
             <a:spLocks noGrp="1"/>
           </p:cNvSpPr>
@@ -9735,8 +9705,8 @@
         </p:nvSpPr>
         <p:spPr>
           <a:xfrm>
-            <a:off x="8029800" y="1604520"/>
-            <a:ext cx="3533040" cy="1896840"/>
+            <a:off x="8028720" y="1604520"/>
+            <a:ext cx="3532680" cy="1896840"/>
           </a:xfrm>
           <a:prstGeom prst="rect">
             <a:avLst/>
@@ -9747,10 +9717,7 @@
             <a:normAutofit/>
           </a:bodyPr>
           <a:p>
-            <a:endParaRPr b="0" lang="en-US" sz="1400" spc="-1" strike="noStrike">
-              <a:solidFill>
-                <a:srgbClr val="000000"/>
-              </a:solidFill>
+            <a:endParaRPr b="0" lang="en-US" sz="3200" spc="-1" strike="noStrike">
               <a:latin typeface="Arial"/>
             </a:endParaRPr>
           </a:p>
@@ -9758,7 +9725,7 @@
       </p:sp>
       <p:sp>
         <p:nvSpPr>
-          <p:cNvPr id="38" name="PlaceHolder 5"/>
+          <p:cNvPr id="35" name="PlaceHolder 5"/>
           <p:cNvSpPr>
             <a:spLocks noGrp="1"/>
           </p:cNvSpPr>
@@ -9769,7 +9736,7 @@
         <p:spPr>
           <a:xfrm>
             <a:off x="609480" y="3682080"/>
-            <a:ext cx="3533040" cy="1896840"/>
+            <a:ext cx="3532680" cy="1896840"/>
           </a:xfrm>
           <a:prstGeom prst="rect">
             <a:avLst/>
@@ -9780,10 +9747,7 @@
             <a:normAutofit/>
           </a:bodyPr>
           <a:p>
-            <a:endParaRPr b="0" lang="en-US" sz="1400" spc="-1" strike="noStrike">
-              <a:solidFill>
-                <a:srgbClr val="000000"/>
-              </a:solidFill>
+            <a:endParaRPr b="0" lang="en-US" sz="3200" spc="-1" strike="noStrike">
               <a:latin typeface="Arial"/>
             </a:endParaRPr>
           </a:p>
@@ -9791,7 +9755,7 @@
       </p:sp>
       <p:sp>
         <p:nvSpPr>
-          <p:cNvPr id="39" name="PlaceHolder 6"/>
+          <p:cNvPr id="36" name="PlaceHolder 6"/>
           <p:cNvSpPr>
             <a:spLocks noGrp="1"/>
           </p:cNvSpPr>
@@ -9801,8 +9765,8 @@
         </p:nvSpPr>
         <p:spPr>
           <a:xfrm>
-            <a:off x="4319640" y="3682080"/>
-            <a:ext cx="3533040" cy="1896840"/>
+            <a:off x="4319280" y="3682080"/>
+            <a:ext cx="3532680" cy="1896840"/>
           </a:xfrm>
           <a:prstGeom prst="rect">
             <a:avLst/>
@@ -9813,10 +9777,7 @@
             <a:normAutofit/>
           </a:bodyPr>
           <a:p>
-            <a:endParaRPr b="0" lang="en-US" sz="1400" spc="-1" strike="noStrike">
-              <a:solidFill>
-                <a:srgbClr val="000000"/>
-              </a:solidFill>
+            <a:endParaRPr b="0" lang="en-US" sz="3200" spc="-1" strike="noStrike">
               <a:latin typeface="Arial"/>
             </a:endParaRPr>
           </a:p>
@@ -9824,7 +9785,7 @@
       </p:sp>
       <p:sp>
         <p:nvSpPr>
-          <p:cNvPr id="40" name="PlaceHolder 7"/>
+          <p:cNvPr id="37" name="PlaceHolder 7"/>
           <p:cNvSpPr>
             <a:spLocks noGrp="1"/>
           </p:cNvSpPr>
@@ -9834,8 +9795,8 @@
         </p:nvSpPr>
         <p:spPr>
           <a:xfrm>
-            <a:off x="8029800" y="3682080"/>
-            <a:ext cx="3533040" cy="1896840"/>
+            <a:off x="8028720" y="3682080"/>
+            <a:ext cx="3532680" cy="1896840"/>
           </a:xfrm>
           <a:prstGeom prst="rect">
             <a:avLst/>
@@ -9846,10 +9807,7 @@
             <a:normAutofit/>
           </a:bodyPr>
           <a:p>
-            <a:endParaRPr b="0" lang="en-US" sz="1400" spc="-1" strike="noStrike">
-              <a:solidFill>
-                <a:srgbClr val="000000"/>
-              </a:solidFill>
+            <a:endParaRPr b="0" lang="en-US" sz="3200" spc="-1" strike="noStrike">
               <a:latin typeface="Arial"/>
             </a:endParaRPr>
           </a:p>
@@ -9901,7 +9859,7 @@
       </p:grpSpPr>
       <p:sp>
         <p:nvSpPr>
-          <p:cNvPr id="43" name="PlaceHolder 1"/>
+          <p:cNvPr id="40" name="PlaceHolder 1"/>
           <p:cNvSpPr>
             <a:spLocks noGrp="1"/>
           </p:cNvSpPr>
@@ -9912,7 +9870,7 @@
         <p:spPr>
           <a:xfrm>
             <a:off x="1523880" y="1122480"/>
-            <a:ext cx="9143640" cy="2387160"/>
+            <a:ext cx="9142920" cy="2386440"/>
           </a:xfrm>
           <a:prstGeom prst="rect">
             <a:avLst/>
@@ -9923,10 +9881,8 @@
             <a:noAutofit/>
           </a:bodyPr>
           <a:p>
-            <a:endParaRPr b="0" lang="en-US" sz="1400" spc="-1" strike="noStrike">
-              <a:solidFill>
-                <a:srgbClr val="000000"/>
-              </a:solidFill>
+            <a:pPr algn="ctr"/>
+            <a:endParaRPr b="0" lang="en-US" sz="4400" spc="-1" strike="noStrike">
               <a:latin typeface="Arial"/>
             </a:endParaRPr>
           </a:p>
@@ -9934,7 +9890,7 @@
       </p:sp>
       <p:sp>
         <p:nvSpPr>
-          <p:cNvPr id="44" name="PlaceHolder 2"/>
+          <p:cNvPr id="41" name="PlaceHolder 2"/>
           <p:cNvSpPr>
             <a:spLocks noGrp="1"/>
           </p:cNvSpPr>
@@ -9945,7 +9901,7 @@
         <p:spPr>
           <a:xfrm>
             <a:off x="609480" y="1604520"/>
-            <a:ext cx="10972440" cy="3977280"/>
+            <a:ext cx="10972080" cy="3976920"/>
           </a:xfrm>
           <a:prstGeom prst="rect">
             <a:avLst/>
@@ -9987,7 +9943,7 @@
       </p:grpSpPr>
       <p:sp>
         <p:nvSpPr>
-          <p:cNvPr id="45" name="PlaceHolder 1"/>
+          <p:cNvPr id="42" name="PlaceHolder 1"/>
           <p:cNvSpPr>
             <a:spLocks noGrp="1"/>
           </p:cNvSpPr>
@@ -9998,7 +9954,7 @@
         <p:spPr>
           <a:xfrm>
             <a:off x="1523880" y="1122480"/>
-            <a:ext cx="9143640" cy="2387160"/>
+            <a:ext cx="9142920" cy="2386440"/>
           </a:xfrm>
           <a:prstGeom prst="rect">
             <a:avLst/>
@@ -10009,10 +9965,8 @@
             <a:noAutofit/>
           </a:bodyPr>
           <a:p>
-            <a:endParaRPr b="0" lang="en-US" sz="1400" spc="-1" strike="noStrike">
-              <a:solidFill>
-                <a:srgbClr val="000000"/>
-              </a:solidFill>
+            <a:pPr algn="ctr"/>
+            <a:endParaRPr b="0" lang="en-US" sz="4400" spc="-1" strike="noStrike">
               <a:latin typeface="Arial"/>
             </a:endParaRPr>
           </a:p>
@@ -10020,7 +9974,7 @@
       </p:sp>
       <p:sp>
         <p:nvSpPr>
-          <p:cNvPr id="46" name="PlaceHolder 2"/>
+          <p:cNvPr id="43" name="PlaceHolder 2"/>
           <p:cNvSpPr>
             <a:spLocks noGrp="1"/>
           </p:cNvSpPr>
@@ -10031,7 +9985,7 @@
         <p:spPr>
           <a:xfrm>
             <a:off x="609480" y="1604520"/>
-            <a:ext cx="10972440" cy="3977280"/>
+            <a:ext cx="10972080" cy="3976920"/>
           </a:xfrm>
           <a:prstGeom prst="rect">
             <a:avLst/>
@@ -10042,10 +9996,7 @@
             <a:normAutofit/>
           </a:bodyPr>
           <a:p>
-            <a:endParaRPr b="0" lang="en-US" sz="1400" spc="-1" strike="noStrike">
-              <a:solidFill>
-                <a:srgbClr val="000000"/>
-              </a:solidFill>
+            <a:endParaRPr b="0" lang="en-US" sz="3200" spc="-1" strike="noStrike">
               <a:latin typeface="Arial"/>
             </a:endParaRPr>
           </a:p>
@@ -10075,7 +10026,7 @@
       </p:grpSpPr>
       <p:sp>
         <p:nvSpPr>
-          <p:cNvPr id="47" name="PlaceHolder 1"/>
+          <p:cNvPr id="44" name="PlaceHolder 1"/>
           <p:cNvSpPr>
             <a:spLocks noGrp="1"/>
           </p:cNvSpPr>
@@ -10086,7 +10037,7 @@
         <p:spPr>
           <a:xfrm>
             <a:off x="1523880" y="1122480"/>
-            <a:ext cx="9143640" cy="2387160"/>
+            <a:ext cx="9142920" cy="2386440"/>
           </a:xfrm>
           <a:prstGeom prst="rect">
             <a:avLst/>
@@ -10097,10 +10048,8 @@
             <a:noAutofit/>
           </a:bodyPr>
           <a:p>
-            <a:endParaRPr b="0" lang="en-US" sz="1400" spc="-1" strike="noStrike">
-              <a:solidFill>
-                <a:srgbClr val="000000"/>
-              </a:solidFill>
+            <a:pPr algn="ctr"/>
+            <a:endParaRPr b="0" lang="en-US" sz="4400" spc="-1" strike="noStrike">
               <a:latin typeface="Arial"/>
             </a:endParaRPr>
           </a:p>
@@ -10108,7 +10057,7 @@
       </p:sp>
       <p:sp>
         <p:nvSpPr>
-          <p:cNvPr id="48" name="PlaceHolder 2"/>
+          <p:cNvPr id="45" name="PlaceHolder 2"/>
           <p:cNvSpPr>
             <a:spLocks noGrp="1"/>
           </p:cNvSpPr>
@@ -10119,7 +10068,7 @@
         <p:spPr>
           <a:xfrm>
             <a:off x="609480" y="1604520"/>
-            <a:ext cx="5354280" cy="3977280"/>
+            <a:ext cx="5354280" cy="3976920"/>
           </a:xfrm>
           <a:prstGeom prst="rect">
             <a:avLst/>
@@ -10130,10 +10079,7 @@
             <a:normAutofit/>
           </a:bodyPr>
           <a:p>
-            <a:endParaRPr b="0" lang="en-US" sz="1400" spc="-1" strike="noStrike">
-              <a:solidFill>
-                <a:srgbClr val="000000"/>
-              </a:solidFill>
+            <a:endParaRPr b="0" lang="en-US" sz="3200" spc="-1" strike="noStrike">
               <a:latin typeface="Arial"/>
             </a:endParaRPr>
           </a:p>
@@ -10141,7 +10087,7 @@
       </p:sp>
       <p:sp>
         <p:nvSpPr>
-          <p:cNvPr id="49" name="PlaceHolder 3"/>
+          <p:cNvPr id="46" name="PlaceHolder 3"/>
           <p:cNvSpPr>
             <a:spLocks noGrp="1"/>
           </p:cNvSpPr>
@@ -10152,7 +10098,7 @@
         <p:spPr>
           <a:xfrm>
             <a:off x="6231960" y="1604520"/>
-            <a:ext cx="5354280" cy="3977280"/>
+            <a:ext cx="5354280" cy="3976920"/>
           </a:xfrm>
           <a:prstGeom prst="rect">
             <a:avLst/>
@@ -10163,10 +10109,7 @@
             <a:normAutofit/>
           </a:bodyPr>
           <a:p>
-            <a:endParaRPr b="0" lang="en-US" sz="1400" spc="-1" strike="noStrike">
-              <a:solidFill>
-                <a:srgbClr val="000000"/>
-              </a:solidFill>
+            <a:endParaRPr b="0" lang="en-US" sz="3200" spc="-1" strike="noStrike">
               <a:latin typeface="Arial"/>
             </a:endParaRPr>
           </a:p>
@@ -10196,7 +10139,7 @@
       </p:grpSpPr>
       <p:sp>
         <p:nvSpPr>
-          <p:cNvPr id="50" name="PlaceHolder 1"/>
+          <p:cNvPr id="47" name="PlaceHolder 1"/>
           <p:cNvSpPr>
             <a:spLocks noGrp="1"/>
           </p:cNvSpPr>
@@ -10207,7 +10150,7 @@
         <p:spPr>
           <a:xfrm>
             <a:off x="1523880" y="1122480"/>
-            <a:ext cx="9143640" cy="2387160"/>
+            <a:ext cx="9142920" cy="2386440"/>
           </a:xfrm>
           <a:prstGeom prst="rect">
             <a:avLst/>
@@ -10218,10 +10161,8 @@
             <a:noAutofit/>
           </a:bodyPr>
           <a:p>
-            <a:endParaRPr b="0" lang="en-US" sz="1400" spc="-1" strike="noStrike">
-              <a:solidFill>
-                <a:srgbClr val="000000"/>
-              </a:solidFill>
+            <a:pPr algn="ctr"/>
+            <a:endParaRPr b="0" lang="en-US" sz="4400" spc="-1" strike="noStrike">
               <a:latin typeface="Arial"/>
             </a:endParaRPr>
           </a:p>
@@ -10251,7 +10192,7 @@
       </p:grpSpPr>
       <p:sp>
         <p:nvSpPr>
-          <p:cNvPr id="51" name="PlaceHolder 1"/>
+          <p:cNvPr id="48" name="PlaceHolder 1"/>
           <p:cNvSpPr>
             <a:spLocks noGrp="1"/>
           </p:cNvSpPr>
@@ -10262,7 +10203,7 @@
         <p:spPr>
           <a:xfrm>
             <a:off x="1523880" y="1122480"/>
-            <a:ext cx="9143640" cy="11066760"/>
+            <a:ext cx="9142920" cy="11063520"/>
           </a:xfrm>
           <a:prstGeom prst="rect">
             <a:avLst/>
@@ -10304,7 +10245,7 @@
       </p:grpSpPr>
       <p:sp>
         <p:nvSpPr>
-          <p:cNvPr id="52" name="PlaceHolder 1"/>
+          <p:cNvPr id="49" name="PlaceHolder 1"/>
           <p:cNvSpPr>
             <a:spLocks noGrp="1"/>
           </p:cNvSpPr>
@@ -10315,7 +10256,7 @@
         <p:spPr>
           <a:xfrm>
             <a:off x="1523880" y="1122480"/>
-            <a:ext cx="9143640" cy="2387160"/>
+            <a:ext cx="9142920" cy="2386440"/>
           </a:xfrm>
           <a:prstGeom prst="rect">
             <a:avLst/>
@@ -10326,10 +10267,8 @@
             <a:noAutofit/>
           </a:bodyPr>
           <a:p>
-            <a:endParaRPr b="0" lang="en-US" sz="1400" spc="-1" strike="noStrike">
-              <a:solidFill>
-                <a:srgbClr val="000000"/>
-              </a:solidFill>
+            <a:pPr algn="ctr"/>
+            <a:endParaRPr b="0" lang="en-US" sz="4400" spc="-1" strike="noStrike">
               <a:latin typeface="Arial"/>
             </a:endParaRPr>
           </a:p>
@@ -10337,7 +10276,7 @@
       </p:sp>
       <p:sp>
         <p:nvSpPr>
-          <p:cNvPr id="53" name="PlaceHolder 2"/>
+          <p:cNvPr id="50" name="PlaceHolder 2"/>
           <p:cNvSpPr>
             <a:spLocks noGrp="1"/>
           </p:cNvSpPr>
@@ -10359,10 +10298,7 @@
             <a:normAutofit/>
           </a:bodyPr>
           <a:p>
-            <a:endParaRPr b="0" lang="en-US" sz="1400" spc="-1" strike="noStrike">
-              <a:solidFill>
-                <a:srgbClr val="000000"/>
-              </a:solidFill>
+            <a:endParaRPr b="0" lang="en-US" sz="3200" spc="-1" strike="noStrike">
               <a:latin typeface="Arial"/>
             </a:endParaRPr>
           </a:p>
@@ -10370,7 +10306,7 @@
       </p:sp>
       <p:sp>
         <p:nvSpPr>
-          <p:cNvPr id="54" name="PlaceHolder 3"/>
+          <p:cNvPr id="51" name="PlaceHolder 3"/>
           <p:cNvSpPr>
             <a:spLocks noGrp="1"/>
           </p:cNvSpPr>
@@ -10381,7 +10317,7 @@
         <p:spPr>
           <a:xfrm>
             <a:off x="6231960" y="1604520"/>
-            <a:ext cx="5354280" cy="3977280"/>
+            <a:ext cx="5354280" cy="3976920"/>
           </a:xfrm>
           <a:prstGeom prst="rect">
             <a:avLst/>
@@ -10392,10 +10328,7 @@
             <a:normAutofit/>
           </a:bodyPr>
           <a:p>
-            <a:endParaRPr b="0" lang="en-US" sz="1400" spc="-1" strike="noStrike">
-              <a:solidFill>
-                <a:srgbClr val="000000"/>
-              </a:solidFill>
+            <a:endParaRPr b="0" lang="en-US" sz="3200" spc="-1" strike="noStrike">
               <a:latin typeface="Arial"/>
             </a:endParaRPr>
           </a:p>
@@ -10403,7 +10336,7 @@
       </p:sp>
       <p:sp>
         <p:nvSpPr>
-          <p:cNvPr id="55" name="PlaceHolder 4"/>
+          <p:cNvPr id="52" name="PlaceHolder 4"/>
           <p:cNvSpPr>
             <a:spLocks noGrp="1"/>
           </p:cNvSpPr>
@@ -10425,10 +10358,7 @@
             <a:normAutofit/>
           </a:bodyPr>
           <a:p>
-            <a:endParaRPr b="0" lang="en-US" sz="1400" spc="-1" strike="noStrike">
-              <a:solidFill>
-                <a:srgbClr val="000000"/>
-              </a:solidFill>
+            <a:endParaRPr b="0" lang="en-US" sz="3200" spc="-1" strike="noStrike">
               <a:latin typeface="Arial"/>
             </a:endParaRPr>
           </a:p>
@@ -10458,7 +10388,7 @@
       </p:grpSpPr>
       <p:sp>
         <p:nvSpPr>
-          <p:cNvPr id="5" name="PlaceHolder 1"/>
+          <p:cNvPr id="2" name="PlaceHolder 1"/>
           <p:cNvSpPr>
             <a:spLocks noGrp="1"/>
           </p:cNvSpPr>
@@ -10469,7 +10399,7 @@
         <p:spPr>
           <a:xfrm>
             <a:off x="1523880" y="1122480"/>
-            <a:ext cx="9143640" cy="2387160"/>
+            <a:ext cx="9142920" cy="2386440"/>
           </a:xfrm>
           <a:prstGeom prst="rect">
             <a:avLst/>
@@ -10480,10 +10410,8 @@
             <a:noAutofit/>
           </a:bodyPr>
           <a:p>
-            <a:endParaRPr b="0" lang="en-US" sz="1400" spc="-1" strike="noStrike">
-              <a:solidFill>
-                <a:srgbClr val="000000"/>
-              </a:solidFill>
+            <a:pPr algn="ctr"/>
+            <a:endParaRPr b="0" lang="en-US" sz="4400" spc="-1" strike="noStrike">
               <a:latin typeface="Arial"/>
             </a:endParaRPr>
           </a:p>
@@ -10491,7 +10419,7 @@
       </p:sp>
       <p:sp>
         <p:nvSpPr>
-          <p:cNvPr id="6" name="PlaceHolder 2"/>
+          <p:cNvPr id="3" name="PlaceHolder 2"/>
           <p:cNvSpPr>
             <a:spLocks noGrp="1"/>
           </p:cNvSpPr>
@@ -10502,7 +10430,7 @@
         <p:spPr>
           <a:xfrm>
             <a:off x="609480" y="1604520"/>
-            <a:ext cx="10972440" cy="3977280"/>
+            <a:ext cx="10972080" cy="3976920"/>
           </a:xfrm>
           <a:prstGeom prst="rect">
             <a:avLst/>
@@ -10544,7 +10472,7 @@
       </p:grpSpPr>
       <p:sp>
         <p:nvSpPr>
-          <p:cNvPr id="56" name="PlaceHolder 1"/>
+          <p:cNvPr id="53" name="PlaceHolder 1"/>
           <p:cNvSpPr>
             <a:spLocks noGrp="1"/>
           </p:cNvSpPr>
@@ -10555,7 +10483,7 @@
         <p:spPr>
           <a:xfrm>
             <a:off x="1523880" y="1122480"/>
-            <a:ext cx="9143640" cy="2387160"/>
+            <a:ext cx="9142920" cy="2386440"/>
           </a:xfrm>
           <a:prstGeom prst="rect">
             <a:avLst/>
@@ -10566,10 +10494,8 @@
             <a:noAutofit/>
           </a:bodyPr>
           <a:p>
-            <a:endParaRPr b="0" lang="en-US" sz="1400" spc="-1" strike="noStrike">
-              <a:solidFill>
-                <a:srgbClr val="000000"/>
-              </a:solidFill>
+            <a:pPr algn="ctr"/>
+            <a:endParaRPr b="0" lang="en-US" sz="4400" spc="-1" strike="noStrike">
               <a:latin typeface="Arial"/>
             </a:endParaRPr>
           </a:p>
@@ -10577,7 +10503,7 @@
       </p:sp>
       <p:sp>
         <p:nvSpPr>
-          <p:cNvPr id="57" name="PlaceHolder 2"/>
+          <p:cNvPr id="54" name="PlaceHolder 2"/>
           <p:cNvSpPr>
             <a:spLocks noGrp="1"/>
           </p:cNvSpPr>
@@ -10588,7 +10514,7 @@
         <p:spPr>
           <a:xfrm>
             <a:off x="609480" y="1604520"/>
-            <a:ext cx="5354280" cy="3977280"/>
+            <a:ext cx="5354280" cy="3976920"/>
           </a:xfrm>
           <a:prstGeom prst="rect">
             <a:avLst/>
@@ -10599,10 +10525,7 @@
             <a:normAutofit/>
           </a:bodyPr>
           <a:p>
-            <a:endParaRPr b="0" lang="en-US" sz="1400" spc="-1" strike="noStrike">
-              <a:solidFill>
-                <a:srgbClr val="000000"/>
-              </a:solidFill>
+            <a:endParaRPr b="0" lang="en-US" sz="3200" spc="-1" strike="noStrike">
               <a:latin typeface="Arial"/>
             </a:endParaRPr>
           </a:p>
@@ -10610,7 +10533,7 @@
       </p:sp>
       <p:sp>
         <p:nvSpPr>
-          <p:cNvPr id="58" name="PlaceHolder 3"/>
+          <p:cNvPr id="55" name="PlaceHolder 3"/>
           <p:cNvSpPr>
             <a:spLocks noGrp="1"/>
           </p:cNvSpPr>
@@ -10632,10 +10555,7 @@
             <a:normAutofit/>
           </a:bodyPr>
           <a:p>
-            <a:endParaRPr b="0" lang="en-US" sz="1400" spc="-1" strike="noStrike">
-              <a:solidFill>
-                <a:srgbClr val="000000"/>
-              </a:solidFill>
+            <a:endParaRPr b="0" lang="en-US" sz="3200" spc="-1" strike="noStrike">
               <a:latin typeface="Arial"/>
             </a:endParaRPr>
           </a:p>
@@ -10643,7 +10563,7 @@
       </p:sp>
       <p:sp>
         <p:nvSpPr>
-          <p:cNvPr id="59" name="PlaceHolder 4"/>
+          <p:cNvPr id="56" name="PlaceHolder 4"/>
           <p:cNvSpPr>
             <a:spLocks noGrp="1"/>
           </p:cNvSpPr>
@@ -10665,10 +10585,7 @@
             <a:normAutofit/>
           </a:bodyPr>
           <a:p>
-            <a:endParaRPr b="0" lang="en-US" sz="1400" spc="-1" strike="noStrike">
-              <a:solidFill>
-                <a:srgbClr val="000000"/>
-              </a:solidFill>
+            <a:endParaRPr b="0" lang="en-US" sz="3200" spc="-1" strike="noStrike">
               <a:latin typeface="Arial"/>
             </a:endParaRPr>
           </a:p>
@@ -10698,7 +10615,7 @@
       </p:grpSpPr>
       <p:sp>
         <p:nvSpPr>
-          <p:cNvPr id="60" name="PlaceHolder 1"/>
+          <p:cNvPr id="57" name="PlaceHolder 1"/>
           <p:cNvSpPr>
             <a:spLocks noGrp="1"/>
           </p:cNvSpPr>
@@ -10709,7 +10626,7 @@
         <p:spPr>
           <a:xfrm>
             <a:off x="1523880" y="1122480"/>
-            <a:ext cx="9143640" cy="2387160"/>
+            <a:ext cx="9142920" cy="2386440"/>
           </a:xfrm>
           <a:prstGeom prst="rect">
             <a:avLst/>
@@ -10720,10 +10637,8 @@
             <a:noAutofit/>
           </a:bodyPr>
           <a:p>
-            <a:endParaRPr b="0" lang="en-US" sz="1400" spc="-1" strike="noStrike">
-              <a:solidFill>
-                <a:srgbClr val="000000"/>
-              </a:solidFill>
+            <a:pPr algn="ctr"/>
+            <a:endParaRPr b="0" lang="en-US" sz="4400" spc="-1" strike="noStrike">
               <a:latin typeface="Arial"/>
             </a:endParaRPr>
           </a:p>
@@ -10731,7 +10646,7 @@
       </p:sp>
       <p:sp>
         <p:nvSpPr>
-          <p:cNvPr id="61" name="PlaceHolder 2"/>
+          <p:cNvPr id="58" name="PlaceHolder 2"/>
           <p:cNvSpPr>
             <a:spLocks noGrp="1"/>
           </p:cNvSpPr>
@@ -10753,10 +10668,7 @@
             <a:normAutofit/>
           </a:bodyPr>
           <a:p>
-            <a:endParaRPr b="0" lang="en-US" sz="1400" spc="-1" strike="noStrike">
-              <a:solidFill>
-                <a:srgbClr val="000000"/>
-              </a:solidFill>
+            <a:endParaRPr b="0" lang="en-US" sz="3200" spc="-1" strike="noStrike">
               <a:latin typeface="Arial"/>
             </a:endParaRPr>
           </a:p>
@@ -10764,7 +10676,7 @@
       </p:sp>
       <p:sp>
         <p:nvSpPr>
-          <p:cNvPr id="62" name="PlaceHolder 3"/>
+          <p:cNvPr id="59" name="PlaceHolder 3"/>
           <p:cNvSpPr>
             <a:spLocks noGrp="1"/>
           </p:cNvSpPr>
@@ -10786,10 +10698,7 @@
             <a:normAutofit/>
           </a:bodyPr>
           <a:p>
-            <a:endParaRPr b="0" lang="en-US" sz="1400" spc="-1" strike="noStrike">
-              <a:solidFill>
-                <a:srgbClr val="000000"/>
-              </a:solidFill>
+            <a:endParaRPr b="0" lang="en-US" sz="3200" spc="-1" strike="noStrike">
               <a:latin typeface="Arial"/>
             </a:endParaRPr>
           </a:p>
@@ -10797,7 +10706,7 @@
       </p:sp>
       <p:sp>
         <p:nvSpPr>
-          <p:cNvPr id="63" name="PlaceHolder 4"/>
+          <p:cNvPr id="60" name="PlaceHolder 4"/>
           <p:cNvSpPr>
             <a:spLocks noGrp="1"/>
           </p:cNvSpPr>
@@ -10808,7 +10717,7 @@
         <p:spPr>
           <a:xfrm>
             <a:off x="609480" y="3682080"/>
-            <a:ext cx="10972440" cy="1896840"/>
+            <a:ext cx="10972080" cy="1896840"/>
           </a:xfrm>
           <a:prstGeom prst="rect">
             <a:avLst/>
@@ -10819,10 +10728,7 @@
             <a:normAutofit/>
           </a:bodyPr>
           <a:p>
-            <a:endParaRPr b="0" lang="en-US" sz="1400" spc="-1" strike="noStrike">
-              <a:solidFill>
-                <a:srgbClr val="000000"/>
-              </a:solidFill>
+            <a:endParaRPr b="0" lang="en-US" sz="3200" spc="-1" strike="noStrike">
               <a:latin typeface="Arial"/>
             </a:endParaRPr>
           </a:p>
@@ -10852,7 +10758,7 @@
       </p:grpSpPr>
       <p:sp>
         <p:nvSpPr>
-          <p:cNvPr id="64" name="PlaceHolder 1"/>
+          <p:cNvPr id="61" name="PlaceHolder 1"/>
           <p:cNvSpPr>
             <a:spLocks noGrp="1"/>
           </p:cNvSpPr>
@@ -10863,7 +10769,7 @@
         <p:spPr>
           <a:xfrm>
             <a:off x="1523880" y="1122480"/>
-            <a:ext cx="9143640" cy="2387160"/>
+            <a:ext cx="9142920" cy="2386440"/>
           </a:xfrm>
           <a:prstGeom prst="rect">
             <a:avLst/>
@@ -10874,10 +10780,8 @@
             <a:noAutofit/>
           </a:bodyPr>
           <a:p>
-            <a:endParaRPr b="0" lang="en-US" sz="1400" spc="-1" strike="noStrike">
-              <a:solidFill>
-                <a:srgbClr val="000000"/>
-              </a:solidFill>
+            <a:pPr algn="ctr"/>
+            <a:endParaRPr b="0" lang="en-US" sz="4400" spc="-1" strike="noStrike">
               <a:latin typeface="Arial"/>
             </a:endParaRPr>
           </a:p>
@@ -10885,7 +10789,7 @@
       </p:sp>
       <p:sp>
         <p:nvSpPr>
-          <p:cNvPr id="65" name="PlaceHolder 2"/>
+          <p:cNvPr id="62" name="PlaceHolder 2"/>
           <p:cNvSpPr>
             <a:spLocks noGrp="1"/>
           </p:cNvSpPr>
@@ -10896,7 +10800,7 @@
         <p:spPr>
           <a:xfrm>
             <a:off x="609480" y="1604520"/>
-            <a:ext cx="10972440" cy="1896840"/>
+            <a:ext cx="10972080" cy="1896840"/>
           </a:xfrm>
           <a:prstGeom prst="rect">
             <a:avLst/>
@@ -10907,10 +10811,7 @@
             <a:normAutofit/>
           </a:bodyPr>
           <a:p>
-            <a:endParaRPr b="0" lang="en-US" sz="1400" spc="-1" strike="noStrike">
-              <a:solidFill>
-                <a:srgbClr val="000000"/>
-              </a:solidFill>
+            <a:endParaRPr b="0" lang="en-US" sz="3200" spc="-1" strike="noStrike">
               <a:latin typeface="Arial"/>
             </a:endParaRPr>
           </a:p>
@@ -10918,7 +10819,7 @@
       </p:sp>
       <p:sp>
         <p:nvSpPr>
-          <p:cNvPr id="66" name="PlaceHolder 3"/>
+          <p:cNvPr id="63" name="PlaceHolder 3"/>
           <p:cNvSpPr>
             <a:spLocks noGrp="1"/>
           </p:cNvSpPr>
@@ -10929,7 +10830,7 @@
         <p:spPr>
           <a:xfrm>
             <a:off x="609480" y="3682080"/>
-            <a:ext cx="10972440" cy="1896840"/>
+            <a:ext cx="10972080" cy="1896840"/>
           </a:xfrm>
           <a:prstGeom prst="rect">
             <a:avLst/>
@@ -10940,10 +10841,7 @@
             <a:normAutofit/>
           </a:bodyPr>
           <a:p>
-            <a:endParaRPr b="0" lang="en-US" sz="1400" spc="-1" strike="noStrike">
-              <a:solidFill>
-                <a:srgbClr val="000000"/>
-              </a:solidFill>
+            <a:endParaRPr b="0" lang="en-US" sz="3200" spc="-1" strike="noStrike">
               <a:latin typeface="Arial"/>
             </a:endParaRPr>
           </a:p>
@@ -10973,7 +10871,7 @@
       </p:grpSpPr>
       <p:sp>
         <p:nvSpPr>
-          <p:cNvPr id="67" name="PlaceHolder 1"/>
+          <p:cNvPr id="64" name="PlaceHolder 1"/>
           <p:cNvSpPr>
             <a:spLocks noGrp="1"/>
           </p:cNvSpPr>
@@ -10984,7 +10882,7 @@
         <p:spPr>
           <a:xfrm>
             <a:off x="1523880" y="1122480"/>
-            <a:ext cx="9143640" cy="2387160"/>
+            <a:ext cx="9142920" cy="2386440"/>
           </a:xfrm>
           <a:prstGeom prst="rect">
             <a:avLst/>
@@ -10995,10 +10893,8 @@
             <a:noAutofit/>
           </a:bodyPr>
           <a:p>
-            <a:endParaRPr b="0" lang="en-US" sz="1400" spc="-1" strike="noStrike">
-              <a:solidFill>
-                <a:srgbClr val="000000"/>
-              </a:solidFill>
+            <a:pPr algn="ctr"/>
+            <a:endParaRPr b="0" lang="en-US" sz="4400" spc="-1" strike="noStrike">
               <a:latin typeface="Arial"/>
             </a:endParaRPr>
           </a:p>
@@ -11006,7 +10902,7 @@
       </p:sp>
       <p:sp>
         <p:nvSpPr>
-          <p:cNvPr id="68" name="PlaceHolder 2"/>
+          <p:cNvPr id="65" name="PlaceHolder 2"/>
           <p:cNvSpPr>
             <a:spLocks noGrp="1"/>
           </p:cNvSpPr>
@@ -11028,10 +10924,7 @@
             <a:normAutofit/>
           </a:bodyPr>
           <a:p>
-            <a:endParaRPr b="0" lang="en-US" sz="1400" spc="-1" strike="noStrike">
-              <a:solidFill>
-                <a:srgbClr val="000000"/>
-              </a:solidFill>
+            <a:endParaRPr b="0" lang="en-US" sz="3200" spc="-1" strike="noStrike">
               <a:latin typeface="Arial"/>
             </a:endParaRPr>
           </a:p>
@@ -11039,7 +10932,7 @@
       </p:sp>
       <p:sp>
         <p:nvSpPr>
-          <p:cNvPr id="69" name="PlaceHolder 3"/>
+          <p:cNvPr id="66" name="PlaceHolder 3"/>
           <p:cNvSpPr>
             <a:spLocks noGrp="1"/>
           </p:cNvSpPr>
@@ -11061,10 +10954,7 @@
             <a:normAutofit/>
           </a:bodyPr>
           <a:p>
-            <a:endParaRPr b="0" lang="en-US" sz="1400" spc="-1" strike="noStrike">
-              <a:solidFill>
-                <a:srgbClr val="000000"/>
-              </a:solidFill>
+            <a:endParaRPr b="0" lang="en-US" sz="3200" spc="-1" strike="noStrike">
               <a:latin typeface="Arial"/>
             </a:endParaRPr>
           </a:p>
@@ -11072,7 +10962,7 @@
       </p:sp>
       <p:sp>
         <p:nvSpPr>
-          <p:cNvPr id="70" name="PlaceHolder 4"/>
+          <p:cNvPr id="67" name="PlaceHolder 4"/>
           <p:cNvSpPr>
             <a:spLocks noGrp="1"/>
           </p:cNvSpPr>
@@ -11094,10 +10984,7 @@
             <a:normAutofit/>
           </a:bodyPr>
           <a:p>
-            <a:endParaRPr b="0" lang="en-US" sz="1400" spc="-1" strike="noStrike">
-              <a:solidFill>
-                <a:srgbClr val="000000"/>
-              </a:solidFill>
+            <a:endParaRPr b="0" lang="en-US" sz="3200" spc="-1" strike="noStrike">
               <a:latin typeface="Arial"/>
             </a:endParaRPr>
           </a:p>
@@ -11105,7 +10992,7 @@
       </p:sp>
       <p:sp>
         <p:nvSpPr>
-          <p:cNvPr id="71" name="PlaceHolder 5"/>
+          <p:cNvPr id="68" name="PlaceHolder 5"/>
           <p:cNvSpPr>
             <a:spLocks noGrp="1"/>
           </p:cNvSpPr>
@@ -11127,10 +11014,7 @@
             <a:normAutofit/>
           </a:bodyPr>
           <a:p>
-            <a:endParaRPr b="0" lang="en-US" sz="1400" spc="-1" strike="noStrike">
-              <a:solidFill>
-                <a:srgbClr val="000000"/>
-              </a:solidFill>
+            <a:endParaRPr b="0" lang="en-US" sz="3200" spc="-1" strike="noStrike">
               <a:latin typeface="Arial"/>
             </a:endParaRPr>
           </a:p>
@@ -11160,7 +11044,7 @@
       </p:grpSpPr>
       <p:sp>
         <p:nvSpPr>
-          <p:cNvPr id="72" name="PlaceHolder 1"/>
+          <p:cNvPr id="69" name="PlaceHolder 1"/>
           <p:cNvSpPr>
             <a:spLocks noGrp="1"/>
           </p:cNvSpPr>
@@ -11171,7 +11055,7 @@
         <p:spPr>
           <a:xfrm>
             <a:off x="1523880" y="1122480"/>
-            <a:ext cx="9143640" cy="2387160"/>
+            <a:ext cx="9142920" cy="2386440"/>
           </a:xfrm>
           <a:prstGeom prst="rect">
             <a:avLst/>
@@ -11182,10 +11066,8 @@
             <a:noAutofit/>
           </a:bodyPr>
           <a:p>
-            <a:endParaRPr b="0" lang="en-US" sz="1400" spc="-1" strike="noStrike">
-              <a:solidFill>
-                <a:srgbClr val="000000"/>
-              </a:solidFill>
+            <a:pPr algn="ctr"/>
+            <a:endParaRPr b="0" lang="en-US" sz="4400" spc="-1" strike="noStrike">
               <a:latin typeface="Arial"/>
             </a:endParaRPr>
           </a:p>
@@ -11193,7 +11075,7 @@
       </p:sp>
       <p:sp>
         <p:nvSpPr>
-          <p:cNvPr id="73" name="PlaceHolder 2"/>
+          <p:cNvPr id="70" name="PlaceHolder 2"/>
           <p:cNvSpPr>
             <a:spLocks noGrp="1"/>
           </p:cNvSpPr>
@@ -11204,7 +11086,7 @@
         <p:spPr>
           <a:xfrm>
             <a:off x="609480" y="1604520"/>
-            <a:ext cx="3533040" cy="1896840"/>
+            <a:ext cx="3532680" cy="1896840"/>
           </a:xfrm>
           <a:prstGeom prst="rect">
             <a:avLst/>
@@ -11215,10 +11097,7 @@
             <a:normAutofit/>
           </a:bodyPr>
           <a:p>
-            <a:endParaRPr b="0" lang="en-US" sz="1400" spc="-1" strike="noStrike">
-              <a:solidFill>
-                <a:srgbClr val="000000"/>
-              </a:solidFill>
+            <a:endParaRPr b="0" lang="en-US" sz="3200" spc="-1" strike="noStrike">
               <a:latin typeface="Arial"/>
             </a:endParaRPr>
           </a:p>
@@ -11226,7 +11105,7 @@
       </p:sp>
       <p:sp>
         <p:nvSpPr>
-          <p:cNvPr id="74" name="PlaceHolder 3"/>
+          <p:cNvPr id="71" name="PlaceHolder 3"/>
           <p:cNvSpPr>
             <a:spLocks noGrp="1"/>
           </p:cNvSpPr>
@@ -11236,8 +11115,8 @@
         </p:nvSpPr>
         <p:spPr>
           <a:xfrm>
-            <a:off x="4319640" y="1604520"/>
-            <a:ext cx="3533040" cy="1896840"/>
+            <a:off x="4319280" y="1604520"/>
+            <a:ext cx="3532680" cy="1896840"/>
           </a:xfrm>
           <a:prstGeom prst="rect">
             <a:avLst/>
@@ -11248,10 +11127,7 @@
             <a:normAutofit/>
           </a:bodyPr>
           <a:p>
-            <a:endParaRPr b="0" lang="en-US" sz="1400" spc="-1" strike="noStrike">
-              <a:solidFill>
-                <a:srgbClr val="000000"/>
-              </a:solidFill>
+            <a:endParaRPr b="0" lang="en-US" sz="3200" spc="-1" strike="noStrike">
               <a:latin typeface="Arial"/>
             </a:endParaRPr>
           </a:p>
@@ -11259,7 +11135,7 @@
       </p:sp>
       <p:sp>
         <p:nvSpPr>
-          <p:cNvPr id="75" name="PlaceHolder 4"/>
+          <p:cNvPr id="72" name="PlaceHolder 4"/>
           <p:cNvSpPr>
             <a:spLocks noGrp="1"/>
           </p:cNvSpPr>
@@ -11269,8 +11145,8 @@
         </p:nvSpPr>
         <p:spPr>
           <a:xfrm>
-            <a:off x="8029800" y="1604520"/>
-            <a:ext cx="3533040" cy="1896840"/>
+            <a:off x="8028720" y="1604520"/>
+            <a:ext cx="3532680" cy="1896840"/>
           </a:xfrm>
           <a:prstGeom prst="rect">
             <a:avLst/>
@@ -11281,10 +11157,7 @@
             <a:normAutofit/>
           </a:bodyPr>
           <a:p>
-            <a:endParaRPr b="0" lang="en-US" sz="1400" spc="-1" strike="noStrike">
-              <a:solidFill>
-                <a:srgbClr val="000000"/>
-              </a:solidFill>
+            <a:endParaRPr b="0" lang="en-US" sz="3200" spc="-1" strike="noStrike">
               <a:latin typeface="Arial"/>
             </a:endParaRPr>
           </a:p>
@@ -11292,7 +11165,7 @@
       </p:sp>
       <p:sp>
         <p:nvSpPr>
-          <p:cNvPr id="76" name="PlaceHolder 5"/>
+          <p:cNvPr id="73" name="PlaceHolder 5"/>
           <p:cNvSpPr>
             <a:spLocks noGrp="1"/>
           </p:cNvSpPr>
@@ -11303,7 +11176,7 @@
         <p:spPr>
           <a:xfrm>
             <a:off x="609480" y="3682080"/>
-            <a:ext cx="3533040" cy="1896840"/>
+            <a:ext cx="3532680" cy="1896840"/>
           </a:xfrm>
           <a:prstGeom prst="rect">
             <a:avLst/>
@@ -11314,10 +11187,7 @@
             <a:normAutofit/>
           </a:bodyPr>
           <a:p>
-            <a:endParaRPr b="0" lang="en-US" sz="1400" spc="-1" strike="noStrike">
-              <a:solidFill>
-                <a:srgbClr val="000000"/>
-              </a:solidFill>
+            <a:endParaRPr b="0" lang="en-US" sz="3200" spc="-1" strike="noStrike">
               <a:latin typeface="Arial"/>
             </a:endParaRPr>
           </a:p>
@@ -11325,7 +11195,7 @@
       </p:sp>
       <p:sp>
         <p:nvSpPr>
-          <p:cNvPr id="77" name="PlaceHolder 6"/>
+          <p:cNvPr id="74" name="PlaceHolder 6"/>
           <p:cNvSpPr>
             <a:spLocks noGrp="1"/>
           </p:cNvSpPr>
@@ -11335,8 +11205,8 @@
         </p:nvSpPr>
         <p:spPr>
           <a:xfrm>
-            <a:off x="4319640" y="3682080"/>
-            <a:ext cx="3533040" cy="1896840"/>
+            <a:off x="4319280" y="3682080"/>
+            <a:ext cx="3532680" cy="1896840"/>
           </a:xfrm>
           <a:prstGeom prst="rect">
             <a:avLst/>
@@ -11347,10 +11217,7 @@
             <a:normAutofit/>
           </a:bodyPr>
           <a:p>
-            <a:endParaRPr b="0" lang="en-US" sz="1400" spc="-1" strike="noStrike">
-              <a:solidFill>
-                <a:srgbClr val="000000"/>
-              </a:solidFill>
+            <a:endParaRPr b="0" lang="en-US" sz="3200" spc="-1" strike="noStrike">
               <a:latin typeface="Arial"/>
             </a:endParaRPr>
           </a:p>
@@ -11358,7 +11225,7 @@
       </p:sp>
       <p:sp>
         <p:nvSpPr>
-          <p:cNvPr id="78" name="PlaceHolder 7"/>
+          <p:cNvPr id="75" name="PlaceHolder 7"/>
           <p:cNvSpPr>
             <a:spLocks noGrp="1"/>
           </p:cNvSpPr>
@@ -11368,8 +11235,8 @@
         </p:nvSpPr>
         <p:spPr>
           <a:xfrm>
-            <a:off x="8029800" y="3682080"/>
-            <a:ext cx="3533040" cy="1896840"/>
+            <a:off x="8028720" y="3682080"/>
+            <a:ext cx="3532680" cy="1896840"/>
           </a:xfrm>
           <a:prstGeom prst="rect">
             <a:avLst/>
@@ -11380,10 +11247,7 @@
             <a:normAutofit/>
           </a:bodyPr>
           <a:p>
-            <a:endParaRPr b="0" lang="en-US" sz="1400" spc="-1" strike="noStrike">
-              <a:solidFill>
-                <a:srgbClr val="000000"/>
-              </a:solidFill>
+            <a:endParaRPr b="0" lang="en-US" sz="3200" spc="-1" strike="noStrike">
               <a:latin typeface="Arial"/>
             </a:endParaRPr>
           </a:p>
@@ -11413,7 +11277,7 @@
       </p:grpSpPr>
       <p:sp>
         <p:nvSpPr>
-          <p:cNvPr id="7" name="PlaceHolder 1"/>
+          <p:cNvPr id="4" name="PlaceHolder 1"/>
           <p:cNvSpPr>
             <a:spLocks noGrp="1"/>
           </p:cNvSpPr>
@@ -11424,7 +11288,7 @@
         <p:spPr>
           <a:xfrm>
             <a:off x="1523880" y="1122480"/>
-            <a:ext cx="9143640" cy="2387160"/>
+            <a:ext cx="9142920" cy="2386440"/>
           </a:xfrm>
           <a:prstGeom prst="rect">
             <a:avLst/>
@@ -11435,10 +11299,8 @@
             <a:noAutofit/>
           </a:bodyPr>
           <a:p>
-            <a:endParaRPr b="0" lang="en-US" sz="1400" spc="-1" strike="noStrike">
-              <a:solidFill>
-                <a:srgbClr val="000000"/>
-              </a:solidFill>
+            <a:pPr algn="ctr"/>
+            <a:endParaRPr b="0" lang="en-US" sz="4400" spc="-1" strike="noStrike">
               <a:latin typeface="Arial"/>
             </a:endParaRPr>
           </a:p>
@@ -11446,7 +11308,7 @@
       </p:sp>
       <p:sp>
         <p:nvSpPr>
-          <p:cNvPr id="8" name="PlaceHolder 2"/>
+          <p:cNvPr id="5" name="PlaceHolder 2"/>
           <p:cNvSpPr>
             <a:spLocks noGrp="1"/>
           </p:cNvSpPr>
@@ -11457,7 +11319,7 @@
         <p:spPr>
           <a:xfrm>
             <a:off x="609480" y="1604520"/>
-            <a:ext cx="10972440" cy="3977280"/>
+            <a:ext cx="10972080" cy="3976920"/>
           </a:xfrm>
           <a:prstGeom prst="rect">
             <a:avLst/>
@@ -11468,10 +11330,7 @@
             <a:normAutofit/>
           </a:bodyPr>
           <a:p>
-            <a:endParaRPr b="0" lang="en-US" sz="1400" spc="-1" strike="noStrike">
-              <a:solidFill>
-                <a:srgbClr val="000000"/>
-              </a:solidFill>
+            <a:endParaRPr b="0" lang="en-US" sz="3200" spc="-1" strike="noStrike">
               <a:latin typeface="Arial"/>
             </a:endParaRPr>
           </a:p>
@@ -11501,7 +11360,7 @@
       </p:grpSpPr>
       <p:sp>
         <p:nvSpPr>
-          <p:cNvPr id="9" name="PlaceHolder 1"/>
+          <p:cNvPr id="6" name="PlaceHolder 1"/>
           <p:cNvSpPr>
             <a:spLocks noGrp="1"/>
           </p:cNvSpPr>
@@ -11512,7 +11371,7 @@
         <p:spPr>
           <a:xfrm>
             <a:off x="1523880" y="1122480"/>
-            <a:ext cx="9143640" cy="2387160"/>
+            <a:ext cx="9142920" cy="2386440"/>
           </a:xfrm>
           <a:prstGeom prst="rect">
             <a:avLst/>
@@ -11523,10 +11382,8 @@
             <a:noAutofit/>
           </a:bodyPr>
           <a:p>
-            <a:endParaRPr b="0" lang="en-US" sz="1400" spc="-1" strike="noStrike">
-              <a:solidFill>
-                <a:srgbClr val="000000"/>
-              </a:solidFill>
+            <a:pPr algn="ctr"/>
+            <a:endParaRPr b="0" lang="en-US" sz="4400" spc="-1" strike="noStrike">
               <a:latin typeface="Arial"/>
             </a:endParaRPr>
           </a:p>
@@ -11534,7 +11391,7 @@
       </p:sp>
       <p:sp>
         <p:nvSpPr>
-          <p:cNvPr id="10" name="PlaceHolder 2"/>
+          <p:cNvPr id="7" name="PlaceHolder 2"/>
           <p:cNvSpPr>
             <a:spLocks noGrp="1"/>
           </p:cNvSpPr>
@@ -11545,7 +11402,7 @@
         <p:spPr>
           <a:xfrm>
             <a:off x="609480" y="1604520"/>
-            <a:ext cx="5354280" cy="3977280"/>
+            <a:ext cx="5354280" cy="3976920"/>
           </a:xfrm>
           <a:prstGeom prst="rect">
             <a:avLst/>
@@ -11556,10 +11413,7 @@
             <a:normAutofit/>
           </a:bodyPr>
           <a:p>
-            <a:endParaRPr b="0" lang="en-US" sz="1400" spc="-1" strike="noStrike">
-              <a:solidFill>
-                <a:srgbClr val="000000"/>
-              </a:solidFill>
+            <a:endParaRPr b="0" lang="en-US" sz="3200" spc="-1" strike="noStrike">
               <a:latin typeface="Arial"/>
             </a:endParaRPr>
           </a:p>
@@ -11567,7 +11421,7 @@
       </p:sp>
       <p:sp>
         <p:nvSpPr>
-          <p:cNvPr id="11" name="PlaceHolder 3"/>
+          <p:cNvPr id="8" name="PlaceHolder 3"/>
           <p:cNvSpPr>
             <a:spLocks noGrp="1"/>
           </p:cNvSpPr>
@@ -11578,7 +11432,7 @@
         <p:spPr>
           <a:xfrm>
             <a:off x="6231960" y="1604520"/>
-            <a:ext cx="5354280" cy="3977280"/>
+            <a:ext cx="5354280" cy="3976920"/>
           </a:xfrm>
           <a:prstGeom prst="rect">
             <a:avLst/>
@@ -11589,10 +11443,7 @@
             <a:normAutofit/>
           </a:bodyPr>
           <a:p>
-            <a:endParaRPr b="0" lang="en-US" sz="1400" spc="-1" strike="noStrike">
-              <a:solidFill>
-                <a:srgbClr val="000000"/>
-              </a:solidFill>
+            <a:endParaRPr b="0" lang="en-US" sz="3200" spc="-1" strike="noStrike">
               <a:latin typeface="Arial"/>
             </a:endParaRPr>
           </a:p>
@@ -11622,7 +11473,7 @@
       </p:grpSpPr>
       <p:sp>
         <p:nvSpPr>
-          <p:cNvPr id="12" name="PlaceHolder 1"/>
+          <p:cNvPr id="9" name="PlaceHolder 1"/>
           <p:cNvSpPr>
             <a:spLocks noGrp="1"/>
           </p:cNvSpPr>
@@ -11633,7 +11484,7 @@
         <p:spPr>
           <a:xfrm>
             <a:off x="1523880" y="1122480"/>
-            <a:ext cx="9143640" cy="2387160"/>
+            <a:ext cx="9142920" cy="2386440"/>
           </a:xfrm>
           <a:prstGeom prst="rect">
             <a:avLst/>
@@ -11644,10 +11495,8 @@
             <a:noAutofit/>
           </a:bodyPr>
           <a:p>
-            <a:endParaRPr b="0" lang="en-US" sz="1400" spc="-1" strike="noStrike">
-              <a:solidFill>
-                <a:srgbClr val="000000"/>
-              </a:solidFill>
+            <a:pPr algn="ctr"/>
+            <a:endParaRPr b="0" lang="en-US" sz="4400" spc="-1" strike="noStrike">
               <a:latin typeface="Arial"/>
             </a:endParaRPr>
           </a:p>
@@ -11677,7 +11526,7 @@
       </p:grpSpPr>
       <p:sp>
         <p:nvSpPr>
-          <p:cNvPr id="13" name="PlaceHolder 1"/>
+          <p:cNvPr id="10" name="PlaceHolder 1"/>
           <p:cNvSpPr>
             <a:spLocks noGrp="1"/>
           </p:cNvSpPr>
@@ -11688,7 +11537,7 @@
         <p:spPr>
           <a:xfrm>
             <a:off x="1523880" y="1122480"/>
-            <a:ext cx="9143640" cy="11066760"/>
+            <a:ext cx="9142920" cy="11063520"/>
           </a:xfrm>
           <a:prstGeom prst="rect">
             <a:avLst/>
@@ -11730,7 +11579,7 @@
       </p:grpSpPr>
       <p:sp>
         <p:nvSpPr>
-          <p:cNvPr id="14" name="PlaceHolder 1"/>
+          <p:cNvPr id="11" name="PlaceHolder 1"/>
           <p:cNvSpPr>
             <a:spLocks noGrp="1"/>
           </p:cNvSpPr>
@@ -11741,7 +11590,7 @@
         <p:spPr>
           <a:xfrm>
             <a:off x="1523880" y="1122480"/>
-            <a:ext cx="9143640" cy="2387160"/>
+            <a:ext cx="9142920" cy="2386440"/>
           </a:xfrm>
           <a:prstGeom prst="rect">
             <a:avLst/>
@@ -11752,10 +11601,8 @@
             <a:noAutofit/>
           </a:bodyPr>
           <a:p>
-            <a:endParaRPr b="0" lang="en-US" sz="1400" spc="-1" strike="noStrike">
-              <a:solidFill>
-                <a:srgbClr val="000000"/>
-              </a:solidFill>
+            <a:pPr algn="ctr"/>
+            <a:endParaRPr b="0" lang="en-US" sz="4400" spc="-1" strike="noStrike">
               <a:latin typeface="Arial"/>
             </a:endParaRPr>
           </a:p>
@@ -11763,7 +11610,7 @@
       </p:sp>
       <p:sp>
         <p:nvSpPr>
-          <p:cNvPr id="15" name="PlaceHolder 2"/>
+          <p:cNvPr id="12" name="PlaceHolder 2"/>
           <p:cNvSpPr>
             <a:spLocks noGrp="1"/>
           </p:cNvSpPr>
@@ -11785,10 +11632,7 @@
             <a:normAutofit/>
           </a:bodyPr>
           <a:p>
-            <a:endParaRPr b="0" lang="en-US" sz="1400" spc="-1" strike="noStrike">
-              <a:solidFill>
-                <a:srgbClr val="000000"/>
-              </a:solidFill>
+            <a:endParaRPr b="0" lang="en-US" sz="3200" spc="-1" strike="noStrike">
               <a:latin typeface="Arial"/>
             </a:endParaRPr>
           </a:p>
@@ -11796,7 +11640,7 @@
       </p:sp>
       <p:sp>
         <p:nvSpPr>
-          <p:cNvPr id="16" name="PlaceHolder 3"/>
+          <p:cNvPr id="13" name="PlaceHolder 3"/>
           <p:cNvSpPr>
             <a:spLocks noGrp="1"/>
           </p:cNvSpPr>
@@ -11807,7 +11651,7 @@
         <p:spPr>
           <a:xfrm>
             <a:off x="6231960" y="1604520"/>
-            <a:ext cx="5354280" cy="3977280"/>
+            <a:ext cx="5354280" cy="3976920"/>
           </a:xfrm>
           <a:prstGeom prst="rect">
             <a:avLst/>
@@ -11818,10 +11662,7 @@
             <a:normAutofit/>
           </a:bodyPr>
           <a:p>
-            <a:endParaRPr b="0" lang="en-US" sz="1400" spc="-1" strike="noStrike">
-              <a:solidFill>
-                <a:srgbClr val="000000"/>
-              </a:solidFill>
+            <a:endParaRPr b="0" lang="en-US" sz="3200" spc="-1" strike="noStrike">
               <a:latin typeface="Arial"/>
             </a:endParaRPr>
           </a:p>
@@ -11829,7 +11670,7 @@
       </p:sp>
       <p:sp>
         <p:nvSpPr>
-          <p:cNvPr id="17" name="PlaceHolder 4"/>
+          <p:cNvPr id="14" name="PlaceHolder 4"/>
           <p:cNvSpPr>
             <a:spLocks noGrp="1"/>
           </p:cNvSpPr>
@@ -11851,10 +11692,7 @@
             <a:normAutofit/>
           </a:bodyPr>
           <a:p>
-            <a:endParaRPr b="0" lang="en-US" sz="1400" spc="-1" strike="noStrike">
-              <a:solidFill>
-                <a:srgbClr val="000000"/>
-              </a:solidFill>
+            <a:endParaRPr b="0" lang="en-US" sz="3200" spc="-1" strike="noStrike">
               <a:latin typeface="Arial"/>
             </a:endParaRPr>
           </a:p>
@@ -11884,7 +11722,7 @@
       </p:grpSpPr>
       <p:sp>
         <p:nvSpPr>
-          <p:cNvPr id="18" name="PlaceHolder 1"/>
+          <p:cNvPr id="15" name="PlaceHolder 1"/>
           <p:cNvSpPr>
             <a:spLocks noGrp="1"/>
           </p:cNvSpPr>
@@ -11895,7 +11733,7 @@
         <p:spPr>
           <a:xfrm>
             <a:off x="1523880" y="1122480"/>
-            <a:ext cx="9143640" cy="2387160"/>
+            <a:ext cx="9142920" cy="2386440"/>
           </a:xfrm>
           <a:prstGeom prst="rect">
             <a:avLst/>
@@ -11906,10 +11744,8 @@
             <a:noAutofit/>
           </a:bodyPr>
           <a:p>
-            <a:endParaRPr b="0" lang="en-US" sz="1400" spc="-1" strike="noStrike">
-              <a:solidFill>
-                <a:srgbClr val="000000"/>
-              </a:solidFill>
+            <a:pPr algn="ctr"/>
+            <a:endParaRPr b="0" lang="en-US" sz="4400" spc="-1" strike="noStrike">
               <a:latin typeface="Arial"/>
             </a:endParaRPr>
           </a:p>
@@ -11917,7 +11753,7 @@
       </p:sp>
       <p:sp>
         <p:nvSpPr>
-          <p:cNvPr id="19" name="PlaceHolder 2"/>
+          <p:cNvPr id="16" name="PlaceHolder 2"/>
           <p:cNvSpPr>
             <a:spLocks noGrp="1"/>
           </p:cNvSpPr>
@@ -11928,7 +11764,7 @@
         <p:spPr>
           <a:xfrm>
             <a:off x="609480" y="1604520"/>
-            <a:ext cx="5354280" cy="3977280"/>
+            <a:ext cx="5354280" cy="3976920"/>
           </a:xfrm>
           <a:prstGeom prst="rect">
             <a:avLst/>
@@ -11939,10 +11775,7 @@
             <a:normAutofit/>
           </a:bodyPr>
           <a:p>
-            <a:endParaRPr b="0" lang="en-US" sz="1400" spc="-1" strike="noStrike">
-              <a:solidFill>
-                <a:srgbClr val="000000"/>
-              </a:solidFill>
+            <a:endParaRPr b="0" lang="en-US" sz="3200" spc="-1" strike="noStrike">
               <a:latin typeface="Arial"/>
             </a:endParaRPr>
           </a:p>
@@ -11950,7 +11783,7 @@
       </p:sp>
       <p:sp>
         <p:nvSpPr>
-          <p:cNvPr id="20" name="PlaceHolder 3"/>
+          <p:cNvPr id="17" name="PlaceHolder 3"/>
           <p:cNvSpPr>
             <a:spLocks noGrp="1"/>
           </p:cNvSpPr>
@@ -11972,10 +11805,7 @@
             <a:normAutofit/>
           </a:bodyPr>
           <a:p>
-            <a:endParaRPr b="0" lang="en-US" sz="1400" spc="-1" strike="noStrike">
-              <a:solidFill>
-                <a:srgbClr val="000000"/>
-              </a:solidFill>
+            <a:endParaRPr b="0" lang="en-US" sz="3200" spc="-1" strike="noStrike">
               <a:latin typeface="Arial"/>
             </a:endParaRPr>
           </a:p>
@@ -11983,7 +11813,7 @@
       </p:sp>
       <p:sp>
         <p:nvSpPr>
-          <p:cNvPr id="21" name="PlaceHolder 4"/>
+          <p:cNvPr id="18" name="PlaceHolder 4"/>
           <p:cNvSpPr>
             <a:spLocks noGrp="1"/>
           </p:cNvSpPr>
@@ -12005,10 +11835,7 @@
             <a:normAutofit/>
           </a:bodyPr>
           <a:p>
-            <a:endParaRPr b="0" lang="en-US" sz="1400" spc="-1" strike="noStrike">
-              <a:solidFill>
-                <a:srgbClr val="000000"/>
-              </a:solidFill>
+            <a:endParaRPr b="0" lang="en-US" sz="3200" spc="-1" strike="noStrike">
               <a:latin typeface="Arial"/>
             </a:endParaRPr>
           </a:p>
@@ -12038,7 +11865,7 @@
       </p:grpSpPr>
       <p:sp>
         <p:nvSpPr>
-          <p:cNvPr id="22" name="PlaceHolder 1"/>
+          <p:cNvPr id="19" name="PlaceHolder 1"/>
           <p:cNvSpPr>
             <a:spLocks noGrp="1"/>
           </p:cNvSpPr>
@@ -12049,7 +11876,7 @@
         <p:spPr>
           <a:xfrm>
             <a:off x="1523880" y="1122480"/>
-            <a:ext cx="9143640" cy="2387160"/>
+            <a:ext cx="9142920" cy="2386440"/>
           </a:xfrm>
           <a:prstGeom prst="rect">
             <a:avLst/>
@@ -12060,10 +11887,8 @@
             <a:noAutofit/>
           </a:bodyPr>
           <a:p>
-            <a:endParaRPr b="0" lang="en-US" sz="1400" spc="-1" strike="noStrike">
-              <a:solidFill>
-                <a:srgbClr val="000000"/>
-              </a:solidFill>
+            <a:pPr algn="ctr"/>
+            <a:endParaRPr b="0" lang="en-US" sz="4400" spc="-1" strike="noStrike">
               <a:latin typeface="Arial"/>
             </a:endParaRPr>
           </a:p>
@@ -12071,7 +11896,7 @@
       </p:sp>
       <p:sp>
         <p:nvSpPr>
-          <p:cNvPr id="23" name="PlaceHolder 2"/>
+          <p:cNvPr id="20" name="PlaceHolder 2"/>
           <p:cNvSpPr>
             <a:spLocks noGrp="1"/>
           </p:cNvSpPr>
@@ -12093,10 +11918,7 @@
             <a:normAutofit/>
           </a:bodyPr>
           <a:p>
-            <a:endParaRPr b="0" lang="en-US" sz="1400" spc="-1" strike="noStrike">
-              <a:solidFill>
-                <a:srgbClr val="000000"/>
-              </a:solidFill>
+            <a:endParaRPr b="0" lang="en-US" sz="3200" spc="-1" strike="noStrike">
               <a:latin typeface="Arial"/>
             </a:endParaRPr>
           </a:p>
@@ -12104,7 +11926,7 @@
       </p:sp>
       <p:sp>
         <p:nvSpPr>
-          <p:cNvPr id="24" name="PlaceHolder 3"/>
+          <p:cNvPr id="21" name="PlaceHolder 3"/>
           <p:cNvSpPr>
             <a:spLocks noGrp="1"/>
           </p:cNvSpPr>
@@ -12126,10 +11948,7 @@
             <a:normAutofit/>
           </a:bodyPr>
           <a:p>
-            <a:endParaRPr b="0" lang="en-US" sz="1400" spc="-1" strike="noStrike">
-              <a:solidFill>
-                <a:srgbClr val="000000"/>
-              </a:solidFill>
+            <a:endParaRPr b="0" lang="en-US" sz="3200" spc="-1" strike="noStrike">
               <a:latin typeface="Arial"/>
             </a:endParaRPr>
           </a:p>
@@ -12137,7 +11956,7 @@
       </p:sp>
       <p:sp>
         <p:nvSpPr>
-          <p:cNvPr id="25" name="PlaceHolder 4"/>
+          <p:cNvPr id="22" name="PlaceHolder 4"/>
           <p:cNvSpPr>
             <a:spLocks noGrp="1"/>
           </p:cNvSpPr>
@@ -12148,7 +11967,7 @@
         <p:spPr>
           <a:xfrm>
             <a:off x="609480" y="3682080"/>
-            <a:ext cx="10972440" cy="1896840"/>
+            <a:ext cx="10972080" cy="1896840"/>
           </a:xfrm>
           <a:prstGeom prst="rect">
             <a:avLst/>
@@ -12159,10 +11978,7 @@
             <a:normAutofit/>
           </a:bodyPr>
           <a:p>
-            <a:endParaRPr b="0" lang="en-US" sz="1400" spc="-1" strike="noStrike">
-              <a:solidFill>
-                <a:srgbClr val="000000"/>
-              </a:solidFill>
+            <a:endParaRPr b="0" lang="en-US" sz="3200" spc="-1" strike="noStrike">
               <a:latin typeface="Arial"/>
             </a:endParaRPr>
           </a:p>
@@ -12209,450 +12025,8 @@
         </p:nvSpPr>
         <p:spPr>
           <a:xfrm>
-            <a:off x="1523880" y="1122480"/>
-            <a:ext cx="9143640" cy="2387160"/>
-          </a:xfrm>
-          <a:prstGeom prst="rect">
-            <a:avLst/>
-          </a:prstGeom>
-        </p:spPr>
-        <p:txBody>
-          <a:bodyPr anchor="b">
-            <a:normAutofit/>
-          </a:bodyPr>
-          <a:p>
-            <a:r>
-              <a:rPr b="0" lang="en-US" sz="6000" spc="-1" strike="noStrike">
-                <a:solidFill>
-                  <a:srgbClr val="000000"/>
-                </a:solidFill>
-                <a:latin typeface="Arial"/>
-              </a:rPr>
-              <a:t>Click to </a:t>
-            </a:r>
-            <a:r>
-              <a:rPr b="0" lang="en-US" sz="6000" spc="-1" strike="noStrike">
-                <a:solidFill>
-                  <a:srgbClr val="000000"/>
-                </a:solidFill>
-                <a:latin typeface="Arial"/>
-              </a:rPr>
-              <a:t>edit the </a:t>
-            </a:r>
-            <a:r>
-              <a:rPr b="0" lang="en-US" sz="6000" spc="-1" strike="noStrike">
-                <a:solidFill>
-                  <a:srgbClr val="000000"/>
-                </a:solidFill>
-                <a:latin typeface="Arial"/>
-              </a:rPr>
-              <a:t>title text </a:t>
-            </a:r>
-            <a:r>
-              <a:rPr b="0" lang="en-US" sz="6000" spc="-1" strike="noStrike">
-                <a:solidFill>
-                  <a:srgbClr val="000000"/>
-                </a:solidFill>
-                <a:latin typeface="Arial"/>
-              </a:rPr>
-              <a:t>format</a:t>
-            </a:r>
-            <a:endParaRPr b="0" lang="en-US" sz="6000" spc="-1" strike="noStrike">
-              <a:solidFill>
-                <a:srgbClr val="000000"/>
-              </a:solidFill>
-              <a:latin typeface="Arial"/>
-            </a:endParaRPr>
-          </a:p>
-        </p:txBody>
-      </p:sp>
-      <p:sp>
-        <p:nvSpPr>
-          <p:cNvPr id="1" name="PlaceHolder 2"/>
-          <p:cNvSpPr>
-            <a:spLocks noGrp="1"/>
-          </p:cNvSpPr>
-          <p:nvPr>
-            <p:ph type="dt"/>
-          </p:nvPr>
-        </p:nvSpPr>
-        <p:spPr>
-          <a:xfrm>
-            <a:off x="838080" y="6356520"/>
-            <a:ext cx="2742840" cy="364680"/>
-          </a:xfrm>
-          <a:prstGeom prst="rect">
-            <a:avLst/>
-          </a:prstGeom>
-        </p:spPr>
-        <p:txBody>
-          <a:bodyPr anchor="ctr">
-            <a:noAutofit/>
-          </a:bodyPr>
-          <a:p>
-            <a:endParaRPr b="0" lang="en-US" sz="2400" spc="-1" strike="noStrike">
-              <a:latin typeface="Times New Roman"/>
-            </a:endParaRPr>
-          </a:p>
-        </p:txBody>
-      </p:sp>
-      <p:sp>
-        <p:nvSpPr>
-          <p:cNvPr id="2" name="PlaceHolder 3"/>
-          <p:cNvSpPr>
-            <a:spLocks noGrp="1"/>
-          </p:cNvSpPr>
-          <p:nvPr>
-            <p:ph type="ftr"/>
-          </p:nvPr>
-        </p:nvSpPr>
-        <p:spPr>
-          <a:xfrm>
-            <a:off x="4038480" y="6356520"/>
-            <a:ext cx="4114440" cy="364680"/>
-          </a:xfrm>
-          <a:prstGeom prst="rect">
-            <a:avLst/>
-          </a:prstGeom>
-        </p:spPr>
-        <p:txBody>
-          <a:bodyPr anchor="ctr">
-            <a:noAutofit/>
-          </a:bodyPr>
-          <a:p>
-            <a:endParaRPr b="0" lang="en-US" sz="2400" spc="-1" strike="noStrike">
-              <a:latin typeface="Times New Roman"/>
-            </a:endParaRPr>
-          </a:p>
-        </p:txBody>
-      </p:sp>
-      <p:sp>
-        <p:nvSpPr>
-          <p:cNvPr id="3" name="PlaceHolder 4"/>
-          <p:cNvSpPr>
-            <a:spLocks noGrp="1"/>
-          </p:cNvSpPr>
-          <p:nvPr>
-            <p:ph type="sldNum"/>
-          </p:nvPr>
-        </p:nvSpPr>
-        <p:spPr>
-          <a:xfrm>
-            <a:off x="8610480" y="6356520"/>
-            <a:ext cx="2742840" cy="364680"/>
-          </a:xfrm>
-          <a:prstGeom prst="rect">
-            <a:avLst/>
-          </a:prstGeom>
-        </p:spPr>
-        <p:txBody>
-          <a:bodyPr anchor="ctr">
-            <a:noAutofit/>
-          </a:bodyPr>
-          <a:p>
-            <a:pPr algn="r">
-              <a:lnSpc>
-                <a:spcPct val="100000"/>
-              </a:lnSpc>
-              <a:tabLst>
-                <a:tab algn="l" pos="0"/>
-              </a:tabLst>
-            </a:pPr>
-            <a:fld id="{1FAFCFE9-7A7C-4DDD-AFAC-A33574091302}" type="slidenum">
-              <a:rPr b="0" lang="en-US" sz="1200" spc="-1" strike="noStrike">
-                <a:solidFill>
-                  <a:srgbClr val="888888"/>
-                </a:solidFill>
-                <a:latin typeface="Calibri"/>
-                <a:ea typeface="Calibri"/>
-              </a:rPr>
-              <a:t>&lt;number&gt;</a:t>
-            </a:fld>
-            <a:endParaRPr b="0" lang="en-US" sz="1200" spc="-1" strike="noStrike">
-              <a:latin typeface="Times New Roman"/>
-            </a:endParaRPr>
-          </a:p>
-        </p:txBody>
-      </p:sp>
-      <p:sp>
-        <p:nvSpPr>
-          <p:cNvPr id="4" name="PlaceHolder 5"/>
-          <p:cNvSpPr>
-            <a:spLocks noGrp="1"/>
-          </p:cNvSpPr>
-          <p:nvPr>
-            <p:ph type="body"/>
-          </p:nvPr>
-        </p:nvSpPr>
-        <p:spPr>
-          <a:xfrm>
-            <a:off x="609480" y="1604520"/>
-            <a:ext cx="10972440" cy="3977280"/>
-          </a:xfrm>
-          <a:prstGeom prst="rect">
-            <a:avLst/>
-          </a:prstGeom>
-        </p:spPr>
-        <p:txBody>
-          <a:bodyPr lIns="0" rIns="0" tIns="0" bIns="0">
-            <a:normAutofit/>
-          </a:bodyPr>
-          <a:p>
-            <a:pPr marL="432000" indent="-324000">
-              <a:spcBef>
-                <a:spcPts val="1417"/>
-              </a:spcBef>
-              <a:buClr>
-                <a:srgbClr val="000000"/>
-              </a:buClr>
-              <a:buSzPct val="45000"/>
-              <a:buFont typeface="Wingdings" charset="2"/>
-              <a:buChar char=""/>
-            </a:pPr>
-            <a:r>
-              <a:rPr b="0" lang="en-US" sz="1400" spc="-1" strike="noStrike">
-                <a:solidFill>
-                  <a:srgbClr val="000000"/>
-                </a:solidFill>
-                <a:latin typeface="Arial"/>
-              </a:rPr>
-              <a:t>Click to edit the outline text format</a:t>
-            </a:r>
-            <a:endParaRPr b="0" lang="en-US" sz="1400" spc="-1" strike="noStrike">
-              <a:solidFill>
-                <a:srgbClr val="000000"/>
-              </a:solidFill>
-              <a:latin typeface="Arial"/>
-            </a:endParaRPr>
-          </a:p>
-          <a:p>
-            <a:pPr lvl="1" marL="864000" indent="-324000">
-              <a:spcBef>
-                <a:spcPts val="1134"/>
-              </a:spcBef>
-              <a:buClr>
-                <a:srgbClr val="000000"/>
-              </a:buClr>
-              <a:buSzPct val="75000"/>
-              <a:buFont typeface="Symbol" charset="2"/>
-              <a:buChar char=""/>
-            </a:pPr>
-            <a:r>
-              <a:rPr b="0" lang="en-US" sz="1400" spc="-1" strike="noStrike">
-                <a:solidFill>
-                  <a:srgbClr val="000000"/>
-                </a:solidFill>
-                <a:latin typeface="Arial"/>
-              </a:rPr>
-              <a:t>Second Outline Level</a:t>
-            </a:r>
-            <a:endParaRPr b="0" lang="en-US" sz="1400" spc="-1" strike="noStrike">
-              <a:solidFill>
-                <a:srgbClr val="000000"/>
-              </a:solidFill>
-              <a:latin typeface="Arial"/>
-            </a:endParaRPr>
-          </a:p>
-          <a:p>
-            <a:pPr lvl="2" marL="1296000" indent="-288000">
-              <a:spcBef>
-                <a:spcPts val="850"/>
-              </a:spcBef>
-              <a:buClr>
-                <a:srgbClr val="000000"/>
-              </a:buClr>
-              <a:buSzPct val="45000"/>
-              <a:buFont typeface="Wingdings" charset="2"/>
-              <a:buChar char=""/>
-            </a:pPr>
-            <a:r>
-              <a:rPr b="0" lang="en-US" sz="1400" spc="-1" strike="noStrike">
-                <a:solidFill>
-                  <a:srgbClr val="000000"/>
-                </a:solidFill>
-                <a:latin typeface="Arial"/>
-              </a:rPr>
-              <a:t>Third Outline Level</a:t>
-            </a:r>
-            <a:endParaRPr b="0" lang="en-US" sz="1400" spc="-1" strike="noStrike">
-              <a:solidFill>
-                <a:srgbClr val="000000"/>
-              </a:solidFill>
-              <a:latin typeface="Arial"/>
-            </a:endParaRPr>
-          </a:p>
-          <a:p>
-            <a:pPr lvl="3" marL="1728000" indent="-216000">
-              <a:spcBef>
-                <a:spcPts val="567"/>
-              </a:spcBef>
-              <a:buClr>
-                <a:srgbClr val="000000"/>
-              </a:buClr>
-              <a:buSzPct val="75000"/>
-              <a:buFont typeface="Symbol" charset="2"/>
-              <a:buChar char=""/>
-            </a:pPr>
-            <a:r>
-              <a:rPr b="0" lang="en-US" sz="1400" spc="-1" strike="noStrike">
-                <a:solidFill>
-                  <a:srgbClr val="000000"/>
-                </a:solidFill>
-                <a:latin typeface="Arial"/>
-              </a:rPr>
-              <a:t>Fourth Outline Level</a:t>
-            </a:r>
-            <a:endParaRPr b="0" lang="en-US" sz="1400" spc="-1" strike="noStrike">
-              <a:solidFill>
-                <a:srgbClr val="000000"/>
-              </a:solidFill>
-              <a:latin typeface="Arial"/>
-            </a:endParaRPr>
-          </a:p>
-          <a:p>
-            <a:pPr lvl="4" marL="2160000" indent="-216000">
-              <a:spcBef>
-                <a:spcPts val="283"/>
-              </a:spcBef>
-              <a:buClr>
-                <a:srgbClr val="000000"/>
-              </a:buClr>
-              <a:buSzPct val="45000"/>
-              <a:buFont typeface="Wingdings" charset="2"/>
-              <a:buChar char=""/>
-            </a:pPr>
-            <a:r>
-              <a:rPr b="0" lang="en-US" sz="2000" spc="-1" strike="noStrike">
-                <a:solidFill>
-                  <a:srgbClr val="000000"/>
-                </a:solidFill>
-                <a:latin typeface="Arial"/>
-              </a:rPr>
-              <a:t>Fifth Outline Level</a:t>
-            </a:r>
-            <a:endParaRPr b="0" lang="en-US" sz="2000" spc="-1" strike="noStrike">
-              <a:solidFill>
-                <a:srgbClr val="000000"/>
-              </a:solidFill>
-              <a:latin typeface="Arial"/>
-            </a:endParaRPr>
-          </a:p>
-          <a:p>
-            <a:pPr lvl="5" marL="2592000" indent="-216000">
-              <a:spcBef>
-                <a:spcPts val="283"/>
-              </a:spcBef>
-              <a:buClr>
-                <a:srgbClr val="000000"/>
-              </a:buClr>
-              <a:buSzPct val="45000"/>
-              <a:buFont typeface="Wingdings" charset="2"/>
-              <a:buChar char=""/>
-            </a:pPr>
-            <a:r>
-              <a:rPr b="0" lang="en-US" sz="2000" spc="-1" strike="noStrike">
-                <a:solidFill>
-                  <a:srgbClr val="000000"/>
-                </a:solidFill>
-                <a:latin typeface="Arial"/>
-              </a:rPr>
-              <a:t>Sixth Outline Level</a:t>
-            </a:r>
-            <a:endParaRPr b="0" lang="en-US" sz="2000" spc="-1" strike="noStrike">
-              <a:solidFill>
-                <a:srgbClr val="000000"/>
-              </a:solidFill>
-              <a:latin typeface="Arial"/>
-            </a:endParaRPr>
-          </a:p>
-          <a:p>
-            <a:pPr lvl="6" marL="3024000" indent="-216000">
-              <a:spcBef>
-                <a:spcPts val="283"/>
-              </a:spcBef>
-              <a:buClr>
-                <a:srgbClr val="000000"/>
-              </a:buClr>
-              <a:buSzPct val="45000"/>
-              <a:buFont typeface="Wingdings" charset="2"/>
-              <a:buChar char=""/>
-            </a:pPr>
-            <a:r>
-              <a:rPr b="0" lang="en-US" sz="2000" spc="-1" strike="noStrike">
-                <a:solidFill>
-                  <a:srgbClr val="000000"/>
-                </a:solidFill>
-                <a:latin typeface="Arial"/>
-              </a:rPr>
-              <a:t>Seventh Outline Level</a:t>
-            </a:r>
-            <a:endParaRPr b="0" lang="en-US" sz="2000" spc="-1" strike="noStrike">
-              <a:solidFill>
-                <a:srgbClr val="000000"/>
-              </a:solidFill>
-              <a:latin typeface="Arial"/>
-            </a:endParaRPr>
-          </a:p>
-        </p:txBody>
-      </p:sp>
-    </p:spTree>
-  </p:cSld>
-  <p:clrMap bg1="lt1" bg2="lt2" tx1="dk1" tx2="dk2" accent1="accent1" accent2="accent2" accent3="accent3" accent4="accent4" accent5="accent5" accent6="accent6" hlink="hlink" folHlink="folHlink"/>
-  <p:sldLayoutIdLst>
-    <p:sldLayoutId id="2147483649" r:id="rId2"/>
-    <p:sldLayoutId id="2147483650" r:id="rId3"/>
-    <p:sldLayoutId id="2147483651" r:id="rId4"/>
-    <p:sldLayoutId id="2147483652" r:id="rId5"/>
-    <p:sldLayoutId id="2147483653" r:id="rId6"/>
-    <p:sldLayoutId id="2147483654" r:id="rId7"/>
-    <p:sldLayoutId id="2147483655" r:id="rId8"/>
-    <p:sldLayoutId id="2147483656" r:id="rId9"/>
-    <p:sldLayoutId id="2147483657" r:id="rId10"/>
-    <p:sldLayoutId id="2147483658" r:id="rId11"/>
-    <p:sldLayoutId id="2147483659" r:id="rId12"/>
-    <p:sldLayoutId id="2147483660" r:id="rId13"/>
-  </p:sldLayoutIdLst>
-</p:sldMaster>
-</file>
-
-<file path=ppt/slideMasters/slideMaster2.xml><?xml version="1.0" encoding="utf-8"?>
-<p:sldMaster xmlns:a="http://schemas.openxmlformats.org/drawingml/2006/main" xmlns:p="http://schemas.openxmlformats.org/presentationml/2006/main" xmlns:r="http://schemas.openxmlformats.org/officeDocument/2006/relationships" xmlns:p14="http://schemas.microsoft.com/office/powerpoint/2010/main" xmlns:p15="http://schemas.microsoft.com/office/powerpoint/2012/main" xmlns:mc="http://schemas.openxmlformats.org/markup-compatibility/2006">
-  <p:cSld>
-    <p:bg>
-      <p:bgPr>
-        <a:solidFill>
-          <a:srgbClr val="ffffff"/>
-        </a:solidFill>
-      </p:bgPr>
-    </p:bg>
-    <p:spTree>
-      <p:nvGrpSpPr>
-        <p:cNvPr id="1" name=""/>
-        <p:cNvGrpSpPr/>
-        <p:nvPr/>
-      </p:nvGrpSpPr>
-      <p:grpSpPr>
-        <a:xfrm>
-          <a:off x="0" y="0"/>
-          <a:ext cx="0" cy="0"/>
-          <a:chOff x="0" y="0"/>
-          <a:chExt cx="0" cy="0"/>
-        </a:xfrm>
-      </p:grpSpPr>
-      <p:sp>
-        <p:nvSpPr>
-          <p:cNvPr id="41" name="PlaceHolder 1"/>
-          <p:cNvSpPr>
-            <a:spLocks noGrp="1"/>
-          </p:cNvSpPr>
-          <p:nvPr>
-            <p:ph type="title"/>
-          </p:nvPr>
-        </p:nvSpPr>
-        <p:spPr>
-          <a:xfrm>
-            <a:off x="1523880" y="1122480"/>
-            <a:ext cx="9143280" cy="2386800"/>
+            <a:off x="609480" y="273600"/>
+            <a:ext cx="10972440" cy="1144800"/>
           </a:xfrm>
           <a:prstGeom prst="rect">
             <a:avLst/>
@@ -12663,13 +12037,14 @@
             <a:noAutofit/>
           </a:bodyPr>
           <a:p>
+            <a:pPr algn="ctr"/>
             <a:r>
-              <a:rPr b="0" lang="en-US" sz="1800" spc="-1" strike="noStrike">
+              <a:rPr b="0" lang="en-US" sz="4400" spc="-1" strike="noStrike">
                 <a:latin typeface="Arial"/>
               </a:rPr>
               <a:t>Click to edit the title text format</a:t>
             </a:r>
-            <a:endParaRPr b="0" lang="en-US" sz="1800" spc="-1" strike="noStrike">
+            <a:endParaRPr b="0" lang="en-US" sz="4400" spc="-1" strike="noStrike">
               <a:latin typeface="Arial"/>
             </a:endParaRPr>
           </a:p>
@@ -12677,7 +12052,7 @@
       </p:sp>
       <p:sp>
         <p:nvSpPr>
-          <p:cNvPr id="42" name="PlaceHolder 2"/>
+          <p:cNvPr id="1" name="PlaceHolder 2"/>
           <p:cNvSpPr>
             <a:spLocks noGrp="1"/>
           </p:cNvSpPr>
@@ -12858,6 +12233,265 @@
   </p:cSld>
   <p:clrMap bg1="lt1" bg2="lt2" tx1="dk1" tx2="dk2" accent1="accent1" accent2="accent2" accent3="accent3" accent4="accent4" accent5="accent5" accent6="accent6" hlink="hlink" folHlink="folHlink"/>
   <p:sldLayoutIdLst>
+    <p:sldLayoutId id="2147483649" r:id="rId2"/>
+    <p:sldLayoutId id="2147483650" r:id="rId3"/>
+    <p:sldLayoutId id="2147483651" r:id="rId4"/>
+    <p:sldLayoutId id="2147483652" r:id="rId5"/>
+    <p:sldLayoutId id="2147483653" r:id="rId6"/>
+    <p:sldLayoutId id="2147483654" r:id="rId7"/>
+    <p:sldLayoutId id="2147483655" r:id="rId8"/>
+    <p:sldLayoutId id="2147483656" r:id="rId9"/>
+    <p:sldLayoutId id="2147483657" r:id="rId10"/>
+    <p:sldLayoutId id="2147483658" r:id="rId11"/>
+    <p:sldLayoutId id="2147483659" r:id="rId12"/>
+    <p:sldLayoutId id="2147483660" r:id="rId13"/>
+  </p:sldLayoutIdLst>
+</p:sldMaster>
+</file>
+
+<file path=ppt/slideMasters/slideMaster2.xml><?xml version="1.0" encoding="utf-8"?>
+<p:sldMaster xmlns:a="http://schemas.openxmlformats.org/drawingml/2006/main" xmlns:p="http://schemas.openxmlformats.org/presentationml/2006/main" xmlns:r="http://schemas.openxmlformats.org/officeDocument/2006/relationships" xmlns:p14="http://schemas.microsoft.com/office/powerpoint/2010/main" xmlns:p15="http://schemas.microsoft.com/office/powerpoint/2012/main" xmlns:mc="http://schemas.openxmlformats.org/markup-compatibility/2006">
+  <p:cSld>
+    <p:bg>
+      <p:bgPr>
+        <a:solidFill>
+          <a:srgbClr val="ffffff"/>
+        </a:solidFill>
+      </p:bgPr>
+    </p:bg>
+    <p:spTree>
+      <p:nvGrpSpPr>
+        <p:cNvPr id="1" name=""/>
+        <p:cNvGrpSpPr/>
+        <p:nvPr/>
+      </p:nvGrpSpPr>
+      <p:grpSpPr>
+        <a:xfrm>
+          <a:off x="0" y="0"/>
+          <a:ext cx="0" cy="0"/>
+          <a:chOff x="0" y="0"/>
+          <a:chExt cx="0" cy="0"/>
+        </a:xfrm>
+      </p:grpSpPr>
+      <p:sp>
+        <p:nvSpPr>
+          <p:cNvPr id="38" name="PlaceHolder 1"/>
+          <p:cNvSpPr>
+            <a:spLocks noGrp="1"/>
+          </p:cNvSpPr>
+          <p:nvPr>
+            <p:ph type="title"/>
+          </p:nvPr>
+        </p:nvSpPr>
+        <p:spPr>
+          <a:xfrm>
+            <a:off x="1523880" y="1122480"/>
+            <a:ext cx="9142920" cy="2386440"/>
+          </a:xfrm>
+          <a:prstGeom prst="rect">
+            <a:avLst/>
+          </a:prstGeom>
+        </p:spPr>
+        <p:txBody>
+          <a:bodyPr lIns="0" rIns="0" tIns="0" bIns="0" anchor="ctr">
+            <a:noAutofit/>
+          </a:bodyPr>
+          <a:p>
+            <a:r>
+              <a:rPr b="0" lang="en-US" sz="1800" spc="-1" strike="noStrike">
+                <a:latin typeface="Arial"/>
+              </a:rPr>
+              <a:t>Click to edit the title text format</a:t>
+            </a:r>
+            <a:endParaRPr b="0" lang="en-US" sz="1800" spc="-1" strike="noStrike">
+              <a:latin typeface="Arial"/>
+            </a:endParaRPr>
+          </a:p>
+        </p:txBody>
+      </p:sp>
+      <p:sp>
+        <p:nvSpPr>
+          <p:cNvPr id="39" name="PlaceHolder 2"/>
+          <p:cNvSpPr>
+            <a:spLocks noGrp="1"/>
+          </p:cNvSpPr>
+          <p:nvPr>
+            <p:ph type="body"/>
+          </p:nvPr>
+        </p:nvSpPr>
+        <p:spPr>
+          <a:xfrm>
+            <a:off x="609480" y="1604520"/>
+            <a:ext cx="10972080" cy="3976920"/>
+          </a:xfrm>
+          <a:prstGeom prst="rect">
+            <a:avLst/>
+          </a:prstGeom>
+        </p:spPr>
+        <p:txBody>
+          <a:bodyPr lIns="0" rIns="0" tIns="0" bIns="0">
+            <a:normAutofit/>
+          </a:bodyPr>
+          <a:p>
+            <a:pPr marL="432000" indent="-324000">
+              <a:spcBef>
+                <a:spcPts val="1417"/>
+              </a:spcBef>
+              <a:buClr>
+                <a:srgbClr val="000000"/>
+              </a:buClr>
+              <a:buSzPct val="45000"/>
+              <a:buFont typeface="Wingdings" charset="2"/>
+              <a:buChar char=""/>
+            </a:pPr>
+            <a:r>
+              <a:rPr b="0" lang="en-US" sz="1800" spc="-1" strike="noStrike">
+                <a:latin typeface="Arial"/>
+              </a:rPr>
+              <a:t>Click to edit the outline text format</a:t>
+            </a:r>
+            <a:endParaRPr b="0" lang="en-US" sz="1800" spc="-1" strike="noStrike">
+              <a:latin typeface="Arial"/>
+            </a:endParaRPr>
+          </a:p>
+          <a:p>
+            <a:pPr lvl="1" marL="864000" indent="-324000">
+              <a:spcBef>
+                <a:spcPts val="1134"/>
+              </a:spcBef>
+              <a:buClr>
+                <a:srgbClr val="000000"/>
+              </a:buClr>
+              <a:buSzPct val="75000"/>
+              <a:buFont typeface="Symbol" charset="2"/>
+              <a:buChar char=""/>
+            </a:pPr>
+            <a:r>
+              <a:rPr b="0" lang="en-US" sz="1800" spc="-1" strike="noStrike">
+                <a:latin typeface="Arial"/>
+              </a:rPr>
+              <a:t>Second Outline Level</a:t>
+            </a:r>
+            <a:endParaRPr b="0" lang="en-US" sz="1800" spc="-1" strike="noStrike">
+              <a:latin typeface="Arial"/>
+            </a:endParaRPr>
+          </a:p>
+          <a:p>
+            <a:pPr lvl="2" marL="1296000" indent="-288000">
+              <a:spcBef>
+                <a:spcPts val="850"/>
+              </a:spcBef>
+              <a:buClr>
+                <a:srgbClr val="000000"/>
+              </a:buClr>
+              <a:buSzPct val="45000"/>
+              <a:buFont typeface="Wingdings" charset="2"/>
+              <a:buChar char=""/>
+            </a:pPr>
+            <a:r>
+              <a:rPr b="0" lang="en-US" sz="1800" spc="-1" strike="noStrike">
+                <a:latin typeface="Arial"/>
+              </a:rPr>
+              <a:t>Third Outline Level</a:t>
+            </a:r>
+            <a:endParaRPr b="0" lang="en-US" sz="1800" spc="-1" strike="noStrike">
+              <a:latin typeface="Arial"/>
+            </a:endParaRPr>
+          </a:p>
+          <a:p>
+            <a:pPr lvl="3" marL="1728000" indent="-216000">
+              <a:spcBef>
+                <a:spcPts val="567"/>
+              </a:spcBef>
+              <a:buClr>
+                <a:srgbClr val="000000"/>
+              </a:buClr>
+              <a:buSzPct val="75000"/>
+              <a:buFont typeface="Symbol" charset="2"/>
+              <a:buChar char=""/>
+            </a:pPr>
+            <a:r>
+              <a:rPr b="0" lang="en-US" sz="1800" spc="-1" strike="noStrike">
+                <a:latin typeface="Arial"/>
+              </a:rPr>
+              <a:t>Fourth Outline Level</a:t>
+            </a:r>
+            <a:endParaRPr b="0" lang="en-US" sz="1800" spc="-1" strike="noStrike">
+              <a:latin typeface="Arial"/>
+            </a:endParaRPr>
+          </a:p>
+          <a:p>
+            <a:pPr lvl="4" marL="2160000" indent="-216000">
+              <a:spcBef>
+                <a:spcPts val="283"/>
+              </a:spcBef>
+              <a:buClr>
+                <a:srgbClr val="000000"/>
+              </a:buClr>
+              <a:buSzPct val="45000"/>
+              <a:buFont typeface="Wingdings" charset="2"/>
+              <a:buChar char=""/>
+            </a:pPr>
+            <a:r>
+              <a:rPr b="0" lang="en-US" sz="1800" spc="-1" strike="noStrike">
+                <a:latin typeface="Arial"/>
+              </a:rPr>
+              <a:t>Fifth Outline Level</a:t>
+            </a:r>
+            <a:endParaRPr b="0" lang="en-US" sz="1800" spc="-1" strike="noStrike">
+              <a:latin typeface="Arial"/>
+            </a:endParaRPr>
+          </a:p>
+          <a:p>
+            <a:pPr lvl="5" marL="2592000" indent="-216000">
+              <a:spcBef>
+                <a:spcPts val="283"/>
+              </a:spcBef>
+              <a:buClr>
+                <a:srgbClr val="000000"/>
+              </a:buClr>
+              <a:buSzPct val="45000"/>
+              <a:buFont typeface="Wingdings" charset="2"/>
+              <a:buChar char=""/>
+            </a:pPr>
+            <a:r>
+              <a:rPr b="0" lang="en-US" sz="1800" spc="-1" strike="noStrike">
+                <a:latin typeface="Arial"/>
+              </a:rPr>
+              <a:t>Sixth Outline Level</a:t>
+            </a:r>
+            <a:endParaRPr b="0" lang="en-US" sz="1800" spc="-1" strike="noStrike">
+              <a:latin typeface="Arial"/>
+            </a:endParaRPr>
+          </a:p>
+          <a:p>
+            <a:pPr lvl="6" marL="3024000" indent="-216000">
+              <a:spcBef>
+                <a:spcPts val="283"/>
+              </a:spcBef>
+              <a:buClr>
+                <a:srgbClr val="000000"/>
+              </a:buClr>
+              <a:buSzPct val="45000"/>
+              <a:buFont typeface="Wingdings" charset="2"/>
+              <a:buChar char=""/>
+            </a:pPr>
+            <a:r>
+              <a:rPr b="0" lang="en-US" sz="1800" spc="-1" strike="noStrike">
+                <a:latin typeface="Arial"/>
+              </a:rPr>
+              <a:t>Seventh Outline Level</a:t>
+            </a:r>
+            <a:endParaRPr b="0" lang="en-US" sz="1800" spc="-1" strike="noStrike">
+              <a:latin typeface="Arial"/>
+            </a:endParaRPr>
+          </a:p>
+        </p:txBody>
+      </p:sp>
+    </p:spTree>
+  </p:cSld>
+  <p:clrMap bg1="lt1" bg2="lt2" tx1="dk1" tx2="dk2" accent1="accent1" accent2="accent2" accent3="accent3" accent4="accent4" accent5="accent5" accent6="accent6" hlink="hlink" folHlink="folHlink"/>
+  <p:sldLayoutIdLst>
     <p:sldLayoutId id="2147483662" r:id="rId2"/>
     <p:sldLayoutId id="2147483663" r:id="rId3"/>
     <p:sldLayoutId id="2147483664" r:id="rId4"/>
@@ -12900,14 +12534,14 @@
       </p:grpSpPr>
       <p:sp>
         <p:nvSpPr>
-          <p:cNvPr id="85" name="CustomShape 1"/>
+          <p:cNvPr id="82" name="CustomShape 1"/>
           <p:cNvSpPr/>
           <p:nvPr/>
         </p:nvSpPr>
         <p:spPr>
           <a:xfrm>
             <a:off x="0" y="0"/>
-            <a:ext cx="12191400" cy="6857280"/>
+            <a:ext cx="12190680" cy="6856560"/>
           </a:xfrm>
           <a:prstGeom prst="rect">
             <a:avLst/>
@@ -12936,14 +12570,14 @@
       </p:sp>
       <p:sp>
         <p:nvSpPr>
-          <p:cNvPr id="86" name="CustomShape 2"/>
+          <p:cNvPr id="83" name="CustomShape 2"/>
           <p:cNvSpPr/>
           <p:nvPr/>
         </p:nvSpPr>
         <p:spPr>
           <a:xfrm>
             <a:off x="360" y="0"/>
-            <a:ext cx="12191040" cy="6857280"/>
+            <a:ext cx="12190320" cy="6856560"/>
           </a:xfrm>
           <a:prstGeom prst="rect">
             <a:avLst/>
@@ -12972,14 +12606,14 @@
       </p:sp>
       <p:sp>
         <p:nvSpPr>
-          <p:cNvPr id="87" name="CustomShape 3"/>
+          <p:cNvPr id="84" name="CustomShape 3"/>
           <p:cNvSpPr/>
           <p:nvPr/>
         </p:nvSpPr>
         <p:spPr>
           <a:xfrm>
             <a:off x="116280" y="63360"/>
-            <a:ext cx="7252560" cy="547560"/>
+            <a:ext cx="7251840" cy="546840"/>
           </a:xfrm>
           <a:prstGeom prst="rect">
             <a:avLst/>
@@ -13014,8 +12648,9 @@
                   <a:srgbClr val="000000"/>
                 </a:solidFill>
                 <a:latin typeface="Calibri Light"/>
+                <a:ea typeface="DejaVu Sans"/>
               </a:rPr>
-              <a:t>System requirements and configurations</a:t>
+              <a:t>System Requirements and Configurations</a:t>
             </a:r>
             <a:endParaRPr b="0" lang="en-US" sz="3600" spc="-1" strike="noStrike">
               <a:latin typeface="Arial"/>
@@ -13025,28 +12660,28 @@
       </p:sp>
       <p:grpSp>
         <p:nvGrpSpPr>
-          <p:cNvPr id="88" name="Group 4"/>
+          <p:cNvPr id="85" name="Group 4"/>
           <p:cNvGrpSpPr/>
           <p:nvPr/>
         </p:nvGrpSpPr>
         <p:grpSpPr>
           <a:xfrm>
             <a:off x="5818320" y="-16560"/>
-            <a:ext cx="6373080" cy="6873840"/>
+            <a:ext cx="6372360" cy="6873120"/>
             <a:chOff x="5818320" y="-16560"/>
-            <a:chExt cx="6373080" cy="6873840"/>
+            <a:chExt cx="6372360" cy="6873120"/>
           </a:xfrm>
         </p:grpSpPr>
         <p:sp>
           <p:nvSpPr>
-            <p:cNvPr id="89" name="CustomShape 5"/>
+            <p:cNvPr id="86" name="CustomShape 5"/>
             <p:cNvSpPr/>
             <p:nvPr/>
           </p:nvSpPr>
           <p:spPr>
             <a:xfrm>
               <a:off x="5818320" y="-16560"/>
-              <a:ext cx="6373080" cy="6873840"/>
+              <a:ext cx="6372360" cy="6873120"/>
             </a:xfrm>
             <a:custGeom>
               <a:avLst/>
@@ -13490,14 +13125,14 @@
         </p:sp>
         <p:sp>
           <p:nvSpPr>
-            <p:cNvPr id="90" name="CustomShape 6"/>
+            <p:cNvPr id="87" name="CustomShape 6"/>
             <p:cNvSpPr/>
             <p:nvPr/>
           </p:nvSpPr>
           <p:spPr>
             <a:xfrm>
               <a:off x="5865120" y="296640"/>
-              <a:ext cx="6325920" cy="6560640"/>
+              <a:ext cx="6325200" cy="6559920"/>
             </a:xfrm>
             <a:custGeom>
               <a:avLst/>
@@ -13892,14 +13527,14 @@
         </p:sp>
         <p:sp>
           <p:nvSpPr>
-            <p:cNvPr id="91" name="CustomShape 7"/>
+            <p:cNvPr id="88" name="CustomShape 7"/>
             <p:cNvSpPr/>
             <p:nvPr/>
           </p:nvSpPr>
           <p:spPr>
             <a:xfrm>
               <a:off x="5870160" y="336240"/>
-              <a:ext cx="6320880" cy="6521040"/>
+              <a:ext cx="6320160" cy="6520320"/>
             </a:xfrm>
             <a:custGeom>
               <a:avLst/>
@@ -14073,14 +13708,14 @@
         </p:sp>
         <p:sp>
           <p:nvSpPr>
-            <p:cNvPr id="92" name="CustomShape 8"/>
+            <p:cNvPr id="89" name="CustomShape 8"/>
             <p:cNvSpPr/>
             <p:nvPr/>
           </p:nvSpPr>
           <p:spPr>
             <a:xfrm>
               <a:off x="5870160" y="336240"/>
-              <a:ext cx="6320880" cy="6521040"/>
+              <a:ext cx="6320160" cy="6520320"/>
             </a:xfrm>
             <a:custGeom>
               <a:avLst/>
@@ -14265,7 +13900,7 @@
       </p:grpSp>
       <p:pic>
         <p:nvPicPr>
-          <p:cNvPr id="93" name="Picture 2_0" descr="Diagram&#10;&#10;Description automatically generated"/>
+          <p:cNvPr id="90" name="Picture 2_0" descr="Diagram&#10;&#10;Description automatically generated"/>
           <p:cNvPicPr/>
           <p:nvPr/>
         </p:nvPicPr>
@@ -14276,7 +13911,7 @@
         <p:spPr>
           <a:xfrm>
             <a:off x="7541280" y="2251440"/>
-            <a:ext cx="4524840" cy="2908800"/>
+            <a:ext cx="4524120" cy="2908080"/>
           </a:xfrm>
           <a:prstGeom prst="rect">
             <a:avLst/>
@@ -14288,7 +13923,7 @@
       </p:pic>
       <p:pic>
         <p:nvPicPr>
-          <p:cNvPr id="94" name="Picture 6_1" descr="A picture containing text, clipart&#10;&#10;Description automatically generated"/>
+          <p:cNvPr id="91" name="Picture 6_1" descr="A picture containing text, clipart&#10;&#10;Description automatically generated"/>
           <p:cNvPicPr/>
           <p:nvPr/>
         </p:nvPicPr>
@@ -14299,7 +13934,7 @@
         <p:spPr>
           <a:xfrm>
             <a:off x="39240" y="6488280"/>
-            <a:ext cx="1316880" cy="306000"/>
+            <a:ext cx="1316160" cy="305280"/>
           </a:xfrm>
           <a:prstGeom prst="rect">
             <a:avLst/>
@@ -14316,14 +13951,14 @@
           <p:nvPr>
             <p:extLst>
               <p:ext uri="{D42A27DB-BD31-4B8C-83A1-F6EECF244321}">
-                <p14:modId xmlns:p14="http://schemas.microsoft.com/office/powerpoint/2010/main" val="2690625991"/>
+                <p14:modId xmlns:p14="http://schemas.microsoft.com/office/powerpoint/2010/main" val="1736070665"/>
               </p:ext>
             </p:extLst>
           </p:nvPr>
         </p:nvGraphicFramePr>
         <p:xfrm>
           <a:off x="67320" y="693360"/>
-          <a:ext cx="7394400" cy="5549400"/>
+          <a:ext cx="7393680" cy="5548680"/>
         </p:xfrm>
         <a:graphic>
           <a:graphicData uri="http://schemas.openxmlformats.org/drawingml/2006/diagram">
@@ -14363,14 +13998,14 @@
       </p:grpSpPr>
       <p:sp>
         <p:nvSpPr>
-          <p:cNvPr id="95" name="CustomShape 1"/>
+          <p:cNvPr id="92" name="CustomShape 1"/>
           <p:cNvSpPr/>
           <p:nvPr/>
         </p:nvSpPr>
         <p:spPr>
           <a:xfrm>
             <a:off x="116280" y="63360"/>
-            <a:ext cx="7252560" cy="547560"/>
+            <a:ext cx="7251840" cy="546840"/>
           </a:xfrm>
           <a:prstGeom prst="rect">
             <a:avLst/>
@@ -14412,6 +14047,7 @@
                   <a:srgbClr val="000000"/>
                 </a:solidFill>
                 <a:latin typeface="Calibri Light"/>
+                <a:ea typeface="DejaVu Sans"/>
               </a:rPr>
               <a:t>Main LTE Blocks – For Cell Search</a:t>
             </a:r>
@@ -14428,14 +14064,14 @@
           <p:nvPr>
             <p:extLst>
               <p:ext uri="{D42A27DB-BD31-4B8C-83A1-F6EECF244321}">
-                <p14:modId xmlns:p14="http://schemas.microsoft.com/office/powerpoint/2010/main" val="3599969743"/>
+                <p14:modId xmlns:p14="http://schemas.microsoft.com/office/powerpoint/2010/main" val="316237150"/>
               </p:ext>
             </p:extLst>
           </p:nvPr>
         </p:nvGraphicFramePr>
         <p:xfrm>
           <a:off x="1147320" y="479520"/>
-          <a:ext cx="9812880" cy="4042080"/>
+          <a:ext cx="9812160" cy="4041360"/>
         </p:xfrm>
         <a:graphic>
           <a:graphicData uri="http://schemas.openxmlformats.org/drawingml/2006/diagram">
@@ -14445,7 +14081,7 @@
       </p:graphicFrame>
       <p:pic>
         <p:nvPicPr>
-          <p:cNvPr id="96" name="Picture 13_1" descr="Logo, company name&#10;&#10;Description automatically generated"/>
+          <p:cNvPr id="93" name="Picture 13_1" descr="Logo, company name&#10;&#10;Description automatically generated"/>
           <p:cNvPicPr/>
           <p:nvPr/>
         </p:nvPicPr>
@@ -14456,7 +14092,7 @@
         <p:spPr>
           <a:xfrm>
             <a:off x="10960920" y="8640"/>
-            <a:ext cx="1230480" cy="820080"/>
+            <a:ext cx="1229760" cy="819360"/>
           </a:xfrm>
           <a:prstGeom prst="rect">
             <a:avLst/>
@@ -14468,7 +14104,7 @@
       </p:pic>
       <p:pic>
         <p:nvPicPr>
-          <p:cNvPr id="97" name="Picture 17_1" descr=""/>
+          <p:cNvPr id="94" name="Picture 17_1" descr=""/>
           <p:cNvPicPr/>
           <p:nvPr/>
         </p:nvPicPr>
@@ -14479,7 +14115,7 @@
         <p:spPr>
           <a:xfrm>
             <a:off x="1841760" y="2622600"/>
-            <a:ext cx="2086920" cy="1632960"/>
+            <a:ext cx="2086200" cy="1632240"/>
           </a:xfrm>
           <a:prstGeom prst="rect">
             <a:avLst/>
@@ -14491,7 +14127,7 @@
       </p:pic>
       <p:pic>
         <p:nvPicPr>
-          <p:cNvPr id="98" name="Picture 19_1" descr=""/>
+          <p:cNvPr id="95" name="Picture 19_1" descr=""/>
           <p:cNvPicPr/>
           <p:nvPr/>
         </p:nvPicPr>
@@ -14502,7 +14138,7 @@
         <p:spPr>
           <a:xfrm>
             <a:off x="698040" y="4458960"/>
-            <a:ext cx="5664240" cy="2334960"/>
+            <a:ext cx="5663520" cy="2334240"/>
           </a:xfrm>
           <a:prstGeom prst="rect">
             <a:avLst/>
@@ -14514,7 +14150,7 @@
       </p:pic>
       <p:pic>
         <p:nvPicPr>
-          <p:cNvPr id="99" name="Picture 2_1" descr=""/>
+          <p:cNvPr id="96" name="Picture 2_1" descr=""/>
           <p:cNvPicPr/>
           <p:nvPr/>
         </p:nvPicPr>
@@ -14525,7 +14161,7 @@
         <p:spPr>
           <a:xfrm>
             <a:off x="6363000" y="4993200"/>
-            <a:ext cx="3559320" cy="1369800"/>
+            <a:ext cx="3558600" cy="1369080"/>
           </a:xfrm>
           <a:prstGeom prst="rect">
             <a:avLst/>
@@ -14537,7 +14173,7 @@
       </p:pic>
       <p:pic>
         <p:nvPicPr>
-          <p:cNvPr id="100" name="Picture 10_1" descr="A picture containing text, clipart&#10;&#10;Description automatically generated"/>
+          <p:cNvPr id="97" name="Picture 10_1" descr="A picture containing text, clipart&#10;&#10;Description automatically generated"/>
           <p:cNvPicPr/>
           <p:nvPr/>
         </p:nvPicPr>
@@ -14548,7 +14184,7 @@
         <p:spPr>
           <a:xfrm>
             <a:off x="39240" y="6488280"/>
-            <a:ext cx="1316880" cy="306000"/>
+            <a:ext cx="1316160" cy="305280"/>
           </a:xfrm>
           <a:prstGeom prst="rect">
             <a:avLst/>
@@ -14590,14 +14226,14 @@
       </p:grpSpPr>
       <p:sp>
         <p:nvSpPr>
-          <p:cNvPr id="101" name="TextShape 1"/>
-          <p:cNvSpPr txBox="1"/>
+          <p:cNvPr id="98" name="CustomShape 1"/>
+          <p:cNvSpPr/>
           <p:nvPr/>
         </p:nvSpPr>
         <p:spPr>
           <a:xfrm>
             <a:off x="116280" y="63360"/>
-            <a:ext cx="7252920" cy="547920"/>
+            <a:ext cx="7252200" cy="547200"/>
           </a:xfrm>
           <a:prstGeom prst="rect">
             <a:avLst/>
@@ -14607,8 +14243,14 @@
             <a:noFill/>
           </a:ln>
         </p:spPr>
+        <p:style>
+          <a:lnRef idx="2"/>
+          <a:fillRef idx="0"/>
+          <a:effectRef idx="0"/>
+          <a:fontRef idx="minor"/>
+        </p:style>
         <p:txBody>
-          <a:bodyPr anchor="ctr">
+          <a:bodyPr lIns="90000" rIns="90000" tIns="45000" bIns="45000" anchor="ctr">
             <a:normAutofit/>
           </a:bodyPr>
           <a:p>
@@ -14631,9 +14273,6 @@
               <a:t>Frequency Estimation</a:t>
             </a:r>
             <a:endParaRPr b="0" lang="en-US" sz="3600" spc="-1" strike="noStrike">
-              <a:solidFill>
-                <a:srgbClr val="000000"/>
-              </a:solidFill>
               <a:latin typeface="Arial"/>
             </a:endParaRPr>
           </a:p>
@@ -14641,7 +14280,7 @@
       </p:sp>
       <p:pic>
         <p:nvPicPr>
-          <p:cNvPr id="102" name="Google Shape;179;g12f99aefe16_0_0" descr="A picture containing text, clipart&#10;&#10;Description automatically generated"/>
+          <p:cNvPr id="99" name="Google Shape;179;g12f99aefe16_0_0" descr="A picture containing text, clipart&#10;&#10;Description automatically generated"/>
           <p:cNvPicPr/>
           <p:nvPr/>
         </p:nvPicPr>
@@ -14652,7 +14291,7 @@
         <p:spPr>
           <a:xfrm>
             <a:off x="39240" y="6488280"/>
-            <a:ext cx="1317240" cy="306360"/>
+            <a:ext cx="1316520" cy="305640"/>
           </a:xfrm>
           <a:prstGeom prst="rect">
             <a:avLst/>
@@ -14664,7 +14303,7 @@
       </p:pic>
       <p:pic>
         <p:nvPicPr>
-          <p:cNvPr id="103" name="Google Shape;180;g12f99aefe16_0_0" descr=""/>
+          <p:cNvPr id="100" name="Google Shape;180;g12f99aefe16_0_0" descr=""/>
           <p:cNvPicPr/>
           <p:nvPr/>
         </p:nvPicPr>
@@ -14675,7 +14314,7 @@
         <p:spPr>
           <a:xfrm>
             <a:off x="5930640" y="1118880"/>
-            <a:ext cx="5710680" cy="2803320"/>
+            <a:ext cx="5709960" cy="2802600"/>
           </a:xfrm>
           <a:prstGeom prst="rect">
             <a:avLst/>
@@ -14687,28 +14326,28 @@
       </p:pic>
       <p:grpSp>
         <p:nvGrpSpPr>
-          <p:cNvPr id="104" name="Group 2"/>
+          <p:cNvPr id="101" name="Group 2"/>
           <p:cNvGrpSpPr/>
           <p:nvPr/>
         </p:nvGrpSpPr>
         <p:grpSpPr>
           <a:xfrm>
             <a:off x="451440" y="4430160"/>
-            <a:ext cx="11189880" cy="1734120"/>
+            <a:ext cx="11189160" cy="1733400"/>
             <a:chOff x="451440" y="4430160"/>
-            <a:chExt cx="11189880" cy="1734120"/>
+            <a:chExt cx="11189160" cy="1733400"/>
           </a:xfrm>
         </p:grpSpPr>
         <p:sp>
           <p:nvSpPr>
-            <p:cNvPr id="105" name="CustomShape 3"/>
+            <p:cNvPr id="102" name="CustomShape 3"/>
             <p:cNvSpPr/>
             <p:nvPr/>
           </p:nvSpPr>
           <p:spPr>
             <a:xfrm>
               <a:off x="451440" y="4430160"/>
-              <a:ext cx="11189520" cy="1734120"/>
+              <a:ext cx="11188800" cy="1733400"/>
             </a:xfrm>
             <a:prstGeom prst="roundRect">
               <a:avLst>
@@ -14734,14 +14373,14 @@
         </p:sp>
         <p:sp>
           <p:nvSpPr>
-            <p:cNvPr id="106" name="CustomShape 4"/>
+            <p:cNvPr id="103" name="CustomShape 4"/>
             <p:cNvSpPr/>
             <p:nvPr/>
           </p:nvSpPr>
           <p:spPr>
             <a:xfrm>
               <a:off x="1743480" y="4430160"/>
-              <a:ext cx="9897840" cy="1734120"/>
+              <a:ext cx="9897120" cy="1733400"/>
             </a:xfrm>
             <a:prstGeom prst="rect">
               <a:avLst/>
@@ -14758,7 +14397,7 @@
             <a:fontRef idx="minor"/>
           </p:style>
           <p:txBody>
-            <a:bodyPr tIns="91440" bIns="91440">
+            <a:bodyPr lIns="90000" rIns="90000" tIns="91440" bIns="91440">
               <a:noAutofit/>
             </a:bodyPr>
             <a:p>
@@ -14785,7 +14424,7 @@
               </a:endParaRPr>
             </a:p>
             <a:p>
-              <a:pPr lvl="1" marL="171360" indent="-171000">
+              <a:pPr lvl="1" marL="171360" indent="-170280">
                 <a:lnSpc>
                   <a:spcPct val="90000"/>
                 </a:lnSpc>
@@ -14836,7 +14475,7 @@
               </a:endParaRPr>
             </a:p>
             <a:p>
-              <a:pPr lvl="1" marL="171360" indent="-171000">
+              <a:pPr lvl="1" marL="171360" indent="-170280">
                 <a:lnSpc>
                   <a:spcPct val="90000"/>
                 </a:lnSpc>
@@ -14887,7 +14526,7 @@
               </a:endParaRPr>
             </a:p>
             <a:p>
-              <a:pPr lvl="1" marL="171360" indent="-171000">
+              <a:pPr lvl="1" marL="171360" indent="-170280">
                 <a:lnSpc>
                   <a:spcPct val="90000"/>
                 </a:lnSpc>
@@ -14922,7 +14561,7 @@
       </p:grpSp>
       <p:pic>
         <p:nvPicPr>
-          <p:cNvPr id="107" name="Google Shape;184;g12f99aefe16_0_0" descr=""/>
+          <p:cNvPr id="104" name="Google Shape;184;g12f99aefe16_0_0" descr=""/>
           <p:cNvPicPr/>
           <p:nvPr/>
         </p:nvPicPr>
@@ -14933,7 +14572,7 @@
         <p:spPr>
           <a:xfrm>
             <a:off x="451440" y="1168560"/>
-            <a:ext cx="5319000" cy="2803320"/>
+            <a:ext cx="5318280" cy="2802600"/>
           </a:xfrm>
           <a:prstGeom prst="rect">
             <a:avLst/>
@@ -14945,14 +14584,14 @@
       </p:pic>
       <p:sp>
         <p:nvSpPr>
-          <p:cNvPr id="108" name="CustomShape 5"/>
+          <p:cNvPr id="105" name="CustomShape 5"/>
           <p:cNvSpPr/>
           <p:nvPr/>
         </p:nvSpPr>
         <p:spPr>
           <a:xfrm>
             <a:off x="451440" y="768240"/>
-            <a:ext cx="5319000" cy="396360"/>
+            <a:ext cx="5318280" cy="395640"/>
           </a:xfrm>
           <a:prstGeom prst="rect">
             <a:avLst/>
@@ -14969,7 +14608,7 @@
           <a:fontRef idx="minor"/>
         </p:style>
         <p:txBody>
-          <a:bodyPr tIns="91440" bIns="91440">
+          <a:bodyPr lIns="90000" rIns="90000" tIns="91440" bIns="91440">
             <a:spAutoFit/>
           </a:bodyPr>
           <a:p>
@@ -15029,14 +14668,14 @@
       </p:grpSpPr>
       <p:sp>
         <p:nvSpPr>
-          <p:cNvPr id="109" name="TextShape 1"/>
-          <p:cNvSpPr txBox="1"/>
+          <p:cNvPr id="106" name="CustomShape 1"/>
+          <p:cNvSpPr/>
           <p:nvPr/>
         </p:nvSpPr>
         <p:spPr>
           <a:xfrm>
             <a:off x="116280" y="63360"/>
-            <a:ext cx="7252920" cy="547920"/>
+            <a:ext cx="7252200" cy="547200"/>
           </a:xfrm>
           <a:prstGeom prst="rect">
             <a:avLst/>
@@ -15046,8 +14685,14 @@
             <a:noFill/>
           </a:ln>
         </p:spPr>
+        <p:style>
+          <a:lnRef idx="0"/>
+          <a:fillRef idx="0"/>
+          <a:effectRef idx="0"/>
+          <a:fontRef idx="minor"/>
+        </p:style>
         <p:txBody>
-          <a:bodyPr anchor="ctr">
+          <a:bodyPr lIns="90000" rIns="90000" tIns="45000" bIns="45000" anchor="ctr">
             <a:normAutofit/>
           </a:bodyPr>
           <a:p>
@@ -15070,9 +14715,6 @@
               <a:t>Synchronization</a:t>
             </a:r>
             <a:endParaRPr b="0" lang="en-US" sz="3600" spc="-1" strike="noStrike">
-              <a:solidFill>
-                <a:srgbClr val="000000"/>
-              </a:solidFill>
               <a:latin typeface="Arial"/>
             </a:endParaRPr>
           </a:p>
@@ -15080,7 +14722,7 @@
       </p:sp>
       <p:pic>
         <p:nvPicPr>
-          <p:cNvPr id="110" name="Google Shape;191;g12f99aefe16_1_4" descr="A picture containing text, clipart&#10;&#10;Description automatically generated"/>
+          <p:cNvPr id="107" name="Google Shape;191;g12f99aefe16_1_4" descr="A picture containing text, clipart&#10;&#10;Description automatically generated"/>
           <p:cNvPicPr/>
           <p:nvPr/>
         </p:nvPicPr>
@@ -15091,7 +14733,7 @@
         <p:spPr>
           <a:xfrm>
             <a:off x="39240" y="6488280"/>
-            <a:ext cx="1317240" cy="306360"/>
+            <a:ext cx="1316520" cy="305640"/>
           </a:xfrm>
           <a:prstGeom prst="rect">
             <a:avLst/>
@@ -15103,7 +14745,7 @@
       </p:pic>
       <p:pic>
         <p:nvPicPr>
-          <p:cNvPr id="111" name="Google Shape;192;g12f99aefe16_1_4" descr=""/>
+          <p:cNvPr id="108" name="Google Shape;192;g12f99aefe16_1_4" descr=""/>
           <p:cNvPicPr/>
           <p:nvPr/>
         </p:nvPicPr>
@@ -15114,7 +14756,7 @@
         <p:spPr>
           <a:xfrm>
             <a:off x="1973880" y="916200"/>
-            <a:ext cx="8029080" cy="3190680"/>
+            <a:ext cx="8028360" cy="3189960"/>
           </a:xfrm>
           <a:prstGeom prst="rect">
             <a:avLst/>
@@ -15126,28 +14768,28 @@
       </p:pic>
       <p:grpSp>
         <p:nvGrpSpPr>
-          <p:cNvPr id="112" name="Group 2"/>
+          <p:cNvPr id="109" name="Group 2"/>
           <p:cNvGrpSpPr/>
           <p:nvPr/>
         </p:nvGrpSpPr>
         <p:grpSpPr>
           <a:xfrm>
             <a:off x="451440" y="4430160"/>
-            <a:ext cx="11189880" cy="1734120"/>
+            <a:ext cx="11189160" cy="1733400"/>
             <a:chOff x="451440" y="4430160"/>
-            <a:chExt cx="11189880" cy="1734120"/>
+            <a:chExt cx="11189160" cy="1733400"/>
           </a:xfrm>
         </p:grpSpPr>
         <p:sp>
           <p:nvSpPr>
-            <p:cNvPr id="113" name="CustomShape 3"/>
+            <p:cNvPr id="110" name="CustomShape 3"/>
             <p:cNvSpPr/>
             <p:nvPr/>
           </p:nvSpPr>
           <p:spPr>
             <a:xfrm>
               <a:off x="451440" y="4430160"/>
-              <a:ext cx="11189520" cy="1734120"/>
+              <a:ext cx="11188800" cy="1733400"/>
             </a:xfrm>
             <a:prstGeom prst="roundRect">
               <a:avLst>
@@ -15173,14 +14815,14 @@
         </p:sp>
         <p:sp>
           <p:nvSpPr>
-            <p:cNvPr id="114" name="CustomShape 4"/>
+            <p:cNvPr id="111" name="CustomShape 4"/>
             <p:cNvSpPr/>
             <p:nvPr/>
           </p:nvSpPr>
           <p:spPr>
             <a:xfrm>
               <a:off x="1743480" y="4430160"/>
-              <a:ext cx="9897840" cy="1734120"/>
+              <a:ext cx="9897120" cy="1733400"/>
             </a:xfrm>
             <a:prstGeom prst="rect">
               <a:avLst/>
@@ -15197,7 +14839,7 @@
             <a:fontRef idx="minor"/>
           </p:style>
           <p:txBody>
-            <a:bodyPr tIns="91440" bIns="91440">
+            <a:bodyPr lIns="90000" rIns="90000" tIns="91440" bIns="91440">
               <a:noAutofit/>
             </a:bodyPr>
             <a:p>
@@ -15224,7 +14866,7 @@
               </a:endParaRPr>
             </a:p>
             <a:p>
-              <a:pPr lvl="1" marL="171360" indent="-171000">
+              <a:pPr lvl="1" marL="171360" indent="-170280">
                 <a:lnSpc>
                   <a:spcPct val="90000"/>
                 </a:lnSpc>
@@ -15255,7 +14897,7 @@
               </a:endParaRPr>
             </a:p>
             <a:p>
-              <a:pPr lvl="1" marL="171360" indent="-171000">
+              <a:pPr lvl="1" marL="171360" indent="-170280">
                 <a:lnSpc>
                   <a:spcPct val="90000"/>
                 </a:lnSpc>
@@ -15286,7 +14928,7 @@
               </a:endParaRPr>
             </a:p>
             <a:p>
-              <a:pPr lvl="1" marL="171360" indent="-171000">
+              <a:pPr lvl="1" marL="171360" indent="-170280">
                 <a:lnSpc>
                   <a:spcPct val="90000"/>
                 </a:lnSpc>
@@ -15321,7 +14963,7 @@
       </p:grpSp>
       <p:pic>
         <p:nvPicPr>
-          <p:cNvPr id="115" name="Google Shape;196;g12f99aefe16_1_4" descr=""/>
+          <p:cNvPr id="112" name="Google Shape;196;g12f99aefe16_1_4" descr=""/>
           <p:cNvPicPr/>
           <p:nvPr/>
         </p:nvPicPr>
@@ -15332,7 +14974,7 @@
         <p:spPr>
           <a:xfrm>
             <a:off x="9104760" y="423360"/>
-            <a:ext cx="2536560" cy="976320"/>
+            <a:ext cx="2535840" cy="975600"/>
           </a:xfrm>
           <a:prstGeom prst="rect">
             <a:avLst/>
@@ -15344,7 +14986,7 @@
       </p:pic>
       <p:pic>
         <p:nvPicPr>
-          <p:cNvPr id="116" name="Google Shape;197;g12f99aefe16_1_4" descr=""/>
+          <p:cNvPr id="113" name="Google Shape;197;g12f99aefe16_1_4" descr=""/>
           <p:cNvPicPr/>
           <p:nvPr/>
         </p:nvPicPr>
@@ -15355,7 +14997,7 @@
         <p:spPr>
           <a:xfrm>
             <a:off x="9104760" y="423360"/>
-            <a:ext cx="2536560" cy="976320"/>
+            <a:ext cx="2535840" cy="975600"/>
           </a:xfrm>
           <a:prstGeom prst="rect">
             <a:avLst/>
@@ -15400,14 +15042,14 @@
       </p:grpSpPr>
       <p:sp>
         <p:nvSpPr>
-          <p:cNvPr id="117" name="TextShape 1"/>
-          <p:cNvSpPr txBox="1"/>
+          <p:cNvPr id="114" name="CustomShape 1"/>
+          <p:cNvSpPr/>
           <p:nvPr/>
         </p:nvSpPr>
         <p:spPr>
           <a:xfrm>
             <a:off x="116280" y="63360"/>
-            <a:ext cx="7252920" cy="547920"/>
+            <a:ext cx="7252200" cy="547200"/>
           </a:xfrm>
           <a:prstGeom prst="rect">
             <a:avLst/>
@@ -15417,8 +15059,14 @@
             <a:noFill/>
           </a:ln>
         </p:spPr>
+        <p:style>
+          <a:lnRef idx="0"/>
+          <a:fillRef idx="0"/>
+          <a:effectRef idx="0"/>
+          <a:fontRef idx="minor"/>
+        </p:style>
         <p:txBody>
-          <a:bodyPr anchor="ctr">
+          <a:bodyPr lIns="90000" rIns="90000" tIns="45000" bIns="45000" anchor="ctr">
             <a:normAutofit/>
           </a:bodyPr>
           <a:p>
@@ -15441,9 +15089,6 @@
               <a:t>Synchronization - PSS</a:t>
             </a:r>
             <a:endParaRPr b="0" lang="en-US" sz="3600" spc="-1" strike="noStrike">
-              <a:solidFill>
-                <a:srgbClr val="000000"/>
-              </a:solidFill>
               <a:latin typeface="Arial"/>
             </a:endParaRPr>
           </a:p>
@@ -15451,7 +15096,7 @@
       </p:sp>
       <p:pic>
         <p:nvPicPr>
-          <p:cNvPr id="118" name="Google Shape;203;g12f99aefe16_1_22" descr="A picture containing text, clipart&#10;&#10;Description automatically generated"/>
+          <p:cNvPr id="115" name="Google Shape;203;g12f99aefe16_1_22" descr="A picture containing text, clipart&#10;&#10;Description automatically generated"/>
           <p:cNvPicPr/>
           <p:nvPr/>
         </p:nvPicPr>
@@ -15462,7 +15107,7 @@
         <p:spPr>
           <a:xfrm>
             <a:off x="39240" y="6488280"/>
-            <a:ext cx="1317240" cy="306360"/>
+            <a:ext cx="1316520" cy="305640"/>
           </a:xfrm>
           <a:prstGeom prst="rect">
             <a:avLst/>
@@ -15474,28 +15119,28 @@
       </p:pic>
       <p:grpSp>
         <p:nvGrpSpPr>
-          <p:cNvPr id="119" name="Group 2"/>
+          <p:cNvPr id="116" name="Group 2"/>
           <p:cNvGrpSpPr/>
           <p:nvPr/>
         </p:nvGrpSpPr>
         <p:grpSpPr>
           <a:xfrm>
             <a:off x="451440" y="4430160"/>
-            <a:ext cx="11189880" cy="1734120"/>
+            <a:ext cx="11189160" cy="1733400"/>
             <a:chOff x="451440" y="4430160"/>
-            <a:chExt cx="11189880" cy="1734120"/>
+            <a:chExt cx="11189160" cy="1733400"/>
           </a:xfrm>
         </p:grpSpPr>
         <p:sp>
           <p:nvSpPr>
-            <p:cNvPr id="120" name="CustomShape 3"/>
+            <p:cNvPr id="117" name="CustomShape 3"/>
             <p:cNvSpPr/>
             <p:nvPr/>
           </p:nvSpPr>
           <p:spPr>
             <a:xfrm>
               <a:off x="451440" y="4430160"/>
-              <a:ext cx="11189520" cy="1734120"/>
+              <a:ext cx="11188800" cy="1733400"/>
             </a:xfrm>
             <a:prstGeom prst="roundRect">
               <a:avLst>
@@ -15521,14 +15166,14 @@
         </p:sp>
         <p:sp>
           <p:nvSpPr>
-            <p:cNvPr id="121" name="CustomShape 4"/>
+            <p:cNvPr id="118" name="CustomShape 4"/>
             <p:cNvSpPr/>
             <p:nvPr/>
           </p:nvSpPr>
           <p:spPr>
             <a:xfrm>
               <a:off x="1743480" y="4430160"/>
-              <a:ext cx="9897840" cy="1734120"/>
+              <a:ext cx="9897120" cy="1733400"/>
             </a:xfrm>
             <a:prstGeom prst="rect">
               <a:avLst/>
@@ -15545,7 +15190,7 @@
             <a:fontRef idx="minor"/>
           </p:style>
           <p:txBody>
-            <a:bodyPr tIns="91440" bIns="91440">
+            <a:bodyPr lIns="90000" rIns="90000" tIns="91440" bIns="91440">
               <a:noAutofit/>
             </a:bodyPr>
             <a:p>
@@ -15572,7 +15217,7 @@
               </a:endParaRPr>
             </a:p>
             <a:p>
-              <a:pPr lvl="1" marL="171360" indent="-171000">
+              <a:pPr lvl="1" marL="171360" indent="-170280">
                 <a:lnSpc>
                   <a:spcPct val="90000"/>
                 </a:lnSpc>
@@ -15603,7 +15248,7 @@
               </a:endParaRPr>
             </a:p>
             <a:p>
-              <a:pPr lvl="2" marL="1371600" indent="-329760">
+              <a:pPr lvl="2" marL="1371600" indent="-329040">
                 <a:lnSpc>
                   <a:spcPct val="90000"/>
                 </a:lnSpc>
@@ -15634,7 +15279,7 @@
               </a:endParaRPr>
             </a:p>
             <a:p>
-              <a:pPr lvl="1" marL="171360" indent="-171000">
+              <a:pPr lvl="1" marL="171360" indent="-170280">
                 <a:lnSpc>
                   <a:spcPct val="90000"/>
                 </a:lnSpc>
@@ -15665,7 +15310,7 @@
               </a:endParaRPr>
             </a:p>
             <a:p>
-              <a:pPr lvl="1" marL="171360" indent="-171000">
+              <a:pPr lvl="1" marL="171360" indent="-170280">
                 <a:lnSpc>
                   <a:spcPct val="90000"/>
                 </a:lnSpc>
@@ -15696,7 +15341,7 @@
               </a:endParaRPr>
             </a:p>
             <a:p>
-              <a:pPr lvl="1" marL="171360" indent="-171000">
+              <a:pPr lvl="1" marL="171360" indent="-170280">
                 <a:lnSpc>
                   <a:spcPct val="90000"/>
                 </a:lnSpc>
@@ -15731,7 +15376,7 @@
       </p:grpSp>
       <p:pic>
         <p:nvPicPr>
-          <p:cNvPr id="122" name="Google Shape;207;g12f99aefe16_1_22" descr=""/>
+          <p:cNvPr id="119" name="Google Shape;207;g12f99aefe16_1_22" descr=""/>
           <p:cNvPicPr/>
           <p:nvPr/>
         </p:nvPicPr>
@@ -15742,7 +15387,7 @@
         <p:spPr>
           <a:xfrm>
             <a:off x="2492280" y="729000"/>
-            <a:ext cx="5978880" cy="3316680"/>
+            <a:ext cx="5978160" cy="3315960"/>
           </a:xfrm>
           <a:prstGeom prst="rect">
             <a:avLst/>
@@ -15754,7 +15399,7 @@
       </p:pic>
       <p:pic>
         <p:nvPicPr>
-          <p:cNvPr id="123" name="Google Shape;208;g12f99aefe16_1_22" descr=""/>
+          <p:cNvPr id="120" name="Google Shape;208;g12f99aefe16_1_22" descr=""/>
           <p:cNvPicPr/>
           <p:nvPr/>
         </p:nvPicPr>
@@ -15765,7 +15410,7 @@
         <p:spPr>
           <a:xfrm>
             <a:off x="9104760" y="423360"/>
-            <a:ext cx="2536560" cy="976320"/>
+            <a:ext cx="2535840" cy="975600"/>
           </a:xfrm>
           <a:prstGeom prst="rect">
             <a:avLst/>
@@ -15777,7 +15422,7 @@
       </p:pic>
       <p:pic>
         <p:nvPicPr>
-          <p:cNvPr id="124" name="Google Shape;209;g12f99aefe16_1_22" descr=""/>
+          <p:cNvPr id="121" name="Google Shape;209;g12f99aefe16_1_22" descr=""/>
           <p:cNvPicPr/>
           <p:nvPr/>
         </p:nvPicPr>
@@ -15789,7 +15434,7 @@
         <p:spPr>
           <a:xfrm>
             <a:off x="7309440" y="3225240"/>
-            <a:ext cx="4288680" cy="1144440"/>
+            <a:ext cx="4287960" cy="1143720"/>
           </a:xfrm>
           <a:prstGeom prst="rect">
             <a:avLst/>
@@ -15801,7 +15446,7 @@
       </p:pic>
       <p:pic>
         <p:nvPicPr>
-          <p:cNvPr id="125" name="Google Shape;210;g12f99aefe16_1_22" descr=""/>
+          <p:cNvPr id="122" name="Google Shape;210;g12f99aefe16_1_22" descr=""/>
           <p:cNvPicPr/>
           <p:nvPr/>
         </p:nvPicPr>
@@ -15812,7 +15457,7 @@
         <p:spPr>
           <a:xfrm>
             <a:off x="8427600" y="1625400"/>
-            <a:ext cx="3155040" cy="1863000"/>
+            <a:ext cx="3154320" cy="1862280"/>
           </a:xfrm>
           <a:prstGeom prst="rect">
             <a:avLst/>
@@ -15824,14 +15469,14 @@
       </p:pic>
       <p:sp>
         <p:nvSpPr>
-          <p:cNvPr id="126" name="CustomShape 5"/>
+          <p:cNvPr id="123" name="CustomShape 5"/>
           <p:cNvSpPr/>
           <p:nvPr/>
         </p:nvSpPr>
         <p:spPr>
           <a:xfrm>
             <a:off x="8452440" y="1377720"/>
-            <a:ext cx="3364920" cy="335520"/>
+            <a:ext cx="3364200" cy="334800"/>
           </a:xfrm>
           <a:prstGeom prst="rect">
             <a:avLst/>
@@ -15848,7 +15493,7 @@
           <a:fontRef idx="minor"/>
         </p:style>
         <p:txBody>
-          <a:bodyPr tIns="91440" bIns="91440">
+          <a:bodyPr lIns="90000" rIns="90000" tIns="91440" bIns="91440">
             <a:spAutoFit/>
           </a:bodyPr>
           <a:p>
@@ -15878,7 +15523,7 @@
       </p:sp>
       <p:pic>
         <p:nvPicPr>
-          <p:cNvPr id="127" name="Google Shape;212;g12f99aefe16_1_22" descr=""/>
+          <p:cNvPr id="124" name="Google Shape;212;g12f99aefe16_1_22" descr=""/>
           <p:cNvPicPr/>
           <p:nvPr/>
         </p:nvPicPr>
@@ -15889,7 +15534,7 @@
         <p:spPr>
           <a:xfrm>
             <a:off x="9104760" y="423360"/>
-            <a:ext cx="2536560" cy="976320"/>
+            <a:ext cx="2535840" cy="975600"/>
           </a:xfrm>
           <a:prstGeom prst="rect">
             <a:avLst/>
@@ -15934,14 +15579,14 @@
       </p:grpSpPr>
       <p:sp>
         <p:nvSpPr>
-          <p:cNvPr id="128" name="TextShape 1"/>
-          <p:cNvSpPr txBox="1"/>
+          <p:cNvPr id="125" name="CustomShape 1"/>
+          <p:cNvSpPr/>
           <p:nvPr/>
         </p:nvSpPr>
         <p:spPr>
           <a:xfrm>
             <a:off x="116280" y="63360"/>
-            <a:ext cx="7252920" cy="547920"/>
+            <a:ext cx="7252200" cy="547200"/>
           </a:xfrm>
           <a:prstGeom prst="rect">
             <a:avLst/>
@@ -15951,8 +15596,14 @@
             <a:noFill/>
           </a:ln>
         </p:spPr>
+        <p:style>
+          <a:lnRef idx="0"/>
+          <a:fillRef idx="0"/>
+          <a:effectRef idx="0"/>
+          <a:fontRef idx="minor"/>
+        </p:style>
         <p:txBody>
-          <a:bodyPr anchor="ctr">
+          <a:bodyPr lIns="90000" rIns="90000" tIns="45000" bIns="45000" anchor="ctr">
             <a:normAutofit/>
           </a:bodyPr>
           <a:p>
@@ -15975,9 +15626,6 @@
               <a:t>Synchronization - SSS</a:t>
             </a:r>
             <a:endParaRPr b="0" lang="en-US" sz="3600" spc="-1" strike="noStrike">
-              <a:solidFill>
-                <a:srgbClr val="000000"/>
-              </a:solidFill>
               <a:latin typeface="Arial"/>
             </a:endParaRPr>
           </a:p>
@@ -15985,7 +15633,7 @@
       </p:sp>
       <p:pic>
         <p:nvPicPr>
-          <p:cNvPr id="129" name="Google Shape;218;g12f99aefe16_1_32" descr="A picture containing text, clipart&#10;&#10;Description automatically generated"/>
+          <p:cNvPr id="126" name="Google Shape;218;g12f99aefe16_1_32" descr="A picture containing text, clipart&#10;&#10;Description automatically generated"/>
           <p:cNvPicPr/>
           <p:nvPr/>
         </p:nvPicPr>
@@ -15996,7 +15644,7 @@
         <p:spPr>
           <a:xfrm>
             <a:off x="39240" y="6488280"/>
-            <a:ext cx="1317240" cy="306360"/>
+            <a:ext cx="1316520" cy="305640"/>
           </a:xfrm>
           <a:prstGeom prst="rect">
             <a:avLst/>
@@ -16008,28 +15656,28 @@
       </p:pic>
       <p:grpSp>
         <p:nvGrpSpPr>
-          <p:cNvPr id="130" name="Group 2"/>
+          <p:cNvPr id="127" name="Group 2"/>
           <p:cNvGrpSpPr/>
           <p:nvPr/>
         </p:nvGrpSpPr>
         <p:grpSpPr>
           <a:xfrm>
             <a:off x="451440" y="4430160"/>
-            <a:ext cx="11189880" cy="1734120"/>
+            <a:ext cx="11189160" cy="1733400"/>
             <a:chOff x="451440" y="4430160"/>
-            <a:chExt cx="11189880" cy="1734120"/>
+            <a:chExt cx="11189160" cy="1733400"/>
           </a:xfrm>
         </p:grpSpPr>
         <p:sp>
           <p:nvSpPr>
-            <p:cNvPr id="131" name="CustomShape 3"/>
+            <p:cNvPr id="128" name="CustomShape 3"/>
             <p:cNvSpPr/>
             <p:nvPr/>
           </p:nvSpPr>
           <p:spPr>
             <a:xfrm>
               <a:off x="451440" y="4430160"/>
-              <a:ext cx="11189520" cy="1734120"/>
+              <a:ext cx="11188800" cy="1733400"/>
             </a:xfrm>
             <a:prstGeom prst="roundRect">
               <a:avLst>
@@ -16055,14 +15703,14 @@
         </p:sp>
         <p:sp>
           <p:nvSpPr>
-            <p:cNvPr id="132" name="CustomShape 4"/>
+            <p:cNvPr id="129" name="CustomShape 4"/>
             <p:cNvSpPr/>
             <p:nvPr/>
           </p:nvSpPr>
           <p:spPr>
             <a:xfrm>
               <a:off x="1743480" y="4430160"/>
-              <a:ext cx="9897840" cy="1734120"/>
+              <a:ext cx="9897120" cy="1733400"/>
             </a:xfrm>
             <a:prstGeom prst="rect">
               <a:avLst/>
@@ -16079,7 +15727,7 @@
             <a:fontRef idx="minor"/>
           </p:style>
           <p:txBody>
-            <a:bodyPr tIns="91440" bIns="91440">
+            <a:bodyPr lIns="90000" rIns="90000" tIns="91440" bIns="91440">
               <a:noAutofit/>
             </a:bodyPr>
             <a:p>
@@ -16106,7 +15754,7 @@
               </a:endParaRPr>
             </a:p>
             <a:p>
-              <a:pPr lvl="1" marL="171360" indent="-171000">
+              <a:pPr lvl="1" marL="171360" indent="-170280">
                 <a:lnSpc>
                   <a:spcPct val="90000"/>
                 </a:lnSpc>
@@ -16137,7 +15785,7 @@
               </a:endParaRPr>
             </a:p>
             <a:p>
-              <a:pPr lvl="1" marL="171360" indent="-171000">
+              <a:pPr lvl="1" marL="171360" indent="-170280">
                 <a:lnSpc>
                   <a:spcPct val="90000"/>
                 </a:lnSpc>
@@ -16168,7 +15816,7 @@
               </a:endParaRPr>
             </a:p>
             <a:p>
-              <a:pPr lvl="2" marL="1371600" indent="-329760">
+              <a:pPr lvl="2" marL="1371600" indent="-329040">
                 <a:lnSpc>
                   <a:spcPct val="90000"/>
                 </a:lnSpc>
@@ -16199,7 +15847,7 @@
               </a:endParaRPr>
             </a:p>
             <a:p>
-              <a:pPr lvl="1" marL="171360" indent="-171000">
+              <a:pPr lvl="1" marL="171360" indent="-170280">
                 <a:lnSpc>
                   <a:spcPct val="90000"/>
                 </a:lnSpc>
@@ -16230,7 +15878,7 @@
               </a:endParaRPr>
             </a:p>
             <a:p>
-              <a:pPr lvl="1" marL="171360" indent="-171000">
+              <a:pPr lvl="1" marL="171360" indent="-170280">
                 <a:lnSpc>
                   <a:spcPct val="90000"/>
                 </a:lnSpc>
@@ -16265,7 +15913,7 @@
       </p:grpSp>
       <p:pic>
         <p:nvPicPr>
-          <p:cNvPr id="133" name="Google Shape;222;g12f99aefe16_1_32" descr=""/>
+          <p:cNvPr id="130" name="Google Shape;222;g12f99aefe16_1_32" descr=""/>
           <p:cNvPicPr/>
           <p:nvPr/>
         </p:nvPicPr>
@@ -16276,7 +15924,7 @@
         <p:spPr>
           <a:xfrm>
             <a:off x="3006000" y="904680"/>
-            <a:ext cx="6067440" cy="2781720"/>
+            <a:ext cx="6066720" cy="2781000"/>
           </a:xfrm>
           <a:prstGeom prst="rect">
             <a:avLst/>
@@ -16288,7 +15936,7 @@
       </p:pic>
       <p:pic>
         <p:nvPicPr>
-          <p:cNvPr id="134" name="Google Shape;223;g12f99aefe16_1_32" descr=""/>
+          <p:cNvPr id="131" name="Google Shape;223;g12f99aefe16_1_32" descr=""/>
           <p:cNvPicPr/>
           <p:nvPr/>
         </p:nvPicPr>
@@ -16299,7 +15947,7 @@
         <p:spPr>
           <a:xfrm>
             <a:off x="6691680" y="2752560"/>
-            <a:ext cx="4949280" cy="1677240"/>
+            <a:ext cx="4948560" cy="1676520"/>
           </a:xfrm>
           <a:prstGeom prst="rect">
             <a:avLst/>
@@ -16311,7 +15959,7 @@
       </p:pic>
       <p:pic>
         <p:nvPicPr>
-          <p:cNvPr id="135" name="Google Shape;224;g12f99aefe16_1_32" descr=""/>
+          <p:cNvPr id="132" name="Google Shape;224;g12f99aefe16_1_32" descr=""/>
           <p:cNvPicPr/>
           <p:nvPr/>
         </p:nvPicPr>
@@ -16322,7 +15970,7 @@
         <p:spPr>
           <a:xfrm>
             <a:off x="9104760" y="423360"/>
-            <a:ext cx="2536560" cy="976320"/>
+            <a:ext cx="2535840" cy="975600"/>
           </a:xfrm>
           <a:prstGeom prst="rect">
             <a:avLst/>
@@ -16337,14 +15985,14 @@
       </p:pic>
       <p:sp>
         <p:nvSpPr>
-          <p:cNvPr id="136" name="CustomShape 5"/>
+          <p:cNvPr id="133" name="CustomShape 5"/>
           <p:cNvSpPr/>
           <p:nvPr/>
         </p:nvSpPr>
         <p:spPr>
           <a:xfrm>
             <a:off x="8105040" y="2445120"/>
-            <a:ext cx="1880640" cy="396360"/>
+            <a:ext cx="1879920" cy="395640"/>
           </a:xfrm>
           <a:prstGeom prst="rect">
             <a:avLst/>
@@ -16361,7 +16009,7 @@
           <a:fontRef idx="minor"/>
         </p:style>
         <p:txBody>
-          <a:bodyPr tIns="91440" bIns="91440">
+          <a:bodyPr lIns="90000" rIns="90000" tIns="91440" bIns="91440">
             <a:spAutoFit/>
           </a:bodyPr>
           <a:p>
@@ -16391,14 +16039,14 @@
       </p:sp>
       <p:sp>
         <p:nvSpPr>
-          <p:cNvPr id="137" name="CustomShape 6"/>
+          <p:cNvPr id="134" name="CustomShape 6"/>
           <p:cNvSpPr/>
           <p:nvPr/>
         </p:nvSpPr>
         <p:spPr>
           <a:xfrm>
             <a:off x="7535160" y="4074120"/>
-            <a:ext cx="1317240" cy="399960"/>
+            <a:ext cx="1316520" cy="399240"/>
           </a:xfrm>
           <a:prstGeom prst="rect">
             <a:avLst/>
@@ -16420,14 +16068,14 @@
       </p:sp>
       <p:sp>
         <p:nvSpPr>
-          <p:cNvPr id="138" name="CustomShape 7"/>
+          <p:cNvPr id="135" name="CustomShape 7"/>
           <p:cNvSpPr/>
           <p:nvPr/>
         </p:nvSpPr>
         <p:spPr>
           <a:xfrm>
             <a:off x="9363960" y="4074120"/>
-            <a:ext cx="1317240" cy="399960"/>
+            <a:ext cx="1316520" cy="399240"/>
           </a:xfrm>
           <a:prstGeom prst="rect">
             <a:avLst/>
@@ -16449,14 +16097,14 @@
       </p:sp>
       <p:sp>
         <p:nvSpPr>
-          <p:cNvPr id="139" name="CustomShape 8"/>
+          <p:cNvPr id="136" name="CustomShape 8"/>
           <p:cNvSpPr/>
           <p:nvPr/>
         </p:nvSpPr>
         <p:spPr>
           <a:xfrm>
             <a:off x="6239880" y="1940400"/>
-            <a:ext cx="1317240" cy="306360"/>
+            <a:ext cx="1316520" cy="305640"/>
           </a:xfrm>
           <a:prstGeom prst="rect">
             <a:avLst/>
@@ -16478,14 +16126,14 @@
       </p:sp>
       <p:sp>
         <p:nvSpPr>
-          <p:cNvPr id="140" name="CustomShape 9"/>
+          <p:cNvPr id="137" name="CustomShape 9"/>
           <p:cNvSpPr/>
           <p:nvPr/>
         </p:nvSpPr>
         <p:spPr>
           <a:xfrm>
             <a:off x="4258800" y="1940400"/>
-            <a:ext cx="1317240" cy="306360"/>
+            <a:ext cx="1316520" cy="305640"/>
           </a:xfrm>
           <a:prstGeom prst="rect">
             <a:avLst/>
@@ -16507,7 +16155,7 @@
       </p:sp>
       <p:pic>
         <p:nvPicPr>
-          <p:cNvPr id="141" name="Google Shape;230;g12f99aefe16_1_32" descr=""/>
+          <p:cNvPr id="138" name="Google Shape;230;g12f99aefe16_1_32" descr=""/>
           <p:cNvPicPr/>
           <p:nvPr/>
         </p:nvPicPr>
@@ -16518,7 +16166,7 @@
         <p:spPr>
           <a:xfrm>
             <a:off x="400680" y="924120"/>
-            <a:ext cx="2529000" cy="1734120"/>
+            <a:ext cx="2528280" cy="1733400"/>
           </a:xfrm>
           <a:prstGeom prst="rect">
             <a:avLst/>
@@ -16530,7 +16178,7 @@
       </p:pic>
       <p:pic>
         <p:nvPicPr>
-          <p:cNvPr id="142" name="Google Shape;231;g12f99aefe16_1_32" descr=""/>
+          <p:cNvPr id="139" name="Google Shape;231;g12f99aefe16_1_32" descr=""/>
           <p:cNvPicPr/>
           <p:nvPr/>
         </p:nvPicPr>
@@ -16541,7 +16189,7 @@
         <p:spPr>
           <a:xfrm>
             <a:off x="400680" y="2693880"/>
-            <a:ext cx="2529000" cy="1572480"/>
+            <a:ext cx="2528280" cy="1571760"/>
           </a:xfrm>
           <a:prstGeom prst="rect">
             <a:avLst/>
@@ -16553,14 +16201,14 @@
       </p:pic>
       <p:sp>
         <p:nvSpPr>
-          <p:cNvPr id="143" name="CustomShape 10"/>
+          <p:cNvPr id="140" name="CustomShape 10"/>
           <p:cNvSpPr/>
           <p:nvPr/>
         </p:nvSpPr>
         <p:spPr>
           <a:xfrm>
             <a:off x="400680" y="575640"/>
-            <a:ext cx="3364920" cy="335520"/>
+            <a:ext cx="3364200" cy="334800"/>
           </a:xfrm>
           <a:prstGeom prst="rect">
             <a:avLst/>
@@ -16577,7 +16225,7 @@
           <a:fontRef idx="minor"/>
         </p:style>
         <p:txBody>
-          <a:bodyPr tIns="91440" bIns="91440">
+          <a:bodyPr lIns="90000" rIns="90000" tIns="91440" bIns="91440">
             <a:spAutoFit/>
           </a:bodyPr>
           <a:p>
@@ -16607,14 +16255,14 @@
       </p:sp>
       <p:sp>
         <p:nvSpPr>
-          <p:cNvPr id="144" name="CustomShape 11"/>
+          <p:cNvPr id="141" name="CustomShape 11"/>
           <p:cNvSpPr/>
           <p:nvPr/>
         </p:nvSpPr>
         <p:spPr>
           <a:xfrm>
             <a:off x="3026520" y="3706560"/>
-            <a:ext cx="3766680" cy="396360"/>
+            <a:ext cx="3765960" cy="395640"/>
           </a:xfrm>
           <a:prstGeom prst="rect">
             <a:avLst/>
@@ -16631,7 +16279,7 @@
           <a:fontRef idx="minor"/>
         </p:style>
         <p:txBody>
-          <a:bodyPr tIns="91440" bIns="91440">
+          <a:bodyPr lIns="90000" rIns="90000" tIns="91440" bIns="91440">
             <a:spAutoFit/>
           </a:bodyPr>
           <a:p>

--- a/DOCUMENTATION/LTE_Cell_Search_3_Main_Components.pptx
+++ b/DOCUMENTATION/LTE_Cell_Search_3_Main_Components.pptx
@@ -1,23 +1,118 @@
 
 <file path=ppt/presentation.xml><?xml version="1.0" encoding="utf-8"?>
-<p:presentation xmlns:a="http://schemas.openxmlformats.org/drawingml/2006/main" xmlns:p="http://schemas.openxmlformats.org/presentationml/2006/main" xmlns:r="http://schemas.openxmlformats.org/officeDocument/2006/relationships" xmlns:p14="http://schemas.microsoft.com/office/powerpoint/2010/main" xmlns:p15="http://schemas.microsoft.com/office/powerpoint/2012/main" xmlns:mc="http://schemas.openxmlformats.org/markup-compatibility/2006">
+<p:presentation xmlns:a="http://schemas.openxmlformats.org/drawingml/2006/main" xmlns:r="http://schemas.openxmlformats.org/officeDocument/2006/relationships" xmlns:p="http://schemas.openxmlformats.org/presentationml/2006/main">
   <p:sldMasterIdLst>
-    <p:sldMasterId id="2147483648" r:id="rId2"/>
-    <p:sldMasterId id="2147483661" r:id="rId3"/>
+    <p:sldMasterId id="2147483648" r:id="rId1"/>
+    <p:sldMasterId id="2147483661" r:id="rId2"/>
   </p:sldMasterIdLst>
   <p:notesMasterIdLst>
-    <p:notesMasterId r:id="rId4"/>
+    <p:notesMasterId r:id="rId9"/>
   </p:notesMasterIdLst>
   <p:sldIdLst>
-    <p:sldId id="256" r:id="rId5"/>
-    <p:sldId id="257" r:id="rId6"/>
-    <p:sldId id="258" r:id="rId7"/>
-    <p:sldId id="259" r:id="rId8"/>
-    <p:sldId id="260" r:id="rId9"/>
-    <p:sldId id="261" r:id="rId10"/>
+    <p:sldId id="256" r:id="rId3"/>
+    <p:sldId id="257" r:id="rId4"/>
+    <p:sldId id="258" r:id="rId5"/>
+    <p:sldId id="259" r:id="rId6"/>
+    <p:sldId id="260" r:id="rId7"/>
+    <p:sldId id="261" r:id="rId8"/>
   </p:sldIdLst>
   <p:sldSz cx="12192000" cy="6858000"/>
   <p:notesSz cx="6858000" cy="9144000"/>
+  <p:defaultTextStyle>
+    <a:defPPr>
+      <a:defRPr lang="en-US"/>
+    </a:defPPr>
+    <a:lvl1pPr marL="0" algn="l" defTabSz="914400" rtl="0" eaLnBrk="1" latinLnBrk="0" hangingPunct="1">
+      <a:defRPr sz="1800" kern="1200">
+        <a:solidFill>
+          <a:schemeClr val="tx1"/>
+        </a:solidFill>
+        <a:latin typeface="+mn-lt"/>
+        <a:ea typeface="+mn-ea"/>
+        <a:cs typeface="+mn-cs"/>
+      </a:defRPr>
+    </a:lvl1pPr>
+    <a:lvl2pPr marL="457200" algn="l" defTabSz="914400" rtl="0" eaLnBrk="1" latinLnBrk="0" hangingPunct="1">
+      <a:defRPr sz="1800" kern="1200">
+        <a:solidFill>
+          <a:schemeClr val="tx1"/>
+        </a:solidFill>
+        <a:latin typeface="+mn-lt"/>
+        <a:ea typeface="+mn-ea"/>
+        <a:cs typeface="+mn-cs"/>
+      </a:defRPr>
+    </a:lvl2pPr>
+    <a:lvl3pPr marL="914400" algn="l" defTabSz="914400" rtl="0" eaLnBrk="1" latinLnBrk="0" hangingPunct="1">
+      <a:defRPr sz="1800" kern="1200">
+        <a:solidFill>
+          <a:schemeClr val="tx1"/>
+        </a:solidFill>
+        <a:latin typeface="+mn-lt"/>
+        <a:ea typeface="+mn-ea"/>
+        <a:cs typeface="+mn-cs"/>
+      </a:defRPr>
+    </a:lvl3pPr>
+    <a:lvl4pPr marL="1371600" algn="l" defTabSz="914400" rtl="0" eaLnBrk="1" latinLnBrk="0" hangingPunct="1">
+      <a:defRPr sz="1800" kern="1200">
+        <a:solidFill>
+          <a:schemeClr val="tx1"/>
+        </a:solidFill>
+        <a:latin typeface="+mn-lt"/>
+        <a:ea typeface="+mn-ea"/>
+        <a:cs typeface="+mn-cs"/>
+      </a:defRPr>
+    </a:lvl4pPr>
+    <a:lvl5pPr marL="1828800" algn="l" defTabSz="914400" rtl="0" eaLnBrk="1" latinLnBrk="0" hangingPunct="1">
+      <a:defRPr sz="1800" kern="1200">
+        <a:solidFill>
+          <a:schemeClr val="tx1"/>
+        </a:solidFill>
+        <a:latin typeface="+mn-lt"/>
+        <a:ea typeface="+mn-ea"/>
+        <a:cs typeface="+mn-cs"/>
+      </a:defRPr>
+    </a:lvl5pPr>
+    <a:lvl6pPr marL="2286000" algn="l" defTabSz="914400" rtl="0" eaLnBrk="1" latinLnBrk="0" hangingPunct="1">
+      <a:defRPr sz="1800" kern="1200">
+        <a:solidFill>
+          <a:schemeClr val="tx1"/>
+        </a:solidFill>
+        <a:latin typeface="+mn-lt"/>
+        <a:ea typeface="+mn-ea"/>
+        <a:cs typeface="+mn-cs"/>
+      </a:defRPr>
+    </a:lvl6pPr>
+    <a:lvl7pPr marL="2743200" algn="l" defTabSz="914400" rtl="0" eaLnBrk="1" latinLnBrk="0" hangingPunct="1">
+      <a:defRPr sz="1800" kern="1200">
+        <a:solidFill>
+          <a:schemeClr val="tx1"/>
+        </a:solidFill>
+        <a:latin typeface="+mn-lt"/>
+        <a:ea typeface="+mn-ea"/>
+        <a:cs typeface="+mn-cs"/>
+      </a:defRPr>
+    </a:lvl7pPr>
+    <a:lvl8pPr marL="3200400" algn="l" defTabSz="914400" rtl="0" eaLnBrk="1" latinLnBrk="0" hangingPunct="1">
+      <a:defRPr sz="1800" kern="1200">
+        <a:solidFill>
+          <a:schemeClr val="tx1"/>
+        </a:solidFill>
+        <a:latin typeface="+mn-lt"/>
+        <a:ea typeface="+mn-ea"/>
+        <a:cs typeface="+mn-cs"/>
+      </a:defRPr>
+    </a:lvl8pPr>
+    <a:lvl9pPr marL="3657600" algn="l" defTabSz="914400" rtl="0" eaLnBrk="1" latinLnBrk="0" hangingPunct="1">
+      <a:defRPr sz="1800" kern="1200">
+        <a:solidFill>
+          <a:schemeClr val="tx1"/>
+        </a:solidFill>
+        <a:latin typeface="+mn-lt"/>
+        <a:ea typeface="+mn-ea"/>
+        <a:cs typeface="+mn-cs"/>
+      </a:defRPr>
+    </a:lvl9pPr>
+  </p:defaultTextStyle>
 </p:presentation>
 </file>
 
@@ -1737,7 +1832,23 @@
                 <a:schemeClr val="tx1"/>
               </a:solidFill>
             </a:rPr>
-            <a:t>NCO (Numerically controlled Oscillator)</a:t>
+            <a:t>NCO (Numerically </a:t>
+          </a:r>
+          <a:r>
+            <a:rPr lang="en-US" sz="2400" dirty="0" smtClean="0">
+              <a:solidFill>
+                <a:schemeClr val="tx1"/>
+              </a:solidFill>
+            </a:rPr>
+            <a:t>Controlled </a:t>
+          </a:r>
+          <a:r>
+            <a:rPr lang="en-US" sz="2400" dirty="0">
+              <a:solidFill>
+                <a:schemeClr val="tx1"/>
+              </a:solidFill>
+            </a:rPr>
+            <a:t>Oscillator)</a:t>
           </a:r>
         </a:p>
       </dgm:t>
@@ -2155,10 +2266,24 @@
     <dgm:pt modelId="{8D5153E1-AB61-4743-8816-7E3DAE6DA106}" type="parTrans" cxnId="{F2021603-275C-4406-93B6-BA8A8AC8337E}">
       <dgm:prSet/>
       <dgm:spPr/>
+      <dgm:t>
+        <a:bodyPr/>
+        <a:lstStyle/>
+        <a:p>
+          <a:endParaRPr lang="en-US"/>
+        </a:p>
+      </dgm:t>
     </dgm:pt>
     <dgm:pt modelId="{1CB26795-2EEC-420A-9163-BEEFD5C6D76F}" type="sibTrans" cxnId="{F2021603-275C-4406-93B6-BA8A8AC8337E}">
       <dgm:prSet/>
       <dgm:spPr/>
+      <dgm:t>
+        <a:bodyPr/>
+        <a:lstStyle/>
+        <a:p>
+          <a:endParaRPr lang="en-US"/>
+        </a:p>
+      </dgm:t>
     </dgm:pt>
     <dgm:pt modelId="{227BFA26-DE59-49B1-BFF8-B67AF3ADBCBF}" type="pres">
       <dgm:prSet presAssocID="{88BE51BF-FDE6-460E-BC11-57E25BCAE071}" presName="linear" presStyleCnt="0">
@@ -2168,6 +2293,13 @@
         </dgm:presLayoutVars>
       </dgm:prSet>
       <dgm:spPr/>
+      <dgm:t>
+        <a:bodyPr/>
+        <a:lstStyle/>
+        <a:p>
+          <a:endParaRPr lang="en-US"/>
+        </a:p>
+      </dgm:t>
     </dgm:pt>
     <dgm:pt modelId="{67C04416-6A53-455B-BCA5-1CEA8C8BB186}" type="pres">
       <dgm:prSet presAssocID="{B15B98D5-1077-46CC-A13F-96C972A86970}" presName="comp" presStyleCnt="0"/>
@@ -2176,12 +2308,19 @@
     <dgm:pt modelId="{A7D3A848-C6C9-406C-AB49-07500E70E37F}" type="pres">
       <dgm:prSet presAssocID="{B15B98D5-1077-46CC-A13F-96C972A86970}" presName="box" presStyleLbl="node1" presStyleIdx="0" presStyleCnt="3" custLinFactNeighborY="-567"/>
       <dgm:spPr/>
+      <dgm:t>
+        <a:bodyPr/>
+        <a:lstStyle/>
+        <a:p>
+          <a:endParaRPr lang="en-US"/>
+        </a:p>
+      </dgm:t>
     </dgm:pt>
     <dgm:pt modelId="{6061E35F-6626-429F-B6C3-3AE95F6081F8}" type="pres">
       <dgm:prSet presAssocID="{B15B98D5-1077-46CC-A13F-96C972A86970}" presName="img" presStyleLbl="fgImgPlace1" presStyleIdx="0" presStyleCnt="3"/>
       <dgm:spPr>
         <a:blipFill>
-          <a:blip xmlns:r="http://schemas.openxmlformats.org/officeDocument/2006/relationships" r:embed="rId1">
+          <a:blip xmlns:r="http://schemas.openxmlformats.org/officeDocument/2006/relationships" r:embed="rId1" cstate="print">
             <a:extLst>
               <a:ext uri="{28A0092B-C50C-407E-A947-70E740481C1C}">
                 <a14:useLocalDpi xmlns:a14="http://schemas.microsoft.com/office/drawing/2010/main" val="0"/>
@@ -2194,6 +2333,13 @@
           </a:stretch>
         </a:blipFill>
       </dgm:spPr>
+      <dgm:t>
+        <a:bodyPr/>
+        <a:lstStyle/>
+        <a:p>
+          <a:endParaRPr lang="en-US"/>
+        </a:p>
+      </dgm:t>
     </dgm:pt>
     <dgm:pt modelId="{717CC320-C5D5-46F6-AFA6-CD2108AEA003}" type="pres">
       <dgm:prSet presAssocID="{B15B98D5-1077-46CC-A13F-96C972A86970}" presName="text" presStyleLbl="node1" presStyleIdx="0" presStyleCnt="3">
@@ -2202,6 +2348,13 @@
         </dgm:presLayoutVars>
       </dgm:prSet>
       <dgm:spPr/>
+      <dgm:t>
+        <a:bodyPr/>
+        <a:lstStyle/>
+        <a:p>
+          <a:endParaRPr lang="en-US"/>
+        </a:p>
+      </dgm:t>
     </dgm:pt>
     <dgm:pt modelId="{E458A4C4-225F-4955-BA9F-4207203D1727}" type="pres">
       <dgm:prSet presAssocID="{6FC58989-C113-422C-9CBA-AF6AF4C008D3}" presName="spacer" presStyleCnt="0"/>
@@ -2214,12 +2367,19 @@
     <dgm:pt modelId="{662C4337-BB4E-4EA6-AF93-E326EE7D29D5}" type="pres">
       <dgm:prSet presAssocID="{53A75ADE-75C8-4404-90DA-3FA67EC9A571}" presName="box" presStyleLbl="node1" presStyleIdx="1" presStyleCnt="3"/>
       <dgm:spPr/>
+      <dgm:t>
+        <a:bodyPr/>
+        <a:lstStyle/>
+        <a:p>
+          <a:endParaRPr lang="en-US"/>
+        </a:p>
+      </dgm:t>
     </dgm:pt>
     <dgm:pt modelId="{F8EA47B2-33B6-4C64-B968-204F92EC7995}" type="pres">
       <dgm:prSet presAssocID="{53A75ADE-75C8-4404-90DA-3FA67EC9A571}" presName="img" presStyleLbl="fgImgPlace1" presStyleIdx="1" presStyleCnt="3"/>
       <dgm:spPr>
         <a:blipFill>
-          <a:blip xmlns:r="http://schemas.openxmlformats.org/officeDocument/2006/relationships" r:embed="rId2">
+          <a:blip xmlns:r="http://schemas.openxmlformats.org/officeDocument/2006/relationships" r:embed="rId2" cstate="print">
             <a:extLst>
               <a:ext uri="{28A0092B-C50C-407E-A947-70E740481C1C}">
                 <a14:useLocalDpi xmlns:a14="http://schemas.microsoft.com/office/drawing/2010/main" val="0"/>
@@ -2232,6 +2392,13 @@
           </a:stretch>
         </a:blipFill>
       </dgm:spPr>
+      <dgm:t>
+        <a:bodyPr/>
+        <a:lstStyle/>
+        <a:p>
+          <a:endParaRPr lang="en-US"/>
+        </a:p>
+      </dgm:t>
     </dgm:pt>
     <dgm:pt modelId="{8A418F7B-28FF-4FEE-A0E0-AFEA1D42FFAC}" type="pres">
       <dgm:prSet presAssocID="{53A75ADE-75C8-4404-90DA-3FA67EC9A571}" presName="text" presStyleLbl="node1" presStyleIdx="1" presStyleCnt="3">
@@ -2240,6 +2407,13 @@
         </dgm:presLayoutVars>
       </dgm:prSet>
       <dgm:spPr/>
+      <dgm:t>
+        <a:bodyPr/>
+        <a:lstStyle/>
+        <a:p>
+          <a:endParaRPr lang="en-US"/>
+        </a:p>
+      </dgm:t>
     </dgm:pt>
     <dgm:pt modelId="{93C14B2E-6537-499A-8ED2-F455B0465128}" type="pres">
       <dgm:prSet presAssocID="{A1FC1213-CA52-4510-80A3-321643DDBEAC}" presName="spacer" presStyleCnt="0"/>
@@ -2252,6 +2426,13 @@
     <dgm:pt modelId="{87B9AB88-0CCC-4E81-8457-E8A0BA4FCCE2}" type="pres">
       <dgm:prSet presAssocID="{68713C72-0570-4166-975D-555514EBBA62}" presName="box" presStyleLbl="node1" presStyleIdx="2" presStyleCnt="3"/>
       <dgm:spPr/>
+      <dgm:t>
+        <a:bodyPr/>
+        <a:lstStyle/>
+        <a:p>
+          <a:endParaRPr lang="en-US"/>
+        </a:p>
+      </dgm:t>
     </dgm:pt>
     <dgm:pt modelId="{E973F3B8-03FC-4BED-A2F8-F52A45409874}" type="pres">
       <dgm:prSet presAssocID="{68713C72-0570-4166-975D-555514EBBA62}" presName="img" presStyleLbl="fgImgPlace1" presStyleIdx="2" presStyleCnt="3"/>
@@ -2278,49 +2459,56 @@
         </dgm:presLayoutVars>
       </dgm:prSet>
       <dgm:spPr/>
+      <dgm:t>
+        <a:bodyPr/>
+        <a:lstStyle/>
+        <a:p>
+          <a:endParaRPr lang="en-US"/>
+        </a:p>
+      </dgm:t>
     </dgm:pt>
   </dgm:ptLst>
   <dgm:cxnLst>
+    <dgm:cxn modelId="{BBFEBA3E-DCCB-46BE-99CC-01C0A446FAC7}" type="presOf" srcId="{C260603B-69C5-448E-ACB1-63C6E1EA20A9}" destId="{8A418F7B-28FF-4FEE-A0E0-AFEA1D42FFAC}" srcOrd="1" destOrd="1" presId="urn:microsoft.com/office/officeart/2005/8/layout/vList4"/>
+    <dgm:cxn modelId="{1D8F0294-567D-42F1-A7E1-EE5A62B15EC9}" srcId="{68713C72-0570-4166-975D-555514EBBA62}" destId="{A832AD08-80DD-4E12-B073-77CC10670764}" srcOrd="2" destOrd="0" parTransId="{DFE44E7E-8140-4808-9CD3-A39562B0B1AF}" sibTransId="{E551E504-078F-4D6C-998F-F7C78D69F6D0}"/>
+    <dgm:cxn modelId="{EC36735D-BE34-4578-BA12-247BE83A9BCC}" type="presOf" srcId="{88BE51BF-FDE6-460E-BC11-57E25BCAE071}" destId="{227BFA26-DE59-49B1-BFF8-B67AF3ADBCBF}" srcOrd="0" destOrd="0" presId="urn:microsoft.com/office/officeart/2005/8/layout/vList4"/>
+    <dgm:cxn modelId="{2C053EEC-18FD-460C-8C72-F2AEE07AB5F9}" type="presOf" srcId="{8C90C2B6-4176-4B5A-B1F4-E1C9CB63AB11}" destId="{87B9AB88-0CCC-4E81-8457-E8A0BA4FCCE2}" srcOrd="0" destOrd="2" presId="urn:microsoft.com/office/officeart/2005/8/layout/vList4"/>
+    <dgm:cxn modelId="{198FA8C8-239A-424F-B78A-A46EF0AC9496}" type="presOf" srcId="{68713C72-0570-4166-975D-555514EBBA62}" destId="{2501B7B2-9006-4E0D-B92F-86EE4F67BC09}" srcOrd="1" destOrd="0" presId="urn:microsoft.com/office/officeart/2005/8/layout/vList4"/>
+    <dgm:cxn modelId="{A54C462F-0EA2-46DF-96D2-B65198FDA721}" srcId="{88BE51BF-FDE6-460E-BC11-57E25BCAE071}" destId="{B15B98D5-1077-46CC-A13F-96C972A86970}" srcOrd="0" destOrd="0" parTransId="{1A34E68B-18F8-46E8-A89E-7F44C032D830}" sibTransId="{6FC58989-C113-422C-9CBA-AF6AF4C008D3}"/>
+    <dgm:cxn modelId="{16C45517-63C3-4E22-A017-C843E1F32F3C}" type="presOf" srcId="{98ED5FCB-4D47-451F-BDFB-E89F136EE343}" destId="{717CC320-C5D5-46F6-AFA6-CD2108AEA003}" srcOrd="1" destOrd="1" presId="urn:microsoft.com/office/officeart/2005/8/layout/vList4"/>
+    <dgm:cxn modelId="{2D5BD7E6-7EE2-4B37-B53C-C4E754D4934B}" type="presOf" srcId="{8C90C2B6-4176-4B5A-B1F4-E1C9CB63AB11}" destId="{2501B7B2-9006-4E0D-B92F-86EE4F67BC09}" srcOrd="1" destOrd="2" presId="urn:microsoft.com/office/officeart/2005/8/layout/vList4"/>
+    <dgm:cxn modelId="{A4F87B97-D707-4D02-A126-E3D32D793F44}" type="presOf" srcId="{6762062A-A615-4FA1-860F-94E1C3877C30}" destId="{662C4337-BB4E-4EA6-AF93-E326EE7D29D5}" srcOrd="0" destOrd="2" presId="urn:microsoft.com/office/officeart/2005/8/layout/vList4"/>
+    <dgm:cxn modelId="{81B701F1-7A85-40C4-9589-FC6F464D6F06}" srcId="{B15B98D5-1077-46CC-A13F-96C972A86970}" destId="{F6606689-FBB2-49C7-8345-337C35734161}" srcOrd="1" destOrd="0" parTransId="{D60E084E-91B2-4C7C-87FF-7E477DDF7454}" sibTransId="{4D768039-8A91-4596-BF9F-C93B456E1F2A}"/>
+    <dgm:cxn modelId="{CB5A079F-F65A-4174-A853-DFF1805FACC1}" srcId="{88BE51BF-FDE6-460E-BC11-57E25BCAE071}" destId="{68713C72-0570-4166-975D-555514EBBA62}" srcOrd="2" destOrd="0" parTransId="{79211C63-15D0-4C97-84B1-75A30F881EE9}" sibTransId="{3B576562-7835-46FD-A9BA-9C9EA0D1A902}"/>
     <dgm:cxn modelId="{F2021603-275C-4406-93B6-BA8A8AC8337E}" srcId="{53A75ADE-75C8-4404-90DA-3FA67EC9A571}" destId="{C260603B-69C5-448E-ACB1-63C6E1EA20A9}" srcOrd="0" destOrd="0" parTransId="{8D5153E1-AB61-4743-8816-7E3DAE6DA106}" sibTransId="{1CB26795-2EEC-420A-9163-BEEFD5C6D76F}"/>
+    <dgm:cxn modelId="{1B0A4615-CB37-41E1-BC11-AA2BAEBF01A7}" type="presOf" srcId="{53A75ADE-75C8-4404-90DA-3FA67EC9A571}" destId="{662C4337-BB4E-4EA6-AF93-E326EE7D29D5}" srcOrd="0" destOrd="0" presId="urn:microsoft.com/office/officeart/2005/8/layout/vList4"/>
+    <dgm:cxn modelId="{7019477D-614A-427D-B75F-052BC8198F8B}" type="presOf" srcId="{F6606689-FBB2-49C7-8345-337C35734161}" destId="{717CC320-C5D5-46F6-AFA6-CD2108AEA003}" srcOrd="1" destOrd="2" presId="urn:microsoft.com/office/officeart/2005/8/layout/vList4"/>
+    <dgm:cxn modelId="{02974ED9-B0EC-4A2C-BE24-5501E351FD82}" type="presOf" srcId="{B15B98D5-1077-46CC-A13F-96C972A86970}" destId="{A7D3A848-C6C9-406C-AB49-07500E70E37F}" srcOrd="0" destOrd="0" presId="urn:microsoft.com/office/officeart/2005/8/layout/vList4"/>
+    <dgm:cxn modelId="{11008AD4-A093-46E5-AEA0-82F326547FEF}" srcId="{B15B98D5-1077-46CC-A13F-96C972A86970}" destId="{98ED5FCB-4D47-451F-BDFB-E89F136EE343}" srcOrd="0" destOrd="0" parTransId="{5D001409-6DE3-4020-918C-AD75C71BC3D7}" sibTransId="{74A057BB-CBC1-47EA-B06E-B81F25526EF6}"/>
+    <dgm:cxn modelId="{4E2AE822-4019-43B0-8733-C30A3D4ACC22}" type="presOf" srcId="{98ED5FCB-4D47-451F-BDFB-E89F136EE343}" destId="{A7D3A848-C6C9-406C-AB49-07500E70E37F}" srcOrd="0" destOrd="1" presId="urn:microsoft.com/office/officeart/2005/8/layout/vList4"/>
+    <dgm:cxn modelId="{E6D16E9A-F817-4E03-9152-44F938CF0368}" srcId="{53A75ADE-75C8-4404-90DA-3FA67EC9A571}" destId="{6762062A-A615-4FA1-860F-94E1C3877C30}" srcOrd="1" destOrd="0" parTransId="{C3AF5D49-31CF-463C-948E-E70DE9DEA941}" sibTransId="{73A89261-8A2C-4E4E-80E7-09C43C5BA199}"/>
+    <dgm:cxn modelId="{F6EF6487-C8DE-4847-B0D2-FC2EFB9FC713}" type="presOf" srcId="{F6606689-FBB2-49C7-8345-337C35734161}" destId="{A7D3A848-C6C9-406C-AB49-07500E70E37F}" srcOrd="0" destOrd="2" presId="urn:microsoft.com/office/officeart/2005/8/layout/vList4"/>
+    <dgm:cxn modelId="{F8BAF1E1-BEAB-465B-8679-6A758FBDCA4D}" type="presOf" srcId="{68713C72-0570-4166-975D-555514EBBA62}" destId="{87B9AB88-0CCC-4E81-8457-E8A0BA4FCCE2}" srcOrd="0" destOrd="0" presId="urn:microsoft.com/office/officeart/2005/8/layout/vList4"/>
+    <dgm:cxn modelId="{0B63FEB9-516E-4D6F-8C40-29379F256BF1}" srcId="{68713C72-0570-4166-975D-555514EBBA62}" destId="{EF2EFECB-C9F8-4102-A177-22D86FE1545E}" srcOrd="0" destOrd="0" parTransId="{1D9A1915-0165-4EDB-99B0-7421DD23DF04}" sibTransId="{F7F89BCA-32CC-4E7D-AC53-350B731DF491}"/>
+    <dgm:cxn modelId="{08E1410F-C4F4-4A7D-B241-77F2051423C2}" type="presOf" srcId="{A2219039-1073-45EB-90FA-5198468A881D}" destId="{662C4337-BB4E-4EA6-AF93-E326EE7D29D5}" srcOrd="0" destOrd="3" presId="urn:microsoft.com/office/officeart/2005/8/layout/vList4"/>
+    <dgm:cxn modelId="{1274B70E-1A95-48B4-9F5C-736878DBA8B5}" type="presOf" srcId="{6762062A-A615-4FA1-860F-94E1C3877C30}" destId="{8A418F7B-28FF-4FEE-A0E0-AFEA1D42FFAC}" srcOrd="1" destOrd="2" presId="urn:microsoft.com/office/officeart/2005/8/layout/vList4"/>
+    <dgm:cxn modelId="{EC783033-60B9-4807-9F3D-26B8551E3FC4}" type="presOf" srcId="{A832AD08-80DD-4E12-B073-77CC10670764}" destId="{2501B7B2-9006-4E0D-B92F-86EE4F67BC09}" srcOrd="1" destOrd="3" presId="urn:microsoft.com/office/officeart/2005/8/layout/vList4"/>
+    <dgm:cxn modelId="{E72486EB-980E-4A09-9E19-B7B4CF28069D}" type="presOf" srcId="{EF2EFECB-C9F8-4102-A177-22D86FE1545E}" destId="{2501B7B2-9006-4E0D-B92F-86EE4F67BC09}" srcOrd="1" destOrd="1" presId="urn:microsoft.com/office/officeart/2005/8/layout/vList4"/>
+    <dgm:cxn modelId="{00F8C1A6-AB82-4EDA-8609-1A9D18AD777D}" type="presOf" srcId="{F657B5E9-DB6B-489C-943C-291C3CD4F620}" destId="{A7D3A848-C6C9-406C-AB49-07500E70E37F}" srcOrd="0" destOrd="3" presId="urn:microsoft.com/office/officeart/2005/8/layout/vList4"/>
+    <dgm:cxn modelId="{ED40C5DC-8F39-4F28-95A3-147DBFB4784A}" srcId="{68713C72-0570-4166-975D-555514EBBA62}" destId="{8C90C2B6-4176-4B5A-B1F4-E1C9CB63AB11}" srcOrd="1" destOrd="0" parTransId="{0F7CC9E8-4C38-44B2-9BD6-D783EF13368C}" sibTransId="{4D571C2E-0FD4-4C1C-A294-1CD7D80CEF34}"/>
+    <dgm:cxn modelId="{1885D143-3ADD-4E79-89B6-F8C75A3884CF}" type="presOf" srcId="{A832AD08-80DD-4E12-B073-77CC10670764}" destId="{87B9AB88-0CCC-4E81-8457-E8A0BA4FCCE2}" srcOrd="0" destOrd="3" presId="urn:microsoft.com/office/officeart/2005/8/layout/vList4"/>
+    <dgm:cxn modelId="{5E2B31B0-E5A2-4BAC-B404-569A414FD353}" srcId="{B15B98D5-1077-46CC-A13F-96C972A86970}" destId="{F657B5E9-DB6B-489C-943C-291C3CD4F620}" srcOrd="2" destOrd="0" parTransId="{2D60E05E-7440-4EA9-99D8-051977FB4E7D}" sibTransId="{2E3DDD11-29E1-4D73-BC45-4832716B46EF}"/>
+    <dgm:cxn modelId="{11F43AF5-0AAA-48B3-BFBE-F27A3141CC39}" type="presOf" srcId="{EF2EFECB-C9F8-4102-A177-22D86FE1545E}" destId="{87B9AB88-0CCC-4E81-8457-E8A0BA4FCCE2}" srcOrd="0" destOrd="1" presId="urn:microsoft.com/office/officeart/2005/8/layout/vList4"/>
+    <dgm:cxn modelId="{20829D4C-9DB2-42AA-92CB-3E6FC2A12657}" type="presOf" srcId="{C260603B-69C5-448E-ACB1-63C6E1EA20A9}" destId="{662C4337-BB4E-4EA6-AF93-E326EE7D29D5}" srcOrd="0" destOrd="1" presId="urn:microsoft.com/office/officeart/2005/8/layout/vList4"/>
+    <dgm:cxn modelId="{2AF50624-2658-450E-9CCB-E6A5284140D1}" srcId="{88BE51BF-FDE6-460E-BC11-57E25BCAE071}" destId="{53A75ADE-75C8-4404-90DA-3FA67EC9A571}" srcOrd="1" destOrd="0" parTransId="{8E194A02-DEA2-4F85-8289-1C946D22D4F2}" sibTransId="{A1FC1213-CA52-4510-80A3-321643DDBEAC}"/>
+    <dgm:cxn modelId="{D50583A1-5C0F-49A8-964A-5B534B224E60}" srcId="{68713C72-0570-4166-975D-555514EBBA62}" destId="{10EC5BB4-CECA-4C4B-B1CC-BD0ADA2420CE}" srcOrd="3" destOrd="0" parTransId="{49CDBE8C-C601-4972-89A8-7AFB009B7D1F}" sibTransId="{E21DCBAC-A58D-40FC-8C36-0979D0A8E2D9}"/>
+    <dgm:cxn modelId="{D5BF574E-B5A9-48C1-9EDD-EBD3BD89B835}" srcId="{53A75ADE-75C8-4404-90DA-3FA67EC9A571}" destId="{A2219039-1073-45EB-90FA-5198468A881D}" srcOrd="2" destOrd="0" parTransId="{0811C0A6-6221-46D7-817E-C8B733974A51}" sibTransId="{3EDB7AD4-2382-41B6-B98B-1FE70F4BA0B7}"/>
+    <dgm:cxn modelId="{84071BAB-B68D-4619-A66A-71C4DFBFB78D}" type="presOf" srcId="{F657B5E9-DB6B-489C-943C-291C3CD4F620}" destId="{717CC320-C5D5-46F6-AFA6-CD2108AEA003}" srcOrd="1" destOrd="3" presId="urn:microsoft.com/office/officeart/2005/8/layout/vList4"/>
     <dgm:cxn modelId="{6CDB3C07-F251-4D6F-8753-31C0B56EB4BC}" type="presOf" srcId="{B15B98D5-1077-46CC-A13F-96C972A86970}" destId="{717CC320-C5D5-46F6-AFA6-CD2108AEA003}" srcOrd="1" destOrd="0" presId="urn:microsoft.com/office/officeart/2005/8/layout/vList4"/>
-    <dgm:cxn modelId="{1274B70E-1A95-48B4-9F5C-736878DBA8B5}" type="presOf" srcId="{6762062A-A615-4FA1-860F-94E1C3877C30}" destId="{8A418F7B-28FF-4FEE-A0E0-AFEA1D42FFAC}" srcOrd="1" destOrd="2" presId="urn:microsoft.com/office/officeart/2005/8/layout/vList4"/>
-    <dgm:cxn modelId="{08E1410F-C4F4-4A7D-B241-77F2051423C2}" type="presOf" srcId="{A2219039-1073-45EB-90FA-5198468A881D}" destId="{662C4337-BB4E-4EA6-AF93-E326EE7D29D5}" srcOrd="0" destOrd="3" presId="urn:microsoft.com/office/officeart/2005/8/layout/vList4"/>
-    <dgm:cxn modelId="{1B0A4615-CB37-41E1-BC11-AA2BAEBF01A7}" type="presOf" srcId="{53A75ADE-75C8-4404-90DA-3FA67EC9A571}" destId="{662C4337-BB4E-4EA6-AF93-E326EE7D29D5}" srcOrd="0" destOrd="0" presId="urn:microsoft.com/office/officeart/2005/8/layout/vList4"/>
-    <dgm:cxn modelId="{16C45517-63C3-4E22-A017-C843E1F32F3C}" type="presOf" srcId="{98ED5FCB-4D47-451F-BDFB-E89F136EE343}" destId="{717CC320-C5D5-46F6-AFA6-CD2108AEA003}" srcOrd="1" destOrd="1" presId="urn:microsoft.com/office/officeart/2005/8/layout/vList4"/>
-    <dgm:cxn modelId="{4E2AE822-4019-43B0-8733-C30A3D4ACC22}" type="presOf" srcId="{98ED5FCB-4D47-451F-BDFB-E89F136EE343}" destId="{A7D3A848-C6C9-406C-AB49-07500E70E37F}" srcOrd="0" destOrd="1" presId="urn:microsoft.com/office/officeart/2005/8/layout/vList4"/>
-    <dgm:cxn modelId="{2AF50624-2658-450E-9CCB-E6A5284140D1}" srcId="{88BE51BF-FDE6-460E-BC11-57E25BCAE071}" destId="{53A75ADE-75C8-4404-90DA-3FA67EC9A571}" srcOrd="1" destOrd="0" parTransId="{8E194A02-DEA2-4F85-8289-1C946D22D4F2}" sibTransId="{A1FC1213-CA52-4510-80A3-321643DDBEAC}"/>
-    <dgm:cxn modelId="{A54C462F-0EA2-46DF-96D2-B65198FDA721}" srcId="{88BE51BF-FDE6-460E-BC11-57E25BCAE071}" destId="{B15B98D5-1077-46CC-A13F-96C972A86970}" srcOrd="0" destOrd="0" parTransId="{1A34E68B-18F8-46E8-A89E-7F44C032D830}" sibTransId="{6FC58989-C113-422C-9CBA-AF6AF4C008D3}"/>
-    <dgm:cxn modelId="{EC783033-60B9-4807-9F3D-26B8551E3FC4}" type="presOf" srcId="{A832AD08-80DD-4E12-B073-77CC10670764}" destId="{2501B7B2-9006-4E0D-B92F-86EE4F67BC09}" srcOrd="1" destOrd="3" presId="urn:microsoft.com/office/officeart/2005/8/layout/vList4"/>
-    <dgm:cxn modelId="{BBFEBA3E-DCCB-46BE-99CC-01C0A446FAC7}" type="presOf" srcId="{C260603B-69C5-448E-ACB1-63C6E1EA20A9}" destId="{8A418F7B-28FF-4FEE-A0E0-AFEA1D42FFAC}" srcOrd="1" destOrd="1" presId="urn:microsoft.com/office/officeart/2005/8/layout/vList4"/>
-    <dgm:cxn modelId="{EC36735D-BE34-4578-BA12-247BE83A9BCC}" type="presOf" srcId="{88BE51BF-FDE6-460E-BC11-57E25BCAE071}" destId="{227BFA26-DE59-49B1-BFF8-B67AF3ADBCBF}" srcOrd="0" destOrd="0" presId="urn:microsoft.com/office/officeart/2005/8/layout/vList4"/>
-    <dgm:cxn modelId="{1885D143-3ADD-4E79-89B6-F8C75A3884CF}" type="presOf" srcId="{A832AD08-80DD-4E12-B073-77CC10670764}" destId="{87B9AB88-0CCC-4E81-8457-E8A0BA4FCCE2}" srcOrd="0" destOrd="3" presId="urn:microsoft.com/office/officeart/2005/8/layout/vList4"/>
     <dgm:cxn modelId="{15CE0168-11B4-4C47-BE1E-F71B013599D1}" type="presOf" srcId="{53A75ADE-75C8-4404-90DA-3FA67EC9A571}" destId="{8A418F7B-28FF-4FEE-A0E0-AFEA1D42FFAC}" srcOrd="1" destOrd="0" presId="urn:microsoft.com/office/officeart/2005/8/layout/vList4"/>
-    <dgm:cxn modelId="{20829D4C-9DB2-42AA-92CB-3E6FC2A12657}" type="presOf" srcId="{C260603B-69C5-448E-ACB1-63C6E1EA20A9}" destId="{662C4337-BB4E-4EA6-AF93-E326EE7D29D5}" srcOrd="0" destOrd="1" presId="urn:microsoft.com/office/officeart/2005/8/layout/vList4"/>
-    <dgm:cxn modelId="{D5BF574E-B5A9-48C1-9EDD-EBD3BD89B835}" srcId="{53A75ADE-75C8-4404-90DA-3FA67EC9A571}" destId="{A2219039-1073-45EB-90FA-5198468A881D}" srcOrd="2" destOrd="0" parTransId="{0811C0A6-6221-46D7-817E-C8B733974A51}" sibTransId="{3EDB7AD4-2382-41B6-B98B-1FE70F4BA0B7}"/>
     <dgm:cxn modelId="{F73ACC54-B96A-4CDD-83DE-67FEB2F74A5D}" type="presOf" srcId="{10EC5BB4-CECA-4C4B-B1CC-BD0ADA2420CE}" destId="{87B9AB88-0CCC-4E81-8457-E8A0BA4FCCE2}" srcOrd="0" destOrd="4" presId="urn:microsoft.com/office/officeart/2005/8/layout/vList4"/>
     <dgm:cxn modelId="{FD086F7B-7149-4FDA-AFCF-E79B7920FBD3}" type="presOf" srcId="{10EC5BB4-CECA-4C4B-B1CC-BD0ADA2420CE}" destId="{2501B7B2-9006-4E0D-B92F-86EE4F67BC09}" srcOrd="1" destOrd="4" presId="urn:microsoft.com/office/officeart/2005/8/layout/vList4"/>
-    <dgm:cxn modelId="{7019477D-614A-427D-B75F-052BC8198F8B}" type="presOf" srcId="{F6606689-FBB2-49C7-8345-337C35734161}" destId="{717CC320-C5D5-46F6-AFA6-CD2108AEA003}" srcOrd="1" destOrd="2" presId="urn:microsoft.com/office/officeart/2005/8/layout/vList4"/>
-    <dgm:cxn modelId="{F6EF6487-C8DE-4847-B0D2-FC2EFB9FC713}" type="presOf" srcId="{F6606689-FBB2-49C7-8345-337C35734161}" destId="{A7D3A848-C6C9-406C-AB49-07500E70E37F}" srcOrd="0" destOrd="2" presId="urn:microsoft.com/office/officeart/2005/8/layout/vList4"/>
-    <dgm:cxn modelId="{1D8F0294-567D-42F1-A7E1-EE5A62B15EC9}" srcId="{68713C72-0570-4166-975D-555514EBBA62}" destId="{A832AD08-80DD-4E12-B073-77CC10670764}" srcOrd="2" destOrd="0" parTransId="{DFE44E7E-8140-4808-9CD3-A39562B0B1AF}" sibTransId="{E551E504-078F-4D6C-998F-F7C78D69F6D0}"/>
-    <dgm:cxn modelId="{A4F87B97-D707-4D02-A126-E3D32D793F44}" type="presOf" srcId="{6762062A-A615-4FA1-860F-94E1C3877C30}" destId="{662C4337-BB4E-4EA6-AF93-E326EE7D29D5}" srcOrd="0" destOrd="2" presId="urn:microsoft.com/office/officeart/2005/8/layout/vList4"/>
-    <dgm:cxn modelId="{E6D16E9A-F817-4E03-9152-44F938CF0368}" srcId="{53A75ADE-75C8-4404-90DA-3FA67EC9A571}" destId="{6762062A-A615-4FA1-860F-94E1C3877C30}" srcOrd="1" destOrd="0" parTransId="{C3AF5D49-31CF-463C-948E-E70DE9DEA941}" sibTransId="{73A89261-8A2C-4E4E-80E7-09C43C5BA199}"/>
-    <dgm:cxn modelId="{CB5A079F-F65A-4174-A853-DFF1805FACC1}" srcId="{88BE51BF-FDE6-460E-BC11-57E25BCAE071}" destId="{68713C72-0570-4166-975D-555514EBBA62}" srcOrd="2" destOrd="0" parTransId="{79211C63-15D0-4C97-84B1-75A30F881EE9}" sibTransId="{3B576562-7835-46FD-A9BA-9C9EA0D1A902}"/>
-    <dgm:cxn modelId="{D50583A1-5C0F-49A8-964A-5B534B224E60}" srcId="{68713C72-0570-4166-975D-555514EBBA62}" destId="{10EC5BB4-CECA-4C4B-B1CC-BD0ADA2420CE}" srcOrd="3" destOrd="0" parTransId="{49CDBE8C-C601-4972-89A8-7AFB009B7D1F}" sibTransId="{E21DCBAC-A58D-40FC-8C36-0979D0A8E2D9}"/>
-    <dgm:cxn modelId="{00F8C1A6-AB82-4EDA-8609-1A9D18AD777D}" type="presOf" srcId="{F657B5E9-DB6B-489C-943C-291C3CD4F620}" destId="{A7D3A848-C6C9-406C-AB49-07500E70E37F}" srcOrd="0" destOrd="3" presId="urn:microsoft.com/office/officeart/2005/8/layout/vList4"/>
-    <dgm:cxn modelId="{84071BAB-B68D-4619-A66A-71C4DFBFB78D}" type="presOf" srcId="{F657B5E9-DB6B-489C-943C-291C3CD4F620}" destId="{717CC320-C5D5-46F6-AFA6-CD2108AEA003}" srcOrd="1" destOrd="3" presId="urn:microsoft.com/office/officeart/2005/8/layout/vList4"/>
-    <dgm:cxn modelId="{5E2B31B0-E5A2-4BAC-B404-569A414FD353}" srcId="{B15B98D5-1077-46CC-A13F-96C972A86970}" destId="{F657B5E9-DB6B-489C-943C-291C3CD4F620}" srcOrd="2" destOrd="0" parTransId="{2D60E05E-7440-4EA9-99D8-051977FB4E7D}" sibTransId="{2E3DDD11-29E1-4D73-BC45-4832716B46EF}"/>
-    <dgm:cxn modelId="{0B63FEB9-516E-4D6F-8C40-29379F256BF1}" srcId="{68713C72-0570-4166-975D-555514EBBA62}" destId="{EF2EFECB-C9F8-4102-A177-22D86FE1545E}" srcOrd="0" destOrd="0" parTransId="{1D9A1915-0165-4EDB-99B0-7421DD23DF04}" sibTransId="{F7F89BCA-32CC-4E7D-AC53-350B731DF491}"/>
-    <dgm:cxn modelId="{198FA8C8-239A-424F-B78A-A46EF0AC9496}" type="presOf" srcId="{68713C72-0570-4166-975D-555514EBBA62}" destId="{2501B7B2-9006-4E0D-B92F-86EE4F67BC09}" srcOrd="1" destOrd="0" presId="urn:microsoft.com/office/officeart/2005/8/layout/vList4"/>
-    <dgm:cxn modelId="{11008AD4-A093-46E5-AEA0-82F326547FEF}" srcId="{B15B98D5-1077-46CC-A13F-96C972A86970}" destId="{98ED5FCB-4D47-451F-BDFB-E89F136EE343}" srcOrd="0" destOrd="0" parTransId="{5D001409-6DE3-4020-918C-AD75C71BC3D7}" sibTransId="{74A057BB-CBC1-47EA-B06E-B81F25526EF6}"/>
-    <dgm:cxn modelId="{02974ED9-B0EC-4A2C-BE24-5501E351FD82}" type="presOf" srcId="{B15B98D5-1077-46CC-A13F-96C972A86970}" destId="{A7D3A848-C6C9-406C-AB49-07500E70E37F}" srcOrd="0" destOrd="0" presId="urn:microsoft.com/office/officeart/2005/8/layout/vList4"/>
-    <dgm:cxn modelId="{ED40C5DC-8F39-4F28-95A3-147DBFB4784A}" srcId="{68713C72-0570-4166-975D-555514EBBA62}" destId="{8C90C2B6-4176-4B5A-B1F4-E1C9CB63AB11}" srcOrd="1" destOrd="0" parTransId="{0F7CC9E8-4C38-44B2-9BD6-D783EF13368C}" sibTransId="{4D571C2E-0FD4-4C1C-A294-1CD7D80CEF34}"/>
-    <dgm:cxn modelId="{F8BAF1E1-BEAB-465B-8679-6A758FBDCA4D}" type="presOf" srcId="{68713C72-0570-4166-975D-555514EBBA62}" destId="{87B9AB88-0CCC-4E81-8457-E8A0BA4FCCE2}" srcOrd="0" destOrd="0" presId="urn:microsoft.com/office/officeart/2005/8/layout/vList4"/>
-    <dgm:cxn modelId="{2D5BD7E6-7EE2-4B37-B53C-C4E754D4934B}" type="presOf" srcId="{8C90C2B6-4176-4B5A-B1F4-E1C9CB63AB11}" destId="{2501B7B2-9006-4E0D-B92F-86EE4F67BC09}" srcOrd="1" destOrd="2" presId="urn:microsoft.com/office/officeart/2005/8/layout/vList4"/>
-    <dgm:cxn modelId="{E72486EB-980E-4A09-9E19-B7B4CF28069D}" type="presOf" srcId="{EF2EFECB-C9F8-4102-A177-22D86FE1545E}" destId="{2501B7B2-9006-4E0D-B92F-86EE4F67BC09}" srcOrd="1" destOrd="1" presId="urn:microsoft.com/office/officeart/2005/8/layout/vList4"/>
-    <dgm:cxn modelId="{2C053EEC-18FD-460C-8C72-F2AEE07AB5F9}" type="presOf" srcId="{8C90C2B6-4176-4B5A-B1F4-E1C9CB63AB11}" destId="{87B9AB88-0CCC-4E81-8457-E8A0BA4FCCE2}" srcOrd="0" destOrd="2" presId="urn:microsoft.com/office/officeart/2005/8/layout/vList4"/>
     <dgm:cxn modelId="{AC565AED-C79F-454C-B40C-B6824B434A8C}" type="presOf" srcId="{A2219039-1073-45EB-90FA-5198468A881D}" destId="{8A418F7B-28FF-4FEE-A0E0-AFEA1D42FFAC}" srcOrd="1" destOrd="3" presId="urn:microsoft.com/office/officeart/2005/8/layout/vList4"/>
-    <dgm:cxn modelId="{81B701F1-7A85-40C4-9589-FC6F464D6F06}" srcId="{B15B98D5-1077-46CC-A13F-96C972A86970}" destId="{F6606689-FBB2-49C7-8345-337C35734161}" srcOrd="1" destOrd="0" parTransId="{D60E084E-91B2-4C7C-87FF-7E477DDF7454}" sibTransId="{4D768039-8A91-4596-BF9F-C93B456E1F2A}"/>
-    <dgm:cxn modelId="{11F43AF5-0AAA-48B3-BFBE-F27A3141CC39}" type="presOf" srcId="{EF2EFECB-C9F8-4102-A177-22D86FE1545E}" destId="{87B9AB88-0CCC-4E81-8457-E8A0BA4FCCE2}" srcOrd="0" destOrd="1" presId="urn:microsoft.com/office/officeart/2005/8/layout/vList4"/>
     <dgm:cxn modelId="{869A7AA3-3298-4ADC-BA78-E00FBE620552}" type="presParOf" srcId="{227BFA26-DE59-49B1-BFF8-B67AF3ADBCBF}" destId="{67C04416-6A53-455B-BCA5-1CEA8C8BB186}" srcOrd="0" destOrd="0" presId="urn:microsoft.com/office/officeart/2005/8/layout/vList4"/>
     <dgm:cxn modelId="{59401AF7-0A10-4CDA-8B19-52CDB651FC09}" type="presParOf" srcId="{67C04416-6A53-455B-BCA5-1CEA8C8BB186}" destId="{A7D3A848-C6C9-406C-AB49-07500E70E37F}" srcOrd="0" destOrd="0" presId="urn:microsoft.com/office/officeart/2005/8/layout/vList4"/>
     <dgm:cxn modelId="{F0003966-D930-4EF1-AFCE-F7F4E752BE03}" type="presParOf" srcId="{67C04416-6A53-455B-BCA5-1CEA8C8BB186}" destId="{6061E35F-6626-429F-B6C3-3AE95F6081F8}" srcOrd="1" destOrd="0" presId="urn:microsoft.com/office/officeart/2005/8/layout/vList4"/>
@@ -2340,7 +2528,7 @@
   <dgm:whole/>
   <dgm:extLst>
     <a:ext uri="http://schemas.microsoft.com/office/drawing/2008/diagram">
-      <dsp:dataModelExt xmlns:dsp="http://schemas.microsoft.com/office/drawing/2008/diagram" relId="rId7" minVer="http://schemas.openxmlformats.org/drawingml/2006/diagram"/>
+      <dsp:dataModelExt xmlns:dsp="http://schemas.microsoft.com/office/drawing/2008/diagram" relId="rId9" minVer="http://schemas.openxmlformats.org/drawingml/2006/diagram"/>
     </a:ext>
   </dgm:extLst>
 </dgm:dataModel>
@@ -3149,6 +3337,13 @@
         </dgm:presLayoutVars>
       </dgm:prSet>
       <dgm:spPr/>
+      <dgm:t>
+        <a:bodyPr/>
+        <a:lstStyle/>
+        <a:p>
+          <a:endParaRPr lang="en-US"/>
+        </a:p>
+      </dgm:t>
     </dgm:pt>
     <dgm:pt modelId="{06D5C86F-0436-4DF8-A448-64D7EBBDE25F}" type="pres">
       <dgm:prSet presAssocID="{B9D410C0-E9D7-4D54-BD7D-6998D47C9A98}" presName="compositeNode" presStyleCnt="0">
@@ -3162,7 +3357,7 @@
       <dgm:prSet presAssocID="{B9D410C0-E9D7-4D54-BD7D-6998D47C9A98}" presName="image" presStyleLbl="fgImgPlace1" presStyleIdx="0" presStyleCnt="3"/>
       <dgm:spPr>
         <a:blipFill>
-          <a:blip xmlns:r="http://schemas.openxmlformats.org/officeDocument/2006/relationships" r:embed="rId1">
+          <a:blip xmlns:r="http://schemas.openxmlformats.org/officeDocument/2006/relationships" r:embed="rId1" cstate="print">
             <a:extLst>
               <a:ext uri="{28A0092B-C50C-407E-A947-70E740481C1C}">
                 <a14:useLocalDpi xmlns:a14="http://schemas.microsoft.com/office/drawing/2010/main" val="0"/>
@@ -3175,6 +3370,13 @@
           </a:stretch>
         </a:blipFill>
       </dgm:spPr>
+      <dgm:t>
+        <a:bodyPr/>
+        <a:lstStyle/>
+        <a:p>
+          <a:endParaRPr lang="en-US"/>
+        </a:p>
+      </dgm:t>
     </dgm:pt>
     <dgm:pt modelId="{1CB879F1-3552-4771-B9BE-2AB80A4B1F2E}" type="pres">
       <dgm:prSet presAssocID="{B9D410C0-E9D7-4D54-BD7D-6998D47C9A98}" presName="childNode" presStyleLbl="node1" presStyleIdx="0" presStyleCnt="3">
@@ -3183,6 +3385,13 @@
         </dgm:presLayoutVars>
       </dgm:prSet>
       <dgm:spPr/>
+      <dgm:t>
+        <a:bodyPr/>
+        <a:lstStyle/>
+        <a:p>
+          <a:endParaRPr lang="en-US"/>
+        </a:p>
+      </dgm:t>
     </dgm:pt>
     <dgm:pt modelId="{80D94AB2-1096-4F18-9546-A16EE4F82559}" type="pres">
       <dgm:prSet presAssocID="{B9D410C0-E9D7-4D54-BD7D-6998D47C9A98}" presName="parentNode" presStyleLbl="revTx" presStyleIdx="0" presStyleCnt="3">
@@ -3192,6 +3401,13 @@
         </dgm:presLayoutVars>
       </dgm:prSet>
       <dgm:spPr/>
+      <dgm:t>
+        <a:bodyPr/>
+        <a:lstStyle/>
+        <a:p>
+          <a:endParaRPr lang="en-US"/>
+        </a:p>
+      </dgm:t>
     </dgm:pt>
     <dgm:pt modelId="{A66F56C0-984E-4ED7-8C05-410BD6D28113}" type="pres">
       <dgm:prSet presAssocID="{B016E510-71FD-4546-816F-3450FCC55BDF}" presName="sibTrans" presStyleCnt="0"/>
@@ -3230,6 +3446,13 @@
         </dgm:presLayoutVars>
       </dgm:prSet>
       <dgm:spPr/>
+      <dgm:t>
+        <a:bodyPr/>
+        <a:lstStyle/>
+        <a:p>
+          <a:endParaRPr lang="en-US"/>
+        </a:p>
+      </dgm:t>
     </dgm:pt>
     <dgm:pt modelId="{72B1B12C-9F7E-4B94-A012-D893A1DB3662}" type="pres">
       <dgm:prSet presAssocID="{83B1BF01-555B-4995-820E-D4EED4C72119}" presName="parentNode" presStyleLbl="revTx" presStyleIdx="1" presStyleCnt="3">
@@ -3239,6 +3462,13 @@
         </dgm:presLayoutVars>
       </dgm:prSet>
       <dgm:spPr/>
+      <dgm:t>
+        <a:bodyPr/>
+        <a:lstStyle/>
+        <a:p>
+          <a:endParaRPr lang="en-US"/>
+        </a:p>
+      </dgm:t>
     </dgm:pt>
     <dgm:pt modelId="{EF35FBE7-C3F7-4C9A-A501-4BBB5B9C6EF2}" type="pres">
       <dgm:prSet presAssocID="{D764FC5C-335F-4096-9F0A-15042AB9BA7F}" presName="sibTrans" presStyleCnt="0"/>
@@ -3256,7 +3486,7 @@
       <dgm:prSet presAssocID="{A3BBF87D-BE9A-4E64-9020-32B1C36D63A5}" presName="image" presStyleLbl="fgImgPlace1" presStyleIdx="2" presStyleCnt="3"/>
       <dgm:spPr>
         <a:blipFill>
-          <a:blip xmlns:r="http://schemas.openxmlformats.org/officeDocument/2006/relationships" r:embed="rId3">
+          <a:blip xmlns:r="http://schemas.openxmlformats.org/officeDocument/2006/relationships" r:embed="rId3" cstate="print">
             <a:extLst>
               <a:ext uri="{28A0092B-C50C-407E-A947-70E740481C1C}">
                 <a14:useLocalDpi xmlns:a14="http://schemas.microsoft.com/office/drawing/2010/main" val="0"/>
@@ -3269,6 +3499,13 @@
           </a:stretch>
         </a:blipFill>
       </dgm:spPr>
+      <dgm:t>
+        <a:bodyPr/>
+        <a:lstStyle/>
+        <a:p>
+          <a:endParaRPr lang="en-US"/>
+        </a:p>
+      </dgm:t>
     </dgm:pt>
     <dgm:pt modelId="{929D288B-C28B-4516-89FF-6C7AFD8955A4}" type="pres">
       <dgm:prSet presAssocID="{A3BBF87D-BE9A-4E64-9020-32B1C36D63A5}" presName="childNode" presStyleLbl="node1" presStyleIdx="2" presStyleCnt="3">
@@ -3277,6 +3514,13 @@
         </dgm:presLayoutVars>
       </dgm:prSet>
       <dgm:spPr/>
+      <dgm:t>
+        <a:bodyPr/>
+        <a:lstStyle/>
+        <a:p>
+          <a:endParaRPr lang="en-US"/>
+        </a:p>
+      </dgm:t>
     </dgm:pt>
     <dgm:pt modelId="{DA7270D0-9909-43B1-B108-BB4C0269F726}" type="pres">
       <dgm:prSet presAssocID="{A3BBF87D-BE9A-4E64-9020-32B1C36D63A5}" presName="parentNode" presStyleLbl="revTx" presStyleIdx="2" presStyleCnt="3">
@@ -3286,54 +3530,61 @@
         </dgm:presLayoutVars>
       </dgm:prSet>
       <dgm:spPr/>
+      <dgm:t>
+        <a:bodyPr/>
+        <a:lstStyle/>
+        <a:p>
+          <a:endParaRPr lang="en-US"/>
+        </a:p>
+      </dgm:t>
     </dgm:pt>
   </dgm:ptLst>
   <dgm:cxnLst>
+    <dgm:cxn modelId="{3793D84B-4168-434E-A114-489D2EAAB5A7}" type="presOf" srcId="{BA663AD9-1F75-4F50-94F8-E4173003B965}" destId="{1CB879F1-3552-4771-B9BE-2AB80A4B1F2E}" srcOrd="0" destOrd="0" presId="urn:microsoft.com/office/officeart/2005/8/layout/hList2"/>
+    <dgm:cxn modelId="{A5989835-B3D5-4947-AC73-44A88845B7C9}" srcId="{B9D410C0-E9D7-4D54-BD7D-6998D47C9A98}" destId="{910EB944-ADE6-47C9-9148-FC8A5756A3C8}" srcOrd="1" destOrd="0" parTransId="{87224A3E-2CDD-450D-AA04-1DAA1E6E740C}" sibTransId="{A090B7E0-53AB-4BFA-81D1-981F5C0BEA3C}"/>
+    <dgm:cxn modelId="{3EB41625-3891-40E4-8A7C-D2528664EB33}" srcId="{A3BBF87D-BE9A-4E64-9020-32B1C36D63A5}" destId="{3FFBC3AB-0822-437D-A8EE-889E25F0BF07}" srcOrd="3" destOrd="0" parTransId="{B6D61A7F-FB2A-4315-9A9D-C409EDE99957}" sibTransId="{E562D893-C307-4E1F-8D3D-BA76F2A035D3}"/>
+    <dgm:cxn modelId="{644CEDBD-85D0-40C2-917A-A88117E7C7A8}" srcId="{A3BBF87D-BE9A-4E64-9020-32B1C36D63A5}" destId="{FD44DD37-7F55-46B0-B5ED-ED5D31CBFCAE}" srcOrd="4" destOrd="0" parTransId="{523E82E2-0584-417D-91CE-83C28E2BAFAD}" sibTransId="{E2911FD9-FC8D-4462-9F72-C413B4D8A07F}"/>
+    <dgm:cxn modelId="{7AAAFB58-4DD6-4672-86F1-72105B89355D}" type="presOf" srcId="{8B7B1E36-C18F-4ACD-BBD5-02835193CB97}" destId="{1CB879F1-3552-4771-B9BE-2AB80A4B1F2E}" srcOrd="0" destOrd="2" presId="urn:microsoft.com/office/officeart/2005/8/layout/hList2"/>
+    <dgm:cxn modelId="{DD575A1E-92F5-40D0-BD9F-F756FD621882}" type="presOf" srcId="{FD44DD37-7F55-46B0-B5ED-ED5D31CBFCAE}" destId="{929D288B-C28B-4516-89FF-6C7AFD8955A4}" srcOrd="0" destOrd="4" presId="urn:microsoft.com/office/officeart/2005/8/layout/hList2"/>
+    <dgm:cxn modelId="{1209FDCA-9999-447E-A444-F53F6CD00EC4}" type="presOf" srcId="{F1519F30-E32E-49A8-8E40-A25383B6A72A}" destId="{CDA39617-50F1-4BAF-93D8-BE59BD38FAE8}" srcOrd="0" destOrd="6" presId="urn:microsoft.com/office/officeart/2005/8/layout/hList2"/>
+    <dgm:cxn modelId="{7BEC62F0-BA72-40E7-94DC-291B24DF8B5B}" srcId="{A3BBF87D-BE9A-4E64-9020-32B1C36D63A5}" destId="{FF5BDB50-2FA5-42B3-83CE-76B2AE5CAF5A}" srcOrd="2" destOrd="0" parTransId="{66F26151-429B-411A-B3E3-BBCB612C1DAC}" sibTransId="{5101537A-1C68-45A6-8754-707E614D4B5A}"/>
+    <dgm:cxn modelId="{078AC251-5568-4D01-A517-F1F7065D51E2}" srcId="{83B1BF01-555B-4995-820E-D4EED4C72119}" destId="{EA67676C-A38B-41FC-A9D1-1D5165C278A3}" srcOrd="1" destOrd="0" parTransId="{836FBF5A-1D76-4CD9-BEC7-7B3E46B06319}" sibTransId="{C2D7C34E-CAA6-4547-BE5A-5A2EEE05F26C}"/>
+    <dgm:cxn modelId="{E46853EE-1A42-4EB4-9D8F-87A920757998}" type="presOf" srcId="{33BD58E9-2D94-43EA-A9EE-7983368BB8A4}" destId="{929D288B-C28B-4516-89FF-6C7AFD8955A4}" srcOrd="0" destOrd="0" presId="urn:microsoft.com/office/officeart/2005/8/layout/hList2"/>
+    <dgm:cxn modelId="{B480B011-4CA1-47DD-AD57-7B9841759065}" srcId="{83B1BF01-555B-4995-820E-D4EED4C72119}" destId="{F1519F30-E32E-49A8-8E40-A25383B6A72A}" srcOrd="6" destOrd="0" parTransId="{84263AA6-5E14-4938-B726-8FC438EE0895}" sibTransId="{EE9A5238-3DD5-4F5C-BD25-BF98468055A4}"/>
+    <dgm:cxn modelId="{90D3CCE4-DA07-45FD-9A08-5D9BFBDAE0DF}" type="presOf" srcId="{F2C776D7-E585-41A3-AE7A-E3AE73DFD2E8}" destId="{929D288B-C28B-4516-89FF-6C7AFD8955A4}" srcOrd="0" destOrd="5" presId="urn:microsoft.com/office/officeart/2005/8/layout/hList2"/>
+    <dgm:cxn modelId="{AE99C3BD-0F2E-4DFA-8803-47051BF305DD}" type="presOf" srcId="{6F2D0EC7-2B87-46F8-9FEC-A8115BA2424D}" destId="{CDA39617-50F1-4BAF-93D8-BE59BD38FAE8}" srcOrd="0" destOrd="0" presId="urn:microsoft.com/office/officeart/2005/8/layout/hList2"/>
+    <dgm:cxn modelId="{A93E2515-BEF7-4774-93DD-218B0B583793}" srcId="{62CEF497-2EF9-45AD-A5A3-F20E85A0F37A}" destId="{B9D410C0-E9D7-4D54-BD7D-6998D47C9A98}" srcOrd="0" destOrd="0" parTransId="{808076E7-11F3-4938-B650-B4A650E5130D}" sibTransId="{B016E510-71FD-4546-816F-3450FCC55BDF}"/>
+    <dgm:cxn modelId="{37FAA428-D5D4-4684-9D4C-71F143520638}" type="presOf" srcId="{CABDB55A-D61A-45B9-98C9-021C52167F72}" destId="{1CB879F1-3552-4771-B9BE-2AB80A4B1F2E}" srcOrd="0" destOrd="3" presId="urn:microsoft.com/office/officeart/2005/8/layout/hList2"/>
+    <dgm:cxn modelId="{967D757A-8BFE-42FA-9AC2-02D9E9707403}" type="presOf" srcId="{21D0A5B7-C95D-4EAB-8E09-B1B71B6EC6CC}" destId="{CDA39617-50F1-4BAF-93D8-BE59BD38FAE8}" srcOrd="0" destOrd="2" presId="urn:microsoft.com/office/officeart/2005/8/layout/hList2"/>
+    <dgm:cxn modelId="{AAA79705-C195-4494-B984-365B8D5D699D}" type="presOf" srcId="{1D4A2D00-1675-4176-AB74-FAB614548865}" destId="{929D288B-C28B-4516-89FF-6C7AFD8955A4}" srcOrd="0" destOrd="6" presId="urn:microsoft.com/office/officeart/2005/8/layout/hList2"/>
+    <dgm:cxn modelId="{AEA727BC-5EA7-4E42-84F3-3514579A5CCA}" srcId="{83B1BF01-555B-4995-820E-D4EED4C72119}" destId="{DDB11ED6-9B45-427C-A790-362E3920FE0C}" srcOrd="5" destOrd="0" parTransId="{243D27D9-AD94-4DD0-A703-849F876EFF73}" sibTransId="{CF3ADBDA-7140-4C5F-BBD0-8A78269F9B01}"/>
+    <dgm:cxn modelId="{75DC97DF-56CF-4E29-8667-28180D8B2B7A}" srcId="{83B1BF01-555B-4995-820E-D4EED4C72119}" destId="{6F2D0EC7-2B87-46F8-9FEC-A8115BA2424D}" srcOrd="0" destOrd="0" parTransId="{F5F4F3A8-F338-46A2-8DB8-9656184D31CB}" sibTransId="{0CFFDBE4-72B4-47F3-8E5D-196258CA612E}"/>
+    <dgm:cxn modelId="{BD8E74C9-2B25-4E98-812C-7FD1662E1064}" srcId="{A3BBF87D-BE9A-4E64-9020-32B1C36D63A5}" destId="{1D4A2D00-1675-4176-AB74-FAB614548865}" srcOrd="6" destOrd="0" parTransId="{08D5B285-3CD9-49F1-BC54-0687D157EBC1}" sibTransId="{B178E814-C84F-4C79-A1CA-B883A9D34FD9}"/>
+    <dgm:cxn modelId="{24888EA6-CC19-4DF5-90A9-E6163DD2B1CF}" srcId="{83B1BF01-555B-4995-820E-D4EED4C72119}" destId="{21D0A5B7-C95D-4EAB-8E09-B1B71B6EC6CC}" srcOrd="2" destOrd="0" parTransId="{0C3742A0-1F00-4290-87E4-6E2388CFD022}" sibTransId="{931DE152-BF46-4F90-B77F-36AA1B83FE41}"/>
+    <dgm:cxn modelId="{E1FF95BE-DA7A-4BE2-8430-DD218D2CD066}" type="presOf" srcId="{A9374684-F26F-438D-8989-C44B7E539A78}" destId="{CDA39617-50F1-4BAF-93D8-BE59BD38FAE8}" srcOrd="0" destOrd="3" presId="urn:microsoft.com/office/officeart/2005/8/layout/hList2"/>
+    <dgm:cxn modelId="{306B6410-25ED-4C87-B394-55810670B90B}" srcId="{B9D410C0-E9D7-4D54-BD7D-6998D47C9A98}" destId="{BA663AD9-1F75-4F50-94F8-E4173003B965}" srcOrd="0" destOrd="0" parTransId="{54BF76F7-32BA-41A1-B9D6-760AE1831D4F}" sibTransId="{F614B704-09AA-4336-A5B0-5FF151D7D76F}"/>
+    <dgm:cxn modelId="{A256BA41-1A53-4178-B338-BF2AFA458A69}" type="presOf" srcId="{EA67676C-A38B-41FC-A9D1-1D5165C278A3}" destId="{CDA39617-50F1-4BAF-93D8-BE59BD38FAE8}" srcOrd="0" destOrd="1" presId="urn:microsoft.com/office/officeart/2005/8/layout/hList2"/>
+    <dgm:cxn modelId="{C0DC6367-F646-4F61-802B-828CD7714DDA}" srcId="{62CEF497-2EF9-45AD-A5A3-F20E85A0F37A}" destId="{A3BBF87D-BE9A-4E64-9020-32B1C36D63A5}" srcOrd="2" destOrd="0" parTransId="{67CA166E-9C6B-4512-960D-EFB76BE66420}" sibTransId="{966FF1FD-B79D-4B38-91EB-56863E2D276D}"/>
+    <dgm:cxn modelId="{A6E17C60-2C87-4E77-81B7-F94A0D73E649}" srcId="{B9D410C0-E9D7-4D54-BD7D-6998D47C9A98}" destId="{CABDB55A-D61A-45B9-98C9-021C52167F72}" srcOrd="3" destOrd="0" parTransId="{6E6A6C5B-5DCC-4C6F-B55E-3244BC276B44}" sibTransId="{479571EE-5545-4422-A9E7-F7F857CCCD55}"/>
+    <dgm:cxn modelId="{8E36F161-EFC9-4C8F-B99B-B3FC19921761}" type="presOf" srcId="{FF5BDB50-2FA5-42B3-83CE-76B2AE5CAF5A}" destId="{929D288B-C28B-4516-89FF-6C7AFD8955A4}" srcOrd="0" destOrd="2" presId="urn:microsoft.com/office/officeart/2005/8/layout/hList2"/>
+    <dgm:cxn modelId="{57C3D296-E0E4-4509-90DC-3AE711B03208}" type="presOf" srcId="{A3BBF87D-BE9A-4E64-9020-32B1C36D63A5}" destId="{DA7270D0-9909-43B1-B108-BB4C0269F726}" srcOrd="0" destOrd="0" presId="urn:microsoft.com/office/officeart/2005/8/layout/hList2"/>
+    <dgm:cxn modelId="{658731C4-3904-443C-895B-449EEA05A412}" type="presOf" srcId="{3FFBC3AB-0822-437D-A8EE-889E25F0BF07}" destId="{929D288B-C28B-4516-89FF-6C7AFD8955A4}" srcOrd="0" destOrd="3" presId="urn:microsoft.com/office/officeart/2005/8/layout/hList2"/>
+    <dgm:cxn modelId="{1F25142E-3DC6-442F-AE1B-F15E34586FAF}" type="presOf" srcId="{83B1BF01-555B-4995-820E-D4EED4C72119}" destId="{72B1B12C-9F7E-4B94-A012-D893A1DB3662}" srcOrd="0" destOrd="0" presId="urn:microsoft.com/office/officeart/2005/8/layout/hList2"/>
     <dgm:cxn modelId="{CD063304-4055-4A95-83FB-D472E5480662}" type="presOf" srcId="{D6CC14DE-77B5-4585-A99B-9AD7E6A8D353}" destId="{929D288B-C28B-4516-89FF-6C7AFD8955A4}" srcOrd="0" destOrd="1" presId="urn:microsoft.com/office/officeart/2005/8/layout/hList2"/>
-    <dgm:cxn modelId="{AAA79705-C195-4494-B984-365B8D5D699D}" type="presOf" srcId="{1D4A2D00-1675-4176-AB74-FAB614548865}" destId="{929D288B-C28B-4516-89FF-6C7AFD8955A4}" srcOrd="0" destOrd="6" presId="urn:microsoft.com/office/officeart/2005/8/layout/hList2"/>
-    <dgm:cxn modelId="{306B6410-25ED-4C87-B394-55810670B90B}" srcId="{B9D410C0-E9D7-4D54-BD7D-6998D47C9A98}" destId="{BA663AD9-1F75-4F50-94F8-E4173003B965}" srcOrd="0" destOrd="0" parTransId="{54BF76F7-32BA-41A1-B9D6-760AE1831D4F}" sibTransId="{F614B704-09AA-4336-A5B0-5FF151D7D76F}"/>
-    <dgm:cxn modelId="{B480B011-4CA1-47DD-AD57-7B9841759065}" srcId="{83B1BF01-555B-4995-820E-D4EED4C72119}" destId="{F1519F30-E32E-49A8-8E40-A25383B6A72A}" srcOrd="6" destOrd="0" parTransId="{84263AA6-5E14-4938-B726-8FC438EE0895}" sibTransId="{EE9A5238-3DD5-4F5C-BD25-BF98468055A4}"/>
-    <dgm:cxn modelId="{A93E2515-BEF7-4774-93DD-218B0B583793}" srcId="{62CEF497-2EF9-45AD-A5A3-F20E85A0F37A}" destId="{B9D410C0-E9D7-4D54-BD7D-6998D47C9A98}" srcOrd="0" destOrd="0" parTransId="{808076E7-11F3-4938-B650-B4A650E5130D}" sibTransId="{B016E510-71FD-4546-816F-3450FCC55BDF}"/>
+    <dgm:cxn modelId="{7BDB8AA8-1FED-4C39-8C93-20E8915739ED}" type="presOf" srcId="{B9D410C0-E9D7-4D54-BD7D-6998D47C9A98}" destId="{80D94AB2-1096-4F18-9546-A16EE4F82559}" srcOrd="0" destOrd="0" presId="urn:microsoft.com/office/officeart/2005/8/layout/hList2"/>
+    <dgm:cxn modelId="{0882EE6C-45FB-4EBC-B273-EFA1F3C9DAF6}" type="presOf" srcId="{2B033C01-6200-4421-AFF2-46C11DCA54D3}" destId="{CDA39617-50F1-4BAF-93D8-BE59BD38FAE8}" srcOrd="0" destOrd="4" presId="urn:microsoft.com/office/officeart/2005/8/layout/hList2"/>
+    <dgm:cxn modelId="{C9585B76-838B-48A5-963D-40E59243AF53}" type="presOf" srcId="{62CEF497-2EF9-45AD-A5A3-F20E85A0F37A}" destId="{C60BDF1C-1807-4494-A5D5-5AE756AD2893}" srcOrd="0" destOrd="0" presId="urn:microsoft.com/office/officeart/2005/8/layout/hList2"/>
+    <dgm:cxn modelId="{2C1CEA43-4D32-4258-B12D-AB95A6A90512}" srcId="{83B1BF01-555B-4995-820E-D4EED4C72119}" destId="{A9374684-F26F-438D-8989-C44B7E539A78}" srcOrd="3" destOrd="0" parTransId="{13722A3C-5C8C-45B5-A2CE-441E741368F2}" sibTransId="{37987A61-09D5-46DF-A252-215FC932B974}"/>
+    <dgm:cxn modelId="{D35ACAEB-6402-498A-AFE8-4B462FC31DD5}" srcId="{A3BBF87D-BE9A-4E64-9020-32B1C36D63A5}" destId="{D6CC14DE-77B5-4585-A99B-9AD7E6A8D353}" srcOrd="1" destOrd="0" parTransId="{67CC3217-A7BB-495A-915D-2FCBAA96B607}" sibTransId="{B171F1E1-49A6-4A13-8AE7-778F58E09CAC}"/>
     <dgm:cxn modelId="{343C2A1B-0396-4A92-90F4-AC57E79F60D1}" srcId="{B9D410C0-E9D7-4D54-BD7D-6998D47C9A98}" destId="{8B7B1E36-C18F-4ACD-BBD5-02835193CB97}" srcOrd="2" destOrd="0" parTransId="{822FE3E1-1FF4-4A7E-BB13-2A02759D8D54}" sibTransId="{938CE0F4-8FE4-40FF-8CAE-E1AE466C16DF}"/>
-    <dgm:cxn modelId="{DD575A1E-92F5-40D0-BD9F-F756FD621882}" type="presOf" srcId="{FD44DD37-7F55-46B0-B5ED-ED5D31CBFCAE}" destId="{929D288B-C28B-4516-89FF-6C7AFD8955A4}" srcOrd="0" destOrd="4" presId="urn:microsoft.com/office/officeart/2005/8/layout/hList2"/>
-    <dgm:cxn modelId="{3EB41625-3891-40E4-8A7C-D2528664EB33}" srcId="{A3BBF87D-BE9A-4E64-9020-32B1C36D63A5}" destId="{3FFBC3AB-0822-437D-A8EE-889E25F0BF07}" srcOrd="3" destOrd="0" parTransId="{B6D61A7F-FB2A-4315-9A9D-C409EDE99957}" sibTransId="{E562D893-C307-4E1F-8D3D-BA76F2A035D3}"/>
-    <dgm:cxn modelId="{37FAA428-D5D4-4684-9D4C-71F143520638}" type="presOf" srcId="{CABDB55A-D61A-45B9-98C9-021C52167F72}" destId="{1CB879F1-3552-4771-B9BE-2AB80A4B1F2E}" srcOrd="0" destOrd="3" presId="urn:microsoft.com/office/officeart/2005/8/layout/hList2"/>
-    <dgm:cxn modelId="{1F25142E-3DC6-442F-AE1B-F15E34586FAF}" type="presOf" srcId="{83B1BF01-555B-4995-820E-D4EED4C72119}" destId="{72B1B12C-9F7E-4B94-A012-D893A1DB3662}" srcOrd="0" destOrd="0" presId="urn:microsoft.com/office/officeart/2005/8/layout/hList2"/>
-    <dgm:cxn modelId="{A5989835-B3D5-4947-AC73-44A88845B7C9}" srcId="{B9D410C0-E9D7-4D54-BD7D-6998D47C9A98}" destId="{910EB944-ADE6-47C9-9148-FC8A5756A3C8}" srcOrd="1" destOrd="0" parTransId="{87224A3E-2CDD-450D-AA04-1DAA1E6E740C}" sibTransId="{A090B7E0-53AB-4BFA-81D1-981F5C0BEA3C}"/>
+    <dgm:cxn modelId="{6AAF7282-3A2A-4712-A736-B7C921B260DF}" srcId="{62CEF497-2EF9-45AD-A5A3-F20E85A0F37A}" destId="{83B1BF01-555B-4995-820E-D4EED4C72119}" srcOrd="1" destOrd="0" parTransId="{BB12D953-CA2F-4114-B83C-1E2DB06DEF6E}" sibTransId="{D764FC5C-335F-4096-9F0A-15042AB9BA7F}"/>
+    <dgm:cxn modelId="{48DB116A-03B8-4FA7-A649-56B20D526A35}" srcId="{A3BBF87D-BE9A-4E64-9020-32B1C36D63A5}" destId="{F2C776D7-E585-41A3-AE7A-E3AE73DFD2E8}" srcOrd="5" destOrd="0" parTransId="{A398F618-623B-4D9C-9BD3-46F54CFA59F1}" sibTransId="{D47C85F5-7A25-40A9-A5D6-77CD89694A04}"/>
+    <dgm:cxn modelId="{E84F5148-982F-4E8A-9B4D-6AD27AD027B9}" srcId="{83B1BF01-555B-4995-820E-D4EED4C72119}" destId="{BB8517D1-5A99-4571-9D6A-17CED5ADD4C9}" srcOrd="7" destOrd="0" parTransId="{6C9CA02B-F5E2-4CF0-B848-D0D7A3E58C26}" sibTransId="{8E54E2B8-E7F3-4822-84FD-A76C92DA04EA}"/>
+    <dgm:cxn modelId="{91F755B7-EFB6-4E07-8E0B-71B8EADC06E2}" srcId="{83B1BF01-555B-4995-820E-D4EED4C72119}" destId="{2B033C01-6200-4421-AFF2-46C11DCA54D3}" srcOrd="4" destOrd="0" parTransId="{CAB4F90E-C3B0-4F24-A3B4-44E742CA2D9F}" sibTransId="{5A7E174A-D1BD-41DB-BE5A-256D819D1842}"/>
+    <dgm:cxn modelId="{2B3EDAE2-015B-474F-8AF2-BE3786D28253}" type="presOf" srcId="{BB8517D1-5A99-4571-9D6A-17CED5ADD4C9}" destId="{CDA39617-50F1-4BAF-93D8-BE59BD38FAE8}" srcOrd="0" destOrd="7" presId="urn:microsoft.com/office/officeart/2005/8/layout/hList2"/>
+    <dgm:cxn modelId="{E6639576-7AB5-48AB-A17D-19005149919C}" srcId="{A3BBF87D-BE9A-4E64-9020-32B1C36D63A5}" destId="{33BD58E9-2D94-43EA-A9EE-7983368BB8A4}" srcOrd="0" destOrd="0" parTransId="{BCE2DD87-6A97-4B2E-ACFB-B2B8826503CF}" sibTransId="{F9EFA3ED-9758-4E56-858A-5E1685699559}"/>
+    <dgm:cxn modelId="{1B41AF9B-A277-4200-AB2C-C8A0142004C3}" type="presOf" srcId="{DDB11ED6-9B45-427C-A790-362E3920FE0C}" destId="{CDA39617-50F1-4BAF-93D8-BE59BD38FAE8}" srcOrd="0" destOrd="5" presId="urn:microsoft.com/office/officeart/2005/8/layout/hList2"/>
     <dgm:cxn modelId="{EBDBD037-304A-43A0-9E1A-5FDE62248EC8}" type="presOf" srcId="{910EB944-ADE6-47C9-9148-FC8A5756A3C8}" destId="{1CB879F1-3552-4771-B9BE-2AB80A4B1F2E}" srcOrd="0" destOrd="1" presId="urn:microsoft.com/office/officeart/2005/8/layout/hList2"/>
-    <dgm:cxn modelId="{A6E17C60-2C87-4E77-81B7-F94A0D73E649}" srcId="{B9D410C0-E9D7-4D54-BD7D-6998D47C9A98}" destId="{CABDB55A-D61A-45B9-98C9-021C52167F72}" srcOrd="3" destOrd="0" parTransId="{6E6A6C5B-5DCC-4C6F-B55E-3244BC276B44}" sibTransId="{479571EE-5545-4422-A9E7-F7F857CCCD55}"/>
-    <dgm:cxn modelId="{A256BA41-1A53-4178-B338-BF2AFA458A69}" type="presOf" srcId="{EA67676C-A38B-41FC-A9D1-1D5165C278A3}" destId="{CDA39617-50F1-4BAF-93D8-BE59BD38FAE8}" srcOrd="0" destOrd="1" presId="urn:microsoft.com/office/officeart/2005/8/layout/hList2"/>
-    <dgm:cxn modelId="{8E36F161-EFC9-4C8F-B99B-B3FC19921761}" type="presOf" srcId="{FF5BDB50-2FA5-42B3-83CE-76B2AE5CAF5A}" destId="{929D288B-C28B-4516-89FF-6C7AFD8955A4}" srcOrd="0" destOrd="2" presId="urn:microsoft.com/office/officeart/2005/8/layout/hList2"/>
-    <dgm:cxn modelId="{2C1CEA43-4D32-4258-B12D-AB95A6A90512}" srcId="{83B1BF01-555B-4995-820E-D4EED4C72119}" destId="{A9374684-F26F-438D-8989-C44B7E539A78}" srcOrd="3" destOrd="0" parTransId="{13722A3C-5C8C-45B5-A2CE-441E741368F2}" sibTransId="{37987A61-09D5-46DF-A252-215FC932B974}"/>
-    <dgm:cxn modelId="{C0DC6367-F646-4F61-802B-828CD7714DDA}" srcId="{62CEF497-2EF9-45AD-A5A3-F20E85A0F37A}" destId="{A3BBF87D-BE9A-4E64-9020-32B1C36D63A5}" srcOrd="2" destOrd="0" parTransId="{67CA166E-9C6B-4512-960D-EFB76BE66420}" sibTransId="{966FF1FD-B79D-4B38-91EB-56863E2D276D}"/>
-    <dgm:cxn modelId="{E84F5148-982F-4E8A-9B4D-6AD27AD027B9}" srcId="{83B1BF01-555B-4995-820E-D4EED4C72119}" destId="{BB8517D1-5A99-4571-9D6A-17CED5ADD4C9}" srcOrd="7" destOrd="0" parTransId="{6C9CA02B-F5E2-4CF0-B848-D0D7A3E58C26}" sibTransId="{8E54E2B8-E7F3-4822-84FD-A76C92DA04EA}"/>
-    <dgm:cxn modelId="{48DB116A-03B8-4FA7-A649-56B20D526A35}" srcId="{A3BBF87D-BE9A-4E64-9020-32B1C36D63A5}" destId="{F2C776D7-E585-41A3-AE7A-E3AE73DFD2E8}" srcOrd="5" destOrd="0" parTransId="{A398F618-623B-4D9C-9BD3-46F54CFA59F1}" sibTransId="{D47C85F5-7A25-40A9-A5D6-77CD89694A04}"/>
-    <dgm:cxn modelId="{3793D84B-4168-434E-A114-489D2EAAB5A7}" type="presOf" srcId="{BA663AD9-1F75-4F50-94F8-E4173003B965}" destId="{1CB879F1-3552-4771-B9BE-2AB80A4B1F2E}" srcOrd="0" destOrd="0" presId="urn:microsoft.com/office/officeart/2005/8/layout/hList2"/>
-    <dgm:cxn modelId="{0882EE6C-45FB-4EBC-B273-EFA1F3C9DAF6}" type="presOf" srcId="{2B033C01-6200-4421-AFF2-46C11DCA54D3}" destId="{CDA39617-50F1-4BAF-93D8-BE59BD38FAE8}" srcOrd="0" destOrd="4" presId="urn:microsoft.com/office/officeart/2005/8/layout/hList2"/>
-    <dgm:cxn modelId="{078AC251-5568-4D01-A517-F1F7065D51E2}" srcId="{83B1BF01-555B-4995-820E-D4EED4C72119}" destId="{EA67676C-A38B-41FC-A9D1-1D5165C278A3}" srcOrd="1" destOrd="0" parTransId="{836FBF5A-1D76-4CD9-BEC7-7B3E46B06319}" sibTransId="{C2D7C34E-CAA6-4547-BE5A-5A2EEE05F26C}"/>
-    <dgm:cxn modelId="{C9585B76-838B-48A5-963D-40E59243AF53}" type="presOf" srcId="{62CEF497-2EF9-45AD-A5A3-F20E85A0F37A}" destId="{C60BDF1C-1807-4494-A5D5-5AE756AD2893}" srcOrd="0" destOrd="0" presId="urn:microsoft.com/office/officeart/2005/8/layout/hList2"/>
-    <dgm:cxn modelId="{E6639576-7AB5-48AB-A17D-19005149919C}" srcId="{A3BBF87D-BE9A-4E64-9020-32B1C36D63A5}" destId="{33BD58E9-2D94-43EA-A9EE-7983368BB8A4}" srcOrd="0" destOrd="0" parTransId="{BCE2DD87-6A97-4B2E-ACFB-B2B8826503CF}" sibTransId="{F9EFA3ED-9758-4E56-858A-5E1685699559}"/>
-    <dgm:cxn modelId="{7AAAFB58-4DD6-4672-86F1-72105B89355D}" type="presOf" srcId="{8B7B1E36-C18F-4ACD-BBD5-02835193CB97}" destId="{1CB879F1-3552-4771-B9BE-2AB80A4B1F2E}" srcOrd="0" destOrd="2" presId="urn:microsoft.com/office/officeart/2005/8/layout/hList2"/>
-    <dgm:cxn modelId="{967D757A-8BFE-42FA-9AC2-02D9E9707403}" type="presOf" srcId="{21D0A5B7-C95D-4EAB-8E09-B1B71B6EC6CC}" destId="{CDA39617-50F1-4BAF-93D8-BE59BD38FAE8}" srcOrd="0" destOrd="2" presId="urn:microsoft.com/office/officeart/2005/8/layout/hList2"/>
-    <dgm:cxn modelId="{6AAF7282-3A2A-4712-A736-B7C921B260DF}" srcId="{62CEF497-2EF9-45AD-A5A3-F20E85A0F37A}" destId="{83B1BF01-555B-4995-820E-D4EED4C72119}" srcOrd="1" destOrd="0" parTransId="{BB12D953-CA2F-4114-B83C-1E2DB06DEF6E}" sibTransId="{D764FC5C-335F-4096-9F0A-15042AB9BA7F}"/>
-    <dgm:cxn modelId="{57C3D296-E0E4-4509-90DC-3AE711B03208}" type="presOf" srcId="{A3BBF87D-BE9A-4E64-9020-32B1C36D63A5}" destId="{DA7270D0-9909-43B1-B108-BB4C0269F726}" srcOrd="0" destOrd="0" presId="urn:microsoft.com/office/officeart/2005/8/layout/hList2"/>
-    <dgm:cxn modelId="{1B41AF9B-A277-4200-AB2C-C8A0142004C3}" type="presOf" srcId="{DDB11ED6-9B45-427C-A790-362E3920FE0C}" destId="{CDA39617-50F1-4BAF-93D8-BE59BD38FAE8}" srcOrd="0" destOrd="5" presId="urn:microsoft.com/office/officeart/2005/8/layout/hList2"/>
-    <dgm:cxn modelId="{24888EA6-CC19-4DF5-90A9-E6163DD2B1CF}" srcId="{83B1BF01-555B-4995-820E-D4EED4C72119}" destId="{21D0A5B7-C95D-4EAB-8E09-B1B71B6EC6CC}" srcOrd="2" destOrd="0" parTransId="{0C3742A0-1F00-4290-87E4-6E2388CFD022}" sibTransId="{931DE152-BF46-4F90-B77F-36AA1B83FE41}"/>
-    <dgm:cxn modelId="{7BDB8AA8-1FED-4C39-8C93-20E8915739ED}" type="presOf" srcId="{B9D410C0-E9D7-4D54-BD7D-6998D47C9A98}" destId="{80D94AB2-1096-4F18-9546-A16EE4F82559}" srcOrd="0" destOrd="0" presId="urn:microsoft.com/office/officeart/2005/8/layout/hList2"/>
-    <dgm:cxn modelId="{91F755B7-EFB6-4E07-8E0B-71B8EADC06E2}" srcId="{83B1BF01-555B-4995-820E-D4EED4C72119}" destId="{2B033C01-6200-4421-AFF2-46C11DCA54D3}" srcOrd="4" destOrd="0" parTransId="{CAB4F90E-C3B0-4F24-A3B4-44E742CA2D9F}" sibTransId="{5A7E174A-D1BD-41DB-BE5A-256D819D1842}"/>
-    <dgm:cxn modelId="{AEA727BC-5EA7-4E42-84F3-3514579A5CCA}" srcId="{83B1BF01-555B-4995-820E-D4EED4C72119}" destId="{DDB11ED6-9B45-427C-A790-362E3920FE0C}" srcOrd="5" destOrd="0" parTransId="{243D27D9-AD94-4DD0-A703-849F876EFF73}" sibTransId="{CF3ADBDA-7140-4C5F-BBD0-8A78269F9B01}"/>
-    <dgm:cxn modelId="{AE99C3BD-0F2E-4DFA-8803-47051BF305DD}" type="presOf" srcId="{6F2D0EC7-2B87-46F8-9FEC-A8115BA2424D}" destId="{CDA39617-50F1-4BAF-93D8-BE59BD38FAE8}" srcOrd="0" destOrd="0" presId="urn:microsoft.com/office/officeart/2005/8/layout/hList2"/>
-    <dgm:cxn modelId="{644CEDBD-85D0-40C2-917A-A88117E7C7A8}" srcId="{A3BBF87D-BE9A-4E64-9020-32B1C36D63A5}" destId="{FD44DD37-7F55-46B0-B5ED-ED5D31CBFCAE}" srcOrd="4" destOrd="0" parTransId="{523E82E2-0584-417D-91CE-83C28E2BAFAD}" sibTransId="{E2911FD9-FC8D-4462-9F72-C413B4D8A07F}"/>
-    <dgm:cxn modelId="{E1FF95BE-DA7A-4BE2-8430-DD218D2CD066}" type="presOf" srcId="{A9374684-F26F-438D-8989-C44B7E539A78}" destId="{CDA39617-50F1-4BAF-93D8-BE59BD38FAE8}" srcOrd="0" destOrd="3" presId="urn:microsoft.com/office/officeart/2005/8/layout/hList2"/>
-    <dgm:cxn modelId="{658731C4-3904-443C-895B-449EEA05A412}" type="presOf" srcId="{3FFBC3AB-0822-437D-A8EE-889E25F0BF07}" destId="{929D288B-C28B-4516-89FF-6C7AFD8955A4}" srcOrd="0" destOrd="3" presId="urn:microsoft.com/office/officeart/2005/8/layout/hList2"/>
-    <dgm:cxn modelId="{BD8E74C9-2B25-4E98-812C-7FD1662E1064}" srcId="{A3BBF87D-BE9A-4E64-9020-32B1C36D63A5}" destId="{1D4A2D00-1675-4176-AB74-FAB614548865}" srcOrd="6" destOrd="0" parTransId="{08D5B285-3CD9-49F1-BC54-0687D157EBC1}" sibTransId="{B178E814-C84F-4C79-A1CA-B883A9D34FD9}"/>
-    <dgm:cxn modelId="{1209FDCA-9999-447E-A444-F53F6CD00EC4}" type="presOf" srcId="{F1519F30-E32E-49A8-8E40-A25383B6A72A}" destId="{CDA39617-50F1-4BAF-93D8-BE59BD38FAE8}" srcOrd="0" destOrd="6" presId="urn:microsoft.com/office/officeart/2005/8/layout/hList2"/>
-    <dgm:cxn modelId="{75DC97DF-56CF-4E29-8667-28180D8B2B7A}" srcId="{83B1BF01-555B-4995-820E-D4EED4C72119}" destId="{6F2D0EC7-2B87-46F8-9FEC-A8115BA2424D}" srcOrd="0" destOrd="0" parTransId="{F5F4F3A8-F338-46A2-8DB8-9656184D31CB}" sibTransId="{0CFFDBE4-72B4-47F3-8E5D-196258CA612E}"/>
-    <dgm:cxn modelId="{2B3EDAE2-015B-474F-8AF2-BE3786D28253}" type="presOf" srcId="{BB8517D1-5A99-4571-9D6A-17CED5ADD4C9}" destId="{CDA39617-50F1-4BAF-93D8-BE59BD38FAE8}" srcOrd="0" destOrd="7" presId="urn:microsoft.com/office/officeart/2005/8/layout/hList2"/>
-    <dgm:cxn modelId="{90D3CCE4-DA07-45FD-9A08-5D9BFBDAE0DF}" type="presOf" srcId="{F2C776D7-E585-41A3-AE7A-E3AE73DFD2E8}" destId="{929D288B-C28B-4516-89FF-6C7AFD8955A4}" srcOrd="0" destOrd="5" presId="urn:microsoft.com/office/officeart/2005/8/layout/hList2"/>
-    <dgm:cxn modelId="{D35ACAEB-6402-498A-AFE8-4B462FC31DD5}" srcId="{A3BBF87D-BE9A-4E64-9020-32B1C36D63A5}" destId="{D6CC14DE-77B5-4585-A99B-9AD7E6A8D353}" srcOrd="1" destOrd="0" parTransId="{67CC3217-A7BB-495A-915D-2FCBAA96B607}" sibTransId="{B171F1E1-49A6-4A13-8AE7-778F58E09CAC}"/>
-    <dgm:cxn modelId="{E46853EE-1A42-4EB4-9D8F-87A920757998}" type="presOf" srcId="{33BD58E9-2D94-43EA-A9EE-7983368BB8A4}" destId="{929D288B-C28B-4516-89FF-6C7AFD8955A4}" srcOrd="0" destOrd="0" presId="urn:microsoft.com/office/officeart/2005/8/layout/hList2"/>
-    <dgm:cxn modelId="{7BEC62F0-BA72-40E7-94DC-291B24DF8B5B}" srcId="{A3BBF87D-BE9A-4E64-9020-32B1C36D63A5}" destId="{FF5BDB50-2FA5-42B3-83CE-76B2AE5CAF5A}" srcOrd="2" destOrd="0" parTransId="{66F26151-429B-411A-B3E3-BBCB612C1DAC}" sibTransId="{5101537A-1C68-45A6-8754-707E614D4B5A}"/>
     <dgm:cxn modelId="{8270B332-3079-49A3-9C77-D301BF91284B}" type="presParOf" srcId="{C60BDF1C-1807-4494-A5D5-5AE756AD2893}" destId="{06D5C86F-0436-4DF8-A448-64D7EBBDE25F}" srcOrd="0" destOrd="0" presId="urn:microsoft.com/office/officeart/2005/8/layout/hList2"/>
     <dgm:cxn modelId="{D719D6DE-8B65-41A4-8AF5-0D25BF5BE25D}" type="presParOf" srcId="{06D5C86F-0436-4DF8-A448-64D7EBBDE25F}" destId="{01E8930D-1069-4B1D-8229-4B883F404DA1}" srcOrd="0" destOrd="0" presId="urn:microsoft.com/office/officeart/2005/8/layout/hList2"/>
     <dgm:cxn modelId="{858F9BDB-5921-4D92-AF5F-C335A0F95626}" type="presParOf" srcId="{06D5C86F-0436-4DF8-A448-64D7EBBDE25F}" destId="{1CB879F1-3552-4771-B9BE-2AB80A4B1F2E}" srcOrd="1" destOrd="0" presId="urn:microsoft.com/office/officeart/2005/8/layout/hList2"/>
@@ -3353,7 +3604,7 @@
   <dgm:whole/>
   <dgm:extLst>
     <a:ext uri="http://schemas.microsoft.com/office/drawing/2008/diagram">
-      <dsp:dataModelExt xmlns:dsp="http://schemas.microsoft.com/office/drawing/2008/diagram" relId="rId5" minVer="http://schemas.openxmlformats.org/drawingml/2006/diagram"/>
+      <dsp:dataModelExt xmlns:dsp="http://schemas.microsoft.com/office/drawing/2008/diagram" relId="rId7" minVer="http://schemas.openxmlformats.org/drawingml/2006/diagram"/>
     </a:ext>
   </dgm:extLst>
 </dgm:dataModel>
@@ -3375,7 +3626,7 @@
       <dsp:spPr>
         <a:xfrm>
           <a:off x="0" y="0"/>
-          <a:ext cx="7395251" cy="1734413"/>
+          <a:ext cx="7393680" cy="1733962"/>
         </a:xfrm>
         <a:prstGeom prst="roundRect">
           <a:avLst>
@@ -3388,7 +3639,7 @@
             <a:lumOff val="80000"/>
           </a:schemeClr>
         </a:solidFill>
-        <a:ln w="12700" cap="flat" cmpd="sng" algn="ctr">
+        <a:ln w="25400" cap="flat" cmpd="sng" algn="ctr">
           <a:solidFill>
             <a:schemeClr val="lt1">
               <a:hueOff val="0"/>
@@ -3398,7 +3649,7 @@
             </a:schemeClr>
           </a:solidFill>
           <a:prstDash val="solid"/>
-          <a:miter lim="800000"/>
+          <a:miter/>
         </a:ln>
         <a:effectLst/>
       </dsp:spPr>
@@ -3422,7 +3673,7 @@
         </a:bodyPr>
         <a:lstStyle/>
         <a:p>
-          <a:pPr marL="0" lvl="0" indent="0" algn="l" defTabSz="1066800">
+          <a:pPr lvl="0" algn="l" defTabSz="1066800">
             <a:lnSpc>
               <a:spcPct val="90000"/>
             </a:lnSpc>
@@ -3432,7 +3683,6 @@
             <a:spcAft>
               <a:spcPct val="35000"/>
             </a:spcAft>
-            <a:buNone/>
           </a:pPr>
           <a:r>
             <a:rPr lang="en-US" sz="2400" kern="1200" dirty="0">
@@ -3454,7 +3704,7 @@
             <a:spcAft>
               <a:spcPct val="15000"/>
             </a:spcAft>
-            <a:buChar char="•"/>
+            <a:buChar char="••"/>
           </a:pPr>
           <a:r>
             <a:rPr lang="en-US" sz="1600" kern="1200" dirty="0">
@@ -3513,7 +3763,7 @@
             <a:spcAft>
               <a:spcPct val="15000"/>
             </a:spcAft>
-            <a:buChar char="•"/>
+            <a:buChar char="••"/>
           </a:pPr>
           <a:r>
             <a:rPr lang="en-US" sz="1600" kern="1200" dirty="0">
@@ -3535,7 +3785,7 @@
             <a:spcAft>
               <a:spcPct val="15000"/>
             </a:spcAft>
-            <a:buChar char="•"/>
+            <a:buChar char="••"/>
           </a:pPr>
           <a:r>
             <a:rPr lang="en-US" sz="1600" kern="1200" dirty="0">
@@ -3548,8 +3798,8 @@
         </a:p>
       </dsp:txBody>
       <dsp:txXfrm>
-        <a:off x="1652491" y="0"/>
-        <a:ext cx="5742759" cy="1734413"/>
+        <a:off x="1652132" y="0"/>
+        <a:ext cx="5741547" cy="1733962"/>
       </dsp:txXfrm>
     </dsp:sp>
     <dsp:sp modelId="{6061E35F-6626-429F-B6C3-3AE95F6081F8}">
@@ -3559,8 +3809,8 @@
       </dsp:nvSpPr>
       <dsp:spPr>
         <a:xfrm>
-          <a:off x="173441" y="173441"/>
-          <a:ext cx="1479050" cy="1387531"/>
+          <a:off x="173396" y="173396"/>
+          <a:ext cx="1478736" cy="1387169"/>
         </a:xfrm>
         <a:prstGeom prst="roundRect">
           <a:avLst>
@@ -3568,7 +3818,7 @@
           </a:avLst>
         </a:prstGeom>
         <a:blipFill>
-          <a:blip xmlns:r="http://schemas.openxmlformats.org/officeDocument/2006/relationships" r:embed="rId1">
+          <a:blip xmlns:r="http://schemas.openxmlformats.org/officeDocument/2006/relationships" r:embed="rId1" cstate="print">
             <a:extLst>
               <a:ext uri="{28A0092B-C50C-407E-A947-70E740481C1C}">
                 <a14:useLocalDpi xmlns:a14="http://schemas.microsoft.com/office/drawing/2010/main" val="0"/>
@@ -3580,7 +3830,7 @@
             <a:fillRect l="-79000" r="-79000"/>
           </a:stretch>
         </a:blipFill>
-        <a:ln w="12700" cap="flat" cmpd="sng" algn="ctr">
+        <a:ln w="25400" cap="flat" cmpd="sng" algn="ctr">
           <a:solidFill>
             <a:schemeClr val="lt1">
               <a:hueOff val="0"/>
@@ -3590,7 +3840,7 @@
             </a:schemeClr>
           </a:solidFill>
           <a:prstDash val="solid"/>
-          <a:miter lim="800000"/>
+          <a:miter/>
         </a:ln>
         <a:effectLst/>
       </dsp:spPr>
@@ -3614,8 +3864,8 @@
       </dsp:nvSpPr>
       <dsp:spPr>
         <a:xfrm>
-          <a:off x="0" y="1907855"/>
-          <a:ext cx="7395251" cy="1734413"/>
+          <a:off x="0" y="1907358"/>
+          <a:ext cx="7393680" cy="1733962"/>
         </a:xfrm>
         <a:prstGeom prst="roundRect">
           <a:avLst>
@@ -3628,7 +3878,7 @@
             <a:lumOff val="80000"/>
           </a:schemeClr>
         </a:solidFill>
-        <a:ln w="12700" cap="flat" cmpd="sng" algn="ctr">
+        <a:ln w="25400" cap="flat" cmpd="sng" algn="ctr">
           <a:solidFill>
             <a:schemeClr val="lt1">
               <a:hueOff val="0"/>
@@ -3638,7 +3888,7 @@
             </a:schemeClr>
           </a:solidFill>
           <a:prstDash val="solid"/>
-          <a:miter lim="800000"/>
+          <a:miter/>
         </a:ln>
         <a:effectLst/>
       </dsp:spPr>
@@ -3662,7 +3912,7 @@
         </a:bodyPr>
         <a:lstStyle/>
         <a:p>
-          <a:pPr marL="0" lvl="0" indent="0" algn="l" defTabSz="1066800">
+          <a:pPr lvl="0" algn="l" defTabSz="1066800">
             <a:lnSpc>
               <a:spcPct val="90000"/>
             </a:lnSpc>
@@ -3672,7 +3922,6 @@
             <a:spcAft>
               <a:spcPct val="35000"/>
             </a:spcAft>
-            <a:buNone/>
           </a:pPr>
           <a:r>
             <a:rPr lang="en-US" sz="2400" kern="1200" dirty="0">
@@ -3694,7 +3943,7 @@
             <a:spcAft>
               <a:spcPct val="15000"/>
             </a:spcAft>
-            <a:buChar char="•"/>
+            <a:buChar char="••"/>
           </a:pPr>
           <a:r>
             <a:rPr lang="en-US" sz="1600" kern="1200" dirty="0">
@@ -3716,7 +3965,7 @@
             <a:spcAft>
               <a:spcPct val="15000"/>
             </a:spcAft>
-            <a:buChar char="•"/>
+            <a:buChar char="••"/>
           </a:pPr>
           <a:r>
             <a:rPr lang="en-US" sz="1600" kern="1200" dirty="0">
@@ -3738,7 +3987,7 @@
             <a:spcAft>
               <a:spcPct val="15000"/>
             </a:spcAft>
-            <a:buChar char="•"/>
+            <a:buChar char="••"/>
           </a:pPr>
           <a:r>
             <a:rPr lang="en-US" sz="1600" kern="1200" dirty="0">
@@ -3751,8 +4000,8 @@
         </a:p>
       </dsp:txBody>
       <dsp:txXfrm>
-        <a:off x="1652491" y="1907855"/>
-        <a:ext cx="5742759" cy="1734413"/>
+        <a:off x="1652132" y="1907358"/>
+        <a:ext cx="5741547" cy="1733962"/>
       </dsp:txXfrm>
     </dsp:sp>
     <dsp:sp modelId="{F8EA47B2-33B6-4C64-B968-204F92EC7995}">
@@ -3762,8 +4011,8 @@
       </dsp:nvSpPr>
       <dsp:spPr>
         <a:xfrm>
-          <a:off x="173441" y="2081296"/>
-          <a:ext cx="1479050" cy="1387531"/>
+          <a:off x="173396" y="2080754"/>
+          <a:ext cx="1478736" cy="1387169"/>
         </a:xfrm>
         <a:prstGeom prst="roundRect">
           <a:avLst>
@@ -3771,7 +4020,7 @@
           </a:avLst>
         </a:prstGeom>
         <a:blipFill>
-          <a:blip xmlns:r="http://schemas.openxmlformats.org/officeDocument/2006/relationships" r:embed="rId2">
+          <a:blip xmlns:r="http://schemas.openxmlformats.org/officeDocument/2006/relationships" r:embed="rId2" cstate="print">
             <a:extLst>
               <a:ext uri="{28A0092B-C50C-407E-A947-70E740481C1C}">
                 <a14:useLocalDpi xmlns:a14="http://schemas.microsoft.com/office/drawing/2010/main" val="0"/>
@@ -3783,7 +4032,7 @@
             <a:fillRect l="-16000" r="-16000"/>
           </a:stretch>
         </a:blipFill>
-        <a:ln w="12700" cap="flat" cmpd="sng" algn="ctr">
+        <a:ln w="25400" cap="flat" cmpd="sng" algn="ctr">
           <a:solidFill>
             <a:schemeClr val="lt1">
               <a:hueOff val="0"/>
@@ -3793,7 +4042,7 @@
             </a:schemeClr>
           </a:solidFill>
           <a:prstDash val="solid"/>
-          <a:miter lim="800000"/>
+          <a:miter/>
         </a:ln>
         <a:effectLst/>
       </dsp:spPr>
@@ -3817,8 +4066,8 @@
       </dsp:nvSpPr>
       <dsp:spPr>
         <a:xfrm>
-          <a:off x="0" y="3815710"/>
-          <a:ext cx="7395251" cy="1734413"/>
+          <a:off x="0" y="3814717"/>
+          <a:ext cx="7393680" cy="1733962"/>
         </a:xfrm>
         <a:prstGeom prst="roundRect">
           <a:avLst>
@@ -3831,7 +4080,7 @@
             <a:lumOff val="80000"/>
           </a:schemeClr>
         </a:solidFill>
-        <a:ln w="12700" cap="flat" cmpd="sng" algn="ctr">
+        <a:ln w="25400" cap="flat" cmpd="sng" algn="ctr">
           <a:solidFill>
             <a:schemeClr val="lt1">
               <a:hueOff val="0"/>
@@ -3841,7 +4090,7 @@
             </a:schemeClr>
           </a:solidFill>
           <a:prstDash val="solid"/>
-          <a:miter lim="800000"/>
+          <a:miter/>
         </a:ln>
         <a:effectLst/>
       </dsp:spPr>
@@ -3865,7 +4114,7 @@
         </a:bodyPr>
         <a:lstStyle/>
         <a:p>
-          <a:pPr marL="0" lvl="0" indent="0" algn="l" defTabSz="1066800">
+          <a:pPr lvl="0" algn="l" defTabSz="1066800">
             <a:lnSpc>
               <a:spcPct val="90000"/>
             </a:lnSpc>
@@ -3875,7 +4124,6 @@
             <a:spcAft>
               <a:spcPct val="35000"/>
             </a:spcAft>
-            <a:buNone/>
           </a:pPr>
           <a:r>
             <a:rPr lang="en-US" sz="2400" kern="1200" dirty="0">
@@ -3883,7 +4131,23 @@
                 <a:schemeClr val="tx1"/>
               </a:solidFill>
             </a:rPr>
-            <a:t>NCO (Numerically controlled Oscillator)</a:t>
+            <a:t>NCO (Numerically </a:t>
+          </a:r>
+          <a:r>
+            <a:rPr lang="en-US" sz="2400" kern="1200" dirty="0" smtClean="0">
+              <a:solidFill>
+                <a:schemeClr val="tx1"/>
+              </a:solidFill>
+            </a:rPr>
+            <a:t>Controlled </a:t>
+          </a:r>
+          <a:r>
+            <a:rPr lang="en-US" sz="2400" kern="1200" dirty="0">
+              <a:solidFill>
+                <a:schemeClr val="tx1"/>
+              </a:solidFill>
+            </a:rPr>
+            <a:t>Oscillator)</a:t>
           </a:r>
         </a:p>
         <a:p>
@@ -3897,7 +4161,7 @@
             <a:spcAft>
               <a:spcPct val="15000"/>
             </a:spcAft>
-            <a:buChar char="•"/>
+            <a:buChar char="••"/>
           </a:pPr>
           <a:r>
             <a:rPr lang="en-US" sz="1600" kern="1200" dirty="0">
@@ -3919,7 +4183,7 @@
             <a:spcAft>
               <a:spcPct val="15000"/>
             </a:spcAft>
-            <a:buChar char="•"/>
+            <a:buChar char="••"/>
           </a:pPr>
           <a:r>
             <a:rPr lang="en-US" sz="1600" kern="1200" dirty="0">
@@ -3941,7 +4205,7 @@
             <a:spcAft>
               <a:spcPct val="15000"/>
             </a:spcAft>
-            <a:buChar char="•"/>
+            <a:buChar char="••"/>
           </a:pPr>
           <a:r>
             <a:rPr lang="en-US" sz="1600" kern="1200" dirty="0">
@@ -3963,7 +4227,7 @@
             <a:spcAft>
               <a:spcPct val="15000"/>
             </a:spcAft>
-            <a:buChar char="•"/>
+            <a:buChar char="••"/>
           </a:pPr>
           <a:endParaRPr lang="en-US" sz="1600" kern="1200" dirty="0">
             <a:solidFill>
@@ -3973,8 +4237,8 @@
         </a:p>
       </dsp:txBody>
       <dsp:txXfrm>
-        <a:off x="1652491" y="3815710"/>
-        <a:ext cx="5742759" cy="1734413"/>
+        <a:off x="1652132" y="3814717"/>
+        <a:ext cx="5741547" cy="1733962"/>
       </dsp:txXfrm>
     </dsp:sp>
     <dsp:sp modelId="{E973F3B8-03FC-4BED-A2F8-F52A45409874}">
@@ -3984,8 +4248,8 @@
       </dsp:nvSpPr>
       <dsp:spPr>
         <a:xfrm>
-          <a:off x="173441" y="3989151"/>
-          <a:ext cx="1479050" cy="1387531"/>
+          <a:off x="173396" y="3988113"/>
+          <a:ext cx="1478736" cy="1387169"/>
         </a:xfrm>
         <a:prstGeom prst="roundRect">
           <a:avLst>
@@ -4005,7 +4269,7 @@
             <a:fillRect l="-20000" r="-20000"/>
           </a:stretch>
         </a:blipFill>
-        <a:ln w="12700" cap="flat" cmpd="sng" algn="ctr">
+        <a:ln w="25400" cap="flat" cmpd="sng" algn="ctr">
           <a:solidFill>
             <a:schemeClr val="lt1">
               <a:hueOff val="0"/>
@@ -4015,7 +4279,7 @@
             </a:schemeClr>
           </a:solidFill>
           <a:prstDash val="solid"/>
-          <a:miter lim="800000"/>
+          <a:miter/>
         </a:ln>
         <a:effectLst/>
       </dsp:spPr>
@@ -4051,8 +4315,8 @@
       </dsp:nvSpPr>
       <dsp:spPr>
         <a:xfrm rot="16200000">
-          <a:off x="-1282269" y="2096712"/>
-          <a:ext cx="3153299" cy="471037"/>
+          <a:off x="-1281738" y="2096034"/>
+          <a:ext cx="3152260" cy="470962"/>
         </a:xfrm>
         <a:prstGeom prst="rect">
           <a:avLst/>
@@ -4076,12 +4340,12 @@
         <a:fontRef idx="minor"/>
       </dsp:style>
       <dsp:txBody>
-        <a:bodyPr spcFirstLastPara="0" vert="horz" wrap="square" lIns="0" tIns="0" rIns="415429" bIns="0" numCol="1" spcCol="1270" anchor="t" anchorCtr="0">
+        <a:bodyPr spcFirstLastPara="0" vert="horz" wrap="square" lIns="0" tIns="0" rIns="415363" bIns="0" numCol="1" spcCol="1270" anchor="t" anchorCtr="0">
           <a:noAutofit/>
         </a:bodyPr>
         <a:lstStyle/>
         <a:p>
-          <a:pPr marL="0" lvl="0" indent="0" algn="r" defTabSz="1466850">
+          <a:pPr lvl="0" algn="r" defTabSz="1333500">
             <a:lnSpc>
               <a:spcPct val="90000"/>
             </a:lnSpc>
@@ -4091,17 +4355,16 @@
             <a:spcAft>
               <a:spcPct val="35000"/>
             </a:spcAft>
-            <a:buNone/>
           </a:pPr>
           <a:r>
-            <a:rPr lang="en-US" sz="3300" kern="1200" dirty="0"/>
+            <a:rPr lang="en-US" sz="3000" kern="1200" dirty="0"/>
             <a:t>CP Correlation</a:t>
           </a:r>
         </a:p>
       </dsp:txBody>
       <dsp:txXfrm>
-        <a:off x="-1282269" y="2096712"/>
-        <a:ext cx="3153299" cy="471037"/>
+        <a:off x="-1281738" y="2096034"/>
+        <a:ext cx="3152260" cy="470962"/>
       </dsp:txXfrm>
     </dsp:sp>
     <dsp:sp modelId="{1CB879F1-3552-4771-B9BE-2AB80A4B1F2E}">
@@ -4111,8 +4374,8 @@
       </dsp:nvSpPr>
       <dsp:spPr>
         <a:xfrm>
-          <a:off x="529899" y="755581"/>
-          <a:ext cx="2346267" cy="3153299"/>
+          <a:off x="529873" y="755385"/>
+          <a:ext cx="2345894" cy="3152260"/>
         </a:xfrm>
         <a:prstGeom prst="rect">
           <a:avLst/>
@@ -4125,7 +4388,7 @@
             <a:alphaOff val="0"/>
           </a:schemeClr>
         </a:solidFill>
-        <a:ln w="12700" cap="flat" cmpd="sng" algn="ctr">
+        <a:ln w="25400" cap="flat" cmpd="sng" algn="ctr">
           <a:solidFill>
             <a:schemeClr val="lt1">
               <a:hueOff val="0"/>
@@ -4135,7 +4398,7 @@
             </a:schemeClr>
           </a:solidFill>
           <a:prstDash val="solid"/>
-          <a:miter lim="800000"/>
+          <a:miter/>
         </a:ln>
         <a:effectLst/>
       </dsp:spPr>
@@ -4154,7 +4417,7 @@
         </a:fontRef>
       </dsp:style>
       <dsp:txBody>
-        <a:bodyPr spcFirstLastPara="0" vert="horz" wrap="square" lIns="99568" tIns="415429" rIns="99568" bIns="99568" numCol="1" spcCol="1270" anchor="t" anchorCtr="0">
+        <a:bodyPr spcFirstLastPara="0" vert="horz" wrap="square" lIns="99568" tIns="415363" rIns="99568" bIns="99568" numCol="1" spcCol="1270" anchor="t" anchorCtr="0">
           <a:noAutofit/>
         </a:bodyPr>
         <a:lstStyle/>
@@ -4169,7 +4432,7 @@
             <a:spcAft>
               <a:spcPct val="15000"/>
             </a:spcAft>
-            <a:buChar char="•"/>
+            <a:buChar char="••"/>
           </a:pPr>
           <a:endParaRPr lang="en-US" sz="1400" kern="1200" dirty="0"/>
         </a:p>
@@ -4184,7 +4447,7 @@
             <a:spcAft>
               <a:spcPct val="15000"/>
             </a:spcAft>
-            <a:buChar char="•"/>
+            <a:buChar char="••"/>
           </a:pPr>
           <a:r>
             <a:rPr lang="en-US" sz="1400" b="0" i="0" kern="1200" dirty="0"/>
@@ -4203,7 +4466,7 @@
             <a:spcAft>
               <a:spcPct val="15000"/>
             </a:spcAft>
-            <a:buChar char="•"/>
+            <a:buChar char="••"/>
           </a:pPr>
           <a:endParaRPr lang="en-US" sz="1400" kern="1200" dirty="0"/>
         </a:p>
@@ -4218,14 +4481,14 @@
             <a:spcAft>
               <a:spcPct val="15000"/>
             </a:spcAft>
-            <a:buChar char="•"/>
+            <a:buChar char="••"/>
           </a:pPr>
           <a:endParaRPr lang="en-US" sz="1400" kern="1200" dirty="0"/>
         </a:p>
       </dsp:txBody>
       <dsp:txXfrm>
-        <a:off x="529899" y="755581"/>
-        <a:ext cx="2346267" cy="3153299"/>
+        <a:off x="529873" y="755385"/>
+        <a:ext cx="2345894" cy="3152260"/>
       </dsp:txXfrm>
     </dsp:sp>
     <dsp:sp modelId="{01E8930D-1069-4B1D-8229-4B883F404DA1}">
@@ -4235,14 +4498,14 @@
       </dsp:nvSpPr>
       <dsp:spPr>
         <a:xfrm>
-          <a:off x="58861" y="133811"/>
-          <a:ext cx="942075" cy="942075"/>
+          <a:off x="58910" y="133714"/>
+          <a:ext cx="941925" cy="941925"/>
         </a:xfrm>
         <a:prstGeom prst="rect">
           <a:avLst/>
         </a:prstGeom>
         <a:blipFill>
-          <a:blip xmlns:r="http://schemas.openxmlformats.org/officeDocument/2006/relationships" r:embed="rId1">
+          <a:blip xmlns:r="http://schemas.openxmlformats.org/officeDocument/2006/relationships" r:embed="rId1" cstate="print">
             <a:extLst>
               <a:ext uri="{28A0092B-C50C-407E-A947-70E740481C1C}">
                 <a14:useLocalDpi xmlns:a14="http://schemas.microsoft.com/office/drawing/2010/main" val="0"/>
@@ -4254,7 +4517,7 @@
             <a:fillRect l="-31000" r="-31000"/>
           </a:stretch>
         </a:blipFill>
-        <a:ln w="12700" cap="flat" cmpd="sng" algn="ctr">
+        <a:ln w="25400" cap="flat" cmpd="sng" algn="ctr">
           <a:solidFill>
             <a:schemeClr val="lt1">
               <a:hueOff val="0"/>
@@ -4264,7 +4527,7 @@
             </a:schemeClr>
           </a:solidFill>
           <a:prstDash val="solid"/>
-          <a:miter lim="800000"/>
+          <a:miter/>
         </a:ln>
         <a:effectLst/>
       </dsp:spPr>
@@ -4288,8 +4551,8 @@
       </dsp:nvSpPr>
       <dsp:spPr>
         <a:xfrm rot="16200000">
-          <a:off x="2157011" y="2096712"/>
-          <a:ext cx="3153299" cy="471037"/>
+          <a:off x="2157002" y="2096034"/>
+          <a:ext cx="3152260" cy="470962"/>
         </a:xfrm>
         <a:prstGeom prst="rect">
           <a:avLst/>
@@ -4313,12 +4576,12 @@
         <a:fontRef idx="minor"/>
       </dsp:style>
       <dsp:txBody>
-        <a:bodyPr spcFirstLastPara="0" vert="horz" wrap="square" lIns="0" tIns="0" rIns="415429" bIns="0" numCol="1" spcCol="1270" anchor="t" anchorCtr="0">
+        <a:bodyPr spcFirstLastPara="0" vert="horz" wrap="square" lIns="0" tIns="0" rIns="415363" bIns="0" numCol="1" spcCol="1270" anchor="t" anchorCtr="0">
           <a:noAutofit/>
         </a:bodyPr>
         <a:lstStyle/>
         <a:p>
-          <a:pPr marL="0" lvl="0" indent="0" algn="r" defTabSz="1466850">
+          <a:pPr lvl="0" algn="r" defTabSz="1333500">
             <a:lnSpc>
               <a:spcPct val="90000"/>
             </a:lnSpc>
@@ -4328,17 +4591,16 @@
             <a:spcAft>
               <a:spcPct val="35000"/>
             </a:spcAft>
-            <a:buNone/>
           </a:pPr>
           <a:r>
-            <a:rPr lang="en-US" sz="3300" kern="1200" dirty="0"/>
+            <a:rPr lang="en-US" sz="3000" kern="1200" dirty="0"/>
             <a:t>PSS</a:t>
           </a:r>
         </a:p>
       </dsp:txBody>
       <dsp:txXfrm>
-        <a:off x="2157011" y="2096712"/>
-        <a:ext cx="3153299" cy="471037"/>
+        <a:off x="2157002" y="2096034"/>
+        <a:ext cx="3152260" cy="470962"/>
       </dsp:txXfrm>
     </dsp:sp>
     <dsp:sp modelId="{CDA39617-50F1-4BAF-93D8-BE59BD38FAE8}">
@@ -4348,8 +4610,8 @@
       </dsp:nvSpPr>
       <dsp:spPr>
         <a:xfrm>
-          <a:off x="3969179" y="755581"/>
-          <a:ext cx="2346267" cy="3153299"/>
+          <a:off x="3968614" y="755385"/>
+          <a:ext cx="2345894" cy="3152260"/>
         </a:xfrm>
         <a:prstGeom prst="rect">
           <a:avLst/>
@@ -4362,7 +4624,7 @@
             <a:alphaOff val="0"/>
           </a:schemeClr>
         </a:solidFill>
-        <a:ln w="12700" cap="flat" cmpd="sng" algn="ctr">
+        <a:ln w="25400" cap="flat" cmpd="sng" algn="ctr">
           <a:solidFill>
             <a:schemeClr val="lt1">
               <a:hueOff val="0"/>
@@ -4372,7 +4634,7 @@
             </a:schemeClr>
           </a:solidFill>
           <a:prstDash val="solid"/>
-          <a:miter lim="800000"/>
+          <a:miter/>
         </a:ln>
         <a:effectLst/>
       </dsp:spPr>
@@ -4391,7 +4653,7 @@
         </a:fontRef>
       </dsp:style>
       <dsp:txBody>
-        <a:bodyPr spcFirstLastPara="0" vert="horz" wrap="square" lIns="99568" tIns="415429" rIns="99568" bIns="99568" numCol="1" spcCol="1270" anchor="t" anchorCtr="0">
+        <a:bodyPr spcFirstLastPara="0" vert="horz" wrap="square" lIns="99568" tIns="415363" rIns="99568" bIns="99568" numCol="1" spcCol="1270" anchor="t" anchorCtr="0">
           <a:noAutofit/>
         </a:bodyPr>
         <a:lstStyle/>
@@ -4406,7 +4668,7 @@
             <a:spcAft>
               <a:spcPct val="15000"/>
             </a:spcAft>
-            <a:buChar char="•"/>
+            <a:buChar char="••"/>
           </a:pPr>
           <a:endParaRPr lang="en-US" sz="1400" kern="1200" dirty="0"/>
         </a:p>
@@ -4421,7 +4683,7 @@
             <a:spcAft>
               <a:spcPct val="15000"/>
             </a:spcAft>
-            <a:buChar char="•"/>
+            <a:buChar char="••"/>
           </a:pPr>
           <a:r>
             <a:rPr lang="en-US" sz="1400" kern="1200" dirty="0"/>
@@ -4454,7 +4716,7 @@
             <a:spcAft>
               <a:spcPct val="15000"/>
             </a:spcAft>
-            <a:buChar char="•"/>
+            <a:buChar char="••"/>
           </a:pPr>
           <a:endParaRPr lang="en-US" sz="1400" kern="1200" dirty="0"/>
         </a:p>
@@ -4469,7 +4731,7 @@
             <a:spcAft>
               <a:spcPct val="15000"/>
             </a:spcAft>
-            <a:buChar char="•"/>
+            <a:buChar char="••"/>
           </a:pPr>
           <a:r>
             <a:rPr lang="en-US" sz="1400" b="0" i="0" u="none" kern="1200" dirty="0"/>
@@ -4488,7 +4750,7 @@
             <a:spcAft>
               <a:spcPct val="15000"/>
             </a:spcAft>
-            <a:buChar char="•"/>
+            <a:buChar char="••"/>
           </a:pPr>
           <a:endParaRPr lang="en-US" sz="1400" kern="1200" dirty="0"/>
         </a:p>
@@ -4503,7 +4765,7 @@
             <a:spcAft>
               <a:spcPct val="15000"/>
             </a:spcAft>
-            <a:buChar char="•"/>
+            <a:buChar char="••"/>
           </a:pPr>
           <a:r>
             <a:rPr lang="en-US" sz="1400" b="0" i="0" u="none" kern="1200" dirty="0"/>
@@ -4522,7 +4784,7 @@
             <a:spcAft>
               <a:spcPct val="15000"/>
             </a:spcAft>
-            <a:buChar char="•"/>
+            <a:buChar char="••"/>
           </a:pPr>
           <a:endParaRPr lang="en-US" sz="1400" kern="1200" dirty="0"/>
         </a:p>
@@ -4537,14 +4799,14 @@
             <a:spcAft>
               <a:spcPct val="15000"/>
             </a:spcAft>
-            <a:buChar char="•"/>
+            <a:buChar char="••"/>
           </a:pPr>
           <a:endParaRPr lang="en-US" sz="1400" kern="1200" dirty="0"/>
         </a:p>
       </dsp:txBody>
       <dsp:txXfrm>
-        <a:off x="3969179" y="755581"/>
-        <a:ext cx="2346267" cy="3153299"/>
+        <a:off x="3968614" y="755385"/>
+        <a:ext cx="2345894" cy="3152260"/>
       </dsp:txXfrm>
     </dsp:sp>
     <dsp:sp modelId="{9215AE2B-8435-4702-9E45-DDFBBE609824}">
@@ -4554,8 +4816,8 @@
       </dsp:nvSpPr>
       <dsp:spPr>
         <a:xfrm>
-          <a:off x="3498142" y="133811"/>
-          <a:ext cx="942075" cy="942075"/>
+          <a:off x="3497651" y="133714"/>
+          <a:ext cx="941925" cy="941925"/>
         </a:xfrm>
         <a:prstGeom prst="rect">
           <a:avLst/>
@@ -4573,7 +4835,7 @@
             <a:fillRect l="-24000" r="-24000"/>
           </a:stretch>
         </a:blipFill>
-        <a:ln w="12700" cap="flat" cmpd="sng" algn="ctr">
+        <a:ln w="25400" cap="flat" cmpd="sng" algn="ctr">
           <a:solidFill>
             <a:schemeClr val="lt1">
               <a:hueOff val="0"/>
@@ -4583,7 +4845,7 @@
             </a:schemeClr>
           </a:solidFill>
           <a:prstDash val="solid"/>
-          <a:miter lim="800000"/>
+          <a:miter/>
         </a:ln>
         <a:effectLst/>
       </dsp:spPr>
@@ -4607,8 +4869,8 @@
       </dsp:nvSpPr>
       <dsp:spPr>
         <a:xfrm rot="16200000">
-          <a:off x="5596291" y="2096712"/>
-          <a:ext cx="3153299" cy="471037"/>
+          <a:off x="5595743" y="2096034"/>
+          <a:ext cx="3152260" cy="470962"/>
         </a:xfrm>
         <a:prstGeom prst="rect">
           <a:avLst/>
@@ -4632,12 +4894,12 @@
         <a:fontRef idx="minor"/>
       </dsp:style>
       <dsp:txBody>
-        <a:bodyPr spcFirstLastPara="0" vert="horz" wrap="square" lIns="0" tIns="0" rIns="415429" bIns="0" numCol="1" spcCol="1270" anchor="t" anchorCtr="0">
+        <a:bodyPr spcFirstLastPara="0" vert="horz" wrap="square" lIns="0" tIns="0" rIns="415363" bIns="0" numCol="1" spcCol="1270" anchor="t" anchorCtr="0">
           <a:noAutofit/>
         </a:bodyPr>
         <a:lstStyle/>
         <a:p>
-          <a:pPr marL="0" lvl="0" indent="0" algn="r" defTabSz="1466850">
+          <a:pPr lvl="0" algn="r" defTabSz="1333500">
             <a:lnSpc>
               <a:spcPct val="90000"/>
             </a:lnSpc>
@@ -4647,17 +4909,16 @@
             <a:spcAft>
               <a:spcPct val="35000"/>
             </a:spcAft>
-            <a:buNone/>
           </a:pPr>
           <a:r>
-            <a:rPr lang="en-US" sz="3300" kern="1200" dirty="0"/>
+            <a:rPr lang="en-US" sz="3000" kern="1200" dirty="0"/>
             <a:t>SSS</a:t>
           </a:r>
         </a:p>
       </dsp:txBody>
       <dsp:txXfrm>
-        <a:off x="5596291" y="2096712"/>
-        <a:ext cx="3153299" cy="471037"/>
+        <a:off x="5595743" y="2096034"/>
+        <a:ext cx="3152260" cy="470962"/>
       </dsp:txXfrm>
     </dsp:sp>
     <dsp:sp modelId="{929D288B-C28B-4516-89FF-6C7AFD8955A4}">
@@ -4667,8 +4928,8 @@
       </dsp:nvSpPr>
       <dsp:spPr>
         <a:xfrm>
-          <a:off x="7408460" y="755581"/>
-          <a:ext cx="2346267" cy="3153299"/>
+          <a:off x="7407355" y="755385"/>
+          <a:ext cx="2345894" cy="3152260"/>
         </a:xfrm>
         <a:prstGeom prst="rect">
           <a:avLst/>
@@ -4681,7 +4942,7 @@
             <a:alphaOff val="0"/>
           </a:schemeClr>
         </a:solidFill>
-        <a:ln w="12700" cap="flat" cmpd="sng" algn="ctr">
+        <a:ln w="25400" cap="flat" cmpd="sng" algn="ctr">
           <a:solidFill>
             <a:schemeClr val="lt1">
               <a:hueOff val="0"/>
@@ -4691,7 +4952,7 @@
             </a:schemeClr>
           </a:solidFill>
           <a:prstDash val="solid"/>
-          <a:miter lim="800000"/>
+          <a:miter/>
         </a:ln>
         <a:effectLst/>
       </dsp:spPr>
@@ -4710,7 +4971,7 @@
         </a:fontRef>
       </dsp:style>
       <dsp:txBody>
-        <a:bodyPr spcFirstLastPara="0" vert="horz" wrap="square" lIns="99568" tIns="415429" rIns="99568" bIns="99568" numCol="1" spcCol="1270" anchor="t" anchorCtr="0">
+        <a:bodyPr spcFirstLastPara="0" vert="horz" wrap="square" lIns="99568" tIns="415363" rIns="99568" bIns="99568" numCol="1" spcCol="1270" anchor="t" anchorCtr="0">
           <a:noAutofit/>
         </a:bodyPr>
         <a:lstStyle/>
@@ -4725,7 +4986,7 @@
             <a:spcAft>
               <a:spcPct val="15000"/>
             </a:spcAft>
-            <a:buChar char="•"/>
+            <a:buChar char="••"/>
           </a:pPr>
           <a:endParaRPr lang="en-US" sz="1400" kern="1200" dirty="0"/>
         </a:p>
@@ -4740,7 +5001,7 @@
             <a:spcAft>
               <a:spcPct val="15000"/>
             </a:spcAft>
-            <a:buChar char="•"/>
+            <a:buChar char="••"/>
           </a:pPr>
           <a:r>
             <a:rPr lang="en-US" sz="1400" kern="1200" dirty="0"/>
@@ -4763,7 +5024,7 @@
             <a:spcAft>
               <a:spcPct val="15000"/>
             </a:spcAft>
-            <a:buChar char="•"/>
+            <a:buChar char="••"/>
           </a:pPr>
           <a:endParaRPr lang="en-US" sz="1400" kern="1200" dirty="0"/>
         </a:p>
@@ -4778,7 +5039,7 @@
             <a:spcAft>
               <a:spcPct val="15000"/>
             </a:spcAft>
-            <a:buChar char="•"/>
+            <a:buChar char="••"/>
           </a:pPr>
           <a:r>
             <a:rPr lang="en-US" sz="1400" b="0" i="0" u="none" kern="1200" dirty="0"/>
@@ -4797,7 +5058,7 @@
             <a:spcAft>
               <a:spcPct val="15000"/>
             </a:spcAft>
-            <a:buChar char="•"/>
+            <a:buChar char="••"/>
           </a:pPr>
           <a:endParaRPr lang="en-US" sz="1400" kern="1200" dirty="0"/>
         </a:p>
@@ -4812,7 +5073,7 @@
             <a:spcAft>
               <a:spcPct val="15000"/>
             </a:spcAft>
-            <a:buChar char="•"/>
+            <a:buChar char="••"/>
           </a:pPr>
           <a:r>
             <a:rPr lang="en-US" sz="1400" kern="1200" dirty="0"/>
@@ -4830,14 +5091,14 @@
             <a:spcAft>
               <a:spcPct val="15000"/>
             </a:spcAft>
-            <a:buChar char="•"/>
+            <a:buChar char="••"/>
           </a:pPr>
           <a:endParaRPr lang="en-US" sz="1400" kern="1200" dirty="0"/>
         </a:p>
       </dsp:txBody>
       <dsp:txXfrm>
-        <a:off x="7408460" y="755581"/>
-        <a:ext cx="2346267" cy="3153299"/>
+        <a:off x="7407355" y="755385"/>
+        <a:ext cx="2345894" cy="3152260"/>
       </dsp:txXfrm>
     </dsp:sp>
     <dsp:sp modelId="{50F68785-C04B-45A9-BD41-582A96A9C4EF}">
@@ -4847,14 +5108,14 @@
       </dsp:nvSpPr>
       <dsp:spPr>
         <a:xfrm>
-          <a:off x="6937422" y="133811"/>
-          <a:ext cx="942075" cy="942075"/>
+          <a:off x="6936392" y="133714"/>
+          <a:ext cx="941925" cy="941925"/>
         </a:xfrm>
         <a:prstGeom prst="rect">
           <a:avLst/>
         </a:prstGeom>
         <a:blipFill>
-          <a:blip xmlns:r="http://schemas.openxmlformats.org/officeDocument/2006/relationships" r:embed="rId3">
+          <a:blip xmlns:r="http://schemas.openxmlformats.org/officeDocument/2006/relationships" r:embed="rId3" cstate="print">
             <a:extLst>
               <a:ext uri="{28A0092B-C50C-407E-A947-70E740481C1C}">
                 <a14:useLocalDpi xmlns:a14="http://schemas.microsoft.com/office/drawing/2010/main" val="0"/>
@@ -4866,7 +5127,7 @@
             <a:fillRect l="-65000" r="-65000"/>
           </a:stretch>
         </a:blipFill>
-        <a:ln w="12700" cap="flat" cmpd="sng" algn="ctr">
+        <a:ln w="25400" cap="flat" cmpd="sng" algn="ctr">
           <a:solidFill>
             <a:schemeClr val="lt1">
               <a:hueOff val="0"/>
@@ -4876,7 +5137,7 @@
             </a:schemeClr>
           </a:solidFill>
           <a:prstDash val="solid"/>
-          <a:miter lim="800000"/>
+          <a:miter/>
         </a:ln>
         <a:effectLst/>
       </dsp:spPr>
@@ -7458,8 +7719,13 @@
 </file>
 
 <file path=ppt/notesMasters/notesMaster1.xml><?xml version="1.0" encoding="utf-8"?>
-<p:notesMaster xmlns:a="http://schemas.openxmlformats.org/drawingml/2006/main" xmlns:p="http://schemas.openxmlformats.org/presentationml/2006/main" xmlns:r="http://schemas.openxmlformats.org/officeDocument/2006/relationships" xmlns:p14="http://schemas.microsoft.com/office/powerpoint/2010/main" xmlns:p15="http://schemas.microsoft.com/office/powerpoint/2012/main" xmlns:mc="http://schemas.openxmlformats.org/markup-compatibility/2006">
+<p:notesMaster xmlns:a="http://schemas.openxmlformats.org/drawingml/2006/main" xmlns:r="http://schemas.openxmlformats.org/officeDocument/2006/relationships" xmlns:p="http://schemas.openxmlformats.org/presentationml/2006/main">
   <p:cSld>
+    <p:bg>
+      <p:bgRef idx="1001">
+        <a:schemeClr val="bg1"/>
+      </p:bgRef>
+    </p:bg>
     <p:spTree>
       <p:nvGrpSpPr>
         <p:cNvPr id="1" name=""/>
@@ -7478,7 +7744,7 @@
         <p:nvSpPr>
           <p:cNvPr id="76" name="PlaceHolder 1"/>
           <p:cNvSpPr>
-            <a:spLocks noGrp="1"/>
+            <a:spLocks noGrp="1" noRot="1" noChangeAspect="1"/>
           </p:cNvSpPr>
           <p:nvPr>
             <p:ph type="sldImg"/>
@@ -7494,20 +7760,18 @@
           </a:prstGeom>
         </p:spPr>
         <p:txBody>
-          <a:bodyPr lIns="0" rIns="0" tIns="0" bIns="0" anchor="ctr">
+          <a:bodyPr lIns="0" tIns="0" rIns="0" bIns="0" anchor="ctr">
             <a:noAutofit/>
           </a:bodyPr>
+          <a:lstStyle/>
           <a:p>
             <a:pPr algn="ctr"/>
             <a:r>
-              <a:rPr b="0" lang="en-US" sz="4400" spc="-1" strike="noStrike">
+              <a:rPr lang="en-US" sz="4400" b="0" strike="noStrike" spc="-1">
                 <a:latin typeface="Arial"/>
               </a:rPr>
               <a:t>Click to move the slide</a:t>
             </a:r>
-            <a:endParaRPr b="0" lang="en-US" sz="4400" spc="-1" strike="noStrike">
-              <a:latin typeface="Arial"/>
-            </a:endParaRPr>
           </a:p>
         </p:txBody>
       </p:sp>
@@ -7531,19 +7795,17 @@
           </a:prstGeom>
         </p:spPr>
         <p:txBody>
-          <a:bodyPr lIns="0" rIns="0" tIns="0" bIns="0">
+          <a:bodyPr lIns="0" tIns="0" rIns="0" bIns="0">
             <a:noAutofit/>
           </a:bodyPr>
+          <a:lstStyle/>
           <a:p>
             <a:r>
-              <a:rPr b="0" lang="en-US" sz="2000" spc="-1" strike="noStrike">
+              <a:rPr lang="en-US" sz="2000" b="0" strike="noStrike" spc="-1">
                 <a:latin typeface="Arial"/>
               </a:rPr>
               <a:t>Click to edit the notes format</a:t>
             </a:r>
-            <a:endParaRPr b="0" lang="en-US" sz="2000" spc="-1" strike="noStrike">
-              <a:latin typeface="Arial"/>
-            </a:endParaRPr>
           </a:p>
         </p:txBody>
       </p:sp>
@@ -7567,19 +7829,17 @@
           </a:prstGeom>
         </p:spPr>
         <p:txBody>
-          <a:bodyPr lIns="0" rIns="0" tIns="0" bIns="0">
+          <a:bodyPr lIns="0" tIns="0" rIns="0" bIns="0">
             <a:noAutofit/>
           </a:bodyPr>
+          <a:lstStyle/>
           <a:p>
             <a:r>
-              <a:rPr b="0" lang="en-US" sz="1400" spc="-1" strike="noStrike">
+              <a:rPr lang="en-US" sz="1400" b="0" strike="noStrike" spc="-1">
                 <a:latin typeface="Times New Roman"/>
               </a:rPr>
               <a:t>&lt;header&gt;</a:t>
             </a:r>
-            <a:endParaRPr b="0" lang="en-US" sz="1400" spc="-1" strike="noStrike">
-              <a:latin typeface="Times New Roman"/>
-            </a:endParaRPr>
           </a:p>
         </p:txBody>
       </p:sp>
@@ -7603,20 +7863,18 @@
           </a:prstGeom>
         </p:spPr>
         <p:txBody>
-          <a:bodyPr lIns="0" rIns="0" tIns="0" bIns="0">
+          <a:bodyPr lIns="0" tIns="0" rIns="0" bIns="0">
             <a:noAutofit/>
           </a:bodyPr>
+          <a:lstStyle/>
           <a:p>
             <a:pPr algn="r"/>
             <a:r>
-              <a:rPr b="0" lang="en-US" sz="1400" spc="-1" strike="noStrike">
+              <a:rPr lang="en-US" sz="1400" b="0" strike="noStrike" spc="-1">
                 <a:latin typeface="Times New Roman"/>
               </a:rPr>
               <a:t>&lt;date/time&gt;</a:t>
             </a:r>
-            <a:endParaRPr b="0" lang="en-US" sz="1400" spc="-1" strike="noStrike">
-              <a:latin typeface="Times New Roman"/>
-            </a:endParaRPr>
           </a:p>
         </p:txBody>
       </p:sp>
@@ -7640,19 +7898,17 @@
           </a:prstGeom>
         </p:spPr>
         <p:txBody>
-          <a:bodyPr lIns="0" rIns="0" tIns="0" bIns="0" anchor="b">
+          <a:bodyPr lIns="0" tIns="0" rIns="0" bIns="0" anchor="b">
             <a:noAutofit/>
           </a:bodyPr>
+          <a:lstStyle/>
           <a:p>
             <a:r>
-              <a:rPr b="0" lang="en-US" sz="1400" spc="-1" strike="noStrike">
+              <a:rPr lang="en-US" sz="1400" b="0" strike="noStrike" spc="-1">
                 <a:latin typeface="Times New Roman"/>
               </a:rPr>
               <a:t>&lt;footer&gt;</a:t>
             </a:r>
-            <a:endParaRPr b="0" lang="en-US" sz="1400" spc="-1" strike="noStrike">
-              <a:latin typeface="Times New Roman"/>
-            </a:endParaRPr>
           </a:p>
         </p:txBody>
       </p:sp>
@@ -7676,31 +7932,129 @@
           </a:prstGeom>
         </p:spPr>
         <p:txBody>
-          <a:bodyPr lIns="0" rIns="0" tIns="0" bIns="0" anchor="b">
+          <a:bodyPr lIns="0" tIns="0" rIns="0" bIns="0" anchor="b">
             <a:noAutofit/>
           </a:bodyPr>
+          <a:lstStyle/>
           <a:p>
             <a:pPr algn="r"/>
             <a:fld id="{C3B287F5-B78A-4F53-886E-23EC01DF3E29}" type="slidenum">
-              <a:rPr b="0" lang="en-US" sz="1400" spc="-1" strike="noStrike">
+              <a:rPr lang="en-US" sz="1400" b="0" strike="noStrike" spc="-1">
                 <a:latin typeface="Times New Roman"/>
               </a:rPr>
-              <a:t>&lt;number&gt;</a:t>
+              <a:t>‹#›</a:t>
             </a:fld>
-            <a:endParaRPr b="0" lang="en-US" sz="1400" spc="-1" strike="noStrike">
+            <a:endParaRPr lang="en-US" sz="1400" b="0" strike="noStrike" spc="-1">
               <a:latin typeface="Times New Roman"/>
             </a:endParaRPr>
           </a:p>
         </p:txBody>
       </p:sp>
     </p:spTree>
+    <p:extLst>
+      <p:ext uri="{BB962C8B-B14F-4D97-AF65-F5344CB8AC3E}">
+        <p14:creationId xmlns:p14="http://schemas.microsoft.com/office/powerpoint/2010/main" val="2676736323"/>
+      </p:ext>
+    </p:extLst>
   </p:cSld>
-  <p:clrMap bg1="lt1" bg2="lt2" tx1="dk1" tx2="dk2" accent1="accent1" accent2="accent2" accent3="accent3" accent4="accent4" accent5="accent5" accent6="accent6" hlink="hlink" folHlink="folHlink"/>
+  <p:clrMap bg1="lt1" tx1="dk1" bg2="lt2" tx2="dk2" accent1="accent1" accent2="accent2" accent3="accent3" accent4="accent4" accent5="accent5" accent6="accent6" hlink="hlink" folHlink="folHlink"/>
+  <p:notesStyle>
+    <a:lvl1pPr marL="0" algn="l" defTabSz="914400" rtl="0" eaLnBrk="1" latinLnBrk="0" hangingPunct="1">
+      <a:defRPr sz="1200" kern="1200">
+        <a:solidFill>
+          <a:schemeClr val="tx1"/>
+        </a:solidFill>
+        <a:latin typeface="+mn-lt"/>
+        <a:ea typeface="+mn-ea"/>
+        <a:cs typeface="+mn-cs"/>
+      </a:defRPr>
+    </a:lvl1pPr>
+    <a:lvl2pPr marL="457200" algn="l" defTabSz="914400" rtl="0" eaLnBrk="1" latinLnBrk="0" hangingPunct="1">
+      <a:defRPr sz="1200" kern="1200">
+        <a:solidFill>
+          <a:schemeClr val="tx1"/>
+        </a:solidFill>
+        <a:latin typeface="+mn-lt"/>
+        <a:ea typeface="+mn-ea"/>
+        <a:cs typeface="+mn-cs"/>
+      </a:defRPr>
+    </a:lvl2pPr>
+    <a:lvl3pPr marL="914400" algn="l" defTabSz="914400" rtl="0" eaLnBrk="1" latinLnBrk="0" hangingPunct="1">
+      <a:defRPr sz="1200" kern="1200">
+        <a:solidFill>
+          <a:schemeClr val="tx1"/>
+        </a:solidFill>
+        <a:latin typeface="+mn-lt"/>
+        <a:ea typeface="+mn-ea"/>
+        <a:cs typeface="+mn-cs"/>
+      </a:defRPr>
+    </a:lvl3pPr>
+    <a:lvl4pPr marL="1371600" algn="l" defTabSz="914400" rtl="0" eaLnBrk="1" latinLnBrk="0" hangingPunct="1">
+      <a:defRPr sz="1200" kern="1200">
+        <a:solidFill>
+          <a:schemeClr val="tx1"/>
+        </a:solidFill>
+        <a:latin typeface="+mn-lt"/>
+        <a:ea typeface="+mn-ea"/>
+        <a:cs typeface="+mn-cs"/>
+      </a:defRPr>
+    </a:lvl4pPr>
+    <a:lvl5pPr marL="1828800" algn="l" defTabSz="914400" rtl="0" eaLnBrk="1" latinLnBrk="0" hangingPunct="1">
+      <a:defRPr sz="1200" kern="1200">
+        <a:solidFill>
+          <a:schemeClr val="tx1"/>
+        </a:solidFill>
+        <a:latin typeface="+mn-lt"/>
+        <a:ea typeface="+mn-ea"/>
+        <a:cs typeface="+mn-cs"/>
+      </a:defRPr>
+    </a:lvl5pPr>
+    <a:lvl6pPr marL="2286000" algn="l" defTabSz="914400" rtl="0" eaLnBrk="1" latinLnBrk="0" hangingPunct="1">
+      <a:defRPr sz="1200" kern="1200">
+        <a:solidFill>
+          <a:schemeClr val="tx1"/>
+        </a:solidFill>
+        <a:latin typeface="+mn-lt"/>
+        <a:ea typeface="+mn-ea"/>
+        <a:cs typeface="+mn-cs"/>
+      </a:defRPr>
+    </a:lvl6pPr>
+    <a:lvl7pPr marL="2743200" algn="l" defTabSz="914400" rtl="0" eaLnBrk="1" latinLnBrk="0" hangingPunct="1">
+      <a:defRPr sz="1200" kern="1200">
+        <a:solidFill>
+          <a:schemeClr val="tx1"/>
+        </a:solidFill>
+        <a:latin typeface="+mn-lt"/>
+        <a:ea typeface="+mn-ea"/>
+        <a:cs typeface="+mn-cs"/>
+      </a:defRPr>
+    </a:lvl7pPr>
+    <a:lvl8pPr marL="3200400" algn="l" defTabSz="914400" rtl="0" eaLnBrk="1" latinLnBrk="0" hangingPunct="1">
+      <a:defRPr sz="1200" kern="1200">
+        <a:solidFill>
+          <a:schemeClr val="tx1"/>
+        </a:solidFill>
+        <a:latin typeface="+mn-lt"/>
+        <a:ea typeface="+mn-ea"/>
+        <a:cs typeface="+mn-cs"/>
+      </a:defRPr>
+    </a:lvl8pPr>
+    <a:lvl9pPr marL="3657600" algn="l" defTabSz="914400" rtl="0" eaLnBrk="1" latinLnBrk="0" hangingPunct="1">
+      <a:defRPr sz="1200" kern="1200">
+        <a:solidFill>
+          <a:schemeClr val="tx1"/>
+        </a:solidFill>
+        <a:latin typeface="+mn-lt"/>
+        <a:ea typeface="+mn-ea"/>
+        <a:cs typeface="+mn-cs"/>
+      </a:defRPr>
+    </a:lvl9pPr>
+  </p:notesStyle>
 </p:notesMaster>
 </file>
 
 <file path=ppt/notesSlides/notesSlide1.xml><?xml version="1.0" encoding="utf-8"?>
-<p:notes xmlns:a="http://schemas.openxmlformats.org/drawingml/2006/main" xmlns:p="http://schemas.openxmlformats.org/presentationml/2006/main" xmlns:r="http://schemas.openxmlformats.org/officeDocument/2006/relationships" xmlns:p14="http://schemas.microsoft.com/office/powerpoint/2010/main" xmlns:p15="http://schemas.microsoft.com/office/powerpoint/2012/main" xmlns:mc="http://schemas.openxmlformats.org/markup-compatibility/2006">
+<p:notes xmlns:a="http://schemas.openxmlformats.org/drawingml/2006/main" xmlns:r="http://schemas.openxmlformats.org/officeDocument/2006/relationships" xmlns:p="http://schemas.openxmlformats.org/presentationml/2006/main">
   <p:cSld>
     <p:spTree>
       <p:nvGrpSpPr>
@@ -7736,20 +8090,21 @@
           </a:prstGeom>
         </p:spPr>
         <p:txBody>
-          <a:bodyPr lIns="0" rIns="0" tIns="0" bIns="0">
+          <a:bodyPr lIns="0" tIns="0" rIns="0" bIns="0">
             <a:noAutofit/>
           </a:bodyPr>
+          <a:lstStyle/>
           <a:p>
             <a:pPr marL="216000" indent="-214920">
               <a:lnSpc>
                 <a:spcPct val="100000"/>
               </a:lnSpc>
               <a:tabLst>
-                <a:tab algn="l" pos="0"/>
+                <a:tab pos="0" algn="l"/>
               </a:tabLst>
             </a:pPr>
             <a:r>
-              <a:rPr b="0" lang="en-US" sz="1800" spc="-1" strike="noStrike">
+              <a:rPr lang="en-US" sz="1800" b="0" strike="noStrike" spc="-1">
                 <a:solidFill>
                   <a:srgbClr val="000000"/>
                 </a:solidFill>
@@ -7757,7 +8112,7 @@
               </a:rPr>
               <a:t>Time: 20 Secs, Presenter: Jeff</a:t>
             </a:r>
-            <a:endParaRPr b="0" lang="en-US" sz="1800" spc="-1" strike="noStrike">
+            <a:endParaRPr lang="en-US" sz="1800" b="0" strike="noStrike" spc="-1">
               <a:latin typeface="Arial"/>
             </a:endParaRPr>
           </a:p>
@@ -7767,11 +8122,11 @@
                 <a:spcPct val="100000"/>
               </a:lnSpc>
               <a:tabLst>
-                <a:tab algn="l" pos="0"/>
+                <a:tab pos="0" algn="l"/>
               </a:tabLst>
             </a:pPr>
             <a:r>
-              <a:rPr b="0" lang="en-US" sz="1800" spc="-1" strike="noStrike">
+              <a:rPr lang="en-US" sz="1800" b="0" strike="noStrike" spc="-1">
                 <a:solidFill>
                   <a:srgbClr val="000000"/>
                 </a:solidFill>
@@ -7779,7 +8134,7 @@
               </a:rPr>
               <a:t>There are three main components of the platform configuration.</a:t>
             </a:r>
-            <a:endParaRPr b="0" lang="en-US" sz="1800" spc="-1" strike="noStrike">
+            <a:endParaRPr lang="en-US" sz="1800" b="0" strike="noStrike" spc="-1">
               <a:latin typeface="Arial"/>
             </a:endParaRPr>
           </a:p>
@@ -7789,12 +8144,15 @@
                 <a:spcPct val="100000"/>
               </a:lnSpc>
               <a:tabLst>
-                <a:tab algn="l" pos="0"/>
+                <a:tab pos="0" algn="l"/>
               </a:tabLst>
             </a:pPr>
+            <a:r>
+              <a:t/>
+            </a:r>
             <a:br/>
             <a:r>
-              <a:rPr b="0" lang="en-US" sz="1800" spc="-1" strike="noStrike">
+              <a:rPr lang="en-US" sz="1800" b="0" strike="noStrike" spc="-1">
                 <a:solidFill>
                   <a:srgbClr val="000000"/>
                 </a:solidFill>
@@ -7802,7 +8160,7 @@
               </a:rPr>
               <a:t>1. ADC Sampling: The sampling rate of the on board ADC is configured to 3932.16MHz because it is multiple of LTE standard sampling rate.</a:t>
             </a:r>
-            <a:endParaRPr b="0" lang="en-US" sz="1800" spc="-1" strike="noStrike">
+            <a:endParaRPr lang="en-US" sz="1800" b="0" strike="noStrike" spc="-1">
               <a:latin typeface="Arial"/>
             </a:endParaRPr>
           </a:p>
@@ -7812,11 +8170,11 @@
                 <a:spcPct val="100000"/>
               </a:lnSpc>
               <a:tabLst>
-                <a:tab algn="l" pos="0"/>
+                <a:tab pos="0" algn="l"/>
               </a:tabLst>
             </a:pPr>
             <a:r>
-              <a:rPr b="0" lang="en-US" sz="1800" spc="-1" strike="noStrike">
+              <a:rPr lang="en-US" sz="1800" b="0" strike="noStrike" spc="-1">
                 <a:solidFill>
                   <a:srgbClr val="000000"/>
                 </a:solidFill>
@@ -7824,7 +8182,7 @@
               </a:rPr>
               <a:t>2. Decimation: The hardware IP requires a sampling frequency of 1.92MHz. As a result, the system requires several stages of decimation.</a:t>
             </a:r>
-            <a:endParaRPr b="0" lang="en-US" sz="1800" spc="-1" strike="noStrike">
+            <a:endParaRPr lang="en-US" sz="1800" b="0" strike="noStrike" spc="-1">
               <a:latin typeface="Arial"/>
             </a:endParaRPr>
           </a:p>
@@ -7834,11 +8192,11 @@
                 <a:spcPct val="100000"/>
               </a:lnSpc>
               <a:tabLst>
-                <a:tab algn="l" pos="0"/>
+                <a:tab pos="0" algn="l"/>
               </a:tabLst>
             </a:pPr>
             <a:r>
-              <a:rPr b="0" lang="en-US" sz="1800" spc="-1" strike="noStrike">
+              <a:rPr lang="en-US" sz="1800" b="0" strike="noStrike" spc="-1">
                 <a:solidFill>
                   <a:srgbClr val="000000"/>
                 </a:solidFill>
@@ -7846,7 +8204,7 @@
               </a:rPr>
               <a:t>3. Numerically Controlled Oscillator: The NCO is runtime configured to down convert the carrier frequency to DC.</a:t>
             </a:r>
-            <a:endParaRPr b="0" lang="en-US" sz="1800" spc="-1" strike="noStrike">
+            <a:endParaRPr lang="en-US" sz="1800" b="0" strike="noStrike" spc="-1">
               <a:latin typeface="Arial"/>
             </a:endParaRPr>
           </a:p>
@@ -7856,11 +8214,14 @@
                 <a:spcPct val="100000"/>
               </a:lnSpc>
               <a:tabLst>
-                <a:tab algn="l" pos="0"/>
+                <a:tab pos="0" algn="l"/>
               </a:tabLst>
             </a:pPr>
+            <a:r>
+              <a:t/>
+            </a:r>
             <a:br/>
-            <a:endParaRPr b="0" lang="en-US" sz="1800" spc="-1" strike="noStrike">
+            <a:endParaRPr lang="en-US" sz="1800" b="0" strike="noStrike" spc="-1">
               <a:latin typeface="Arial"/>
             </a:endParaRPr>
           </a:p>
@@ -7870,10 +8231,10 @@
                 <a:spcPct val="100000"/>
               </a:lnSpc>
               <a:tabLst>
-                <a:tab algn="l" pos="0"/>
+                <a:tab pos="0" algn="l"/>
               </a:tabLst>
             </a:pPr>
-            <a:endParaRPr b="0" lang="en-US" sz="1800" spc="-1" strike="noStrike">
+            <a:endParaRPr lang="en-US" sz="1800" b="0" strike="noStrike" spc="-1">
               <a:latin typeface="Arial"/>
             </a:endParaRPr>
           </a:p>
@@ -7883,7 +8244,7 @@
         <p:nvSpPr>
           <p:cNvPr id="143" name="PlaceHolder 2"/>
           <p:cNvSpPr>
-            <a:spLocks noGrp="1"/>
+            <a:spLocks noGrp="1" noRot="1" noChangeAspect="1"/>
           </p:cNvSpPr>
           <p:nvPr>
             <p:ph type="sldImg"/>
@@ -7892,7 +8253,7 @@
         <p:spPr>
           <a:xfrm>
             <a:off x="685800" y="1143000"/>
-            <a:ext cx="5484960" cy="3084840"/>
+            <a:ext cx="5484813" cy="3084513"/>
           </a:xfrm>
           <a:prstGeom prst="rect">
             <a:avLst/>
@@ -7901,11 +8262,14 @@
       </p:sp>
     </p:spTree>
   </p:cSld>
+  <p:clrMapOvr>
+    <a:masterClrMapping/>
+  </p:clrMapOvr>
 </p:notes>
 </file>
 
 <file path=ppt/notesSlides/notesSlide2.xml><?xml version="1.0" encoding="utf-8"?>
-<p:notes xmlns:a="http://schemas.openxmlformats.org/drawingml/2006/main" xmlns:p="http://schemas.openxmlformats.org/presentationml/2006/main" xmlns:r="http://schemas.openxmlformats.org/officeDocument/2006/relationships" xmlns:p14="http://schemas.microsoft.com/office/powerpoint/2010/main" xmlns:p15="http://schemas.microsoft.com/office/powerpoint/2012/main" xmlns:mc="http://schemas.openxmlformats.org/markup-compatibility/2006">
+<p:notes xmlns:a="http://schemas.openxmlformats.org/drawingml/2006/main" xmlns:r="http://schemas.openxmlformats.org/officeDocument/2006/relationships" xmlns:p="http://schemas.openxmlformats.org/presentationml/2006/main">
   <p:cSld>
     <p:spTree>
       <p:nvGrpSpPr>
@@ -7941,20 +8305,21 @@
           </a:prstGeom>
         </p:spPr>
         <p:txBody>
-          <a:bodyPr lIns="0" rIns="0" tIns="0" bIns="0">
+          <a:bodyPr lIns="0" tIns="0" rIns="0" bIns="0">
             <a:noAutofit/>
           </a:bodyPr>
+          <a:lstStyle/>
           <a:p>
             <a:pPr marL="216000" indent="-214920">
               <a:lnSpc>
                 <a:spcPct val="100000"/>
               </a:lnSpc>
               <a:tabLst>
-                <a:tab algn="l" pos="0"/>
+                <a:tab pos="0" algn="l"/>
               </a:tabLst>
             </a:pPr>
             <a:r>
-              <a:rPr b="0" lang="en-US" sz="1800" spc="-1" strike="noStrike">
+              <a:rPr lang="en-US" sz="1800" b="0" strike="noStrike" spc="-1">
                 <a:solidFill>
                   <a:srgbClr val="000000"/>
                 </a:solidFill>
@@ -7962,7 +8327,7 @@
               </a:rPr>
               <a:t>Time: 40 Secs, Presenter: Jeff</a:t>
             </a:r>
-            <a:endParaRPr b="0" lang="en-US" sz="1800" spc="-1" strike="noStrike">
+            <a:endParaRPr lang="en-US" sz="1800" b="0" strike="noStrike" spc="-1">
               <a:latin typeface="Arial"/>
             </a:endParaRPr>
           </a:p>
@@ -7972,12 +8337,15 @@
                 <a:spcPct val="100000"/>
               </a:lnSpc>
               <a:tabLst>
-                <a:tab algn="l" pos="0"/>
+                <a:tab pos="0" algn="l"/>
               </a:tabLst>
             </a:pPr>
+            <a:r>
+              <a:t/>
+            </a:r>
             <a:br/>
             <a:r>
-              <a:rPr b="0" lang="en-US" sz="1800" spc="-1" strike="noStrike">
+              <a:rPr lang="en-US" sz="1800" b="0" strike="noStrike" spc="-1">
                 <a:solidFill>
                   <a:srgbClr val="000000"/>
                 </a:solidFill>
@@ -7985,7 +8353,7 @@
               </a:rPr>
               <a:t>CP, PSS and SSS correlations are the 3 main operations performed. </a:t>
             </a:r>
-            <a:endParaRPr b="0" lang="en-US" sz="1800" spc="-1" strike="noStrike">
+            <a:endParaRPr lang="en-US" sz="1800" b="0" strike="noStrike" spc="-1">
               <a:latin typeface="Arial"/>
             </a:endParaRPr>
           </a:p>
@@ -7995,10 +8363,10 @@
                 <a:spcPct val="100000"/>
               </a:lnSpc>
               <a:tabLst>
-                <a:tab algn="l" pos="0"/>
+                <a:tab pos="0" algn="l"/>
               </a:tabLst>
             </a:pPr>
-            <a:endParaRPr b="0" lang="en-US" sz="1800" spc="-1" strike="noStrike">
+            <a:endParaRPr lang="en-US" sz="1800" b="0" strike="noStrike" spc="-1">
               <a:latin typeface="Arial"/>
             </a:endParaRPr>
           </a:p>
@@ -8008,11 +8376,11 @@
                 <a:spcPct val="100000"/>
               </a:lnSpc>
               <a:tabLst>
-                <a:tab algn="l" pos="0"/>
+                <a:tab pos="0" algn="l"/>
               </a:tabLst>
             </a:pPr>
             <a:r>
-              <a:rPr b="0" lang="en-US" sz="1800" spc="-1" strike="noStrike">
+              <a:rPr lang="en-US" sz="1800" b="0" strike="noStrike" spc="-1">
                 <a:solidFill>
                   <a:srgbClr val="000000"/>
                 </a:solidFill>
@@ -8021,7 +8389,7 @@
               <a:t>1. Cyclic Prefix </a:t>
             </a:r>
             <a:r>
-              <a:rPr b="0" lang="en-US" sz="1800" spc="-1" strike="noStrike">
+              <a:rPr lang="en-US" sz="1800" b="0" strike="noStrike" spc="-1">
                 <a:solidFill>
                   <a:srgbClr val="000000"/>
                 </a:solidFill>
@@ -8029,7 +8397,7 @@
               </a:rPr>
               <a:t>is an exact copy of the last part of OFDM symbol, we used this property to estimate frequency offset.</a:t>
             </a:r>
-            <a:endParaRPr b="0" lang="en-US" sz="1800" spc="-1" strike="noStrike">
+            <a:endParaRPr lang="en-US" sz="1800" b="0" strike="noStrike" spc="-1">
               <a:latin typeface="Arial"/>
             </a:endParaRPr>
           </a:p>
@@ -8039,10 +8407,10 @@
                 <a:spcPct val="100000"/>
               </a:lnSpc>
               <a:tabLst>
-                <a:tab algn="l" pos="0"/>
+                <a:tab pos="0" algn="l"/>
               </a:tabLst>
             </a:pPr>
-            <a:endParaRPr b="0" lang="en-US" sz="1800" spc="-1" strike="noStrike">
+            <a:endParaRPr lang="en-US" sz="1800" b="0" strike="noStrike" spc="-1">
               <a:latin typeface="Arial"/>
             </a:endParaRPr>
           </a:p>
@@ -8057,28 +8425,19 @@
               <a:buFont typeface="+mj-lt"/>
               <a:buAutoNum type="arabicPeriod" startAt="2"/>
               <a:tabLst>
-                <a:tab algn="l" pos="0"/>
+                <a:tab pos="0" algn="l"/>
               </a:tabLst>
             </a:pPr>
             <a:r>
-              <a:rPr b="0" lang="en-US" sz="1800" spc="-1" strike="noStrike">
+              <a:rPr lang="en-US" sz="1800" b="0" strike="noStrike" spc="-1">
                 <a:solidFill>
                   <a:srgbClr val="000000"/>
                 </a:solidFill>
                 <a:latin typeface="Arial"/>
               </a:rPr>
-              <a:t> </a:t>
+              <a:t> PSS sequences have special properties used for correlation. The LTE standard defines 3 such sequences. The received PSS is detected by performing correlation between the input signal and all 3 possible sequences. The highest correlation peaks identify the PSS locations and provide input to generate the Cell ID.</a:t>
             </a:r>
-            <a:r>
-              <a:rPr b="0" lang="en-US" sz="1800" spc="-1" strike="noStrike">
-                <a:solidFill>
-                  <a:srgbClr val="000000"/>
-                </a:solidFill>
-                <a:latin typeface="Arial"/>
-              </a:rPr>
-              <a:t>PSS sequences have special properties used for correlation. The LTE standard defines 3 such sequences. The received PSS is detected by performing correlation between the input signal and all 3 possible sequences. The highest correlation peaks identify the PSS locations and provide input to generate the Cell ID.</a:t>
-            </a:r>
-            <a:endParaRPr b="0" lang="en-US" sz="1800" spc="-1" strike="noStrike">
+            <a:endParaRPr lang="en-US" sz="1800" b="0" strike="noStrike" spc="-1">
               <a:latin typeface="Arial"/>
             </a:endParaRPr>
           </a:p>
@@ -8088,12 +8447,15 @@
                 <a:spcPct val="100000"/>
               </a:lnSpc>
               <a:tabLst>
-                <a:tab algn="l" pos="0"/>
+                <a:tab pos="0" algn="l"/>
               </a:tabLst>
             </a:pPr>
+            <a:r>
+              <a:t/>
+            </a:r>
             <a:br/>
             <a:r>
-              <a:rPr b="0" lang="en-US" sz="2000" spc="-1" strike="noStrike">
+              <a:rPr lang="en-US" sz="2000" b="0" strike="noStrike" spc="-1">
                 <a:solidFill>
                   <a:srgbClr val="000000"/>
                 </a:solidFill>
@@ -8102,7 +8464,7 @@
               <a:t>3. </a:t>
             </a:r>
             <a:r>
-              <a:rPr b="0" lang="en-US" sz="1800" spc="-1" strike="noStrike">
+              <a:rPr lang="en-US" sz="1800" b="0" strike="noStrike" spc="-1">
                 <a:solidFill>
                   <a:srgbClr val="000000"/>
                 </a:solidFill>
@@ -8110,7 +8472,7 @@
               </a:rPr>
               <a:t>There are 168 possible SSS sequences. After detecting the PSS, the SSS symbol locations become known. The hardware performs a 128 point FFT on this symbol. Correlating the 168 possible binary sequences with the SSS symbol identifies the physical layer cell identity group used for calculating the Cell ID.</a:t>
             </a:r>
-            <a:endParaRPr b="0" lang="en-US" sz="1800" spc="-1" strike="noStrike">
+            <a:endParaRPr lang="en-US" sz="1800" b="0" strike="noStrike" spc="-1">
               <a:latin typeface="Arial"/>
             </a:endParaRPr>
           </a:p>
@@ -8120,7 +8482,7 @@
         <p:nvSpPr>
           <p:cNvPr id="145" name="PlaceHolder 2"/>
           <p:cNvSpPr>
-            <a:spLocks noGrp="1"/>
+            <a:spLocks noGrp="1" noRot="1" noChangeAspect="1"/>
           </p:cNvSpPr>
           <p:nvPr>
             <p:ph type="sldImg"/>
@@ -8129,7 +8491,7 @@
         <p:spPr>
           <a:xfrm>
             <a:off x="685800" y="1143000"/>
-            <a:ext cx="5484960" cy="3084840"/>
+            <a:ext cx="5484813" cy="3084513"/>
           </a:xfrm>
           <a:prstGeom prst="rect">
             <a:avLst/>
@@ -8138,11 +8500,14 @@
       </p:sp>
     </p:spTree>
   </p:cSld>
+  <p:clrMapOvr>
+    <a:masterClrMapping/>
+  </p:clrMapOvr>
 </p:notes>
 </file>
 
 <file path=ppt/notesSlides/notesSlide3.xml><?xml version="1.0" encoding="utf-8"?>
-<p:notes xmlns:a="http://schemas.openxmlformats.org/drawingml/2006/main" xmlns:p="http://schemas.openxmlformats.org/presentationml/2006/main" xmlns:r="http://schemas.openxmlformats.org/officeDocument/2006/relationships" xmlns:p14="http://schemas.microsoft.com/office/powerpoint/2010/main" xmlns:p15="http://schemas.microsoft.com/office/powerpoint/2012/main" xmlns:mc="http://schemas.openxmlformats.org/markup-compatibility/2006">
+<p:notes xmlns:a="http://schemas.openxmlformats.org/drawingml/2006/main" xmlns:r="http://schemas.openxmlformats.org/officeDocument/2006/relationships" xmlns:p="http://schemas.openxmlformats.org/presentationml/2006/main">
   <p:cSld>
     <p:spTree>
       <p:nvGrpSpPr>
@@ -8178,20 +8543,21 @@
           </a:prstGeom>
         </p:spPr>
         <p:txBody>
-          <a:bodyPr lIns="0" rIns="0" tIns="0" bIns="0">
+          <a:bodyPr lIns="0" tIns="0" rIns="0" bIns="0">
             <a:noAutofit/>
           </a:bodyPr>
+          <a:lstStyle/>
           <a:p>
             <a:pPr marL="216000" indent="-215640">
               <a:lnSpc>
                 <a:spcPct val="100000"/>
               </a:lnSpc>
               <a:tabLst>
-                <a:tab algn="l" pos="0"/>
+                <a:tab pos="0" algn="l"/>
               </a:tabLst>
             </a:pPr>
             <a:r>
-              <a:rPr b="0" lang="en-US" sz="1200" spc="-1" strike="noStrike">
+              <a:rPr lang="en-US" sz="1200" b="0" strike="noStrike" spc="-1">
                 <a:solidFill>
                   <a:srgbClr val="000000"/>
                 </a:solidFill>
@@ -8200,7 +8566,7 @@
               </a:rPr>
               <a:t>CP Correlation, PSS and SSS are 3 main blocks of LTE Cell search.</a:t>
             </a:r>
-            <a:endParaRPr b="0" lang="en-US" sz="1200" spc="-1" strike="noStrike">
+            <a:endParaRPr lang="en-US" sz="1200" b="0" strike="noStrike" spc="-1">
               <a:latin typeface="Arial"/>
             </a:endParaRPr>
           </a:p>
@@ -8210,10 +8576,10 @@
                 <a:spcPct val="100000"/>
               </a:lnSpc>
               <a:tabLst>
-                <a:tab algn="l" pos="0"/>
+                <a:tab pos="0" algn="l"/>
               </a:tabLst>
             </a:pPr>
-            <a:endParaRPr b="0" lang="en-US" sz="1200" spc="-1" strike="noStrike">
+            <a:endParaRPr lang="en-US" sz="1200" b="0" strike="noStrike" spc="-1">
               <a:latin typeface="Arial"/>
             </a:endParaRPr>
           </a:p>
@@ -8228,11 +8594,11 @@
               <a:buFont typeface="Calibri"/>
               <a:buAutoNum type="arabicPeriod"/>
               <a:tabLst>
-                <a:tab algn="l" pos="0"/>
+                <a:tab pos="0" algn="l"/>
               </a:tabLst>
             </a:pPr>
             <a:r>
-              <a:rPr b="0" lang="en-US" sz="1200" spc="-1" strike="noStrike">
+              <a:rPr lang="en-US" sz="1200" b="0" strike="noStrike" spc="-1">
                 <a:solidFill>
                   <a:srgbClr val="000000"/>
                 </a:solidFill>
@@ -8242,7 +8608,7 @@
               <a:t>To find the </a:t>
             </a:r>
             <a:r>
-              <a:rPr b="0" lang="en-US" sz="1200" spc="-1" strike="noStrike">
+              <a:rPr lang="en-US" sz="1200" b="0" strike="noStrike" spc="-1">
                 <a:solidFill>
                   <a:srgbClr val="000000"/>
                 </a:solidFill>
@@ -8251,7 +8617,7 @@
               </a:rPr>
               <a:t>start of the OFDM Symbol we need to locate the Cyclic Prefix position in the LTE frame.</a:t>
             </a:r>
-            <a:endParaRPr b="0" lang="en-US" sz="1200" spc="-1" strike="noStrike">
+            <a:endParaRPr lang="en-US" sz="1200" b="0" strike="noStrike" spc="-1">
               <a:latin typeface="Arial"/>
             </a:endParaRPr>
           </a:p>
@@ -8266,11 +8632,11 @@
               <a:buFont typeface="Calibri"/>
               <a:buAutoNum type="arabicPeriod"/>
               <a:tabLst>
-                <a:tab algn="l" pos="0"/>
+                <a:tab pos="0" algn="l"/>
               </a:tabLst>
             </a:pPr>
             <a:r>
-              <a:rPr b="0" lang="en-US" sz="1200" spc="-1" strike="noStrike">
+              <a:rPr lang="en-US" sz="1200" b="0" strike="noStrike" spc="-1">
                 <a:solidFill>
                   <a:srgbClr val="000000"/>
                 </a:solidFill>
@@ -8280,7 +8646,7 @@
               <a:t>We know that</a:t>
             </a:r>
             <a:r>
-              <a:rPr b="0" lang="en-US" sz="1200" spc="-1" strike="noStrike">
+              <a:rPr lang="en-US" sz="1200" b="0" strike="noStrike" spc="-1">
                 <a:solidFill>
                   <a:srgbClr val="000000"/>
                 </a:solidFill>
@@ -8289,7 +8655,7 @@
               </a:rPr>
               <a:t> cyclic Prefix is an exact copy of the last part of OFDM symbol, implemented algorithm in PL to achieve this.</a:t>
             </a:r>
-            <a:endParaRPr b="0" lang="en-US" sz="1200" spc="-1" strike="noStrike">
+            <a:endParaRPr lang="en-US" sz="1200" b="0" strike="noStrike" spc="-1">
               <a:latin typeface="Arial"/>
             </a:endParaRPr>
           </a:p>
@@ -8299,10 +8665,10 @@
                 <a:spcPct val="100000"/>
               </a:lnSpc>
               <a:tabLst>
-                <a:tab algn="l" pos="0"/>
+                <a:tab pos="0" algn="l"/>
               </a:tabLst>
             </a:pPr>
-            <a:endParaRPr b="0" lang="en-US" sz="1200" spc="-1" strike="noStrike">
+            <a:endParaRPr lang="en-US" sz="1200" b="0" strike="noStrike" spc="-1">
               <a:latin typeface="Arial"/>
             </a:endParaRPr>
           </a:p>
@@ -8317,11 +8683,11 @@
               <a:buFont typeface="Verdana"/>
               <a:buAutoNum type="arabicPeriod"/>
               <a:tabLst>
-                <a:tab algn="l" pos="0"/>
+                <a:tab pos="0" algn="l"/>
               </a:tabLst>
             </a:pPr>
             <a:r>
-              <a:rPr b="0" lang="en-US" sz="1200" spc="-1" strike="noStrike">
+              <a:rPr lang="en-US" sz="1200" b="0" strike="noStrike" spc="-1">
                 <a:solidFill>
                   <a:srgbClr val="000000"/>
                 </a:solidFill>
@@ -8331,7 +8697,7 @@
               <a:t>We know, </a:t>
             </a:r>
             <a:r>
-              <a:rPr b="0" lang="en-US" sz="1800" spc="-1" strike="noStrike">
+              <a:rPr lang="en-US" sz="1800" b="0" strike="noStrike" spc="-1">
                 <a:solidFill>
                   <a:srgbClr val="000000"/>
                 </a:solidFill>
@@ -8340,7 +8706,7 @@
               </a:rPr>
               <a:t>PSS is 62 symbols long. Need to perform complex multiplications with 3 sets of Zadoff-Chu root sequences, complex FFT and IFFT’s to get time domain sequences.</a:t>
             </a:r>
-            <a:endParaRPr b="0" lang="en-US" sz="1800" spc="-1" strike="noStrike">
+            <a:endParaRPr lang="en-US" sz="1800" b="0" strike="noStrike" spc="-1">
               <a:latin typeface="Arial"/>
             </a:endParaRPr>
           </a:p>
@@ -8350,10 +8716,10 @@
                 <a:spcPct val="100000"/>
               </a:lnSpc>
               <a:tabLst>
-                <a:tab algn="l" pos="0"/>
+                <a:tab pos="0" algn="l"/>
               </a:tabLst>
             </a:pPr>
-            <a:endParaRPr b="0" lang="en-US" sz="1800" spc="-1" strike="noStrike">
+            <a:endParaRPr lang="en-US" sz="1800" b="0" strike="noStrike" spc="-1">
               <a:latin typeface="Arial"/>
             </a:endParaRPr>
           </a:p>
@@ -8368,11 +8734,11 @@
               <a:buFont typeface="Arial"/>
               <a:buAutoNum type="arabicPeriod"/>
               <a:tabLst>
-                <a:tab algn="l" pos="0"/>
+                <a:tab pos="0" algn="l"/>
               </a:tabLst>
             </a:pPr>
             <a:r>
-              <a:rPr b="0" lang="en-US" sz="1200" spc="-1" strike="noStrike">
+              <a:rPr lang="en-US" sz="1200" b="0" strike="noStrike" spc="-1">
                 <a:solidFill>
                   <a:srgbClr val="000000"/>
                 </a:solidFill>
@@ -8381,7 +8747,7 @@
               </a:rPr>
               <a:t>Secondary synchronization signals are one of 168 codes which are 62-bit sequences</a:t>
             </a:r>
-            <a:endParaRPr b="0" lang="en-US" sz="1200" spc="-1" strike="noStrike">
+            <a:endParaRPr lang="en-US" sz="1200" b="0" strike="noStrike" spc="-1">
               <a:latin typeface="Arial"/>
             </a:endParaRPr>
           </a:p>
@@ -8391,10 +8757,10 @@
                 <a:spcPct val="100000"/>
               </a:lnSpc>
               <a:tabLst>
-                <a:tab algn="l" pos="0"/>
+                <a:tab pos="0" algn="l"/>
               </a:tabLst>
             </a:pPr>
-            <a:endParaRPr b="0" lang="en-US" sz="1200" spc="-1" strike="noStrike">
+            <a:endParaRPr lang="en-US" sz="1200" b="0" strike="noStrike" spc="-1">
               <a:latin typeface="Arial"/>
             </a:endParaRPr>
           </a:p>
@@ -8404,7 +8770,7 @@
         <p:nvSpPr>
           <p:cNvPr id="147" name="PlaceHolder 2"/>
           <p:cNvSpPr>
-            <a:spLocks noGrp="1"/>
+            <a:spLocks noGrp="1" noRot="1" noChangeAspect="1"/>
           </p:cNvSpPr>
           <p:nvPr>
             <p:ph type="sldImg"/>
@@ -8413,7 +8779,7 @@
         <p:spPr>
           <a:xfrm>
             <a:off x="685800" y="1143000"/>
-            <a:ext cx="5485320" cy="3085200"/>
+            <a:ext cx="5484813" cy="3084513"/>
           </a:xfrm>
           <a:prstGeom prst="rect">
             <a:avLst/>
@@ -8422,11 +8788,14 @@
       </p:sp>
     </p:spTree>
   </p:cSld>
+  <p:clrMapOvr>
+    <a:masterClrMapping/>
+  </p:clrMapOvr>
 </p:notes>
 </file>
 
 <file path=ppt/notesSlides/notesSlide4.xml><?xml version="1.0" encoding="utf-8"?>
-<p:notes xmlns:a="http://schemas.openxmlformats.org/drawingml/2006/main" xmlns:p="http://schemas.openxmlformats.org/presentationml/2006/main" xmlns:r="http://schemas.openxmlformats.org/officeDocument/2006/relationships" xmlns:p14="http://schemas.microsoft.com/office/powerpoint/2010/main" xmlns:p15="http://schemas.microsoft.com/office/powerpoint/2012/main" xmlns:mc="http://schemas.openxmlformats.org/markup-compatibility/2006">
+<p:notes xmlns:a="http://schemas.openxmlformats.org/drawingml/2006/main" xmlns:r="http://schemas.openxmlformats.org/officeDocument/2006/relationships" xmlns:p="http://schemas.openxmlformats.org/presentationml/2006/main">
   <p:cSld>
     <p:spTree>
       <p:nvGrpSpPr>
@@ -8462,20 +8831,21 @@
           </a:prstGeom>
         </p:spPr>
         <p:txBody>
-          <a:bodyPr lIns="0" rIns="0" tIns="0" bIns="0">
+          <a:bodyPr lIns="0" tIns="0" rIns="0" bIns="0">
             <a:noAutofit/>
           </a:bodyPr>
+          <a:lstStyle/>
           <a:p>
             <a:pPr marL="216000" indent="-215640">
               <a:lnSpc>
                 <a:spcPct val="100000"/>
               </a:lnSpc>
               <a:tabLst>
-                <a:tab algn="l" pos="0"/>
+                <a:tab pos="0" algn="l"/>
               </a:tabLst>
             </a:pPr>
             <a:r>
-              <a:rPr b="0" lang="en-US" sz="1200" spc="-1" strike="noStrike">
+              <a:rPr lang="en-US" sz="1200" b="0" strike="noStrike" spc="-1">
                 <a:solidFill>
                   <a:srgbClr val="000000"/>
                 </a:solidFill>
@@ -8484,7 +8854,7 @@
               </a:rPr>
               <a:t>CP Correlation, PSS and SSS are 3 main blocks of LTE Cell search.</a:t>
             </a:r>
-            <a:endParaRPr b="0" lang="en-US" sz="1200" spc="-1" strike="noStrike">
+            <a:endParaRPr lang="en-US" sz="1200" b="0" strike="noStrike" spc="-1">
               <a:latin typeface="Arial"/>
             </a:endParaRPr>
           </a:p>
@@ -8494,10 +8864,10 @@
                 <a:spcPct val="100000"/>
               </a:lnSpc>
               <a:tabLst>
-                <a:tab algn="l" pos="0"/>
+                <a:tab pos="0" algn="l"/>
               </a:tabLst>
             </a:pPr>
-            <a:endParaRPr b="0" lang="en-US" sz="1200" spc="-1" strike="noStrike">
+            <a:endParaRPr lang="en-US" sz="1200" b="0" strike="noStrike" spc="-1">
               <a:latin typeface="Arial"/>
             </a:endParaRPr>
           </a:p>
@@ -8512,11 +8882,11 @@
               <a:buFont typeface="Calibri"/>
               <a:buAutoNum type="arabicPeriod"/>
               <a:tabLst>
-                <a:tab algn="l" pos="0"/>
+                <a:tab pos="0" algn="l"/>
               </a:tabLst>
             </a:pPr>
             <a:r>
-              <a:rPr b="0" lang="en-US" sz="1200" spc="-1" strike="noStrike">
+              <a:rPr lang="en-US" sz="1200" b="0" strike="noStrike" spc="-1">
                 <a:solidFill>
                   <a:srgbClr val="000000"/>
                 </a:solidFill>
@@ -8526,7 +8896,7 @@
               <a:t>To find the </a:t>
             </a:r>
             <a:r>
-              <a:rPr b="0" lang="en-US" sz="1200" spc="-1" strike="noStrike">
+              <a:rPr lang="en-US" sz="1200" b="0" strike="noStrike" spc="-1">
                 <a:solidFill>
                   <a:srgbClr val="000000"/>
                 </a:solidFill>
@@ -8535,7 +8905,7 @@
               </a:rPr>
               <a:t>start of the OFDM Symbol we need to locate the Cyclic Prefix position in the LTE frame.</a:t>
             </a:r>
-            <a:endParaRPr b="0" lang="en-US" sz="1200" spc="-1" strike="noStrike">
+            <a:endParaRPr lang="en-US" sz="1200" b="0" strike="noStrike" spc="-1">
               <a:latin typeface="Arial"/>
             </a:endParaRPr>
           </a:p>
@@ -8550,11 +8920,11 @@
               <a:buFont typeface="Calibri"/>
               <a:buAutoNum type="arabicPeriod"/>
               <a:tabLst>
-                <a:tab algn="l" pos="0"/>
+                <a:tab pos="0" algn="l"/>
               </a:tabLst>
             </a:pPr>
             <a:r>
-              <a:rPr b="0" lang="en-US" sz="1200" spc="-1" strike="noStrike">
+              <a:rPr lang="en-US" sz="1200" b="0" strike="noStrike" spc="-1">
                 <a:solidFill>
                   <a:srgbClr val="000000"/>
                 </a:solidFill>
@@ -8564,7 +8934,7 @@
               <a:t>We know that</a:t>
             </a:r>
             <a:r>
-              <a:rPr b="0" lang="en-US" sz="1200" spc="-1" strike="noStrike">
+              <a:rPr lang="en-US" sz="1200" b="0" strike="noStrike" spc="-1">
                 <a:solidFill>
                   <a:srgbClr val="000000"/>
                 </a:solidFill>
@@ -8573,7 +8943,7 @@
               </a:rPr>
               <a:t> cyclic Prefix is an exact copy of the last part of OFDM symbol, implemented algorithm in PL to achieve this.</a:t>
             </a:r>
-            <a:endParaRPr b="0" lang="en-US" sz="1200" spc="-1" strike="noStrike">
+            <a:endParaRPr lang="en-US" sz="1200" b="0" strike="noStrike" spc="-1">
               <a:latin typeface="Arial"/>
             </a:endParaRPr>
           </a:p>
@@ -8583,10 +8953,10 @@
                 <a:spcPct val="100000"/>
               </a:lnSpc>
               <a:tabLst>
-                <a:tab algn="l" pos="0"/>
+                <a:tab pos="0" algn="l"/>
               </a:tabLst>
             </a:pPr>
-            <a:endParaRPr b="0" lang="en-US" sz="1200" spc="-1" strike="noStrike">
+            <a:endParaRPr lang="en-US" sz="1200" b="0" strike="noStrike" spc="-1">
               <a:latin typeface="Arial"/>
             </a:endParaRPr>
           </a:p>
@@ -8601,11 +8971,11 @@
               <a:buFont typeface="Verdana"/>
               <a:buAutoNum type="arabicPeriod"/>
               <a:tabLst>
-                <a:tab algn="l" pos="0"/>
+                <a:tab pos="0" algn="l"/>
               </a:tabLst>
             </a:pPr>
             <a:r>
-              <a:rPr b="0" lang="en-US" sz="1200" spc="-1" strike="noStrike">
+              <a:rPr lang="en-US" sz="1200" b="0" strike="noStrike" spc="-1">
                 <a:solidFill>
                   <a:srgbClr val="000000"/>
                 </a:solidFill>
@@ -8615,7 +8985,7 @@
               <a:t>We know, </a:t>
             </a:r>
             <a:r>
-              <a:rPr b="0" lang="en-US" sz="1800" spc="-1" strike="noStrike">
+              <a:rPr lang="en-US" sz="1800" b="0" strike="noStrike" spc="-1">
                 <a:solidFill>
                   <a:srgbClr val="000000"/>
                 </a:solidFill>
@@ -8624,7 +8994,7 @@
               </a:rPr>
               <a:t>PSS is 62 symbols long. Need to perform complex multiplications with 3 sets of Zadoff-Chu root sequences, complex FFT and IFFT’s to get time domain sequences.</a:t>
             </a:r>
-            <a:endParaRPr b="0" lang="en-US" sz="1800" spc="-1" strike="noStrike">
+            <a:endParaRPr lang="en-US" sz="1800" b="0" strike="noStrike" spc="-1">
               <a:latin typeface="Arial"/>
             </a:endParaRPr>
           </a:p>
@@ -8634,10 +9004,10 @@
                 <a:spcPct val="100000"/>
               </a:lnSpc>
               <a:tabLst>
-                <a:tab algn="l" pos="0"/>
+                <a:tab pos="0" algn="l"/>
               </a:tabLst>
             </a:pPr>
-            <a:endParaRPr b="0" lang="en-US" sz="1800" spc="-1" strike="noStrike">
+            <a:endParaRPr lang="en-US" sz="1800" b="0" strike="noStrike" spc="-1">
               <a:latin typeface="Arial"/>
             </a:endParaRPr>
           </a:p>
@@ -8652,11 +9022,11 @@
               <a:buFont typeface="Arial"/>
               <a:buAutoNum type="arabicPeriod"/>
               <a:tabLst>
-                <a:tab algn="l" pos="0"/>
+                <a:tab pos="0" algn="l"/>
               </a:tabLst>
             </a:pPr>
             <a:r>
-              <a:rPr b="0" lang="en-US" sz="1200" spc="-1" strike="noStrike">
+              <a:rPr lang="en-US" sz="1200" b="0" strike="noStrike" spc="-1">
                 <a:solidFill>
                   <a:srgbClr val="000000"/>
                 </a:solidFill>
@@ -8665,7 +9035,7 @@
               </a:rPr>
               <a:t>Secondary synchronization signals are one of 168 codes which are 62-bit sequences</a:t>
             </a:r>
-            <a:endParaRPr b="0" lang="en-US" sz="1200" spc="-1" strike="noStrike">
+            <a:endParaRPr lang="en-US" sz="1200" b="0" strike="noStrike" spc="-1">
               <a:latin typeface="Arial"/>
             </a:endParaRPr>
           </a:p>
@@ -8675,10 +9045,10 @@
                 <a:spcPct val="100000"/>
               </a:lnSpc>
               <a:tabLst>
-                <a:tab algn="l" pos="0"/>
+                <a:tab pos="0" algn="l"/>
               </a:tabLst>
             </a:pPr>
-            <a:endParaRPr b="0" lang="en-US" sz="1200" spc="-1" strike="noStrike">
+            <a:endParaRPr lang="en-US" sz="1200" b="0" strike="noStrike" spc="-1">
               <a:latin typeface="Arial"/>
             </a:endParaRPr>
           </a:p>
@@ -8688,7 +9058,7 @@
         <p:nvSpPr>
           <p:cNvPr id="149" name="PlaceHolder 2"/>
           <p:cNvSpPr>
-            <a:spLocks noGrp="1"/>
+            <a:spLocks noGrp="1" noRot="1" noChangeAspect="1"/>
           </p:cNvSpPr>
           <p:nvPr>
             <p:ph type="sldImg"/>
@@ -8697,7 +9067,7 @@
         <p:spPr>
           <a:xfrm>
             <a:off x="685800" y="1143000"/>
-            <a:ext cx="5485320" cy="3085200"/>
+            <a:ext cx="5484813" cy="3084513"/>
           </a:xfrm>
           <a:prstGeom prst="rect">
             <a:avLst/>
@@ -8706,11 +9076,14 @@
       </p:sp>
     </p:spTree>
   </p:cSld>
+  <p:clrMapOvr>
+    <a:masterClrMapping/>
+  </p:clrMapOvr>
 </p:notes>
 </file>
 
 <file path=ppt/notesSlides/notesSlide5.xml><?xml version="1.0" encoding="utf-8"?>
-<p:notes xmlns:a="http://schemas.openxmlformats.org/drawingml/2006/main" xmlns:p="http://schemas.openxmlformats.org/presentationml/2006/main" xmlns:r="http://schemas.openxmlformats.org/officeDocument/2006/relationships" xmlns:p14="http://schemas.microsoft.com/office/powerpoint/2010/main" xmlns:p15="http://schemas.microsoft.com/office/powerpoint/2012/main" xmlns:mc="http://schemas.openxmlformats.org/markup-compatibility/2006">
+<p:notes xmlns:a="http://schemas.openxmlformats.org/drawingml/2006/main" xmlns:r="http://schemas.openxmlformats.org/officeDocument/2006/relationships" xmlns:p="http://schemas.openxmlformats.org/presentationml/2006/main">
   <p:cSld>
     <p:spTree>
       <p:nvGrpSpPr>
@@ -8746,20 +9119,21 @@
           </a:prstGeom>
         </p:spPr>
         <p:txBody>
-          <a:bodyPr lIns="0" rIns="0" tIns="0" bIns="0">
+          <a:bodyPr lIns="0" tIns="0" rIns="0" bIns="0">
             <a:noAutofit/>
           </a:bodyPr>
+          <a:lstStyle/>
           <a:p>
             <a:pPr marL="216000" indent="-215640">
               <a:lnSpc>
                 <a:spcPct val="100000"/>
               </a:lnSpc>
               <a:tabLst>
-                <a:tab algn="l" pos="0"/>
+                <a:tab pos="0" algn="l"/>
               </a:tabLst>
             </a:pPr>
             <a:r>
-              <a:rPr b="0" lang="en-US" sz="1200" spc="-1" strike="noStrike">
+              <a:rPr lang="en-US" sz="1200" b="0" strike="noStrike" spc="-1">
                 <a:solidFill>
                   <a:srgbClr val="000000"/>
                 </a:solidFill>
@@ -8768,7 +9142,7 @@
               </a:rPr>
               <a:t>CP Correlation, PSS and SSS are 3 main blocks of LTE Cell search.</a:t>
             </a:r>
-            <a:endParaRPr b="0" lang="en-US" sz="1200" spc="-1" strike="noStrike">
+            <a:endParaRPr lang="en-US" sz="1200" b="0" strike="noStrike" spc="-1">
               <a:latin typeface="Arial"/>
             </a:endParaRPr>
           </a:p>
@@ -8778,10 +9152,10 @@
                 <a:spcPct val="100000"/>
               </a:lnSpc>
               <a:tabLst>
-                <a:tab algn="l" pos="0"/>
+                <a:tab pos="0" algn="l"/>
               </a:tabLst>
             </a:pPr>
-            <a:endParaRPr b="0" lang="en-US" sz="1200" spc="-1" strike="noStrike">
+            <a:endParaRPr lang="en-US" sz="1200" b="0" strike="noStrike" spc="-1">
               <a:latin typeface="Arial"/>
             </a:endParaRPr>
           </a:p>
@@ -8796,11 +9170,11 @@
               <a:buFont typeface="Calibri"/>
               <a:buAutoNum type="arabicPeriod"/>
               <a:tabLst>
-                <a:tab algn="l" pos="0"/>
+                <a:tab pos="0" algn="l"/>
               </a:tabLst>
             </a:pPr>
             <a:r>
-              <a:rPr b="0" lang="en-US" sz="1200" spc="-1" strike="noStrike">
+              <a:rPr lang="en-US" sz="1200" b="0" strike="noStrike" spc="-1">
                 <a:solidFill>
                   <a:srgbClr val="000000"/>
                 </a:solidFill>
@@ -8810,7 +9184,7 @@
               <a:t>To find the </a:t>
             </a:r>
             <a:r>
-              <a:rPr b="0" lang="en-US" sz="1200" spc="-1" strike="noStrike">
+              <a:rPr lang="en-US" sz="1200" b="0" strike="noStrike" spc="-1">
                 <a:solidFill>
                   <a:srgbClr val="000000"/>
                 </a:solidFill>
@@ -8819,7 +9193,7 @@
               </a:rPr>
               <a:t>start of the OFDM Symbol we need to locate the Cyclic Prefix position in the LTE frame.</a:t>
             </a:r>
-            <a:endParaRPr b="0" lang="en-US" sz="1200" spc="-1" strike="noStrike">
+            <a:endParaRPr lang="en-US" sz="1200" b="0" strike="noStrike" spc="-1">
               <a:latin typeface="Arial"/>
             </a:endParaRPr>
           </a:p>
@@ -8834,11 +9208,11 @@
               <a:buFont typeface="Calibri"/>
               <a:buAutoNum type="arabicPeriod"/>
               <a:tabLst>
-                <a:tab algn="l" pos="0"/>
+                <a:tab pos="0" algn="l"/>
               </a:tabLst>
             </a:pPr>
             <a:r>
-              <a:rPr b="0" lang="en-US" sz="1200" spc="-1" strike="noStrike">
+              <a:rPr lang="en-US" sz="1200" b="0" strike="noStrike" spc="-1">
                 <a:solidFill>
                   <a:srgbClr val="000000"/>
                 </a:solidFill>
@@ -8848,7 +9222,7 @@
               <a:t>We know that</a:t>
             </a:r>
             <a:r>
-              <a:rPr b="0" lang="en-US" sz="1200" spc="-1" strike="noStrike">
+              <a:rPr lang="en-US" sz="1200" b="0" strike="noStrike" spc="-1">
                 <a:solidFill>
                   <a:srgbClr val="000000"/>
                 </a:solidFill>
@@ -8857,7 +9231,7 @@
               </a:rPr>
               <a:t> cyclic Prefix is an exact copy of the last part of OFDM symbol, implemented algorithm in PL to achieve this.</a:t>
             </a:r>
-            <a:endParaRPr b="0" lang="en-US" sz="1200" spc="-1" strike="noStrike">
+            <a:endParaRPr lang="en-US" sz="1200" b="0" strike="noStrike" spc="-1">
               <a:latin typeface="Arial"/>
             </a:endParaRPr>
           </a:p>
@@ -8867,10 +9241,10 @@
                 <a:spcPct val="100000"/>
               </a:lnSpc>
               <a:tabLst>
-                <a:tab algn="l" pos="0"/>
+                <a:tab pos="0" algn="l"/>
               </a:tabLst>
             </a:pPr>
-            <a:endParaRPr b="0" lang="en-US" sz="1200" spc="-1" strike="noStrike">
+            <a:endParaRPr lang="en-US" sz="1200" b="0" strike="noStrike" spc="-1">
               <a:latin typeface="Arial"/>
             </a:endParaRPr>
           </a:p>
@@ -8885,11 +9259,11 @@
               <a:buFont typeface="Verdana"/>
               <a:buAutoNum type="arabicPeriod"/>
               <a:tabLst>
-                <a:tab algn="l" pos="0"/>
+                <a:tab pos="0" algn="l"/>
               </a:tabLst>
             </a:pPr>
             <a:r>
-              <a:rPr b="0" lang="en-US" sz="1200" spc="-1" strike="noStrike">
+              <a:rPr lang="en-US" sz="1200" b="0" strike="noStrike" spc="-1">
                 <a:solidFill>
                   <a:srgbClr val="000000"/>
                 </a:solidFill>
@@ -8899,7 +9273,7 @@
               <a:t>We know, </a:t>
             </a:r>
             <a:r>
-              <a:rPr b="0" lang="en-US" sz="1800" spc="-1" strike="noStrike">
+              <a:rPr lang="en-US" sz="1800" b="0" strike="noStrike" spc="-1">
                 <a:solidFill>
                   <a:srgbClr val="000000"/>
                 </a:solidFill>
@@ -8908,7 +9282,7 @@
               </a:rPr>
               <a:t>PSS is 62 symbols long. Need to perform complex multiplications with 3 sets of Zadoff-Chu root sequences, complex FFT and IFFT’s to get time domain sequences.</a:t>
             </a:r>
-            <a:endParaRPr b="0" lang="en-US" sz="1800" spc="-1" strike="noStrike">
+            <a:endParaRPr lang="en-US" sz="1800" b="0" strike="noStrike" spc="-1">
               <a:latin typeface="Arial"/>
             </a:endParaRPr>
           </a:p>
@@ -8918,10 +9292,10 @@
                 <a:spcPct val="100000"/>
               </a:lnSpc>
               <a:tabLst>
-                <a:tab algn="l" pos="0"/>
+                <a:tab pos="0" algn="l"/>
               </a:tabLst>
             </a:pPr>
-            <a:endParaRPr b="0" lang="en-US" sz="1800" spc="-1" strike="noStrike">
+            <a:endParaRPr lang="en-US" sz="1800" b="0" strike="noStrike" spc="-1">
               <a:latin typeface="Arial"/>
             </a:endParaRPr>
           </a:p>
@@ -8936,11 +9310,11 @@
               <a:buFont typeface="Arial"/>
               <a:buAutoNum type="arabicPeriod"/>
               <a:tabLst>
-                <a:tab algn="l" pos="0"/>
+                <a:tab pos="0" algn="l"/>
               </a:tabLst>
             </a:pPr>
             <a:r>
-              <a:rPr b="0" lang="en-US" sz="1200" spc="-1" strike="noStrike">
+              <a:rPr lang="en-US" sz="1200" b="0" strike="noStrike" spc="-1">
                 <a:solidFill>
                   <a:srgbClr val="000000"/>
                 </a:solidFill>
@@ -8949,7 +9323,7 @@
               </a:rPr>
               <a:t>Secondary synchronization signals are one of 168 codes which are 62-bit sequences</a:t>
             </a:r>
-            <a:endParaRPr b="0" lang="en-US" sz="1200" spc="-1" strike="noStrike">
+            <a:endParaRPr lang="en-US" sz="1200" b="0" strike="noStrike" spc="-1">
               <a:latin typeface="Arial"/>
             </a:endParaRPr>
           </a:p>
@@ -8959,10 +9333,10 @@
                 <a:spcPct val="100000"/>
               </a:lnSpc>
               <a:tabLst>
-                <a:tab algn="l" pos="0"/>
+                <a:tab pos="0" algn="l"/>
               </a:tabLst>
             </a:pPr>
-            <a:endParaRPr b="0" lang="en-US" sz="1200" spc="-1" strike="noStrike">
+            <a:endParaRPr lang="en-US" sz="1200" b="0" strike="noStrike" spc="-1">
               <a:latin typeface="Arial"/>
             </a:endParaRPr>
           </a:p>
@@ -8972,7 +9346,7 @@
         <p:nvSpPr>
           <p:cNvPr id="151" name="PlaceHolder 2"/>
           <p:cNvSpPr>
-            <a:spLocks noGrp="1"/>
+            <a:spLocks noGrp="1" noRot="1" noChangeAspect="1"/>
           </p:cNvSpPr>
           <p:nvPr>
             <p:ph type="sldImg"/>
@@ -8981,7 +9355,7 @@
         <p:spPr>
           <a:xfrm>
             <a:off x="685800" y="1143000"/>
-            <a:ext cx="5485320" cy="3085200"/>
+            <a:ext cx="5484813" cy="3084513"/>
           </a:xfrm>
           <a:prstGeom prst="rect">
             <a:avLst/>
@@ -8990,11 +9364,14 @@
       </p:sp>
     </p:spTree>
   </p:cSld>
+  <p:clrMapOvr>
+    <a:masterClrMapping/>
+  </p:clrMapOvr>
 </p:notes>
 </file>
 
 <file path=ppt/notesSlides/notesSlide6.xml><?xml version="1.0" encoding="utf-8"?>
-<p:notes xmlns:a="http://schemas.openxmlformats.org/drawingml/2006/main" xmlns:p="http://schemas.openxmlformats.org/presentationml/2006/main" xmlns:r="http://schemas.openxmlformats.org/officeDocument/2006/relationships" xmlns:p14="http://schemas.microsoft.com/office/powerpoint/2010/main" xmlns:p15="http://schemas.microsoft.com/office/powerpoint/2012/main" xmlns:mc="http://schemas.openxmlformats.org/markup-compatibility/2006">
+<p:notes xmlns:a="http://schemas.openxmlformats.org/drawingml/2006/main" xmlns:r="http://schemas.openxmlformats.org/officeDocument/2006/relationships" xmlns:p="http://schemas.openxmlformats.org/presentationml/2006/main">
   <p:cSld>
     <p:spTree>
       <p:nvGrpSpPr>
@@ -9030,20 +9407,21 @@
           </a:prstGeom>
         </p:spPr>
         <p:txBody>
-          <a:bodyPr lIns="0" rIns="0" tIns="0" bIns="0">
+          <a:bodyPr lIns="0" tIns="0" rIns="0" bIns="0">
             <a:noAutofit/>
           </a:bodyPr>
+          <a:lstStyle/>
           <a:p>
             <a:pPr marL="216000" indent="-215640">
               <a:lnSpc>
                 <a:spcPct val="100000"/>
               </a:lnSpc>
               <a:tabLst>
-                <a:tab algn="l" pos="0"/>
+                <a:tab pos="0" algn="l"/>
               </a:tabLst>
             </a:pPr>
             <a:r>
-              <a:rPr b="0" lang="en-US" sz="1200" spc="-1" strike="noStrike">
+              <a:rPr lang="en-US" sz="1200" b="0" strike="noStrike" spc="-1">
                 <a:solidFill>
                   <a:srgbClr val="000000"/>
                 </a:solidFill>
@@ -9052,7 +9430,7 @@
               </a:rPr>
               <a:t>CP Correlation, PSS and SSS are 3 main blocks of LTE Cell search.</a:t>
             </a:r>
-            <a:endParaRPr b="0" lang="en-US" sz="1200" spc="-1" strike="noStrike">
+            <a:endParaRPr lang="en-US" sz="1200" b="0" strike="noStrike" spc="-1">
               <a:latin typeface="Arial"/>
             </a:endParaRPr>
           </a:p>
@@ -9062,10 +9440,10 @@
                 <a:spcPct val="100000"/>
               </a:lnSpc>
               <a:tabLst>
-                <a:tab algn="l" pos="0"/>
+                <a:tab pos="0" algn="l"/>
               </a:tabLst>
             </a:pPr>
-            <a:endParaRPr b="0" lang="en-US" sz="1200" spc="-1" strike="noStrike">
+            <a:endParaRPr lang="en-US" sz="1200" b="0" strike="noStrike" spc="-1">
               <a:latin typeface="Arial"/>
             </a:endParaRPr>
           </a:p>
@@ -9080,11 +9458,11 @@
               <a:buFont typeface="Calibri"/>
               <a:buAutoNum type="arabicPeriod"/>
               <a:tabLst>
-                <a:tab algn="l" pos="0"/>
+                <a:tab pos="0" algn="l"/>
               </a:tabLst>
             </a:pPr>
             <a:r>
-              <a:rPr b="0" lang="en-US" sz="1200" spc="-1" strike="noStrike">
+              <a:rPr lang="en-US" sz="1200" b="0" strike="noStrike" spc="-1">
                 <a:solidFill>
                   <a:srgbClr val="000000"/>
                 </a:solidFill>
@@ -9094,7 +9472,7 @@
               <a:t>To find the </a:t>
             </a:r>
             <a:r>
-              <a:rPr b="0" lang="en-US" sz="1200" spc="-1" strike="noStrike">
+              <a:rPr lang="en-US" sz="1200" b="0" strike="noStrike" spc="-1">
                 <a:solidFill>
                   <a:srgbClr val="000000"/>
                 </a:solidFill>
@@ -9103,7 +9481,7 @@
               </a:rPr>
               <a:t>start of the OFDM Symbol we need to locate the Cyclic Prefix position in the LTE frame.</a:t>
             </a:r>
-            <a:endParaRPr b="0" lang="en-US" sz="1200" spc="-1" strike="noStrike">
+            <a:endParaRPr lang="en-US" sz="1200" b="0" strike="noStrike" spc="-1">
               <a:latin typeface="Arial"/>
             </a:endParaRPr>
           </a:p>
@@ -9118,11 +9496,11 @@
               <a:buFont typeface="Calibri"/>
               <a:buAutoNum type="arabicPeriod"/>
               <a:tabLst>
-                <a:tab algn="l" pos="0"/>
+                <a:tab pos="0" algn="l"/>
               </a:tabLst>
             </a:pPr>
             <a:r>
-              <a:rPr b="0" lang="en-US" sz="1200" spc="-1" strike="noStrike">
+              <a:rPr lang="en-US" sz="1200" b="0" strike="noStrike" spc="-1">
                 <a:solidFill>
                   <a:srgbClr val="000000"/>
                 </a:solidFill>
@@ -9132,7 +9510,7 @@
               <a:t>We know that</a:t>
             </a:r>
             <a:r>
-              <a:rPr b="0" lang="en-US" sz="1200" spc="-1" strike="noStrike">
+              <a:rPr lang="en-US" sz="1200" b="0" strike="noStrike" spc="-1">
                 <a:solidFill>
                   <a:srgbClr val="000000"/>
                 </a:solidFill>
@@ -9141,7 +9519,7 @@
               </a:rPr>
               <a:t> cyclic Prefix is an exact copy of the last part of OFDM symbol, implemented algorithm in PL to achieve this.</a:t>
             </a:r>
-            <a:endParaRPr b="0" lang="en-US" sz="1200" spc="-1" strike="noStrike">
+            <a:endParaRPr lang="en-US" sz="1200" b="0" strike="noStrike" spc="-1">
               <a:latin typeface="Arial"/>
             </a:endParaRPr>
           </a:p>
@@ -9151,10 +9529,10 @@
                 <a:spcPct val="100000"/>
               </a:lnSpc>
               <a:tabLst>
-                <a:tab algn="l" pos="0"/>
+                <a:tab pos="0" algn="l"/>
               </a:tabLst>
             </a:pPr>
-            <a:endParaRPr b="0" lang="en-US" sz="1200" spc="-1" strike="noStrike">
+            <a:endParaRPr lang="en-US" sz="1200" b="0" strike="noStrike" spc="-1">
               <a:latin typeface="Arial"/>
             </a:endParaRPr>
           </a:p>
@@ -9169,11 +9547,11 @@
               <a:buFont typeface="Verdana"/>
               <a:buAutoNum type="arabicPeriod"/>
               <a:tabLst>
-                <a:tab algn="l" pos="0"/>
+                <a:tab pos="0" algn="l"/>
               </a:tabLst>
             </a:pPr>
             <a:r>
-              <a:rPr b="0" lang="en-US" sz="1200" spc="-1" strike="noStrike">
+              <a:rPr lang="en-US" sz="1200" b="0" strike="noStrike" spc="-1">
                 <a:solidFill>
                   <a:srgbClr val="000000"/>
                 </a:solidFill>
@@ -9183,7 +9561,7 @@
               <a:t>We know, </a:t>
             </a:r>
             <a:r>
-              <a:rPr b="0" lang="en-US" sz="1800" spc="-1" strike="noStrike">
+              <a:rPr lang="en-US" sz="1800" b="0" strike="noStrike" spc="-1">
                 <a:solidFill>
                   <a:srgbClr val="000000"/>
                 </a:solidFill>
@@ -9192,7 +9570,7 @@
               </a:rPr>
               <a:t>PSS is 62 symbols long. Need to perform complex multiplications with 3 sets of Zadoff-Chu root sequences, complex FFT and IFFT’s to get time domain sequences.</a:t>
             </a:r>
-            <a:endParaRPr b="0" lang="en-US" sz="1800" spc="-1" strike="noStrike">
+            <a:endParaRPr lang="en-US" sz="1800" b="0" strike="noStrike" spc="-1">
               <a:latin typeface="Arial"/>
             </a:endParaRPr>
           </a:p>
@@ -9202,10 +9580,10 @@
                 <a:spcPct val="100000"/>
               </a:lnSpc>
               <a:tabLst>
-                <a:tab algn="l" pos="0"/>
+                <a:tab pos="0" algn="l"/>
               </a:tabLst>
             </a:pPr>
-            <a:endParaRPr b="0" lang="en-US" sz="1800" spc="-1" strike="noStrike">
+            <a:endParaRPr lang="en-US" sz="1800" b="0" strike="noStrike" spc="-1">
               <a:latin typeface="Arial"/>
             </a:endParaRPr>
           </a:p>
@@ -9220,11 +9598,11 @@
               <a:buFont typeface="Arial"/>
               <a:buAutoNum type="arabicPeriod"/>
               <a:tabLst>
-                <a:tab algn="l" pos="0"/>
+                <a:tab pos="0" algn="l"/>
               </a:tabLst>
             </a:pPr>
             <a:r>
-              <a:rPr b="0" lang="en-US" sz="1200" spc="-1" strike="noStrike">
+              <a:rPr lang="en-US" sz="1200" b="0" strike="noStrike" spc="-1">
                 <a:solidFill>
                   <a:srgbClr val="000000"/>
                 </a:solidFill>
@@ -9233,7 +9611,7 @@
               </a:rPr>
               <a:t>Secondary synchronization signals are one of 168 codes which are 62-bit sequences</a:t>
             </a:r>
-            <a:endParaRPr b="0" lang="en-US" sz="1200" spc="-1" strike="noStrike">
+            <a:endParaRPr lang="en-US" sz="1200" b="0" strike="noStrike" spc="-1">
               <a:latin typeface="Arial"/>
             </a:endParaRPr>
           </a:p>
@@ -9243,10 +9621,10 @@
                 <a:spcPct val="100000"/>
               </a:lnSpc>
               <a:tabLst>
-                <a:tab algn="l" pos="0"/>
+                <a:tab pos="0" algn="l"/>
               </a:tabLst>
             </a:pPr>
-            <a:endParaRPr b="0" lang="en-US" sz="1200" spc="-1" strike="noStrike">
+            <a:endParaRPr lang="en-US" sz="1200" b="0" strike="noStrike" spc="-1">
               <a:latin typeface="Arial"/>
             </a:endParaRPr>
           </a:p>
@@ -9256,7 +9634,7 @@
         <p:nvSpPr>
           <p:cNvPr id="153" name="PlaceHolder 2"/>
           <p:cNvSpPr>
-            <a:spLocks noGrp="1"/>
+            <a:spLocks noGrp="1" noRot="1" noChangeAspect="1"/>
           </p:cNvSpPr>
           <p:nvPr>
             <p:ph type="sldImg"/>
@@ -9265,7 +9643,7 @@
         <p:spPr>
           <a:xfrm>
             <a:off x="685800" y="1143000"/>
-            <a:ext cx="5485320" cy="3085200"/>
+            <a:ext cx="5484813" cy="3084513"/>
           </a:xfrm>
           <a:prstGeom prst="rect">
             <a:avLst/>
@@ -9274,11 +9652,14 @@
       </p:sp>
     </p:spTree>
   </p:cSld>
+  <p:clrMapOvr>
+    <a:masterClrMapping/>
+  </p:clrMapOvr>
 </p:notes>
 </file>
 
 <file path=ppt/slideLayouts/slideLayout1.xml><?xml version="1.0" encoding="utf-8"?>
-<p:sldLayout xmlns:a="http://schemas.openxmlformats.org/drawingml/2006/main" xmlns:p="http://schemas.openxmlformats.org/presentationml/2006/main" xmlns:r="http://schemas.openxmlformats.org/officeDocument/2006/relationships" xmlns:p14="http://schemas.microsoft.com/office/powerpoint/2010/main" xmlns:p15="http://schemas.microsoft.com/office/powerpoint/2012/main" xmlns:mc="http://schemas.openxmlformats.org/markup-compatibility/2006" type="blank" preserve="1">
+<p:sldLayout xmlns:a="http://schemas.openxmlformats.org/drawingml/2006/main" xmlns:r="http://schemas.openxmlformats.org/officeDocument/2006/relationships" xmlns:p="http://schemas.openxmlformats.org/presentationml/2006/main" type="blank" preserve="1">
   <p:cSld name="Blank Slide">
     <p:spTree>
       <p:nvGrpSpPr>
@@ -9296,11 +9677,14 @@
       </p:grpSpPr>
     </p:spTree>
   </p:cSld>
+  <p:clrMapOvr>
+    <a:masterClrMapping/>
+  </p:clrMapOvr>
 </p:sldLayout>
 </file>
 
 <file path=ppt/slideLayouts/slideLayout10.xml><?xml version="1.0" encoding="utf-8"?>
-<p:sldLayout xmlns:a="http://schemas.openxmlformats.org/drawingml/2006/main" xmlns:p="http://schemas.openxmlformats.org/presentationml/2006/main" xmlns:r="http://schemas.openxmlformats.org/officeDocument/2006/relationships" xmlns:p14="http://schemas.microsoft.com/office/powerpoint/2010/main" xmlns:p15="http://schemas.microsoft.com/office/powerpoint/2012/main" xmlns:mc="http://schemas.openxmlformats.org/markup-compatibility/2006" type="objOverTx" preserve="1">
+<p:sldLayout xmlns:a="http://schemas.openxmlformats.org/drawingml/2006/main" xmlns:r="http://schemas.openxmlformats.org/officeDocument/2006/relationships" xmlns:p="http://schemas.openxmlformats.org/presentationml/2006/main" type="objOverTx" preserve="1">
   <p:cSld name="Title, Content over Content">
     <p:spTree>
       <p:nvGrpSpPr>
@@ -9336,12 +9720,13 @@
           </a:prstGeom>
         </p:spPr>
         <p:txBody>
-          <a:bodyPr lIns="0" rIns="0" tIns="0" bIns="0" anchor="ctr">
+          <a:bodyPr lIns="0" tIns="0" rIns="0" bIns="0" anchor="ctr">
             <a:noAutofit/>
           </a:bodyPr>
+          <a:lstStyle/>
           <a:p>
             <a:pPr algn="ctr"/>
-            <a:endParaRPr b="0" lang="en-US" sz="4400" spc="-1" strike="noStrike">
+            <a:endParaRPr lang="en-US" sz="4400" b="0" strike="noStrike" spc="-1">
               <a:latin typeface="Arial"/>
             </a:endParaRPr>
           </a:p>
@@ -9367,11 +9752,12 @@
           </a:prstGeom>
         </p:spPr>
         <p:txBody>
-          <a:bodyPr lIns="0" rIns="0" tIns="0" bIns="0">
+          <a:bodyPr lIns="0" tIns="0" rIns="0" bIns="0">
             <a:normAutofit/>
           </a:bodyPr>
+          <a:lstStyle/>
           <a:p>
-            <a:endParaRPr b="0" lang="en-US" sz="3200" spc="-1" strike="noStrike">
+            <a:endParaRPr lang="en-US" sz="3200" b="0" strike="noStrike" spc="-1">
               <a:latin typeface="Arial"/>
             </a:endParaRPr>
           </a:p>
@@ -9397,11 +9783,12 @@
           </a:prstGeom>
         </p:spPr>
         <p:txBody>
-          <a:bodyPr lIns="0" rIns="0" tIns="0" bIns="0">
+          <a:bodyPr lIns="0" tIns="0" rIns="0" bIns="0">
             <a:normAutofit/>
           </a:bodyPr>
+          <a:lstStyle/>
           <a:p>
-            <a:endParaRPr b="0" lang="en-US" sz="3200" spc="-1" strike="noStrike">
+            <a:endParaRPr lang="en-US" sz="3200" b="0" strike="noStrike" spc="-1">
               <a:latin typeface="Arial"/>
             </a:endParaRPr>
           </a:p>
@@ -9409,11 +9796,14 @@
       </p:sp>
     </p:spTree>
   </p:cSld>
+  <p:clrMapOvr>
+    <a:masterClrMapping/>
+  </p:clrMapOvr>
 </p:sldLayout>
 </file>
 
 <file path=ppt/slideLayouts/slideLayout11.xml><?xml version="1.0" encoding="utf-8"?>
-<p:sldLayout xmlns:a="http://schemas.openxmlformats.org/drawingml/2006/main" xmlns:p="http://schemas.openxmlformats.org/presentationml/2006/main" xmlns:r="http://schemas.openxmlformats.org/officeDocument/2006/relationships" xmlns:p14="http://schemas.microsoft.com/office/powerpoint/2010/main" xmlns:p15="http://schemas.microsoft.com/office/powerpoint/2012/main" xmlns:mc="http://schemas.openxmlformats.org/markup-compatibility/2006" type="fourObj" preserve="1">
+<p:sldLayout xmlns:a="http://schemas.openxmlformats.org/drawingml/2006/main" xmlns:r="http://schemas.openxmlformats.org/officeDocument/2006/relationships" xmlns:p="http://schemas.openxmlformats.org/presentationml/2006/main" type="fourObj" preserve="1">
   <p:cSld name="Title, 4 Content">
     <p:spTree>
       <p:nvGrpSpPr>
@@ -9449,12 +9839,13 @@
           </a:prstGeom>
         </p:spPr>
         <p:txBody>
-          <a:bodyPr lIns="0" rIns="0" tIns="0" bIns="0" anchor="ctr">
+          <a:bodyPr lIns="0" tIns="0" rIns="0" bIns="0" anchor="ctr">
             <a:noAutofit/>
           </a:bodyPr>
+          <a:lstStyle/>
           <a:p>
             <a:pPr algn="ctr"/>
-            <a:endParaRPr b="0" lang="en-US" sz="4400" spc="-1" strike="noStrike">
+            <a:endParaRPr lang="en-US" sz="4400" b="0" strike="noStrike" spc="-1">
               <a:latin typeface="Arial"/>
             </a:endParaRPr>
           </a:p>
@@ -9480,11 +9871,12 @@
           </a:prstGeom>
         </p:spPr>
         <p:txBody>
-          <a:bodyPr lIns="0" rIns="0" tIns="0" bIns="0">
+          <a:bodyPr lIns="0" tIns="0" rIns="0" bIns="0">
             <a:normAutofit/>
           </a:bodyPr>
+          <a:lstStyle/>
           <a:p>
-            <a:endParaRPr b="0" lang="en-US" sz="3200" spc="-1" strike="noStrike">
+            <a:endParaRPr lang="en-US" sz="3200" b="0" strike="noStrike" spc="-1">
               <a:latin typeface="Arial"/>
             </a:endParaRPr>
           </a:p>
@@ -9510,11 +9902,12 @@
           </a:prstGeom>
         </p:spPr>
         <p:txBody>
-          <a:bodyPr lIns="0" rIns="0" tIns="0" bIns="0">
+          <a:bodyPr lIns="0" tIns="0" rIns="0" bIns="0">
             <a:normAutofit/>
           </a:bodyPr>
+          <a:lstStyle/>
           <a:p>
-            <a:endParaRPr b="0" lang="en-US" sz="3200" spc="-1" strike="noStrike">
+            <a:endParaRPr lang="en-US" sz="3200" b="0" strike="noStrike" spc="-1">
               <a:latin typeface="Arial"/>
             </a:endParaRPr>
           </a:p>
@@ -9540,11 +9933,12 @@
           </a:prstGeom>
         </p:spPr>
         <p:txBody>
-          <a:bodyPr lIns="0" rIns="0" tIns="0" bIns="0">
+          <a:bodyPr lIns="0" tIns="0" rIns="0" bIns="0">
             <a:normAutofit/>
           </a:bodyPr>
+          <a:lstStyle/>
           <a:p>
-            <a:endParaRPr b="0" lang="en-US" sz="3200" spc="-1" strike="noStrike">
+            <a:endParaRPr lang="en-US" sz="3200" b="0" strike="noStrike" spc="-1">
               <a:latin typeface="Arial"/>
             </a:endParaRPr>
           </a:p>
@@ -9570,11 +9964,12 @@
           </a:prstGeom>
         </p:spPr>
         <p:txBody>
-          <a:bodyPr lIns="0" rIns="0" tIns="0" bIns="0">
+          <a:bodyPr lIns="0" tIns="0" rIns="0" bIns="0">
             <a:normAutofit/>
           </a:bodyPr>
+          <a:lstStyle/>
           <a:p>
-            <a:endParaRPr b="0" lang="en-US" sz="3200" spc="-1" strike="noStrike">
+            <a:endParaRPr lang="en-US" sz="3200" b="0" strike="noStrike" spc="-1">
               <a:latin typeface="Arial"/>
             </a:endParaRPr>
           </a:p>
@@ -9582,11 +9977,14 @@
       </p:sp>
     </p:spTree>
   </p:cSld>
+  <p:clrMapOvr>
+    <a:masterClrMapping/>
+  </p:clrMapOvr>
 </p:sldLayout>
 </file>
 
 <file path=ppt/slideLayouts/slideLayout12.xml><?xml version="1.0" encoding="utf-8"?>
-<p:sldLayout xmlns:a="http://schemas.openxmlformats.org/drawingml/2006/main" xmlns:p="http://schemas.openxmlformats.org/presentationml/2006/main" xmlns:r="http://schemas.openxmlformats.org/officeDocument/2006/relationships" xmlns:p14="http://schemas.microsoft.com/office/powerpoint/2010/main" xmlns:p15="http://schemas.microsoft.com/office/powerpoint/2012/main" xmlns:mc="http://schemas.openxmlformats.org/markup-compatibility/2006" type="blank" preserve="1">
+<p:sldLayout xmlns:a="http://schemas.openxmlformats.org/drawingml/2006/main" xmlns:r="http://schemas.openxmlformats.org/officeDocument/2006/relationships" xmlns:p="http://schemas.openxmlformats.org/presentationml/2006/main" type="blank" preserve="1">
   <p:cSld name="Title, 6 Content">
     <p:spTree>
       <p:nvGrpSpPr>
@@ -9622,12 +10020,13 @@
           </a:prstGeom>
         </p:spPr>
         <p:txBody>
-          <a:bodyPr lIns="0" rIns="0" tIns="0" bIns="0" anchor="ctr">
+          <a:bodyPr lIns="0" tIns="0" rIns="0" bIns="0" anchor="ctr">
             <a:noAutofit/>
           </a:bodyPr>
+          <a:lstStyle/>
           <a:p>
             <a:pPr algn="ctr"/>
-            <a:endParaRPr b="0" lang="en-US" sz="4400" spc="-1" strike="noStrike">
+            <a:endParaRPr lang="en-US" sz="4400" b="0" strike="noStrike" spc="-1">
               <a:latin typeface="Arial"/>
             </a:endParaRPr>
           </a:p>
@@ -9653,11 +10052,12 @@
           </a:prstGeom>
         </p:spPr>
         <p:txBody>
-          <a:bodyPr lIns="0" rIns="0" tIns="0" bIns="0">
+          <a:bodyPr lIns="0" tIns="0" rIns="0" bIns="0">
             <a:normAutofit/>
           </a:bodyPr>
+          <a:lstStyle/>
           <a:p>
-            <a:endParaRPr b="0" lang="en-US" sz="3200" spc="-1" strike="noStrike">
+            <a:endParaRPr lang="en-US" sz="3200" b="0" strike="noStrike" spc="-1">
               <a:latin typeface="Arial"/>
             </a:endParaRPr>
           </a:p>
@@ -9683,11 +10083,12 @@
           </a:prstGeom>
         </p:spPr>
         <p:txBody>
-          <a:bodyPr lIns="0" rIns="0" tIns="0" bIns="0">
+          <a:bodyPr lIns="0" tIns="0" rIns="0" bIns="0">
             <a:normAutofit/>
           </a:bodyPr>
+          <a:lstStyle/>
           <a:p>
-            <a:endParaRPr b="0" lang="en-US" sz="3200" spc="-1" strike="noStrike">
+            <a:endParaRPr lang="en-US" sz="3200" b="0" strike="noStrike" spc="-1">
               <a:latin typeface="Arial"/>
             </a:endParaRPr>
           </a:p>
@@ -9713,11 +10114,12 @@
           </a:prstGeom>
         </p:spPr>
         <p:txBody>
-          <a:bodyPr lIns="0" rIns="0" tIns="0" bIns="0">
+          <a:bodyPr lIns="0" tIns="0" rIns="0" bIns="0">
             <a:normAutofit/>
           </a:bodyPr>
+          <a:lstStyle/>
           <a:p>
-            <a:endParaRPr b="0" lang="en-US" sz="3200" spc="-1" strike="noStrike">
+            <a:endParaRPr lang="en-US" sz="3200" b="0" strike="noStrike" spc="-1">
               <a:latin typeface="Arial"/>
             </a:endParaRPr>
           </a:p>
@@ -9743,11 +10145,12 @@
           </a:prstGeom>
         </p:spPr>
         <p:txBody>
-          <a:bodyPr lIns="0" rIns="0" tIns="0" bIns="0">
+          <a:bodyPr lIns="0" tIns="0" rIns="0" bIns="0">
             <a:normAutofit/>
           </a:bodyPr>
+          <a:lstStyle/>
           <a:p>
-            <a:endParaRPr b="0" lang="en-US" sz="3200" spc="-1" strike="noStrike">
+            <a:endParaRPr lang="en-US" sz="3200" b="0" strike="noStrike" spc="-1">
               <a:latin typeface="Arial"/>
             </a:endParaRPr>
           </a:p>
@@ -9773,11 +10176,12 @@
           </a:prstGeom>
         </p:spPr>
         <p:txBody>
-          <a:bodyPr lIns="0" rIns="0" tIns="0" bIns="0">
+          <a:bodyPr lIns="0" tIns="0" rIns="0" bIns="0">
             <a:normAutofit/>
           </a:bodyPr>
+          <a:lstStyle/>
           <a:p>
-            <a:endParaRPr b="0" lang="en-US" sz="3200" spc="-1" strike="noStrike">
+            <a:endParaRPr lang="en-US" sz="3200" b="0" strike="noStrike" spc="-1">
               <a:latin typeface="Arial"/>
             </a:endParaRPr>
           </a:p>
@@ -9803,11 +10207,12 @@
           </a:prstGeom>
         </p:spPr>
         <p:txBody>
-          <a:bodyPr lIns="0" rIns="0" tIns="0" bIns="0">
+          <a:bodyPr lIns="0" tIns="0" rIns="0" bIns="0">
             <a:normAutofit/>
           </a:bodyPr>
+          <a:lstStyle/>
           <a:p>
-            <a:endParaRPr b="0" lang="en-US" sz="3200" spc="-1" strike="noStrike">
+            <a:endParaRPr lang="en-US" sz="3200" b="0" strike="noStrike" spc="-1">
               <a:latin typeface="Arial"/>
             </a:endParaRPr>
           </a:p>
@@ -9815,11 +10220,14 @@
       </p:sp>
     </p:spTree>
   </p:cSld>
+  <p:clrMapOvr>
+    <a:masterClrMapping/>
+  </p:clrMapOvr>
 </p:sldLayout>
 </file>
 
 <file path=ppt/slideLayouts/slideLayout13.xml><?xml version="1.0" encoding="utf-8"?>
-<p:sldLayout xmlns:a="http://schemas.openxmlformats.org/drawingml/2006/main" xmlns:p="http://schemas.openxmlformats.org/presentationml/2006/main" xmlns:r="http://schemas.openxmlformats.org/officeDocument/2006/relationships" xmlns:p14="http://schemas.microsoft.com/office/powerpoint/2010/main" xmlns:p15="http://schemas.microsoft.com/office/powerpoint/2012/main" xmlns:mc="http://schemas.openxmlformats.org/markup-compatibility/2006" type="blank" preserve="1">
+<p:sldLayout xmlns:a="http://schemas.openxmlformats.org/drawingml/2006/main" xmlns:r="http://schemas.openxmlformats.org/officeDocument/2006/relationships" xmlns:p="http://schemas.openxmlformats.org/presentationml/2006/main" type="blank" preserve="1">
   <p:cSld name="Blank Slide">
     <p:spTree>
       <p:nvGrpSpPr>
@@ -9837,11 +10245,14 @@
       </p:grpSpPr>
     </p:spTree>
   </p:cSld>
+  <p:clrMapOvr>
+    <a:masterClrMapping/>
+  </p:clrMapOvr>
 </p:sldLayout>
 </file>
 
 <file path=ppt/slideLayouts/slideLayout14.xml><?xml version="1.0" encoding="utf-8"?>
-<p:sldLayout xmlns:a="http://schemas.openxmlformats.org/drawingml/2006/main" xmlns:p="http://schemas.openxmlformats.org/presentationml/2006/main" xmlns:r="http://schemas.openxmlformats.org/officeDocument/2006/relationships" xmlns:p14="http://schemas.microsoft.com/office/powerpoint/2010/main" xmlns:p15="http://schemas.microsoft.com/office/powerpoint/2012/main" xmlns:mc="http://schemas.openxmlformats.org/markup-compatibility/2006" type="tx" preserve="1">
+<p:sldLayout xmlns:a="http://schemas.openxmlformats.org/drawingml/2006/main" xmlns:r="http://schemas.openxmlformats.org/officeDocument/2006/relationships" xmlns:p="http://schemas.openxmlformats.org/presentationml/2006/main" type="tx" preserve="1">
   <p:cSld name="Title Slide">
     <p:spTree>
       <p:nvGrpSpPr>
@@ -9877,12 +10288,13 @@
           </a:prstGeom>
         </p:spPr>
         <p:txBody>
-          <a:bodyPr lIns="0" rIns="0" tIns="0" bIns="0" anchor="ctr">
+          <a:bodyPr lIns="0" tIns="0" rIns="0" bIns="0" anchor="ctr">
             <a:noAutofit/>
           </a:bodyPr>
+          <a:lstStyle/>
           <a:p>
             <a:pPr algn="ctr"/>
-            <a:endParaRPr b="0" lang="en-US" sz="4400" spc="-1" strike="noStrike">
+            <a:endParaRPr lang="en-US" sz="4400" b="0" strike="noStrike" spc="-1">
               <a:latin typeface="Arial"/>
             </a:endParaRPr>
           </a:p>
@@ -9908,12 +10320,13 @@
           </a:prstGeom>
         </p:spPr>
         <p:txBody>
-          <a:bodyPr lIns="0" rIns="0" tIns="0" bIns="0" anchor="ctr">
+          <a:bodyPr lIns="0" tIns="0" rIns="0" bIns="0" anchor="ctr">
             <a:noAutofit/>
           </a:bodyPr>
+          <a:lstStyle/>
           <a:p>
             <a:pPr algn="ctr"/>
-            <a:endParaRPr b="0" lang="en-US" sz="3200" spc="-1" strike="noStrike">
+            <a:endParaRPr lang="en-US" sz="3200" b="0" strike="noStrike" spc="-1">
               <a:latin typeface="Arial"/>
             </a:endParaRPr>
           </a:p>
@@ -9921,11 +10334,14 @@
       </p:sp>
     </p:spTree>
   </p:cSld>
+  <p:clrMapOvr>
+    <a:masterClrMapping/>
+  </p:clrMapOvr>
 </p:sldLayout>
 </file>
 
 <file path=ppt/slideLayouts/slideLayout15.xml><?xml version="1.0" encoding="utf-8"?>
-<p:sldLayout xmlns:a="http://schemas.openxmlformats.org/drawingml/2006/main" xmlns:p="http://schemas.openxmlformats.org/presentationml/2006/main" xmlns:r="http://schemas.openxmlformats.org/officeDocument/2006/relationships" xmlns:p14="http://schemas.microsoft.com/office/powerpoint/2010/main" xmlns:p15="http://schemas.microsoft.com/office/powerpoint/2012/main" xmlns:mc="http://schemas.openxmlformats.org/markup-compatibility/2006" type="obj" preserve="1">
+<p:sldLayout xmlns:a="http://schemas.openxmlformats.org/drawingml/2006/main" xmlns:r="http://schemas.openxmlformats.org/officeDocument/2006/relationships" xmlns:p="http://schemas.openxmlformats.org/presentationml/2006/main" type="obj" preserve="1">
   <p:cSld name="Title, Content">
     <p:spTree>
       <p:nvGrpSpPr>
@@ -9961,12 +10377,13 @@
           </a:prstGeom>
         </p:spPr>
         <p:txBody>
-          <a:bodyPr lIns="0" rIns="0" tIns="0" bIns="0" anchor="ctr">
+          <a:bodyPr lIns="0" tIns="0" rIns="0" bIns="0" anchor="ctr">
             <a:noAutofit/>
           </a:bodyPr>
+          <a:lstStyle/>
           <a:p>
             <a:pPr algn="ctr"/>
-            <a:endParaRPr b="0" lang="en-US" sz="4400" spc="-1" strike="noStrike">
+            <a:endParaRPr lang="en-US" sz="4400" b="0" strike="noStrike" spc="-1">
               <a:latin typeface="Arial"/>
             </a:endParaRPr>
           </a:p>
@@ -9992,11 +10409,12 @@
           </a:prstGeom>
         </p:spPr>
         <p:txBody>
-          <a:bodyPr lIns="0" rIns="0" tIns="0" bIns="0">
+          <a:bodyPr lIns="0" tIns="0" rIns="0" bIns="0">
             <a:normAutofit/>
           </a:bodyPr>
+          <a:lstStyle/>
           <a:p>
-            <a:endParaRPr b="0" lang="en-US" sz="3200" spc="-1" strike="noStrike">
+            <a:endParaRPr lang="en-US" sz="3200" b="0" strike="noStrike" spc="-1">
               <a:latin typeface="Arial"/>
             </a:endParaRPr>
           </a:p>
@@ -10004,11 +10422,14 @@
       </p:sp>
     </p:spTree>
   </p:cSld>
+  <p:clrMapOvr>
+    <a:masterClrMapping/>
+  </p:clrMapOvr>
 </p:sldLayout>
 </file>
 
 <file path=ppt/slideLayouts/slideLayout16.xml><?xml version="1.0" encoding="utf-8"?>
-<p:sldLayout xmlns:a="http://schemas.openxmlformats.org/drawingml/2006/main" xmlns:p="http://schemas.openxmlformats.org/presentationml/2006/main" xmlns:r="http://schemas.openxmlformats.org/officeDocument/2006/relationships" xmlns:p14="http://schemas.microsoft.com/office/powerpoint/2010/main" xmlns:p15="http://schemas.microsoft.com/office/powerpoint/2012/main" xmlns:mc="http://schemas.openxmlformats.org/markup-compatibility/2006" type="twoObj" preserve="1">
+<p:sldLayout xmlns:a="http://schemas.openxmlformats.org/drawingml/2006/main" xmlns:r="http://schemas.openxmlformats.org/officeDocument/2006/relationships" xmlns:p="http://schemas.openxmlformats.org/presentationml/2006/main" type="twoObj" preserve="1">
   <p:cSld name="Title, 2 Content">
     <p:spTree>
       <p:nvGrpSpPr>
@@ -10044,12 +10465,13 @@
           </a:prstGeom>
         </p:spPr>
         <p:txBody>
-          <a:bodyPr lIns="0" rIns="0" tIns="0" bIns="0" anchor="ctr">
+          <a:bodyPr lIns="0" tIns="0" rIns="0" bIns="0" anchor="ctr">
             <a:noAutofit/>
           </a:bodyPr>
+          <a:lstStyle/>
           <a:p>
             <a:pPr algn="ctr"/>
-            <a:endParaRPr b="0" lang="en-US" sz="4400" spc="-1" strike="noStrike">
+            <a:endParaRPr lang="en-US" sz="4400" b="0" strike="noStrike" spc="-1">
               <a:latin typeface="Arial"/>
             </a:endParaRPr>
           </a:p>
@@ -10075,11 +10497,12 @@
           </a:prstGeom>
         </p:spPr>
         <p:txBody>
-          <a:bodyPr lIns="0" rIns="0" tIns="0" bIns="0">
+          <a:bodyPr lIns="0" tIns="0" rIns="0" bIns="0">
             <a:normAutofit/>
           </a:bodyPr>
+          <a:lstStyle/>
           <a:p>
-            <a:endParaRPr b="0" lang="en-US" sz="3200" spc="-1" strike="noStrike">
+            <a:endParaRPr lang="en-US" sz="3200" b="0" strike="noStrike" spc="-1">
               <a:latin typeface="Arial"/>
             </a:endParaRPr>
           </a:p>
@@ -10105,11 +10528,12 @@
           </a:prstGeom>
         </p:spPr>
         <p:txBody>
-          <a:bodyPr lIns="0" rIns="0" tIns="0" bIns="0">
+          <a:bodyPr lIns="0" tIns="0" rIns="0" bIns="0">
             <a:normAutofit/>
           </a:bodyPr>
+          <a:lstStyle/>
           <a:p>
-            <a:endParaRPr b="0" lang="en-US" sz="3200" spc="-1" strike="noStrike">
+            <a:endParaRPr lang="en-US" sz="3200" b="0" strike="noStrike" spc="-1">
               <a:latin typeface="Arial"/>
             </a:endParaRPr>
           </a:p>
@@ -10117,11 +10541,14 @@
       </p:sp>
     </p:spTree>
   </p:cSld>
+  <p:clrMapOvr>
+    <a:masterClrMapping/>
+  </p:clrMapOvr>
 </p:sldLayout>
 </file>
 
 <file path=ppt/slideLayouts/slideLayout17.xml><?xml version="1.0" encoding="utf-8"?>
-<p:sldLayout xmlns:a="http://schemas.openxmlformats.org/drawingml/2006/main" xmlns:p="http://schemas.openxmlformats.org/presentationml/2006/main" xmlns:r="http://schemas.openxmlformats.org/officeDocument/2006/relationships" xmlns:p14="http://schemas.microsoft.com/office/powerpoint/2010/main" xmlns:p15="http://schemas.microsoft.com/office/powerpoint/2012/main" xmlns:mc="http://schemas.openxmlformats.org/markup-compatibility/2006" type="titleOnly" preserve="1">
+<p:sldLayout xmlns:a="http://schemas.openxmlformats.org/drawingml/2006/main" xmlns:r="http://schemas.openxmlformats.org/officeDocument/2006/relationships" xmlns:p="http://schemas.openxmlformats.org/presentationml/2006/main" type="titleOnly" preserve="1">
   <p:cSld name="Title Only">
     <p:spTree>
       <p:nvGrpSpPr>
@@ -10157,12 +10584,13 @@
           </a:prstGeom>
         </p:spPr>
         <p:txBody>
-          <a:bodyPr lIns="0" rIns="0" tIns="0" bIns="0" anchor="ctr">
+          <a:bodyPr lIns="0" tIns="0" rIns="0" bIns="0" anchor="ctr">
             <a:noAutofit/>
           </a:bodyPr>
+          <a:lstStyle/>
           <a:p>
             <a:pPr algn="ctr"/>
-            <a:endParaRPr b="0" lang="en-US" sz="4400" spc="-1" strike="noStrike">
+            <a:endParaRPr lang="en-US" sz="4400" b="0" strike="noStrike" spc="-1">
               <a:latin typeface="Arial"/>
             </a:endParaRPr>
           </a:p>
@@ -10170,11 +10598,14 @@
       </p:sp>
     </p:spTree>
   </p:cSld>
+  <p:clrMapOvr>
+    <a:masterClrMapping/>
+  </p:clrMapOvr>
 </p:sldLayout>
 </file>
 
 <file path=ppt/slideLayouts/slideLayout18.xml><?xml version="1.0" encoding="utf-8"?>
-<p:sldLayout xmlns:a="http://schemas.openxmlformats.org/drawingml/2006/main" xmlns:p="http://schemas.openxmlformats.org/presentationml/2006/main" xmlns:r="http://schemas.openxmlformats.org/officeDocument/2006/relationships" xmlns:p14="http://schemas.microsoft.com/office/powerpoint/2010/main" xmlns:p15="http://schemas.microsoft.com/office/powerpoint/2012/main" xmlns:mc="http://schemas.openxmlformats.org/markup-compatibility/2006" type="objOnly" preserve="1">
+<p:sldLayout xmlns:a="http://schemas.openxmlformats.org/drawingml/2006/main" xmlns:r="http://schemas.openxmlformats.org/officeDocument/2006/relationships" xmlns:p="http://schemas.openxmlformats.org/presentationml/2006/main" type="objOnly" preserve="1">
   <p:cSld name="Centered Text">
     <p:spTree>
       <p:nvGrpSpPr>
@@ -10210,12 +10641,13 @@
           </a:prstGeom>
         </p:spPr>
         <p:txBody>
-          <a:bodyPr lIns="0" rIns="0" tIns="0" bIns="0" anchor="ctr">
+          <a:bodyPr lIns="0" tIns="0" rIns="0" bIns="0" anchor="ctr">
             <a:noAutofit/>
           </a:bodyPr>
+          <a:lstStyle/>
           <a:p>
             <a:pPr algn="ctr"/>
-            <a:endParaRPr b="0" lang="en-US" sz="3200" spc="-1" strike="noStrike">
+            <a:endParaRPr lang="en-US" sz="3200" b="0" strike="noStrike" spc="-1">
               <a:latin typeface="Arial"/>
             </a:endParaRPr>
           </a:p>
@@ -10223,11 +10655,14 @@
       </p:sp>
     </p:spTree>
   </p:cSld>
+  <p:clrMapOvr>
+    <a:masterClrMapping/>
+  </p:clrMapOvr>
 </p:sldLayout>
 </file>
 
 <file path=ppt/slideLayouts/slideLayout19.xml><?xml version="1.0" encoding="utf-8"?>
-<p:sldLayout xmlns:a="http://schemas.openxmlformats.org/drawingml/2006/main" xmlns:p="http://schemas.openxmlformats.org/presentationml/2006/main" xmlns:r="http://schemas.openxmlformats.org/officeDocument/2006/relationships" xmlns:p14="http://schemas.microsoft.com/office/powerpoint/2010/main" xmlns:p15="http://schemas.microsoft.com/office/powerpoint/2012/main" xmlns:mc="http://schemas.openxmlformats.org/markup-compatibility/2006" type="twoObjAndObj" preserve="1">
+<p:sldLayout xmlns:a="http://schemas.openxmlformats.org/drawingml/2006/main" xmlns:r="http://schemas.openxmlformats.org/officeDocument/2006/relationships" xmlns:p="http://schemas.openxmlformats.org/presentationml/2006/main" type="twoObjAndObj" preserve="1">
   <p:cSld name="Title, 2 Content and Content">
     <p:spTree>
       <p:nvGrpSpPr>
@@ -10263,12 +10698,13 @@
           </a:prstGeom>
         </p:spPr>
         <p:txBody>
-          <a:bodyPr lIns="0" rIns="0" tIns="0" bIns="0" anchor="ctr">
+          <a:bodyPr lIns="0" tIns="0" rIns="0" bIns="0" anchor="ctr">
             <a:noAutofit/>
           </a:bodyPr>
+          <a:lstStyle/>
           <a:p>
             <a:pPr algn="ctr"/>
-            <a:endParaRPr b="0" lang="en-US" sz="4400" spc="-1" strike="noStrike">
+            <a:endParaRPr lang="en-US" sz="4400" b="0" strike="noStrike" spc="-1">
               <a:latin typeface="Arial"/>
             </a:endParaRPr>
           </a:p>
@@ -10294,11 +10730,12 @@
           </a:prstGeom>
         </p:spPr>
         <p:txBody>
-          <a:bodyPr lIns="0" rIns="0" tIns="0" bIns="0">
+          <a:bodyPr lIns="0" tIns="0" rIns="0" bIns="0">
             <a:normAutofit/>
           </a:bodyPr>
+          <a:lstStyle/>
           <a:p>
-            <a:endParaRPr b="0" lang="en-US" sz="3200" spc="-1" strike="noStrike">
+            <a:endParaRPr lang="en-US" sz="3200" b="0" strike="noStrike" spc="-1">
               <a:latin typeface="Arial"/>
             </a:endParaRPr>
           </a:p>
@@ -10324,11 +10761,12 @@
           </a:prstGeom>
         </p:spPr>
         <p:txBody>
-          <a:bodyPr lIns="0" rIns="0" tIns="0" bIns="0">
+          <a:bodyPr lIns="0" tIns="0" rIns="0" bIns="0">
             <a:normAutofit/>
           </a:bodyPr>
+          <a:lstStyle/>
           <a:p>
-            <a:endParaRPr b="0" lang="en-US" sz="3200" spc="-1" strike="noStrike">
+            <a:endParaRPr lang="en-US" sz="3200" b="0" strike="noStrike" spc="-1">
               <a:latin typeface="Arial"/>
             </a:endParaRPr>
           </a:p>
@@ -10354,11 +10792,12 @@
           </a:prstGeom>
         </p:spPr>
         <p:txBody>
-          <a:bodyPr lIns="0" rIns="0" tIns="0" bIns="0">
+          <a:bodyPr lIns="0" tIns="0" rIns="0" bIns="0">
             <a:normAutofit/>
           </a:bodyPr>
+          <a:lstStyle/>
           <a:p>
-            <a:endParaRPr b="0" lang="en-US" sz="3200" spc="-1" strike="noStrike">
+            <a:endParaRPr lang="en-US" sz="3200" b="0" strike="noStrike" spc="-1">
               <a:latin typeface="Arial"/>
             </a:endParaRPr>
           </a:p>
@@ -10366,11 +10805,14 @@
       </p:sp>
     </p:spTree>
   </p:cSld>
+  <p:clrMapOvr>
+    <a:masterClrMapping/>
+  </p:clrMapOvr>
 </p:sldLayout>
 </file>
 
 <file path=ppt/slideLayouts/slideLayout2.xml><?xml version="1.0" encoding="utf-8"?>
-<p:sldLayout xmlns:a="http://schemas.openxmlformats.org/drawingml/2006/main" xmlns:p="http://schemas.openxmlformats.org/presentationml/2006/main" xmlns:r="http://schemas.openxmlformats.org/officeDocument/2006/relationships" xmlns:p14="http://schemas.microsoft.com/office/powerpoint/2010/main" xmlns:p15="http://schemas.microsoft.com/office/powerpoint/2012/main" xmlns:mc="http://schemas.openxmlformats.org/markup-compatibility/2006" type="tx" preserve="1">
+<p:sldLayout xmlns:a="http://schemas.openxmlformats.org/drawingml/2006/main" xmlns:r="http://schemas.openxmlformats.org/officeDocument/2006/relationships" xmlns:p="http://schemas.openxmlformats.org/presentationml/2006/main" type="tx" preserve="1">
   <p:cSld name="Title Slide">
     <p:spTree>
       <p:nvGrpSpPr>
@@ -10406,12 +10848,13 @@
           </a:prstGeom>
         </p:spPr>
         <p:txBody>
-          <a:bodyPr lIns="0" rIns="0" tIns="0" bIns="0" anchor="ctr">
+          <a:bodyPr lIns="0" tIns="0" rIns="0" bIns="0" anchor="ctr">
             <a:noAutofit/>
           </a:bodyPr>
+          <a:lstStyle/>
           <a:p>
             <a:pPr algn="ctr"/>
-            <a:endParaRPr b="0" lang="en-US" sz="4400" spc="-1" strike="noStrike">
+            <a:endParaRPr lang="en-US" sz="4400" b="0" strike="noStrike" spc="-1">
               <a:latin typeface="Arial"/>
             </a:endParaRPr>
           </a:p>
@@ -10437,12 +10880,13 @@
           </a:prstGeom>
         </p:spPr>
         <p:txBody>
-          <a:bodyPr lIns="0" rIns="0" tIns="0" bIns="0" anchor="ctr">
+          <a:bodyPr lIns="0" tIns="0" rIns="0" bIns="0" anchor="ctr">
             <a:noAutofit/>
           </a:bodyPr>
+          <a:lstStyle/>
           <a:p>
             <a:pPr algn="ctr"/>
-            <a:endParaRPr b="0" lang="en-US" sz="3200" spc="-1" strike="noStrike">
+            <a:endParaRPr lang="en-US" sz="3200" b="0" strike="noStrike" spc="-1">
               <a:latin typeface="Arial"/>
             </a:endParaRPr>
           </a:p>
@@ -10450,11 +10894,14 @@
       </p:sp>
     </p:spTree>
   </p:cSld>
+  <p:clrMapOvr>
+    <a:masterClrMapping/>
+  </p:clrMapOvr>
 </p:sldLayout>
 </file>
 
 <file path=ppt/slideLayouts/slideLayout20.xml><?xml version="1.0" encoding="utf-8"?>
-<p:sldLayout xmlns:a="http://schemas.openxmlformats.org/drawingml/2006/main" xmlns:p="http://schemas.openxmlformats.org/presentationml/2006/main" xmlns:r="http://schemas.openxmlformats.org/officeDocument/2006/relationships" xmlns:p14="http://schemas.microsoft.com/office/powerpoint/2010/main" xmlns:p15="http://schemas.microsoft.com/office/powerpoint/2012/main" xmlns:mc="http://schemas.openxmlformats.org/markup-compatibility/2006" type="objAndTwoObj" preserve="1">
+<p:sldLayout xmlns:a="http://schemas.openxmlformats.org/drawingml/2006/main" xmlns:r="http://schemas.openxmlformats.org/officeDocument/2006/relationships" xmlns:p="http://schemas.openxmlformats.org/presentationml/2006/main" type="objAndTwoObj" preserve="1">
   <p:cSld name="Title Content and 2 Content">
     <p:spTree>
       <p:nvGrpSpPr>
@@ -10490,12 +10937,13 @@
           </a:prstGeom>
         </p:spPr>
         <p:txBody>
-          <a:bodyPr lIns="0" rIns="0" tIns="0" bIns="0" anchor="ctr">
+          <a:bodyPr lIns="0" tIns="0" rIns="0" bIns="0" anchor="ctr">
             <a:noAutofit/>
           </a:bodyPr>
+          <a:lstStyle/>
           <a:p>
             <a:pPr algn="ctr"/>
-            <a:endParaRPr b="0" lang="en-US" sz="4400" spc="-1" strike="noStrike">
+            <a:endParaRPr lang="en-US" sz="4400" b="0" strike="noStrike" spc="-1">
               <a:latin typeface="Arial"/>
             </a:endParaRPr>
           </a:p>
@@ -10521,11 +10969,12 @@
           </a:prstGeom>
         </p:spPr>
         <p:txBody>
-          <a:bodyPr lIns="0" rIns="0" tIns="0" bIns="0">
+          <a:bodyPr lIns="0" tIns="0" rIns="0" bIns="0">
             <a:normAutofit/>
           </a:bodyPr>
+          <a:lstStyle/>
           <a:p>
-            <a:endParaRPr b="0" lang="en-US" sz="3200" spc="-1" strike="noStrike">
+            <a:endParaRPr lang="en-US" sz="3200" b="0" strike="noStrike" spc="-1">
               <a:latin typeface="Arial"/>
             </a:endParaRPr>
           </a:p>
@@ -10551,11 +11000,12 @@
           </a:prstGeom>
         </p:spPr>
         <p:txBody>
-          <a:bodyPr lIns="0" rIns="0" tIns="0" bIns="0">
+          <a:bodyPr lIns="0" tIns="0" rIns="0" bIns="0">
             <a:normAutofit/>
           </a:bodyPr>
+          <a:lstStyle/>
           <a:p>
-            <a:endParaRPr b="0" lang="en-US" sz="3200" spc="-1" strike="noStrike">
+            <a:endParaRPr lang="en-US" sz="3200" b="0" strike="noStrike" spc="-1">
               <a:latin typeface="Arial"/>
             </a:endParaRPr>
           </a:p>
@@ -10581,11 +11031,12 @@
           </a:prstGeom>
         </p:spPr>
         <p:txBody>
-          <a:bodyPr lIns="0" rIns="0" tIns="0" bIns="0">
+          <a:bodyPr lIns="0" tIns="0" rIns="0" bIns="0">
             <a:normAutofit/>
           </a:bodyPr>
+          <a:lstStyle/>
           <a:p>
-            <a:endParaRPr b="0" lang="en-US" sz="3200" spc="-1" strike="noStrike">
+            <a:endParaRPr lang="en-US" sz="3200" b="0" strike="noStrike" spc="-1">
               <a:latin typeface="Arial"/>
             </a:endParaRPr>
           </a:p>
@@ -10593,11 +11044,14 @@
       </p:sp>
     </p:spTree>
   </p:cSld>
+  <p:clrMapOvr>
+    <a:masterClrMapping/>
+  </p:clrMapOvr>
 </p:sldLayout>
 </file>
 
 <file path=ppt/slideLayouts/slideLayout21.xml><?xml version="1.0" encoding="utf-8"?>
-<p:sldLayout xmlns:a="http://schemas.openxmlformats.org/drawingml/2006/main" xmlns:p="http://schemas.openxmlformats.org/presentationml/2006/main" xmlns:r="http://schemas.openxmlformats.org/officeDocument/2006/relationships" xmlns:p14="http://schemas.microsoft.com/office/powerpoint/2010/main" xmlns:p15="http://schemas.microsoft.com/office/powerpoint/2012/main" xmlns:mc="http://schemas.openxmlformats.org/markup-compatibility/2006" type="twoObjOverTx" preserve="1">
+<p:sldLayout xmlns:a="http://schemas.openxmlformats.org/drawingml/2006/main" xmlns:r="http://schemas.openxmlformats.org/officeDocument/2006/relationships" xmlns:p="http://schemas.openxmlformats.org/presentationml/2006/main" type="twoObjOverTx" preserve="1">
   <p:cSld name="Title, 2 Content over Content">
     <p:spTree>
       <p:nvGrpSpPr>
@@ -10633,12 +11087,13 @@
           </a:prstGeom>
         </p:spPr>
         <p:txBody>
-          <a:bodyPr lIns="0" rIns="0" tIns="0" bIns="0" anchor="ctr">
+          <a:bodyPr lIns="0" tIns="0" rIns="0" bIns="0" anchor="ctr">
             <a:noAutofit/>
           </a:bodyPr>
+          <a:lstStyle/>
           <a:p>
             <a:pPr algn="ctr"/>
-            <a:endParaRPr b="0" lang="en-US" sz="4400" spc="-1" strike="noStrike">
+            <a:endParaRPr lang="en-US" sz="4400" b="0" strike="noStrike" spc="-1">
               <a:latin typeface="Arial"/>
             </a:endParaRPr>
           </a:p>
@@ -10664,11 +11119,12 @@
           </a:prstGeom>
         </p:spPr>
         <p:txBody>
-          <a:bodyPr lIns="0" rIns="0" tIns="0" bIns="0">
+          <a:bodyPr lIns="0" tIns="0" rIns="0" bIns="0">
             <a:normAutofit/>
           </a:bodyPr>
+          <a:lstStyle/>
           <a:p>
-            <a:endParaRPr b="0" lang="en-US" sz="3200" spc="-1" strike="noStrike">
+            <a:endParaRPr lang="en-US" sz="3200" b="0" strike="noStrike" spc="-1">
               <a:latin typeface="Arial"/>
             </a:endParaRPr>
           </a:p>
@@ -10694,11 +11150,12 @@
           </a:prstGeom>
         </p:spPr>
         <p:txBody>
-          <a:bodyPr lIns="0" rIns="0" tIns="0" bIns="0">
+          <a:bodyPr lIns="0" tIns="0" rIns="0" bIns="0">
             <a:normAutofit/>
           </a:bodyPr>
+          <a:lstStyle/>
           <a:p>
-            <a:endParaRPr b="0" lang="en-US" sz="3200" spc="-1" strike="noStrike">
+            <a:endParaRPr lang="en-US" sz="3200" b="0" strike="noStrike" spc="-1">
               <a:latin typeface="Arial"/>
             </a:endParaRPr>
           </a:p>
@@ -10724,11 +11181,12 @@
           </a:prstGeom>
         </p:spPr>
         <p:txBody>
-          <a:bodyPr lIns="0" rIns="0" tIns="0" bIns="0">
+          <a:bodyPr lIns="0" tIns="0" rIns="0" bIns="0">
             <a:normAutofit/>
           </a:bodyPr>
+          <a:lstStyle/>
           <a:p>
-            <a:endParaRPr b="0" lang="en-US" sz="3200" spc="-1" strike="noStrike">
+            <a:endParaRPr lang="en-US" sz="3200" b="0" strike="noStrike" spc="-1">
               <a:latin typeface="Arial"/>
             </a:endParaRPr>
           </a:p>
@@ -10736,11 +11194,14 @@
       </p:sp>
     </p:spTree>
   </p:cSld>
+  <p:clrMapOvr>
+    <a:masterClrMapping/>
+  </p:clrMapOvr>
 </p:sldLayout>
 </file>
 
 <file path=ppt/slideLayouts/slideLayout22.xml><?xml version="1.0" encoding="utf-8"?>
-<p:sldLayout xmlns:a="http://schemas.openxmlformats.org/drawingml/2006/main" xmlns:p="http://schemas.openxmlformats.org/presentationml/2006/main" xmlns:r="http://schemas.openxmlformats.org/officeDocument/2006/relationships" xmlns:p14="http://schemas.microsoft.com/office/powerpoint/2010/main" xmlns:p15="http://schemas.microsoft.com/office/powerpoint/2012/main" xmlns:mc="http://schemas.openxmlformats.org/markup-compatibility/2006" type="objOverTx" preserve="1">
+<p:sldLayout xmlns:a="http://schemas.openxmlformats.org/drawingml/2006/main" xmlns:r="http://schemas.openxmlformats.org/officeDocument/2006/relationships" xmlns:p="http://schemas.openxmlformats.org/presentationml/2006/main" type="objOverTx" preserve="1">
   <p:cSld name="Title, Content over Content">
     <p:spTree>
       <p:nvGrpSpPr>
@@ -10776,12 +11237,13 @@
           </a:prstGeom>
         </p:spPr>
         <p:txBody>
-          <a:bodyPr lIns="0" rIns="0" tIns="0" bIns="0" anchor="ctr">
+          <a:bodyPr lIns="0" tIns="0" rIns="0" bIns="0" anchor="ctr">
             <a:noAutofit/>
           </a:bodyPr>
+          <a:lstStyle/>
           <a:p>
             <a:pPr algn="ctr"/>
-            <a:endParaRPr b="0" lang="en-US" sz="4400" spc="-1" strike="noStrike">
+            <a:endParaRPr lang="en-US" sz="4400" b="0" strike="noStrike" spc="-1">
               <a:latin typeface="Arial"/>
             </a:endParaRPr>
           </a:p>
@@ -10807,11 +11269,12 @@
           </a:prstGeom>
         </p:spPr>
         <p:txBody>
-          <a:bodyPr lIns="0" rIns="0" tIns="0" bIns="0">
+          <a:bodyPr lIns="0" tIns="0" rIns="0" bIns="0">
             <a:normAutofit/>
           </a:bodyPr>
+          <a:lstStyle/>
           <a:p>
-            <a:endParaRPr b="0" lang="en-US" sz="3200" spc="-1" strike="noStrike">
+            <a:endParaRPr lang="en-US" sz="3200" b="0" strike="noStrike" spc="-1">
               <a:latin typeface="Arial"/>
             </a:endParaRPr>
           </a:p>
@@ -10837,11 +11300,12 @@
           </a:prstGeom>
         </p:spPr>
         <p:txBody>
-          <a:bodyPr lIns="0" rIns="0" tIns="0" bIns="0">
+          <a:bodyPr lIns="0" tIns="0" rIns="0" bIns="0">
             <a:normAutofit/>
           </a:bodyPr>
+          <a:lstStyle/>
           <a:p>
-            <a:endParaRPr b="0" lang="en-US" sz="3200" spc="-1" strike="noStrike">
+            <a:endParaRPr lang="en-US" sz="3200" b="0" strike="noStrike" spc="-1">
               <a:latin typeface="Arial"/>
             </a:endParaRPr>
           </a:p>
@@ -10849,11 +11313,14 @@
       </p:sp>
     </p:spTree>
   </p:cSld>
+  <p:clrMapOvr>
+    <a:masterClrMapping/>
+  </p:clrMapOvr>
 </p:sldLayout>
 </file>
 
 <file path=ppt/slideLayouts/slideLayout23.xml><?xml version="1.0" encoding="utf-8"?>
-<p:sldLayout xmlns:a="http://schemas.openxmlformats.org/drawingml/2006/main" xmlns:p="http://schemas.openxmlformats.org/presentationml/2006/main" xmlns:r="http://schemas.openxmlformats.org/officeDocument/2006/relationships" xmlns:p14="http://schemas.microsoft.com/office/powerpoint/2010/main" xmlns:p15="http://schemas.microsoft.com/office/powerpoint/2012/main" xmlns:mc="http://schemas.openxmlformats.org/markup-compatibility/2006" type="fourObj" preserve="1">
+<p:sldLayout xmlns:a="http://schemas.openxmlformats.org/drawingml/2006/main" xmlns:r="http://schemas.openxmlformats.org/officeDocument/2006/relationships" xmlns:p="http://schemas.openxmlformats.org/presentationml/2006/main" type="fourObj" preserve="1">
   <p:cSld name="Title, 4 Content">
     <p:spTree>
       <p:nvGrpSpPr>
@@ -10889,12 +11356,13 @@
           </a:prstGeom>
         </p:spPr>
         <p:txBody>
-          <a:bodyPr lIns="0" rIns="0" tIns="0" bIns="0" anchor="ctr">
+          <a:bodyPr lIns="0" tIns="0" rIns="0" bIns="0" anchor="ctr">
             <a:noAutofit/>
           </a:bodyPr>
+          <a:lstStyle/>
           <a:p>
             <a:pPr algn="ctr"/>
-            <a:endParaRPr b="0" lang="en-US" sz="4400" spc="-1" strike="noStrike">
+            <a:endParaRPr lang="en-US" sz="4400" b="0" strike="noStrike" spc="-1">
               <a:latin typeface="Arial"/>
             </a:endParaRPr>
           </a:p>
@@ -10920,11 +11388,12 @@
           </a:prstGeom>
         </p:spPr>
         <p:txBody>
-          <a:bodyPr lIns="0" rIns="0" tIns="0" bIns="0">
+          <a:bodyPr lIns="0" tIns="0" rIns="0" bIns="0">
             <a:normAutofit/>
           </a:bodyPr>
+          <a:lstStyle/>
           <a:p>
-            <a:endParaRPr b="0" lang="en-US" sz="3200" spc="-1" strike="noStrike">
+            <a:endParaRPr lang="en-US" sz="3200" b="0" strike="noStrike" spc="-1">
               <a:latin typeface="Arial"/>
             </a:endParaRPr>
           </a:p>
@@ -10950,11 +11419,12 @@
           </a:prstGeom>
         </p:spPr>
         <p:txBody>
-          <a:bodyPr lIns="0" rIns="0" tIns="0" bIns="0">
+          <a:bodyPr lIns="0" tIns="0" rIns="0" bIns="0">
             <a:normAutofit/>
           </a:bodyPr>
+          <a:lstStyle/>
           <a:p>
-            <a:endParaRPr b="0" lang="en-US" sz="3200" spc="-1" strike="noStrike">
+            <a:endParaRPr lang="en-US" sz="3200" b="0" strike="noStrike" spc="-1">
               <a:latin typeface="Arial"/>
             </a:endParaRPr>
           </a:p>
@@ -10980,11 +11450,12 @@
           </a:prstGeom>
         </p:spPr>
         <p:txBody>
-          <a:bodyPr lIns="0" rIns="0" tIns="0" bIns="0">
+          <a:bodyPr lIns="0" tIns="0" rIns="0" bIns="0">
             <a:normAutofit/>
           </a:bodyPr>
+          <a:lstStyle/>
           <a:p>
-            <a:endParaRPr b="0" lang="en-US" sz="3200" spc="-1" strike="noStrike">
+            <a:endParaRPr lang="en-US" sz="3200" b="0" strike="noStrike" spc="-1">
               <a:latin typeface="Arial"/>
             </a:endParaRPr>
           </a:p>
@@ -11010,11 +11481,12 @@
           </a:prstGeom>
         </p:spPr>
         <p:txBody>
-          <a:bodyPr lIns="0" rIns="0" tIns="0" bIns="0">
+          <a:bodyPr lIns="0" tIns="0" rIns="0" bIns="0">
             <a:normAutofit/>
           </a:bodyPr>
+          <a:lstStyle/>
           <a:p>
-            <a:endParaRPr b="0" lang="en-US" sz="3200" spc="-1" strike="noStrike">
+            <a:endParaRPr lang="en-US" sz="3200" b="0" strike="noStrike" spc="-1">
               <a:latin typeface="Arial"/>
             </a:endParaRPr>
           </a:p>
@@ -11022,11 +11494,14 @@
       </p:sp>
     </p:spTree>
   </p:cSld>
+  <p:clrMapOvr>
+    <a:masterClrMapping/>
+  </p:clrMapOvr>
 </p:sldLayout>
 </file>
 
 <file path=ppt/slideLayouts/slideLayout24.xml><?xml version="1.0" encoding="utf-8"?>
-<p:sldLayout xmlns:a="http://schemas.openxmlformats.org/drawingml/2006/main" xmlns:p="http://schemas.openxmlformats.org/presentationml/2006/main" xmlns:r="http://schemas.openxmlformats.org/officeDocument/2006/relationships" xmlns:p14="http://schemas.microsoft.com/office/powerpoint/2010/main" xmlns:p15="http://schemas.microsoft.com/office/powerpoint/2012/main" xmlns:mc="http://schemas.openxmlformats.org/markup-compatibility/2006" type="blank" preserve="1">
+<p:sldLayout xmlns:a="http://schemas.openxmlformats.org/drawingml/2006/main" xmlns:r="http://schemas.openxmlformats.org/officeDocument/2006/relationships" xmlns:p="http://schemas.openxmlformats.org/presentationml/2006/main" type="blank" preserve="1">
   <p:cSld name="Title, 6 Content">
     <p:spTree>
       <p:nvGrpSpPr>
@@ -11062,12 +11537,13 @@
           </a:prstGeom>
         </p:spPr>
         <p:txBody>
-          <a:bodyPr lIns="0" rIns="0" tIns="0" bIns="0" anchor="ctr">
+          <a:bodyPr lIns="0" tIns="0" rIns="0" bIns="0" anchor="ctr">
             <a:noAutofit/>
           </a:bodyPr>
+          <a:lstStyle/>
           <a:p>
             <a:pPr algn="ctr"/>
-            <a:endParaRPr b="0" lang="en-US" sz="4400" spc="-1" strike="noStrike">
+            <a:endParaRPr lang="en-US" sz="4400" b="0" strike="noStrike" spc="-1">
               <a:latin typeface="Arial"/>
             </a:endParaRPr>
           </a:p>
@@ -11093,11 +11569,12 @@
           </a:prstGeom>
         </p:spPr>
         <p:txBody>
-          <a:bodyPr lIns="0" rIns="0" tIns="0" bIns="0">
+          <a:bodyPr lIns="0" tIns="0" rIns="0" bIns="0">
             <a:normAutofit/>
           </a:bodyPr>
+          <a:lstStyle/>
           <a:p>
-            <a:endParaRPr b="0" lang="en-US" sz="3200" spc="-1" strike="noStrike">
+            <a:endParaRPr lang="en-US" sz="3200" b="0" strike="noStrike" spc="-1">
               <a:latin typeface="Arial"/>
             </a:endParaRPr>
           </a:p>
@@ -11123,11 +11600,12 @@
           </a:prstGeom>
         </p:spPr>
         <p:txBody>
-          <a:bodyPr lIns="0" rIns="0" tIns="0" bIns="0">
+          <a:bodyPr lIns="0" tIns="0" rIns="0" bIns="0">
             <a:normAutofit/>
           </a:bodyPr>
+          <a:lstStyle/>
           <a:p>
-            <a:endParaRPr b="0" lang="en-US" sz="3200" spc="-1" strike="noStrike">
+            <a:endParaRPr lang="en-US" sz="3200" b="0" strike="noStrike" spc="-1">
               <a:latin typeface="Arial"/>
             </a:endParaRPr>
           </a:p>
@@ -11153,11 +11631,12 @@
           </a:prstGeom>
         </p:spPr>
         <p:txBody>
-          <a:bodyPr lIns="0" rIns="0" tIns="0" bIns="0">
+          <a:bodyPr lIns="0" tIns="0" rIns="0" bIns="0">
             <a:normAutofit/>
           </a:bodyPr>
+          <a:lstStyle/>
           <a:p>
-            <a:endParaRPr b="0" lang="en-US" sz="3200" spc="-1" strike="noStrike">
+            <a:endParaRPr lang="en-US" sz="3200" b="0" strike="noStrike" spc="-1">
               <a:latin typeface="Arial"/>
             </a:endParaRPr>
           </a:p>
@@ -11183,11 +11662,12 @@
           </a:prstGeom>
         </p:spPr>
         <p:txBody>
-          <a:bodyPr lIns="0" rIns="0" tIns="0" bIns="0">
+          <a:bodyPr lIns="0" tIns="0" rIns="0" bIns="0">
             <a:normAutofit/>
           </a:bodyPr>
+          <a:lstStyle/>
           <a:p>
-            <a:endParaRPr b="0" lang="en-US" sz="3200" spc="-1" strike="noStrike">
+            <a:endParaRPr lang="en-US" sz="3200" b="0" strike="noStrike" spc="-1">
               <a:latin typeface="Arial"/>
             </a:endParaRPr>
           </a:p>
@@ -11213,11 +11693,12 @@
           </a:prstGeom>
         </p:spPr>
         <p:txBody>
-          <a:bodyPr lIns="0" rIns="0" tIns="0" bIns="0">
+          <a:bodyPr lIns="0" tIns="0" rIns="0" bIns="0">
             <a:normAutofit/>
           </a:bodyPr>
+          <a:lstStyle/>
           <a:p>
-            <a:endParaRPr b="0" lang="en-US" sz="3200" spc="-1" strike="noStrike">
+            <a:endParaRPr lang="en-US" sz="3200" b="0" strike="noStrike" spc="-1">
               <a:latin typeface="Arial"/>
             </a:endParaRPr>
           </a:p>
@@ -11243,11 +11724,12 @@
           </a:prstGeom>
         </p:spPr>
         <p:txBody>
-          <a:bodyPr lIns="0" rIns="0" tIns="0" bIns="0">
+          <a:bodyPr lIns="0" tIns="0" rIns="0" bIns="0">
             <a:normAutofit/>
           </a:bodyPr>
+          <a:lstStyle/>
           <a:p>
-            <a:endParaRPr b="0" lang="en-US" sz="3200" spc="-1" strike="noStrike">
+            <a:endParaRPr lang="en-US" sz="3200" b="0" strike="noStrike" spc="-1">
               <a:latin typeface="Arial"/>
             </a:endParaRPr>
           </a:p>
@@ -11255,11 +11737,14 @@
       </p:sp>
     </p:spTree>
   </p:cSld>
+  <p:clrMapOvr>
+    <a:masterClrMapping/>
+  </p:clrMapOvr>
 </p:sldLayout>
 </file>
 
 <file path=ppt/slideLayouts/slideLayout3.xml><?xml version="1.0" encoding="utf-8"?>
-<p:sldLayout xmlns:a="http://schemas.openxmlformats.org/drawingml/2006/main" xmlns:p="http://schemas.openxmlformats.org/presentationml/2006/main" xmlns:r="http://schemas.openxmlformats.org/officeDocument/2006/relationships" xmlns:p14="http://schemas.microsoft.com/office/powerpoint/2010/main" xmlns:p15="http://schemas.microsoft.com/office/powerpoint/2012/main" xmlns:mc="http://schemas.openxmlformats.org/markup-compatibility/2006" type="obj" preserve="1">
+<p:sldLayout xmlns:a="http://schemas.openxmlformats.org/drawingml/2006/main" xmlns:r="http://schemas.openxmlformats.org/officeDocument/2006/relationships" xmlns:p="http://schemas.openxmlformats.org/presentationml/2006/main" type="obj" preserve="1">
   <p:cSld name="Title, Content">
     <p:spTree>
       <p:nvGrpSpPr>
@@ -11295,12 +11780,13 @@
           </a:prstGeom>
         </p:spPr>
         <p:txBody>
-          <a:bodyPr lIns="0" rIns="0" tIns="0" bIns="0" anchor="ctr">
+          <a:bodyPr lIns="0" tIns="0" rIns="0" bIns="0" anchor="ctr">
             <a:noAutofit/>
           </a:bodyPr>
+          <a:lstStyle/>
           <a:p>
             <a:pPr algn="ctr"/>
-            <a:endParaRPr b="0" lang="en-US" sz="4400" spc="-1" strike="noStrike">
+            <a:endParaRPr lang="en-US" sz="4400" b="0" strike="noStrike" spc="-1">
               <a:latin typeface="Arial"/>
             </a:endParaRPr>
           </a:p>
@@ -11326,11 +11812,12 @@
           </a:prstGeom>
         </p:spPr>
         <p:txBody>
-          <a:bodyPr lIns="0" rIns="0" tIns="0" bIns="0">
+          <a:bodyPr lIns="0" tIns="0" rIns="0" bIns="0">
             <a:normAutofit/>
           </a:bodyPr>
+          <a:lstStyle/>
           <a:p>
-            <a:endParaRPr b="0" lang="en-US" sz="3200" spc="-1" strike="noStrike">
+            <a:endParaRPr lang="en-US" sz="3200" b="0" strike="noStrike" spc="-1">
               <a:latin typeface="Arial"/>
             </a:endParaRPr>
           </a:p>
@@ -11338,11 +11825,14 @@
       </p:sp>
     </p:spTree>
   </p:cSld>
+  <p:clrMapOvr>
+    <a:masterClrMapping/>
+  </p:clrMapOvr>
 </p:sldLayout>
 </file>
 
 <file path=ppt/slideLayouts/slideLayout4.xml><?xml version="1.0" encoding="utf-8"?>
-<p:sldLayout xmlns:a="http://schemas.openxmlformats.org/drawingml/2006/main" xmlns:p="http://schemas.openxmlformats.org/presentationml/2006/main" xmlns:r="http://schemas.openxmlformats.org/officeDocument/2006/relationships" xmlns:p14="http://schemas.microsoft.com/office/powerpoint/2010/main" xmlns:p15="http://schemas.microsoft.com/office/powerpoint/2012/main" xmlns:mc="http://schemas.openxmlformats.org/markup-compatibility/2006" type="twoObj" preserve="1">
+<p:sldLayout xmlns:a="http://schemas.openxmlformats.org/drawingml/2006/main" xmlns:r="http://schemas.openxmlformats.org/officeDocument/2006/relationships" xmlns:p="http://schemas.openxmlformats.org/presentationml/2006/main" type="twoObj" preserve="1">
   <p:cSld name="Title, 2 Content">
     <p:spTree>
       <p:nvGrpSpPr>
@@ -11378,12 +11868,13 @@
           </a:prstGeom>
         </p:spPr>
         <p:txBody>
-          <a:bodyPr lIns="0" rIns="0" tIns="0" bIns="0" anchor="ctr">
+          <a:bodyPr lIns="0" tIns="0" rIns="0" bIns="0" anchor="ctr">
             <a:noAutofit/>
           </a:bodyPr>
+          <a:lstStyle/>
           <a:p>
             <a:pPr algn="ctr"/>
-            <a:endParaRPr b="0" lang="en-US" sz="4400" spc="-1" strike="noStrike">
+            <a:endParaRPr lang="en-US" sz="4400" b="0" strike="noStrike" spc="-1">
               <a:latin typeface="Arial"/>
             </a:endParaRPr>
           </a:p>
@@ -11409,11 +11900,12 @@
           </a:prstGeom>
         </p:spPr>
         <p:txBody>
-          <a:bodyPr lIns="0" rIns="0" tIns="0" bIns="0">
+          <a:bodyPr lIns="0" tIns="0" rIns="0" bIns="0">
             <a:normAutofit/>
           </a:bodyPr>
+          <a:lstStyle/>
           <a:p>
-            <a:endParaRPr b="0" lang="en-US" sz="3200" spc="-1" strike="noStrike">
+            <a:endParaRPr lang="en-US" sz="3200" b="0" strike="noStrike" spc="-1">
               <a:latin typeface="Arial"/>
             </a:endParaRPr>
           </a:p>
@@ -11439,11 +11931,12 @@
           </a:prstGeom>
         </p:spPr>
         <p:txBody>
-          <a:bodyPr lIns="0" rIns="0" tIns="0" bIns="0">
+          <a:bodyPr lIns="0" tIns="0" rIns="0" bIns="0">
             <a:normAutofit/>
           </a:bodyPr>
+          <a:lstStyle/>
           <a:p>
-            <a:endParaRPr b="0" lang="en-US" sz="3200" spc="-1" strike="noStrike">
+            <a:endParaRPr lang="en-US" sz="3200" b="0" strike="noStrike" spc="-1">
               <a:latin typeface="Arial"/>
             </a:endParaRPr>
           </a:p>
@@ -11451,11 +11944,14 @@
       </p:sp>
     </p:spTree>
   </p:cSld>
+  <p:clrMapOvr>
+    <a:masterClrMapping/>
+  </p:clrMapOvr>
 </p:sldLayout>
 </file>
 
 <file path=ppt/slideLayouts/slideLayout5.xml><?xml version="1.0" encoding="utf-8"?>
-<p:sldLayout xmlns:a="http://schemas.openxmlformats.org/drawingml/2006/main" xmlns:p="http://schemas.openxmlformats.org/presentationml/2006/main" xmlns:r="http://schemas.openxmlformats.org/officeDocument/2006/relationships" xmlns:p14="http://schemas.microsoft.com/office/powerpoint/2010/main" xmlns:p15="http://schemas.microsoft.com/office/powerpoint/2012/main" xmlns:mc="http://schemas.openxmlformats.org/markup-compatibility/2006" type="titleOnly" preserve="1">
+<p:sldLayout xmlns:a="http://schemas.openxmlformats.org/drawingml/2006/main" xmlns:r="http://schemas.openxmlformats.org/officeDocument/2006/relationships" xmlns:p="http://schemas.openxmlformats.org/presentationml/2006/main" type="titleOnly" preserve="1">
   <p:cSld name="Title Only">
     <p:spTree>
       <p:nvGrpSpPr>
@@ -11491,12 +11987,13 @@
           </a:prstGeom>
         </p:spPr>
         <p:txBody>
-          <a:bodyPr lIns="0" rIns="0" tIns="0" bIns="0" anchor="ctr">
+          <a:bodyPr lIns="0" tIns="0" rIns="0" bIns="0" anchor="ctr">
             <a:noAutofit/>
           </a:bodyPr>
+          <a:lstStyle/>
           <a:p>
             <a:pPr algn="ctr"/>
-            <a:endParaRPr b="0" lang="en-US" sz="4400" spc="-1" strike="noStrike">
+            <a:endParaRPr lang="en-US" sz="4400" b="0" strike="noStrike" spc="-1">
               <a:latin typeface="Arial"/>
             </a:endParaRPr>
           </a:p>
@@ -11504,11 +12001,14 @@
       </p:sp>
     </p:spTree>
   </p:cSld>
+  <p:clrMapOvr>
+    <a:masterClrMapping/>
+  </p:clrMapOvr>
 </p:sldLayout>
 </file>
 
 <file path=ppt/slideLayouts/slideLayout6.xml><?xml version="1.0" encoding="utf-8"?>
-<p:sldLayout xmlns:a="http://schemas.openxmlformats.org/drawingml/2006/main" xmlns:p="http://schemas.openxmlformats.org/presentationml/2006/main" xmlns:r="http://schemas.openxmlformats.org/officeDocument/2006/relationships" xmlns:p14="http://schemas.microsoft.com/office/powerpoint/2010/main" xmlns:p15="http://schemas.microsoft.com/office/powerpoint/2012/main" xmlns:mc="http://schemas.openxmlformats.org/markup-compatibility/2006" type="objOnly" preserve="1">
+<p:sldLayout xmlns:a="http://schemas.openxmlformats.org/drawingml/2006/main" xmlns:r="http://schemas.openxmlformats.org/officeDocument/2006/relationships" xmlns:p="http://schemas.openxmlformats.org/presentationml/2006/main" type="objOnly" preserve="1">
   <p:cSld name="Centered Text">
     <p:spTree>
       <p:nvGrpSpPr>
@@ -11544,12 +12044,13 @@
           </a:prstGeom>
         </p:spPr>
         <p:txBody>
-          <a:bodyPr lIns="0" rIns="0" tIns="0" bIns="0" anchor="ctr">
+          <a:bodyPr lIns="0" tIns="0" rIns="0" bIns="0" anchor="ctr">
             <a:noAutofit/>
           </a:bodyPr>
+          <a:lstStyle/>
           <a:p>
             <a:pPr algn="ctr"/>
-            <a:endParaRPr b="0" lang="en-US" sz="3200" spc="-1" strike="noStrike">
+            <a:endParaRPr lang="en-US" sz="3200" b="0" strike="noStrike" spc="-1">
               <a:latin typeface="Arial"/>
             </a:endParaRPr>
           </a:p>
@@ -11557,11 +12058,14 @@
       </p:sp>
     </p:spTree>
   </p:cSld>
+  <p:clrMapOvr>
+    <a:masterClrMapping/>
+  </p:clrMapOvr>
 </p:sldLayout>
 </file>
 
 <file path=ppt/slideLayouts/slideLayout7.xml><?xml version="1.0" encoding="utf-8"?>
-<p:sldLayout xmlns:a="http://schemas.openxmlformats.org/drawingml/2006/main" xmlns:p="http://schemas.openxmlformats.org/presentationml/2006/main" xmlns:r="http://schemas.openxmlformats.org/officeDocument/2006/relationships" xmlns:p14="http://schemas.microsoft.com/office/powerpoint/2010/main" xmlns:p15="http://schemas.microsoft.com/office/powerpoint/2012/main" xmlns:mc="http://schemas.openxmlformats.org/markup-compatibility/2006" type="twoObjAndObj" preserve="1">
+<p:sldLayout xmlns:a="http://schemas.openxmlformats.org/drawingml/2006/main" xmlns:r="http://schemas.openxmlformats.org/officeDocument/2006/relationships" xmlns:p="http://schemas.openxmlformats.org/presentationml/2006/main" type="twoObjAndObj" preserve="1">
   <p:cSld name="Title, 2 Content and Content">
     <p:spTree>
       <p:nvGrpSpPr>
@@ -11597,12 +12101,13 @@
           </a:prstGeom>
         </p:spPr>
         <p:txBody>
-          <a:bodyPr lIns="0" rIns="0" tIns="0" bIns="0" anchor="ctr">
+          <a:bodyPr lIns="0" tIns="0" rIns="0" bIns="0" anchor="ctr">
             <a:noAutofit/>
           </a:bodyPr>
+          <a:lstStyle/>
           <a:p>
             <a:pPr algn="ctr"/>
-            <a:endParaRPr b="0" lang="en-US" sz="4400" spc="-1" strike="noStrike">
+            <a:endParaRPr lang="en-US" sz="4400" b="0" strike="noStrike" spc="-1">
               <a:latin typeface="Arial"/>
             </a:endParaRPr>
           </a:p>
@@ -11628,11 +12133,12 @@
           </a:prstGeom>
         </p:spPr>
         <p:txBody>
-          <a:bodyPr lIns="0" rIns="0" tIns="0" bIns="0">
+          <a:bodyPr lIns="0" tIns="0" rIns="0" bIns="0">
             <a:normAutofit/>
           </a:bodyPr>
+          <a:lstStyle/>
           <a:p>
-            <a:endParaRPr b="0" lang="en-US" sz="3200" spc="-1" strike="noStrike">
+            <a:endParaRPr lang="en-US" sz="3200" b="0" strike="noStrike" spc="-1">
               <a:latin typeface="Arial"/>
             </a:endParaRPr>
           </a:p>
@@ -11658,11 +12164,12 @@
           </a:prstGeom>
         </p:spPr>
         <p:txBody>
-          <a:bodyPr lIns="0" rIns="0" tIns="0" bIns="0">
+          <a:bodyPr lIns="0" tIns="0" rIns="0" bIns="0">
             <a:normAutofit/>
           </a:bodyPr>
+          <a:lstStyle/>
           <a:p>
-            <a:endParaRPr b="0" lang="en-US" sz="3200" spc="-1" strike="noStrike">
+            <a:endParaRPr lang="en-US" sz="3200" b="0" strike="noStrike" spc="-1">
               <a:latin typeface="Arial"/>
             </a:endParaRPr>
           </a:p>
@@ -11688,11 +12195,12 @@
           </a:prstGeom>
         </p:spPr>
         <p:txBody>
-          <a:bodyPr lIns="0" rIns="0" tIns="0" bIns="0">
+          <a:bodyPr lIns="0" tIns="0" rIns="0" bIns="0">
             <a:normAutofit/>
           </a:bodyPr>
+          <a:lstStyle/>
           <a:p>
-            <a:endParaRPr b="0" lang="en-US" sz="3200" spc="-1" strike="noStrike">
+            <a:endParaRPr lang="en-US" sz="3200" b="0" strike="noStrike" spc="-1">
               <a:latin typeface="Arial"/>
             </a:endParaRPr>
           </a:p>
@@ -11700,11 +12208,14 @@
       </p:sp>
     </p:spTree>
   </p:cSld>
+  <p:clrMapOvr>
+    <a:masterClrMapping/>
+  </p:clrMapOvr>
 </p:sldLayout>
 </file>
 
 <file path=ppt/slideLayouts/slideLayout8.xml><?xml version="1.0" encoding="utf-8"?>
-<p:sldLayout xmlns:a="http://schemas.openxmlformats.org/drawingml/2006/main" xmlns:p="http://schemas.openxmlformats.org/presentationml/2006/main" xmlns:r="http://schemas.openxmlformats.org/officeDocument/2006/relationships" xmlns:p14="http://schemas.microsoft.com/office/powerpoint/2010/main" xmlns:p15="http://schemas.microsoft.com/office/powerpoint/2012/main" xmlns:mc="http://schemas.openxmlformats.org/markup-compatibility/2006" type="objAndTwoObj" preserve="1">
+<p:sldLayout xmlns:a="http://schemas.openxmlformats.org/drawingml/2006/main" xmlns:r="http://schemas.openxmlformats.org/officeDocument/2006/relationships" xmlns:p="http://schemas.openxmlformats.org/presentationml/2006/main" type="objAndTwoObj" preserve="1">
   <p:cSld name="Title Content and 2 Content">
     <p:spTree>
       <p:nvGrpSpPr>
@@ -11740,12 +12251,13 @@
           </a:prstGeom>
         </p:spPr>
         <p:txBody>
-          <a:bodyPr lIns="0" rIns="0" tIns="0" bIns="0" anchor="ctr">
+          <a:bodyPr lIns="0" tIns="0" rIns="0" bIns="0" anchor="ctr">
             <a:noAutofit/>
           </a:bodyPr>
+          <a:lstStyle/>
           <a:p>
             <a:pPr algn="ctr"/>
-            <a:endParaRPr b="0" lang="en-US" sz="4400" spc="-1" strike="noStrike">
+            <a:endParaRPr lang="en-US" sz="4400" b="0" strike="noStrike" spc="-1">
               <a:latin typeface="Arial"/>
             </a:endParaRPr>
           </a:p>
@@ -11771,11 +12283,12 @@
           </a:prstGeom>
         </p:spPr>
         <p:txBody>
-          <a:bodyPr lIns="0" rIns="0" tIns="0" bIns="0">
+          <a:bodyPr lIns="0" tIns="0" rIns="0" bIns="0">
             <a:normAutofit/>
           </a:bodyPr>
+          <a:lstStyle/>
           <a:p>
-            <a:endParaRPr b="0" lang="en-US" sz="3200" spc="-1" strike="noStrike">
+            <a:endParaRPr lang="en-US" sz="3200" b="0" strike="noStrike" spc="-1">
               <a:latin typeface="Arial"/>
             </a:endParaRPr>
           </a:p>
@@ -11801,11 +12314,12 @@
           </a:prstGeom>
         </p:spPr>
         <p:txBody>
-          <a:bodyPr lIns="0" rIns="0" tIns="0" bIns="0">
+          <a:bodyPr lIns="0" tIns="0" rIns="0" bIns="0">
             <a:normAutofit/>
           </a:bodyPr>
+          <a:lstStyle/>
           <a:p>
-            <a:endParaRPr b="0" lang="en-US" sz="3200" spc="-1" strike="noStrike">
+            <a:endParaRPr lang="en-US" sz="3200" b="0" strike="noStrike" spc="-1">
               <a:latin typeface="Arial"/>
             </a:endParaRPr>
           </a:p>
@@ -11831,11 +12345,12 @@
           </a:prstGeom>
         </p:spPr>
         <p:txBody>
-          <a:bodyPr lIns="0" rIns="0" tIns="0" bIns="0">
+          <a:bodyPr lIns="0" tIns="0" rIns="0" bIns="0">
             <a:normAutofit/>
           </a:bodyPr>
+          <a:lstStyle/>
           <a:p>
-            <a:endParaRPr b="0" lang="en-US" sz="3200" spc="-1" strike="noStrike">
+            <a:endParaRPr lang="en-US" sz="3200" b="0" strike="noStrike" spc="-1">
               <a:latin typeface="Arial"/>
             </a:endParaRPr>
           </a:p>
@@ -11843,11 +12358,14 @@
       </p:sp>
     </p:spTree>
   </p:cSld>
+  <p:clrMapOvr>
+    <a:masterClrMapping/>
+  </p:clrMapOvr>
 </p:sldLayout>
 </file>
 
 <file path=ppt/slideLayouts/slideLayout9.xml><?xml version="1.0" encoding="utf-8"?>
-<p:sldLayout xmlns:a="http://schemas.openxmlformats.org/drawingml/2006/main" xmlns:p="http://schemas.openxmlformats.org/presentationml/2006/main" xmlns:r="http://schemas.openxmlformats.org/officeDocument/2006/relationships" xmlns:p14="http://schemas.microsoft.com/office/powerpoint/2010/main" xmlns:p15="http://schemas.microsoft.com/office/powerpoint/2012/main" xmlns:mc="http://schemas.openxmlformats.org/markup-compatibility/2006" type="twoObjOverTx" preserve="1">
+<p:sldLayout xmlns:a="http://schemas.openxmlformats.org/drawingml/2006/main" xmlns:r="http://schemas.openxmlformats.org/officeDocument/2006/relationships" xmlns:p="http://schemas.openxmlformats.org/presentationml/2006/main" type="twoObjOverTx" preserve="1">
   <p:cSld name="Title, 2 Content over Content">
     <p:spTree>
       <p:nvGrpSpPr>
@@ -11883,12 +12401,13 @@
           </a:prstGeom>
         </p:spPr>
         <p:txBody>
-          <a:bodyPr lIns="0" rIns="0" tIns="0" bIns="0" anchor="ctr">
+          <a:bodyPr lIns="0" tIns="0" rIns="0" bIns="0" anchor="ctr">
             <a:noAutofit/>
           </a:bodyPr>
+          <a:lstStyle/>
           <a:p>
             <a:pPr algn="ctr"/>
-            <a:endParaRPr b="0" lang="en-US" sz="4400" spc="-1" strike="noStrike">
+            <a:endParaRPr lang="en-US" sz="4400" b="0" strike="noStrike" spc="-1">
               <a:latin typeface="Arial"/>
             </a:endParaRPr>
           </a:p>
@@ -11914,11 +12433,12 @@
           </a:prstGeom>
         </p:spPr>
         <p:txBody>
-          <a:bodyPr lIns="0" rIns="0" tIns="0" bIns="0">
+          <a:bodyPr lIns="0" tIns="0" rIns="0" bIns="0">
             <a:normAutofit/>
           </a:bodyPr>
+          <a:lstStyle/>
           <a:p>
-            <a:endParaRPr b="0" lang="en-US" sz="3200" spc="-1" strike="noStrike">
+            <a:endParaRPr lang="en-US" sz="3200" b="0" strike="noStrike" spc="-1">
               <a:latin typeface="Arial"/>
             </a:endParaRPr>
           </a:p>
@@ -11944,11 +12464,12 @@
           </a:prstGeom>
         </p:spPr>
         <p:txBody>
-          <a:bodyPr lIns="0" rIns="0" tIns="0" bIns="0">
+          <a:bodyPr lIns="0" tIns="0" rIns="0" bIns="0">
             <a:normAutofit/>
           </a:bodyPr>
+          <a:lstStyle/>
           <a:p>
-            <a:endParaRPr b="0" lang="en-US" sz="3200" spc="-1" strike="noStrike">
+            <a:endParaRPr lang="en-US" sz="3200" b="0" strike="noStrike" spc="-1">
               <a:latin typeface="Arial"/>
             </a:endParaRPr>
           </a:p>
@@ -11974,11 +12495,12 @@
           </a:prstGeom>
         </p:spPr>
         <p:txBody>
-          <a:bodyPr lIns="0" rIns="0" tIns="0" bIns="0">
+          <a:bodyPr lIns="0" tIns="0" rIns="0" bIns="0">
             <a:normAutofit/>
           </a:bodyPr>
+          <a:lstStyle/>
           <a:p>
-            <a:endParaRPr b="0" lang="en-US" sz="3200" spc="-1" strike="noStrike">
+            <a:endParaRPr lang="en-US" sz="3200" b="0" strike="noStrike" spc="-1">
               <a:latin typeface="Arial"/>
             </a:endParaRPr>
           </a:p>
@@ -11986,17 +12508,21 @@
       </p:sp>
     </p:spTree>
   </p:cSld>
+  <p:clrMapOvr>
+    <a:masterClrMapping/>
+  </p:clrMapOvr>
 </p:sldLayout>
 </file>
 
 <file path=ppt/slideMasters/slideMaster1.xml><?xml version="1.0" encoding="utf-8"?>
-<p:sldMaster xmlns:a="http://schemas.openxmlformats.org/drawingml/2006/main" xmlns:p="http://schemas.openxmlformats.org/presentationml/2006/main" xmlns:r="http://schemas.openxmlformats.org/officeDocument/2006/relationships" xmlns:p14="http://schemas.microsoft.com/office/powerpoint/2010/main" xmlns:p15="http://schemas.microsoft.com/office/powerpoint/2012/main" xmlns:mc="http://schemas.openxmlformats.org/markup-compatibility/2006">
+<p:sldMaster xmlns:a="http://schemas.openxmlformats.org/drawingml/2006/main" xmlns:r="http://schemas.openxmlformats.org/officeDocument/2006/relationships" xmlns:p="http://schemas.openxmlformats.org/presentationml/2006/main">
   <p:cSld>
     <p:bg>
       <p:bgPr>
         <a:solidFill>
-          <a:srgbClr val="ffffff"/>
+          <a:srgbClr val="FFFFFF"/>
         </a:solidFill>
+        <a:effectLst/>
       </p:bgPr>
     </p:bg>
     <p:spTree>
@@ -12015,7 +12541,7 @@
       </p:grpSpPr>
       <p:sp>
         <p:nvSpPr>
-          <p:cNvPr id="0" name="PlaceHolder 1"/>
+          <p:cNvPr id="2" name="PlaceHolder 1"/>
           <p:cNvSpPr>
             <a:spLocks noGrp="1"/>
           </p:cNvSpPr>
@@ -12033,26 +12559,24 @@
           </a:prstGeom>
         </p:spPr>
         <p:txBody>
-          <a:bodyPr lIns="0" rIns="0" tIns="0" bIns="0" anchor="ctr">
+          <a:bodyPr lIns="0" tIns="0" rIns="0" bIns="0" anchor="ctr">
             <a:noAutofit/>
           </a:bodyPr>
+          <a:lstStyle/>
           <a:p>
             <a:pPr algn="ctr"/>
             <a:r>
-              <a:rPr b="0" lang="en-US" sz="4400" spc="-1" strike="noStrike">
+              <a:rPr lang="en-US" sz="4400" b="0" strike="noStrike" spc="-1">
                 <a:latin typeface="Arial"/>
               </a:rPr>
               <a:t>Click to edit the title text format</a:t>
             </a:r>
-            <a:endParaRPr b="0" lang="en-US" sz="4400" spc="-1" strike="noStrike">
-              <a:latin typeface="Arial"/>
-            </a:endParaRPr>
           </a:p>
         </p:txBody>
       </p:sp>
       <p:sp>
         <p:nvSpPr>
-          <p:cNvPr id="1" name="PlaceHolder 2"/>
+          <p:cNvPr id="3" name="PlaceHolder 2"/>
           <p:cNvSpPr>
             <a:spLocks noGrp="1"/>
           </p:cNvSpPr>
@@ -12070,9 +12594,10 @@
           </a:prstGeom>
         </p:spPr>
         <p:txBody>
-          <a:bodyPr lIns="0" rIns="0" tIns="0" bIns="0">
+          <a:bodyPr lIns="0" tIns="0" rIns="0" bIns="0">
             <a:normAutofit/>
           </a:bodyPr>
+          <a:lstStyle/>
           <a:p>
             <a:pPr marL="432000" indent="-324000">
               <a:spcBef>
@@ -12086,17 +12611,14 @@
               <a:buChar char=""/>
             </a:pPr>
             <a:r>
-              <a:rPr b="0" lang="en-US" sz="3200" spc="-1" strike="noStrike">
+              <a:rPr lang="en-US" sz="3200" b="0" strike="noStrike" spc="-1">
                 <a:latin typeface="Arial"/>
               </a:rPr>
               <a:t>Click to edit the outline text format</a:t>
             </a:r>
-            <a:endParaRPr b="0" lang="en-US" sz="3200" spc="-1" strike="noStrike">
-              <a:latin typeface="Arial"/>
-            </a:endParaRPr>
           </a:p>
           <a:p>
-            <a:pPr lvl="1" marL="864000" indent="-324000">
+            <a:pPr marL="864000" lvl="1" indent="-324000">
               <a:spcBef>
                 <a:spcPts val="1134"/>
               </a:spcBef>
@@ -12108,17 +12630,14 @@
               <a:buChar char=""/>
             </a:pPr>
             <a:r>
-              <a:rPr b="0" lang="en-US" sz="2800" spc="-1" strike="noStrike">
+              <a:rPr lang="en-US" sz="2800" b="0" strike="noStrike" spc="-1">
                 <a:latin typeface="Arial"/>
               </a:rPr>
               <a:t>Second Outline Level</a:t>
             </a:r>
-            <a:endParaRPr b="0" lang="en-US" sz="2800" spc="-1" strike="noStrike">
-              <a:latin typeface="Arial"/>
-            </a:endParaRPr>
           </a:p>
           <a:p>
-            <a:pPr lvl="2" marL="1296000" indent="-288000">
+            <a:pPr marL="1296000" lvl="2" indent="-288000">
               <a:spcBef>
                 <a:spcPts val="850"/>
               </a:spcBef>
@@ -12130,17 +12649,14 @@
               <a:buChar char=""/>
             </a:pPr>
             <a:r>
-              <a:rPr b="0" lang="en-US" sz="2400" spc="-1" strike="noStrike">
+              <a:rPr lang="en-US" sz="2400" b="0" strike="noStrike" spc="-1">
                 <a:latin typeface="Arial"/>
               </a:rPr>
               <a:t>Third Outline Level</a:t>
             </a:r>
-            <a:endParaRPr b="0" lang="en-US" sz="2400" spc="-1" strike="noStrike">
-              <a:latin typeface="Arial"/>
-            </a:endParaRPr>
           </a:p>
           <a:p>
-            <a:pPr lvl="3" marL="1728000" indent="-216000">
+            <a:pPr marL="1728000" lvl="3" indent="-216000">
               <a:spcBef>
                 <a:spcPts val="567"/>
               </a:spcBef>
@@ -12152,17 +12668,14 @@
               <a:buChar char=""/>
             </a:pPr>
             <a:r>
-              <a:rPr b="0" lang="en-US" sz="2000" spc="-1" strike="noStrike">
+              <a:rPr lang="en-US" sz="2000" b="0" strike="noStrike" spc="-1">
                 <a:latin typeface="Arial"/>
               </a:rPr>
               <a:t>Fourth Outline Level</a:t>
             </a:r>
-            <a:endParaRPr b="0" lang="en-US" sz="2000" spc="-1" strike="noStrike">
-              <a:latin typeface="Arial"/>
-            </a:endParaRPr>
           </a:p>
           <a:p>
-            <a:pPr lvl="4" marL="2160000" indent="-216000">
+            <a:pPr marL="2160000" lvl="4" indent="-216000">
               <a:spcBef>
                 <a:spcPts val="283"/>
               </a:spcBef>
@@ -12174,17 +12687,14 @@
               <a:buChar char=""/>
             </a:pPr>
             <a:r>
-              <a:rPr b="0" lang="en-US" sz="2000" spc="-1" strike="noStrike">
+              <a:rPr lang="en-US" sz="2000" b="0" strike="noStrike" spc="-1">
                 <a:latin typeface="Arial"/>
               </a:rPr>
               <a:t>Fifth Outline Level</a:t>
             </a:r>
-            <a:endParaRPr b="0" lang="en-US" sz="2000" spc="-1" strike="noStrike">
-              <a:latin typeface="Arial"/>
-            </a:endParaRPr>
           </a:p>
           <a:p>
-            <a:pPr lvl="5" marL="2592000" indent="-216000">
+            <a:pPr marL="2592000" lvl="5" indent="-216000">
               <a:spcBef>
                 <a:spcPts val="283"/>
               </a:spcBef>
@@ -12196,17 +12706,14 @@
               <a:buChar char=""/>
             </a:pPr>
             <a:r>
-              <a:rPr b="0" lang="en-US" sz="2000" spc="-1" strike="noStrike">
+              <a:rPr lang="en-US" sz="2000" b="0" strike="noStrike" spc="-1">
                 <a:latin typeface="Arial"/>
               </a:rPr>
               <a:t>Sixth Outline Level</a:t>
             </a:r>
-            <a:endParaRPr b="0" lang="en-US" sz="2000" spc="-1" strike="noStrike">
-              <a:latin typeface="Arial"/>
-            </a:endParaRPr>
           </a:p>
           <a:p>
-            <a:pPr lvl="6" marL="3024000" indent="-216000">
+            <a:pPr marL="3024000" lvl="6" indent="-216000">
               <a:spcBef>
                 <a:spcPts val="283"/>
               </a:spcBef>
@@ -12218,45 +12725,48 @@
               <a:buChar char=""/>
             </a:pPr>
             <a:r>
-              <a:rPr b="0" lang="en-US" sz="2000" spc="-1" strike="noStrike">
+              <a:rPr lang="en-US" sz="2000" b="0" strike="noStrike" spc="-1">
                 <a:latin typeface="Arial"/>
               </a:rPr>
               <a:t>Seventh Outline Level</a:t>
             </a:r>
-            <a:endParaRPr b="0" lang="en-US" sz="2000" spc="-1" strike="noStrike">
-              <a:latin typeface="Arial"/>
-            </a:endParaRPr>
           </a:p>
         </p:txBody>
       </p:sp>
     </p:spTree>
   </p:cSld>
-  <p:clrMap bg1="lt1" bg2="lt2" tx1="dk1" tx2="dk2" accent1="accent1" accent2="accent2" accent3="accent3" accent4="accent4" accent5="accent5" accent6="accent6" hlink="hlink" folHlink="folHlink"/>
+  <p:clrMap bg1="lt1" tx1="dk1" bg2="lt2" tx2="dk2" accent1="accent1" accent2="accent2" accent3="accent3" accent4="accent4" accent5="accent5" accent6="accent6" hlink="hlink" folHlink="folHlink"/>
   <p:sldLayoutIdLst>
-    <p:sldLayoutId id="2147483649" r:id="rId2"/>
-    <p:sldLayoutId id="2147483650" r:id="rId3"/>
-    <p:sldLayoutId id="2147483651" r:id="rId4"/>
-    <p:sldLayoutId id="2147483652" r:id="rId5"/>
-    <p:sldLayoutId id="2147483653" r:id="rId6"/>
-    <p:sldLayoutId id="2147483654" r:id="rId7"/>
-    <p:sldLayoutId id="2147483655" r:id="rId8"/>
-    <p:sldLayoutId id="2147483656" r:id="rId9"/>
-    <p:sldLayoutId id="2147483657" r:id="rId10"/>
-    <p:sldLayoutId id="2147483658" r:id="rId11"/>
-    <p:sldLayoutId id="2147483659" r:id="rId12"/>
-    <p:sldLayoutId id="2147483660" r:id="rId13"/>
+    <p:sldLayoutId id="2147483649" r:id="rId1"/>
+    <p:sldLayoutId id="2147483650" r:id="rId2"/>
+    <p:sldLayoutId id="2147483651" r:id="rId3"/>
+    <p:sldLayoutId id="2147483652" r:id="rId4"/>
+    <p:sldLayoutId id="2147483653" r:id="rId5"/>
+    <p:sldLayoutId id="2147483654" r:id="rId6"/>
+    <p:sldLayoutId id="2147483655" r:id="rId7"/>
+    <p:sldLayoutId id="2147483656" r:id="rId8"/>
+    <p:sldLayoutId id="2147483657" r:id="rId9"/>
+    <p:sldLayoutId id="2147483658" r:id="rId10"/>
+    <p:sldLayoutId id="2147483659" r:id="rId11"/>
+    <p:sldLayoutId id="2147483660" r:id="rId12"/>
   </p:sldLayoutIdLst>
+  <p:txStyles>
+    <p:titleStyle/>
+    <p:bodyStyle/>
+    <p:otherStyle/>
+  </p:txStyles>
 </p:sldMaster>
 </file>
 
 <file path=ppt/slideMasters/slideMaster2.xml><?xml version="1.0" encoding="utf-8"?>
-<p:sldMaster xmlns:a="http://schemas.openxmlformats.org/drawingml/2006/main" xmlns:p="http://schemas.openxmlformats.org/presentationml/2006/main" xmlns:r="http://schemas.openxmlformats.org/officeDocument/2006/relationships" xmlns:p14="http://schemas.microsoft.com/office/powerpoint/2010/main" xmlns:p15="http://schemas.microsoft.com/office/powerpoint/2012/main" xmlns:mc="http://schemas.openxmlformats.org/markup-compatibility/2006">
+<p:sldMaster xmlns:a="http://schemas.openxmlformats.org/drawingml/2006/main" xmlns:r="http://schemas.openxmlformats.org/officeDocument/2006/relationships" xmlns:p="http://schemas.openxmlformats.org/presentationml/2006/main">
   <p:cSld>
     <p:bg>
       <p:bgPr>
         <a:solidFill>
-          <a:srgbClr val="ffffff"/>
+          <a:srgbClr val="FFFFFF"/>
         </a:solidFill>
+        <a:effectLst/>
       </p:bgPr>
     </p:bg>
     <p:spTree>
@@ -12293,19 +12803,17 @@
           </a:prstGeom>
         </p:spPr>
         <p:txBody>
-          <a:bodyPr lIns="0" rIns="0" tIns="0" bIns="0" anchor="ctr">
+          <a:bodyPr lIns="0" tIns="0" rIns="0" bIns="0" anchor="ctr">
             <a:noAutofit/>
           </a:bodyPr>
+          <a:lstStyle/>
           <a:p>
             <a:r>
-              <a:rPr b="0" lang="en-US" sz="1800" spc="-1" strike="noStrike">
+              <a:rPr lang="en-US" sz="1800" b="0" strike="noStrike" spc="-1">
                 <a:latin typeface="Arial"/>
               </a:rPr>
               <a:t>Click to edit the title text format</a:t>
             </a:r>
-            <a:endParaRPr b="0" lang="en-US" sz="1800" spc="-1" strike="noStrike">
-              <a:latin typeface="Arial"/>
-            </a:endParaRPr>
           </a:p>
         </p:txBody>
       </p:sp>
@@ -12329,9 +12837,10 @@
           </a:prstGeom>
         </p:spPr>
         <p:txBody>
-          <a:bodyPr lIns="0" rIns="0" tIns="0" bIns="0">
+          <a:bodyPr lIns="0" tIns="0" rIns="0" bIns="0">
             <a:normAutofit/>
           </a:bodyPr>
+          <a:lstStyle/>
           <a:p>
             <a:pPr marL="432000" indent="-324000">
               <a:spcBef>
@@ -12345,17 +12854,14 @@
               <a:buChar char=""/>
             </a:pPr>
             <a:r>
-              <a:rPr b="0" lang="en-US" sz="1800" spc="-1" strike="noStrike">
+              <a:rPr lang="en-US" sz="1800" b="0" strike="noStrike" spc="-1">
                 <a:latin typeface="Arial"/>
               </a:rPr>
               <a:t>Click to edit the outline text format</a:t>
             </a:r>
-            <a:endParaRPr b="0" lang="en-US" sz="1800" spc="-1" strike="noStrike">
-              <a:latin typeface="Arial"/>
-            </a:endParaRPr>
           </a:p>
           <a:p>
-            <a:pPr lvl="1" marL="864000" indent="-324000">
+            <a:pPr marL="864000" lvl="1" indent="-324000">
               <a:spcBef>
                 <a:spcPts val="1134"/>
               </a:spcBef>
@@ -12367,17 +12873,14 @@
               <a:buChar char=""/>
             </a:pPr>
             <a:r>
-              <a:rPr b="0" lang="en-US" sz="1800" spc="-1" strike="noStrike">
+              <a:rPr lang="en-US" sz="1800" b="0" strike="noStrike" spc="-1">
                 <a:latin typeface="Arial"/>
               </a:rPr>
               <a:t>Second Outline Level</a:t>
             </a:r>
-            <a:endParaRPr b="0" lang="en-US" sz="1800" spc="-1" strike="noStrike">
-              <a:latin typeface="Arial"/>
-            </a:endParaRPr>
           </a:p>
           <a:p>
-            <a:pPr lvl="2" marL="1296000" indent="-288000">
+            <a:pPr marL="1296000" lvl="2" indent="-288000">
               <a:spcBef>
                 <a:spcPts val="850"/>
               </a:spcBef>
@@ -12389,17 +12892,14 @@
               <a:buChar char=""/>
             </a:pPr>
             <a:r>
-              <a:rPr b="0" lang="en-US" sz="1800" spc="-1" strike="noStrike">
+              <a:rPr lang="en-US" sz="1800" b="0" strike="noStrike" spc="-1">
                 <a:latin typeface="Arial"/>
               </a:rPr>
               <a:t>Third Outline Level</a:t>
             </a:r>
-            <a:endParaRPr b="0" lang="en-US" sz="1800" spc="-1" strike="noStrike">
-              <a:latin typeface="Arial"/>
-            </a:endParaRPr>
           </a:p>
           <a:p>
-            <a:pPr lvl="3" marL="1728000" indent="-216000">
+            <a:pPr marL="1728000" lvl="3" indent="-216000">
               <a:spcBef>
                 <a:spcPts val="567"/>
               </a:spcBef>
@@ -12411,17 +12911,14 @@
               <a:buChar char=""/>
             </a:pPr>
             <a:r>
-              <a:rPr b="0" lang="en-US" sz="1800" spc="-1" strike="noStrike">
+              <a:rPr lang="en-US" sz="1800" b="0" strike="noStrike" spc="-1">
                 <a:latin typeface="Arial"/>
               </a:rPr>
               <a:t>Fourth Outline Level</a:t>
             </a:r>
-            <a:endParaRPr b="0" lang="en-US" sz="1800" spc="-1" strike="noStrike">
-              <a:latin typeface="Arial"/>
-            </a:endParaRPr>
           </a:p>
           <a:p>
-            <a:pPr lvl="4" marL="2160000" indent="-216000">
+            <a:pPr marL="2160000" lvl="4" indent="-216000">
               <a:spcBef>
                 <a:spcPts val="283"/>
               </a:spcBef>
@@ -12433,17 +12930,14 @@
               <a:buChar char=""/>
             </a:pPr>
             <a:r>
-              <a:rPr b="0" lang="en-US" sz="1800" spc="-1" strike="noStrike">
+              <a:rPr lang="en-US" sz="1800" b="0" strike="noStrike" spc="-1">
                 <a:latin typeface="Arial"/>
               </a:rPr>
               <a:t>Fifth Outline Level</a:t>
             </a:r>
-            <a:endParaRPr b="0" lang="en-US" sz="1800" spc="-1" strike="noStrike">
-              <a:latin typeface="Arial"/>
-            </a:endParaRPr>
           </a:p>
           <a:p>
-            <a:pPr lvl="5" marL="2592000" indent="-216000">
+            <a:pPr marL="2592000" lvl="5" indent="-216000">
               <a:spcBef>
                 <a:spcPts val="283"/>
               </a:spcBef>
@@ -12455,17 +12949,14 @@
               <a:buChar char=""/>
             </a:pPr>
             <a:r>
-              <a:rPr b="0" lang="en-US" sz="1800" spc="-1" strike="noStrike">
+              <a:rPr lang="en-US" sz="1800" b="0" strike="noStrike" spc="-1">
                 <a:latin typeface="Arial"/>
               </a:rPr>
               <a:t>Sixth Outline Level</a:t>
             </a:r>
-            <a:endParaRPr b="0" lang="en-US" sz="1800" spc="-1" strike="noStrike">
-              <a:latin typeface="Arial"/>
-            </a:endParaRPr>
           </a:p>
           <a:p>
-            <a:pPr lvl="6" marL="3024000" indent="-216000">
+            <a:pPr marL="3024000" lvl="6" indent="-216000">
               <a:spcBef>
                 <a:spcPts val="283"/>
               </a:spcBef>
@@ -12477,45 +12968,48 @@
               <a:buChar char=""/>
             </a:pPr>
             <a:r>
-              <a:rPr b="0" lang="en-US" sz="1800" spc="-1" strike="noStrike">
+              <a:rPr lang="en-US" sz="1800" b="0" strike="noStrike" spc="-1">
                 <a:latin typeface="Arial"/>
               </a:rPr>
               <a:t>Seventh Outline Level</a:t>
             </a:r>
-            <a:endParaRPr b="0" lang="en-US" sz="1800" spc="-1" strike="noStrike">
-              <a:latin typeface="Arial"/>
-            </a:endParaRPr>
           </a:p>
         </p:txBody>
       </p:sp>
     </p:spTree>
   </p:cSld>
-  <p:clrMap bg1="lt1" bg2="lt2" tx1="dk1" tx2="dk2" accent1="accent1" accent2="accent2" accent3="accent3" accent4="accent4" accent5="accent5" accent6="accent6" hlink="hlink" folHlink="folHlink"/>
+  <p:clrMap bg1="lt1" tx1="dk1" bg2="lt2" tx2="dk2" accent1="accent1" accent2="accent2" accent3="accent3" accent4="accent4" accent5="accent5" accent6="accent6" hlink="hlink" folHlink="folHlink"/>
   <p:sldLayoutIdLst>
-    <p:sldLayoutId id="2147483662" r:id="rId2"/>
-    <p:sldLayoutId id="2147483663" r:id="rId3"/>
-    <p:sldLayoutId id="2147483664" r:id="rId4"/>
-    <p:sldLayoutId id="2147483665" r:id="rId5"/>
-    <p:sldLayoutId id="2147483666" r:id="rId6"/>
-    <p:sldLayoutId id="2147483667" r:id="rId7"/>
-    <p:sldLayoutId id="2147483668" r:id="rId8"/>
-    <p:sldLayoutId id="2147483669" r:id="rId9"/>
-    <p:sldLayoutId id="2147483670" r:id="rId10"/>
-    <p:sldLayoutId id="2147483671" r:id="rId11"/>
-    <p:sldLayoutId id="2147483672" r:id="rId12"/>
-    <p:sldLayoutId id="2147483673" r:id="rId13"/>
+    <p:sldLayoutId id="2147483662" r:id="rId1"/>
+    <p:sldLayoutId id="2147483663" r:id="rId2"/>
+    <p:sldLayoutId id="2147483664" r:id="rId3"/>
+    <p:sldLayoutId id="2147483665" r:id="rId4"/>
+    <p:sldLayoutId id="2147483666" r:id="rId5"/>
+    <p:sldLayoutId id="2147483667" r:id="rId6"/>
+    <p:sldLayoutId id="2147483668" r:id="rId7"/>
+    <p:sldLayoutId id="2147483669" r:id="rId8"/>
+    <p:sldLayoutId id="2147483670" r:id="rId9"/>
+    <p:sldLayoutId id="2147483671" r:id="rId10"/>
+    <p:sldLayoutId id="2147483672" r:id="rId11"/>
+    <p:sldLayoutId id="2147483673" r:id="rId12"/>
   </p:sldLayoutIdLst>
+  <p:txStyles>
+    <p:titleStyle/>
+    <p:bodyStyle/>
+    <p:otherStyle/>
+  </p:txStyles>
 </p:sldMaster>
 </file>
 
 <file path=ppt/slides/slide1.xml><?xml version="1.0" encoding="utf-8"?>
-<p:sld xmlns:a="http://schemas.openxmlformats.org/drawingml/2006/main" xmlns:p="http://schemas.openxmlformats.org/presentationml/2006/main" xmlns:r="http://schemas.openxmlformats.org/officeDocument/2006/relationships" xmlns:p14="http://schemas.microsoft.com/office/powerpoint/2010/main" xmlns:p15="http://schemas.microsoft.com/office/powerpoint/2012/main" xmlns:mc="http://schemas.openxmlformats.org/markup-compatibility/2006">
+<p:sld xmlns:a="http://schemas.openxmlformats.org/drawingml/2006/main" xmlns:r="http://schemas.openxmlformats.org/officeDocument/2006/relationships" xmlns:p="http://schemas.openxmlformats.org/presentationml/2006/main">
   <p:cSld>
     <p:bg>
       <p:bgPr>
         <a:solidFill>
-          <a:srgbClr val="ffffff"/>
+          <a:srgbClr val="FFFFFF"/>
         </a:solidFill>
+        <a:effectLst/>
       </p:bgPr>
     </p:bg>
     <p:spTree>
@@ -12624,26 +13118,33 @@
           </a:ln>
         </p:spPr>
         <p:style>
-          <a:lnRef idx="0"/>
-          <a:fillRef idx="0"/>
-          <a:effectRef idx="0"/>
+          <a:lnRef idx="0">
+            <a:scrgbClr r="0" g="0" b="0"/>
+          </a:lnRef>
+          <a:fillRef idx="0">
+            <a:scrgbClr r="0" g="0" b="0"/>
+          </a:fillRef>
+          <a:effectRef idx="0">
+            <a:scrgbClr r="0" g="0" b="0"/>
+          </a:effectRef>
           <a:fontRef idx="minor"/>
         </p:style>
         <p:txBody>
-          <a:bodyPr lIns="90000" rIns="90000" tIns="45000" bIns="45000" anchor="ctr">
-            <a:normAutofit fontScale="32000"/>
+          <a:bodyPr lIns="90000" tIns="45000" rIns="90000" bIns="45000" anchor="ctr">
+            <a:normAutofit fontScale="92000"/>
           </a:bodyPr>
+          <a:lstStyle/>
           <a:p>
             <a:pPr>
               <a:lnSpc>
                 <a:spcPct val="90000"/>
               </a:lnSpc>
               <a:tabLst>
-                <a:tab algn="l" pos="0"/>
+                <a:tab pos="0" algn="l"/>
               </a:tabLst>
             </a:pPr>
             <a:r>
-              <a:rPr b="1" lang="en-US" sz="3600" spc="-1" strike="noStrike">
+              <a:rPr lang="en-US" sz="3600" b="1" strike="noStrike" spc="-1">
                 <a:solidFill>
                   <a:srgbClr val="000000"/>
                 </a:solidFill>
@@ -12652,7 +13153,7 @@
               </a:rPr>
               <a:t>System Requirements and Configurations</a:t>
             </a:r>
-            <a:endParaRPr b="0" lang="en-US" sz="3600" spc="-1" strike="noStrike">
+            <a:endParaRPr lang="en-US" sz="3600" b="0" strike="noStrike" spc="-1">
               <a:latin typeface="Arial"/>
             </a:endParaRPr>
           </a:p>
@@ -12687,6 +13188,7 @@
               <a:avLst/>
               <a:gdLst/>
               <a:ahLst/>
+              <a:cxnLst/>
               <a:rect l="l" t="t" r="r" b="b"/>
               <a:pathLst>
                 <a:path w="6373761" h="6874714">
@@ -13092,12 +13594,12 @@
             <a:gradFill rotWithShape="0">
               <a:gsLst>
                 <a:gs pos="0">
-                  <a:srgbClr val="70ad47">
+                  <a:srgbClr val="70AD47">
                     <a:alpha val="10196"/>
                   </a:srgbClr>
                 </a:gs>
                 <a:gs pos="100000">
-                  <a:srgbClr val="4472c4">
+                  <a:srgbClr val="4472C4">
                     <a:alpha val="10196"/>
                   </a:srgbClr>
                 </a:gs>
@@ -13138,6 +13640,7 @@
               <a:avLst/>
               <a:gdLst/>
               <a:ahLst/>
+              <a:cxnLst/>
               <a:rect l="l" t="t" r="r" b="b"/>
               <a:pathLst>
                 <a:path w="6326724" h="6561326">
@@ -13494,12 +13997,12 @@
             <a:gradFill rotWithShape="0">
               <a:gsLst>
                 <a:gs pos="0">
-                  <a:srgbClr val="70ad47">
+                  <a:srgbClr val="70AD47">
                     <a:alpha val="10196"/>
                   </a:srgbClr>
                 </a:gs>
                 <a:gs pos="100000">
-                  <a:srgbClr val="4472c4">
+                  <a:srgbClr val="4472C4">
                     <a:alpha val="10196"/>
                   </a:srgbClr>
                 </a:gs>
@@ -13540,6 +14043,7 @@
               <a:avLst/>
               <a:gdLst/>
               <a:ahLst/>
+              <a:cxnLst/>
               <a:rect l="l" t="t" r="r" b="b"/>
               <a:pathLst>
                 <a:path w="6321679" h="6521594">
@@ -13675,12 +14179,12 @@
             <a:gradFill rotWithShape="0">
               <a:gsLst>
                 <a:gs pos="0">
-                  <a:srgbClr val="70ad47">
+                  <a:srgbClr val="70AD47">
                     <a:alpha val="10196"/>
                   </a:srgbClr>
                 </a:gs>
                 <a:gs pos="100000">
-                  <a:srgbClr val="4472c4">
+                  <a:srgbClr val="4472C4">
                     <a:alpha val="10196"/>
                   </a:srgbClr>
                 </a:gs>
@@ -13721,6 +14225,7 @@
               <a:avLst/>
               <a:gdLst/>
               <a:ahLst/>
+              <a:cxnLst/>
               <a:rect l="l" t="t" r="r" b="b"/>
               <a:pathLst>
                 <a:path w="6321679" h="6521594">
@@ -13866,12 +14371,12 @@
             <a:gradFill rotWithShape="0">
               <a:gsLst>
                 <a:gs pos="0">
-                  <a:srgbClr val="70ad47">
+                  <a:srgbClr val="70AD47">
                     <a:alpha val="10196"/>
                   </a:srgbClr>
                 </a:gs>
                 <a:gs pos="100000">
-                  <a:srgbClr val="4472c4">
+                  <a:srgbClr val="4472C4">
                     <a:alpha val="10196"/>
                   </a:srgbClr>
                 </a:gs>
@@ -13905,7 +14410,7 @@
           <p:nvPr/>
         </p:nvPicPr>
         <p:blipFill>
-          <a:blip r:embed="rId1"/>
+          <a:blip r:embed="rId3"/>
           <a:stretch/>
         </p:blipFill>
         <p:spPr>
@@ -13928,7 +14433,7 @@
           <p:nvPr/>
         </p:nvPicPr>
         <p:blipFill>
-          <a:blip r:embed="rId2"/>
+          <a:blip r:embed="rId4"/>
           <a:stretch/>
         </p:blipFill>
         <p:spPr>
@@ -13946,12 +14451,12 @@
       </p:pic>
       <p:graphicFrame>
         <p:nvGraphicFramePr>
-          <p:cNvPr id="1" name="Diagram1"/>
+          <p:cNvPr id="2" name="Diagram1"/>
           <p:cNvGraphicFramePr/>
           <p:nvPr>
             <p:extLst>
               <p:ext uri="{D42A27DB-BD31-4B8C-83A1-F6EECF244321}">
-                <p14:modId xmlns:p14="http://schemas.microsoft.com/office/powerpoint/2010/main" val="1736070665"/>
+                <p14:modId xmlns:p14="http://schemas.microsoft.com/office/powerpoint/2010/main" val="1404798221"/>
               </p:ext>
             </p:extLst>
           </p:nvPr>
@@ -13962,17 +14467,20 @@
         </p:xfrm>
         <a:graphic>
           <a:graphicData uri="http://schemas.openxmlformats.org/drawingml/2006/diagram">
-            <dgm:relIds xmlns:dgm="http://schemas.openxmlformats.org/drawingml/2006/diagram" xmlns:r="http://schemas.openxmlformats.org/officeDocument/2006/relationships" r:dm="rId3" r:lo="rId4" r:qs="rId5" r:cs="rId6"/>
+            <dgm:relIds xmlns:dgm="http://schemas.openxmlformats.org/drawingml/2006/diagram" xmlns:r="http://schemas.openxmlformats.org/officeDocument/2006/relationships" r:dm="rId5" r:lo="rId6" r:qs="rId7" r:cs="rId8"/>
           </a:graphicData>
         </a:graphic>
       </p:graphicFrame>
     </p:spTree>
   </p:cSld>
-  <mc:AlternateContent>
+  <p:clrMapOvr>
+    <a:masterClrMapping/>
+  </p:clrMapOvr>
+  <mc:AlternateContent xmlns:mc="http://schemas.openxmlformats.org/markup-compatibility/2006" xmlns:p14="http://schemas.microsoft.com/office/powerpoint/2010/main">
     <mc:Choice Requires="p14">
-      <p:transition spd="slow" advTm="31000" p14:dur="2000"/>
+      <p:transition spd="slow" p14:dur="2000" advTm="31000"/>
     </mc:Choice>
-    <mc:Fallback>
+    <mc:Fallback xmlns="" xmlns:p15="http://schemas.microsoft.com/office/powerpoint/2012/main">
       <p:transition spd="slow" advTm="31000"/>
     </mc:Fallback>
   </mc:AlternateContent>
@@ -13980,7 +14488,7 @@
 </file>
 
 <file path=ppt/slides/slide2.xml><?xml version="1.0" encoding="utf-8"?>
-<p:sld xmlns:a="http://schemas.openxmlformats.org/drawingml/2006/main" xmlns:p="http://schemas.openxmlformats.org/presentationml/2006/main" xmlns:r="http://schemas.openxmlformats.org/officeDocument/2006/relationships" xmlns:p14="http://schemas.microsoft.com/office/powerpoint/2010/main" xmlns:p15="http://schemas.microsoft.com/office/powerpoint/2012/main" xmlns:mc="http://schemas.openxmlformats.org/markup-compatibility/2006">
+<p:sld xmlns:a="http://schemas.openxmlformats.org/drawingml/2006/main" xmlns:r="http://schemas.openxmlformats.org/officeDocument/2006/relationships" xmlns:p="http://schemas.openxmlformats.org/presentationml/2006/main">
   <p:cSld>
     <p:spTree>
       <p:nvGrpSpPr>
@@ -14015,7 +14523,7 @@
             <a:noFill/>
           </a:ln>
           <a:effectLst>
-            <a:outerShdw algn="ctr" blurRad="57150" dir="5400000" dist="19080" rotWithShape="0">
+            <a:outerShdw blurRad="57150" dist="19080" dir="5400000" algn="ctr" rotWithShape="0">
               <a:srgbClr val="000000">
                 <a:alpha val="63000"/>
               </a:srgbClr>
@@ -14023,26 +14531,33 @@
           </a:effectLst>
         </p:spPr>
         <p:style>
-          <a:lnRef idx="0"/>
-          <a:fillRef idx="0"/>
-          <a:effectRef idx="0"/>
+          <a:lnRef idx="0">
+            <a:scrgbClr r="0" g="0" b="0"/>
+          </a:lnRef>
+          <a:fillRef idx="0">
+            <a:scrgbClr r="0" g="0" b="0"/>
+          </a:fillRef>
+          <a:effectRef idx="0">
+            <a:scrgbClr r="0" g="0" b="0"/>
+          </a:effectRef>
           <a:fontRef idx="minor"/>
         </p:style>
         <p:txBody>
-          <a:bodyPr lIns="90000" rIns="90000" tIns="45000" bIns="45000" anchor="ctr">
-            <a:normAutofit fontScale="32000"/>
+          <a:bodyPr lIns="90000" tIns="45000" rIns="90000" bIns="45000" anchor="ctr">
+            <a:normAutofit fontScale="99500" lnSpcReduction="10000"/>
           </a:bodyPr>
+          <a:lstStyle/>
           <a:p>
             <a:pPr>
               <a:lnSpc>
                 <a:spcPct val="90000"/>
               </a:lnSpc>
               <a:tabLst>
-                <a:tab algn="l" pos="0"/>
+                <a:tab pos="0" algn="l"/>
               </a:tabLst>
             </a:pPr>
             <a:r>
-              <a:rPr b="1" lang="en-US" sz="3600" spc="-1" strike="noStrike">
+              <a:rPr lang="en-US" sz="3600" b="1" strike="noStrike" spc="-1">
                 <a:solidFill>
                   <a:srgbClr val="000000"/>
                 </a:solidFill>
@@ -14051,7 +14566,7 @@
               </a:rPr>
               <a:t>Main LTE Blocks – For Cell Search</a:t>
             </a:r>
-            <a:endParaRPr b="0" lang="en-US" sz="3600" spc="-1" strike="noStrike">
+            <a:endParaRPr lang="en-US" sz="3600" b="0" strike="noStrike" spc="-1">
               <a:latin typeface="Arial"/>
             </a:endParaRPr>
           </a:p>
@@ -14075,7 +14590,7 @@
         </p:xfrm>
         <a:graphic>
           <a:graphicData uri="http://schemas.openxmlformats.org/drawingml/2006/diagram">
-            <dgm:relIds xmlns:dgm="http://schemas.openxmlformats.org/drawingml/2006/diagram" xmlns:r="http://schemas.openxmlformats.org/officeDocument/2006/relationships" r:dm="rId1" r:lo="rId2" r:qs="rId3" r:cs="rId4"/>
+            <dgm:relIds xmlns:dgm="http://schemas.openxmlformats.org/drawingml/2006/diagram" xmlns:r="http://schemas.openxmlformats.org/officeDocument/2006/relationships" r:dm="rId3" r:lo="rId4" r:qs="rId5" r:cs="rId6"/>
           </a:graphicData>
         </a:graphic>
       </p:graphicFrame>
@@ -14086,7 +14601,7 @@
           <p:nvPr/>
         </p:nvPicPr>
         <p:blipFill>
-          <a:blip r:embed="rId6"/>
+          <a:blip r:embed="rId8"/>
           <a:stretch/>
         </p:blipFill>
         <p:spPr>
@@ -14104,12 +14619,12 @@
       </p:pic>
       <p:pic>
         <p:nvPicPr>
-          <p:cNvPr id="94" name="Picture 17_1" descr=""/>
+          <p:cNvPr id="94" name="Picture 17_1"/>
           <p:cNvPicPr/>
           <p:nvPr/>
         </p:nvPicPr>
         <p:blipFill>
-          <a:blip r:embed="rId7"/>
+          <a:blip r:embed="rId9"/>
           <a:stretch/>
         </p:blipFill>
         <p:spPr>
@@ -14127,12 +14642,12 @@
       </p:pic>
       <p:pic>
         <p:nvPicPr>
-          <p:cNvPr id="95" name="Picture 19_1" descr=""/>
+          <p:cNvPr id="95" name="Picture 19_1"/>
           <p:cNvPicPr/>
           <p:nvPr/>
         </p:nvPicPr>
         <p:blipFill>
-          <a:blip r:embed="rId8"/>
+          <a:blip r:embed="rId10"/>
           <a:stretch/>
         </p:blipFill>
         <p:spPr>
@@ -14150,12 +14665,12 @@
       </p:pic>
       <p:pic>
         <p:nvPicPr>
-          <p:cNvPr id="96" name="Picture 2_1" descr=""/>
+          <p:cNvPr id="96" name="Picture 2_1"/>
           <p:cNvPicPr/>
           <p:nvPr/>
         </p:nvPicPr>
         <p:blipFill>
-          <a:blip r:embed="rId9"/>
+          <a:blip r:embed="rId11"/>
           <a:stretch/>
         </p:blipFill>
         <p:spPr>
@@ -14178,7 +14693,7 @@
           <p:nvPr/>
         </p:nvPicPr>
         <p:blipFill>
-          <a:blip r:embed="rId10"/>
+          <a:blip r:embed="rId12"/>
           <a:stretch/>
         </p:blipFill>
         <p:spPr>
@@ -14196,11 +14711,14 @@
       </p:pic>
     </p:spTree>
   </p:cSld>
-  <mc:AlternateContent>
+  <p:clrMapOvr>
+    <a:masterClrMapping/>
+  </p:clrMapOvr>
+  <mc:AlternateContent xmlns:mc="http://schemas.openxmlformats.org/markup-compatibility/2006" xmlns:p14="http://schemas.microsoft.com/office/powerpoint/2010/main">
     <mc:Choice Requires="p14">
-      <p:transition spd="slow" advTm="58000" p14:dur="2000"/>
+      <p:transition spd="slow" p14:dur="2000" advTm="58000"/>
     </mc:Choice>
-    <mc:Fallback>
+    <mc:Fallback xmlns="" xmlns:p15="http://schemas.microsoft.com/office/powerpoint/2012/main">
       <p:transition spd="slow" advTm="58000"/>
     </mc:Fallback>
   </mc:AlternateContent>
@@ -14208,7 +14726,7 @@
 </file>
 
 <file path=ppt/slides/slide3.xml><?xml version="1.0" encoding="utf-8"?>
-<p:sld xmlns:a="http://schemas.openxmlformats.org/drawingml/2006/main" xmlns:p="http://schemas.openxmlformats.org/presentationml/2006/main" xmlns:r="http://schemas.openxmlformats.org/officeDocument/2006/relationships" xmlns:p14="http://schemas.microsoft.com/office/powerpoint/2010/main" xmlns:p15="http://schemas.microsoft.com/office/powerpoint/2012/main" xmlns:mc="http://schemas.openxmlformats.org/markup-compatibility/2006">
+<p:sld xmlns:a="http://schemas.openxmlformats.org/drawingml/2006/main" xmlns:r="http://schemas.openxmlformats.org/officeDocument/2006/relationships" xmlns:p="http://schemas.openxmlformats.org/presentationml/2006/main">
   <p:cSld>
     <p:spTree>
       <p:nvGrpSpPr>
@@ -14244,26 +14762,33 @@
           </a:ln>
         </p:spPr>
         <p:style>
-          <a:lnRef idx="2"/>
-          <a:fillRef idx="0"/>
-          <a:effectRef idx="0"/>
+          <a:lnRef idx="2">
+            <a:scrgbClr r="0" g="0" b="0"/>
+          </a:lnRef>
+          <a:fillRef idx="0">
+            <a:scrgbClr r="0" g="0" b="0"/>
+          </a:fillRef>
+          <a:effectRef idx="0">
+            <a:scrgbClr r="0" g="0" b="0"/>
+          </a:effectRef>
           <a:fontRef idx="minor"/>
         </p:style>
         <p:txBody>
-          <a:bodyPr lIns="90000" rIns="90000" tIns="45000" bIns="45000" anchor="ctr">
-            <a:normAutofit/>
+          <a:bodyPr lIns="90000" tIns="45000" rIns="90000" bIns="45000" anchor="ctr">
+            <a:normAutofit lnSpcReduction="10000"/>
           </a:bodyPr>
+          <a:lstStyle/>
           <a:p>
             <a:pPr>
               <a:lnSpc>
                 <a:spcPct val="90000"/>
               </a:lnSpc>
               <a:tabLst>
-                <a:tab algn="l" pos="0"/>
+                <a:tab pos="0" algn="l"/>
               </a:tabLst>
             </a:pPr>
             <a:r>
-              <a:rPr b="1" lang="en-US" sz="3600" spc="-1" strike="noStrike">
+              <a:rPr lang="en-US" sz="3600" b="1" strike="noStrike" spc="-1">
                 <a:solidFill>
                   <a:srgbClr val="000000"/>
                 </a:solidFill>
@@ -14272,7 +14797,7 @@
               </a:rPr>
               <a:t>Frequency Estimation</a:t>
             </a:r>
-            <a:endParaRPr b="0" lang="en-US" sz="3600" spc="-1" strike="noStrike">
+            <a:endParaRPr lang="en-US" sz="3600" b="0" strike="noStrike" spc="-1">
               <a:latin typeface="Arial"/>
             </a:endParaRPr>
           </a:p>
@@ -14285,7 +14810,7 @@
           <p:nvPr/>
         </p:nvPicPr>
         <p:blipFill>
-          <a:blip r:embed="rId1"/>
+          <a:blip r:embed="rId3"/>
           <a:stretch/>
         </p:blipFill>
         <p:spPr>
@@ -14303,12 +14828,12 @@
       </p:pic>
       <p:pic>
         <p:nvPicPr>
-          <p:cNvPr id="100" name="Google Shape;180;g12f99aefe16_0_0" descr=""/>
+          <p:cNvPr id="100" name="Google Shape;180;g12f99aefe16_0_0"/>
           <p:cNvPicPr/>
           <p:nvPr/>
         </p:nvPicPr>
         <p:blipFill>
-          <a:blip r:embed="rId2"/>
+          <a:blip r:embed="rId4"/>
           <a:stretch/>
         </p:blipFill>
         <p:spPr>
@@ -14355,7 +14880,7 @@
               </a:avLst>
             </a:prstGeom>
             <a:solidFill>
-              <a:srgbClr val="d5dbe5"/>
+              <a:srgbClr val="D5DBE5"/>
             </a:solidFill>
             <a:ln w="12600">
               <a:solidFill>
@@ -14365,9 +14890,15 @@
             </a:ln>
           </p:spPr>
           <p:style>
-            <a:lnRef idx="0"/>
-            <a:fillRef idx="0"/>
-            <a:effectRef idx="0"/>
+            <a:lnRef idx="0">
+              <a:scrgbClr r="0" g="0" b="0"/>
+            </a:lnRef>
+            <a:fillRef idx="0">
+              <a:scrgbClr r="0" g="0" b="0"/>
+            </a:fillRef>
+            <a:effectRef idx="0">
+              <a:scrgbClr r="0" g="0" b="0"/>
+            </a:effectRef>
             <a:fontRef idx="minor"/>
           </p:style>
         </p:sp>
@@ -14391,26 +14922,33 @@
             </a:ln>
           </p:spPr>
           <p:style>
-            <a:lnRef idx="0"/>
-            <a:fillRef idx="0"/>
-            <a:effectRef idx="0"/>
+            <a:lnRef idx="0">
+              <a:scrgbClr r="0" g="0" b="0"/>
+            </a:lnRef>
+            <a:fillRef idx="0">
+              <a:scrgbClr r="0" g="0" b="0"/>
+            </a:fillRef>
+            <a:effectRef idx="0">
+              <a:scrgbClr r="0" g="0" b="0"/>
+            </a:effectRef>
             <a:fontRef idx="minor"/>
           </p:style>
           <p:txBody>
-            <a:bodyPr lIns="90000" rIns="90000" tIns="91440" bIns="91440">
+            <a:bodyPr lIns="90000" tIns="91440" rIns="90000" bIns="91440">
               <a:noAutofit/>
             </a:bodyPr>
+            <a:lstStyle/>
             <a:p>
               <a:pPr>
                 <a:lnSpc>
                   <a:spcPct val="90000"/>
                 </a:lnSpc>
                 <a:tabLst>
-                  <a:tab algn="l" pos="0"/>
+                  <a:tab pos="0" algn="l"/>
                 </a:tabLst>
               </a:pPr>
               <a:r>
-                <a:rPr b="0" lang="en-US" sz="2400" spc="-1" strike="noStrike">
+                <a:rPr lang="en-US" sz="2400" b="0" strike="noStrike" spc="-1">
                   <a:solidFill>
                     <a:srgbClr val="000000"/>
                   </a:solidFill>
@@ -14419,12 +14957,12 @@
                 </a:rPr>
                 <a:t>Identify data to recover</a:t>
               </a:r>
-              <a:endParaRPr b="0" lang="en-US" sz="2400" spc="-1" strike="noStrike">
+              <a:endParaRPr lang="en-US" sz="2400" b="0" strike="noStrike" spc="-1">
                 <a:latin typeface="Arial"/>
               </a:endParaRPr>
             </a:p>
             <a:p>
-              <a:pPr lvl="1" marL="171360" indent="-170280">
+              <a:pPr marL="171360" lvl="1" indent="-170280">
                 <a:lnSpc>
                   <a:spcPct val="90000"/>
                 </a:lnSpc>
@@ -14437,11 +14975,11 @@
                 <a:buFont typeface="Calibri"/>
                 <a:buChar char="•"/>
                 <a:tabLst>
-                  <a:tab algn="l" pos="0"/>
+                  <a:tab pos="0" algn="l"/>
                 </a:tabLst>
               </a:pPr>
               <a:r>
-                <a:rPr b="0" lang="en-US" sz="1600" spc="-1" strike="noStrike">
+                <a:rPr lang="en-US" sz="1600" b="0" strike="noStrike" spc="-1">
                   <a:solidFill>
                     <a:srgbClr val="000000"/>
                   </a:solidFill>
@@ -14451,7 +14989,7 @@
                 <a:t>f</a:t>
               </a:r>
               <a:r>
-                <a:rPr b="0" lang="en-US" sz="1600" spc="-1" strike="noStrike" baseline="-25000">
+                <a:rPr lang="en-US" sz="1600" b="0" strike="noStrike" spc="-1" baseline="-25000">
                   <a:solidFill>
                     <a:srgbClr val="000000"/>
                   </a:solidFill>
@@ -14461,7 +14999,7 @@
                 <a:t>s</a:t>
               </a:r>
               <a:r>
-                <a:rPr b="0" lang="en-US" sz="1600" spc="-1" strike="noStrike">
+                <a:rPr lang="en-US" sz="1600" b="0" strike="noStrike" spc="-1">
                   <a:solidFill>
                     <a:srgbClr val="000000"/>
                   </a:solidFill>
@@ -14470,12 +15008,12 @@
                 </a:rPr>
                 <a:t> = 1.92MHz, OFDM symbol = 128 samples</a:t>
               </a:r>
-              <a:endParaRPr b="0" lang="en-US" sz="1600" spc="-1" strike="noStrike">
+              <a:endParaRPr lang="en-US" sz="1600" b="0" strike="noStrike" spc="-1">
                 <a:latin typeface="Arial"/>
               </a:endParaRPr>
             </a:p>
             <a:p>
-              <a:pPr lvl="1" marL="171360" indent="-170280">
+              <a:pPr marL="171360" lvl="1" indent="-170280">
                 <a:lnSpc>
                   <a:spcPct val="90000"/>
                 </a:lnSpc>
@@ -14488,11 +15026,11 @@
                 <a:buFont typeface="Calibri"/>
                 <a:buChar char="•"/>
                 <a:tabLst>
-                  <a:tab algn="l" pos="0"/>
+                  <a:tab pos="0" algn="l"/>
                 </a:tabLst>
               </a:pPr>
               <a:r>
-                <a:rPr b="0" lang="en-US" sz="1600" spc="-1" strike="noStrike">
+                <a:rPr lang="en-US" sz="1600" b="0" strike="noStrike" spc="-1">
                   <a:solidFill>
                     <a:srgbClr val="000000"/>
                   </a:solidFill>
@@ -14502,7 +15040,7 @@
                 <a:t>N</a:t>
               </a:r>
               <a:r>
-                <a:rPr b="0" lang="en-US" sz="1600" spc="-1" strike="noStrike" baseline="-25000">
+                <a:rPr lang="en-US" sz="1600" b="0" strike="noStrike" spc="-1" baseline="-25000">
                   <a:solidFill>
                     <a:srgbClr val="000000"/>
                   </a:solidFill>
@@ -14512,7 +15050,7 @@
                 <a:t>CP</a:t>
               </a:r>
               <a:r>
-                <a:rPr b="0" lang="en-US" sz="1600" spc="-1" strike="noStrike">
+                <a:rPr lang="en-US" sz="1600" b="0" strike="noStrike" spc="-1">
                   <a:solidFill>
                     <a:srgbClr val="000000"/>
                   </a:solidFill>
@@ -14521,12 +15059,12 @@
                 </a:rPr>
                 <a:t> &gt; L, Channel impulse response</a:t>
               </a:r>
-              <a:endParaRPr b="0" lang="en-US" sz="1600" spc="-1" strike="noStrike">
+              <a:endParaRPr lang="en-US" sz="1600" b="0" strike="noStrike" spc="-1">
                 <a:latin typeface="Arial"/>
               </a:endParaRPr>
             </a:p>
             <a:p>
-              <a:pPr lvl="1" marL="171360" indent="-170280">
+              <a:pPr marL="171360" lvl="1" indent="-170280">
                 <a:lnSpc>
                   <a:spcPct val="90000"/>
                 </a:lnSpc>
@@ -14539,11 +15077,11 @@
                 <a:buFont typeface="Calibri"/>
                 <a:buChar char="•"/>
                 <a:tabLst>
-                  <a:tab algn="l" pos="0"/>
+                  <a:tab pos="0" algn="l"/>
                 </a:tabLst>
               </a:pPr>
               <a:r>
-                <a:rPr b="0" lang="en-US" sz="1600" spc="-1" strike="noStrike">
+                <a:rPr lang="en-US" sz="1600" b="0" strike="noStrike" spc="-1">
                   <a:solidFill>
                     <a:srgbClr val="000000"/>
                   </a:solidFill>
@@ -14552,7 +15090,7 @@
                 </a:rPr>
                 <a:t>CP = Cyclic Prefix, reduce likelihood of Inter-symbol Interference (ISI)</a:t>
               </a:r>
-              <a:endParaRPr b="0" lang="en-US" sz="1600" spc="-1" strike="noStrike">
+              <a:endParaRPr lang="en-US" sz="1600" b="0" strike="noStrike" spc="-1">
                 <a:latin typeface="Arial"/>
               </a:endParaRPr>
             </a:p>
@@ -14561,12 +15099,12 @@
       </p:grpSp>
       <p:pic>
         <p:nvPicPr>
-          <p:cNvPr id="104" name="Google Shape;184;g12f99aefe16_0_0" descr=""/>
+          <p:cNvPr id="104" name="Google Shape;184;g12f99aefe16_0_0"/>
           <p:cNvPicPr/>
           <p:nvPr/>
         </p:nvPicPr>
         <p:blipFill>
-          <a:blip r:embed="rId3"/>
+          <a:blip r:embed="rId5"/>
           <a:stretch/>
         </p:blipFill>
         <p:spPr>
@@ -14602,26 +15140,33 @@
           </a:ln>
         </p:spPr>
         <p:style>
-          <a:lnRef idx="0"/>
-          <a:fillRef idx="0"/>
-          <a:effectRef idx="0"/>
+          <a:lnRef idx="0">
+            <a:scrgbClr r="0" g="0" b="0"/>
+          </a:lnRef>
+          <a:fillRef idx="0">
+            <a:scrgbClr r="0" g="0" b="0"/>
+          </a:fillRef>
+          <a:effectRef idx="0">
+            <a:scrgbClr r="0" g="0" b="0"/>
+          </a:effectRef>
           <a:fontRef idx="minor"/>
         </p:style>
         <p:txBody>
-          <a:bodyPr lIns="90000" rIns="90000" tIns="91440" bIns="91440">
+          <a:bodyPr lIns="90000" tIns="91440" rIns="90000" bIns="91440">
             <a:spAutoFit/>
           </a:bodyPr>
+          <a:lstStyle/>
           <a:p>
             <a:pPr>
               <a:lnSpc>
                 <a:spcPct val="100000"/>
               </a:lnSpc>
               <a:tabLst>
-                <a:tab algn="l" pos="0"/>
+                <a:tab pos="0" algn="l"/>
               </a:tabLst>
             </a:pPr>
             <a:r>
-              <a:rPr b="0" lang="en-US" sz="1400" spc="-1" strike="noStrike">
+              <a:rPr lang="en-US" sz="1400" b="0" strike="noStrike" spc="-1">
                 <a:solidFill>
                   <a:srgbClr val="000000"/>
                 </a:solidFill>
@@ -14630,7 +15175,7 @@
               </a:rPr>
               <a:t>Test Bench: Verified HLS code with Matlab Simulated results</a:t>
             </a:r>
-            <a:endParaRPr b="0" lang="en-US" sz="1400" spc="-1" strike="noStrike">
+            <a:endParaRPr lang="en-US" sz="1400" b="0" strike="noStrike" spc="-1">
               <a:latin typeface="Arial"/>
             </a:endParaRPr>
           </a:p>
@@ -14638,11 +15183,14 @@
       </p:sp>
     </p:spTree>
   </p:cSld>
-  <mc:AlternateContent>
+  <p:clrMapOvr>
+    <a:masterClrMapping/>
+  </p:clrMapOvr>
+  <mc:AlternateContent xmlns:mc="http://schemas.openxmlformats.org/markup-compatibility/2006" xmlns:p14="http://schemas.microsoft.com/office/powerpoint/2010/main">
     <mc:Choice Requires="p14">
       <p:transition spd="slow" p14:dur="2000"/>
     </mc:Choice>
-    <mc:Fallback>
+    <mc:Fallback xmlns="" xmlns:p15="http://schemas.microsoft.com/office/powerpoint/2012/main">
       <p:transition spd="slow"/>
     </mc:Fallback>
   </mc:AlternateContent>
@@ -14650,7 +15198,7 @@
 </file>
 
 <file path=ppt/slides/slide4.xml><?xml version="1.0" encoding="utf-8"?>
-<p:sld xmlns:a="http://schemas.openxmlformats.org/drawingml/2006/main" xmlns:p="http://schemas.openxmlformats.org/presentationml/2006/main" xmlns:r="http://schemas.openxmlformats.org/officeDocument/2006/relationships" xmlns:p14="http://schemas.microsoft.com/office/powerpoint/2010/main" xmlns:p15="http://schemas.microsoft.com/office/powerpoint/2012/main" xmlns:mc="http://schemas.openxmlformats.org/markup-compatibility/2006">
+<p:sld xmlns:a="http://schemas.openxmlformats.org/drawingml/2006/main" xmlns:r="http://schemas.openxmlformats.org/officeDocument/2006/relationships" xmlns:p="http://schemas.openxmlformats.org/presentationml/2006/main">
   <p:cSld>
     <p:spTree>
       <p:nvGrpSpPr>
@@ -14686,26 +15234,33 @@
           </a:ln>
         </p:spPr>
         <p:style>
-          <a:lnRef idx="0"/>
-          <a:fillRef idx="0"/>
-          <a:effectRef idx="0"/>
+          <a:lnRef idx="0">
+            <a:scrgbClr r="0" g="0" b="0"/>
+          </a:lnRef>
+          <a:fillRef idx="0">
+            <a:scrgbClr r="0" g="0" b="0"/>
+          </a:fillRef>
+          <a:effectRef idx="0">
+            <a:scrgbClr r="0" g="0" b="0"/>
+          </a:effectRef>
           <a:fontRef idx="minor"/>
         </p:style>
         <p:txBody>
-          <a:bodyPr lIns="90000" rIns="90000" tIns="45000" bIns="45000" anchor="ctr">
-            <a:normAutofit/>
+          <a:bodyPr lIns="90000" tIns="45000" rIns="90000" bIns="45000" anchor="ctr">
+            <a:normAutofit lnSpcReduction="10000"/>
           </a:bodyPr>
+          <a:lstStyle/>
           <a:p>
             <a:pPr>
               <a:lnSpc>
                 <a:spcPct val="90000"/>
               </a:lnSpc>
               <a:tabLst>
-                <a:tab algn="l" pos="0"/>
+                <a:tab pos="0" algn="l"/>
               </a:tabLst>
             </a:pPr>
             <a:r>
-              <a:rPr b="1" lang="en-US" sz="3600" spc="-1" strike="noStrike">
+              <a:rPr lang="en-US" sz="3600" b="1" strike="noStrike" spc="-1">
                 <a:solidFill>
                   <a:srgbClr val="000000"/>
                 </a:solidFill>
@@ -14714,7 +15269,7 @@
               </a:rPr>
               <a:t>Synchronization</a:t>
             </a:r>
-            <a:endParaRPr b="0" lang="en-US" sz="3600" spc="-1" strike="noStrike">
+            <a:endParaRPr lang="en-US" sz="3600" b="0" strike="noStrike" spc="-1">
               <a:latin typeface="Arial"/>
             </a:endParaRPr>
           </a:p>
@@ -14727,7 +15282,7 @@
           <p:nvPr/>
         </p:nvPicPr>
         <p:blipFill>
-          <a:blip r:embed="rId1"/>
+          <a:blip r:embed="rId3"/>
           <a:stretch/>
         </p:blipFill>
         <p:spPr>
@@ -14745,12 +15300,12 @@
       </p:pic>
       <p:pic>
         <p:nvPicPr>
-          <p:cNvPr id="108" name="Google Shape;192;g12f99aefe16_1_4" descr=""/>
+          <p:cNvPr id="108" name="Google Shape;192;g12f99aefe16_1_4"/>
           <p:cNvPicPr/>
           <p:nvPr/>
         </p:nvPicPr>
         <p:blipFill>
-          <a:blip r:embed="rId2"/>
+          <a:blip r:embed="rId4"/>
           <a:stretch/>
         </p:blipFill>
         <p:spPr>
@@ -14797,7 +15352,7 @@
               </a:avLst>
             </a:prstGeom>
             <a:solidFill>
-              <a:srgbClr val="d5dbe5"/>
+              <a:srgbClr val="D5DBE5"/>
             </a:solidFill>
             <a:ln w="12600">
               <a:solidFill>
@@ -14807,9 +15362,15 @@
             </a:ln>
           </p:spPr>
           <p:style>
-            <a:lnRef idx="0"/>
-            <a:fillRef idx="0"/>
-            <a:effectRef idx="0"/>
+            <a:lnRef idx="0">
+              <a:scrgbClr r="0" g="0" b="0"/>
+            </a:lnRef>
+            <a:fillRef idx="0">
+              <a:scrgbClr r="0" g="0" b="0"/>
+            </a:fillRef>
+            <a:effectRef idx="0">
+              <a:scrgbClr r="0" g="0" b="0"/>
+            </a:effectRef>
             <a:fontRef idx="minor"/>
           </p:style>
         </p:sp>
@@ -14833,26 +15394,33 @@
             </a:ln>
           </p:spPr>
           <p:style>
-            <a:lnRef idx="0"/>
-            <a:fillRef idx="0"/>
-            <a:effectRef idx="0"/>
+            <a:lnRef idx="0">
+              <a:scrgbClr r="0" g="0" b="0"/>
+            </a:lnRef>
+            <a:fillRef idx="0">
+              <a:scrgbClr r="0" g="0" b="0"/>
+            </a:fillRef>
+            <a:effectRef idx="0">
+              <a:scrgbClr r="0" g="0" b="0"/>
+            </a:effectRef>
             <a:fontRef idx="minor"/>
           </p:style>
           <p:txBody>
-            <a:bodyPr lIns="90000" rIns="90000" tIns="91440" bIns="91440">
+            <a:bodyPr lIns="90000" tIns="91440" rIns="90000" bIns="91440">
               <a:noAutofit/>
             </a:bodyPr>
+            <a:lstStyle/>
             <a:p>
               <a:pPr>
                 <a:lnSpc>
                   <a:spcPct val="90000"/>
                 </a:lnSpc>
                 <a:tabLst>
-                  <a:tab algn="l" pos="0"/>
+                  <a:tab pos="0" algn="l"/>
                 </a:tabLst>
               </a:pPr>
               <a:r>
-                <a:rPr b="0" lang="en-US" sz="2400" spc="-1" strike="noStrike">
+                <a:rPr lang="en-US" sz="2400" b="0" strike="noStrike" spc="-1">
                   <a:solidFill>
                     <a:srgbClr val="000000"/>
                   </a:solidFill>
@@ -14861,12 +15429,12 @@
                 </a:rPr>
                 <a:t>Structure of LTE frame</a:t>
               </a:r>
-              <a:endParaRPr b="0" lang="en-US" sz="2400" spc="-1" strike="noStrike">
+              <a:endParaRPr lang="en-US" sz="2400" b="0" strike="noStrike" spc="-1">
                 <a:latin typeface="Arial"/>
               </a:endParaRPr>
             </a:p>
             <a:p>
-              <a:pPr lvl="1" marL="171360" indent="-170280">
+              <a:pPr marL="171360" lvl="1" indent="-170280">
                 <a:lnSpc>
                   <a:spcPct val="90000"/>
                 </a:lnSpc>
@@ -14879,11 +15447,11 @@
                 <a:buFont typeface="Calibri"/>
                 <a:buChar char="•"/>
                 <a:tabLst>
-                  <a:tab algn="l" pos="0"/>
+                  <a:tab pos="0" algn="l"/>
                 </a:tabLst>
               </a:pPr>
               <a:r>
-                <a:rPr b="0" lang="en-US" sz="1600" spc="-1" strike="noStrike">
+                <a:rPr lang="en-US" sz="1600" b="0" strike="noStrike" spc="-1">
                   <a:solidFill>
                     <a:srgbClr val="000000"/>
                   </a:solidFill>
@@ -14892,12 +15460,12 @@
                 </a:rPr>
                 <a:t>Identify 2 peaks over 10 slots (1 frame)</a:t>
               </a:r>
-              <a:endParaRPr b="0" lang="en-US" sz="1600" spc="-1" strike="noStrike">
+              <a:endParaRPr lang="en-US" sz="1600" b="0" strike="noStrike" spc="-1">
                 <a:latin typeface="Arial"/>
               </a:endParaRPr>
             </a:p>
             <a:p>
-              <a:pPr lvl="1" marL="171360" indent="-170280">
+              <a:pPr marL="171360" lvl="1" indent="-170280">
                 <a:lnSpc>
                   <a:spcPct val="90000"/>
                 </a:lnSpc>
@@ -14910,11 +15478,11 @@
                 <a:buFont typeface="Calibri"/>
                 <a:buChar char="•"/>
                 <a:tabLst>
-                  <a:tab algn="l" pos="0"/>
+                  <a:tab pos="0" algn="l"/>
                 </a:tabLst>
               </a:pPr>
               <a:r>
-                <a:rPr b="0" lang="en-US" sz="1600" spc="-1" strike="noStrike">
+                <a:rPr lang="en-US" sz="1600" b="0" strike="noStrike" spc="-1">
                   <a:solidFill>
                     <a:srgbClr val="000000"/>
                   </a:solidFill>
@@ -14923,12 +15491,12 @@
                 </a:rPr>
                 <a:t>Keep searching for pair of peaks to maintain sync using threshold detect - maintain sync</a:t>
               </a:r>
-              <a:endParaRPr b="0" lang="en-US" sz="1600" spc="-1" strike="noStrike">
+              <a:endParaRPr lang="en-US" sz="1600" b="0" strike="noStrike" spc="-1">
                 <a:latin typeface="Arial"/>
               </a:endParaRPr>
             </a:p>
             <a:p>
-              <a:pPr lvl="1" marL="171360" indent="-170280">
+              <a:pPr marL="171360" lvl="1" indent="-170280">
                 <a:lnSpc>
                   <a:spcPct val="90000"/>
                 </a:lnSpc>
@@ -14941,11 +15509,11 @@
                 <a:buFont typeface="Calibri"/>
                 <a:buChar char="•"/>
                 <a:tabLst>
-                  <a:tab algn="l" pos="0"/>
+                  <a:tab pos="0" algn="l"/>
                 </a:tabLst>
               </a:pPr>
               <a:r>
-                <a:rPr b="0" lang="en-US" sz="1600" spc="-1" strike="noStrike">
+                <a:rPr lang="en-US" sz="1600" b="0" strike="noStrike" spc="-1">
                   <a:solidFill>
                     <a:srgbClr val="000000"/>
                   </a:solidFill>
@@ -14954,7 +15522,7 @@
                 </a:rPr>
                 <a:t>Identify PSS / SSS to decode the Cell ID</a:t>
               </a:r>
-              <a:endParaRPr b="0" lang="en-US" sz="1600" spc="-1" strike="noStrike">
+              <a:endParaRPr lang="en-US" sz="1600" b="0" strike="noStrike" spc="-1">
                 <a:latin typeface="Arial"/>
               </a:endParaRPr>
             </a:p>
@@ -14963,12 +15531,12 @@
       </p:grpSp>
       <p:pic>
         <p:nvPicPr>
-          <p:cNvPr id="112" name="Google Shape;196;g12f99aefe16_1_4" descr=""/>
+          <p:cNvPr id="112" name="Google Shape;196;g12f99aefe16_1_4"/>
           <p:cNvPicPr/>
           <p:nvPr/>
         </p:nvPicPr>
         <p:blipFill>
-          <a:blip r:embed="rId3"/>
+          <a:blip r:embed="rId5"/>
           <a:stretch/>
         </p:blipFill>
         <p:spPr>
@@ -14986,12 +15554,12 @@
       </p:pic>
       <p:pic>
         <p:nvPicPr>
-          <p:cNvPr id="113" name="Google Shape;197;g12f99aefe16_1_4" descr=""/>
+          <p:cNvPr id="113" name="Google Shape;197;g12f99aefe16_1_4"/>
           <p:cNvPicPr/>
           <p:nvPr/>
         </p:nvPicPr>
         <p:blipFill>
-          <a:blip r:embed="rId4"/>
+          <a:blip r:embed="rId5"/>
           <a:stretch/>
         </p:blipFill>
         <p:spPr>
@@ -15012,11 +15580,14 @@
       </p:pic>
     </p:spTree>
   </p:cSld>
-  <mc:AlternateContent>
+  <p:clrMapOvr>
+    <a:masterClrMapping/>
+  </p:clrMapOvr>
+  <mc:AlternateContent xmlns:mc="http://schemas.openxmlformats.org/markup-compatibility/2006" xmlns:p14="http://schemas.microsoft.com/office/powerpoint/2010/main">
     <mc:Choice Requires="p14">
       <p:transition spd="slow" p14:dur="2000"/>
     </mc:Choice>
-    <mc:Fallback>
+    <mc:Fallback xmlns="" xmlns:p15="http://schemas.microsoft.com/office/powerpoint/2012/main">
       <p:transition spd="slow"/>
     </mc:Fallback>
   </mc:AlternateContent>
@@ -15024,7 +15595,7 @@
 </file>
 
 <file path=ppt/slides/slide5.xml><?xml version="1.0" encoding="utf-8"?>
-<p:sld xmlns:a="http://schemas.openxmlformats.org/drawingml/2006/main" xmlns:p="http://schemas.openxmlformats.org/presentationml/2006/main" xmlns:r="http://schemas.openxmlformats.org/officeDocument/2006/relationships" xmlns:p14="http://schemas.microsoft.com/office/powerpoint/2010/main" xmlns:p15="http://schemas.microsoft.com/office/powerpoint/2012/main" xmlns:mc="http://schemas.openxmlformats.org/markup-compatibility/2006">
+<p:sld xmlns:a="http://schemas.openxmlformats.org/drawingml/2006/main" xmlns:r="http://schemas.openxmlformats.org/officeDocument/2006/relationships" xmlns:p="http://schemas.openxmlformats.org/presentationml/2006/main">
   <p:cSld>
     <p:spTree>
       <p:nvGrpSpPr>
@@ -15060,26 +15631,33 @@
           </a:ln>
         </p:spPr>
         <p:style>
-          <a:lnRef idx="0"/>
-          <a:fillRef idx="0"/>
-          <a:effectRef idx="0"/>
+          <a:lnRef idx="0">
+            <a:scrgbClr r="0" g="0" b="0"/>
+          </a:lnRef>
+          <a:fillRef idx="0">
+            <a:scrgbClr r="0" g="0" b="0"/>
+          </a:fillRef>
+          <a:effectRef idx="0">
+            <a:scrgbClr r="0" g="0" b="0"/>
+          </a:effectRef>
           <a:fontRef idx="minor"/>
         </p:style>
         <p:txBody>
-          <a:bodyPr lIns="90000" rIns="90000" tIns="45000" bIns="45000" anchor="ctr">
-            <a:normAutofit/>
+          <a:bodyPr lIns="90000" tIns="45000" rIns="90000" bIns="45000" anchor="ctr">
+            <a:normAutofit lnSpcReduction="10000"/>
           </a:bodyPr>
+          <a:lstStyle/>
           <a:p>
             <a:pPr>
               <a:lnSpc>
                 <a:spcPct val="90000"/>
               </a:lnSpc>
               <a:tabLst>
-                <a:tab algn="l" pos="0"/>
+                <a:tab pos="0" algn="l"/>
               </a:tabLst>
             </a:pPr>
             <a:r>
-              <a:rPr b="1" lang="en-US" sz="3600" spc="-1" strike="noStrike">
+              <a:rPr lang="en-US" sz="3600" b="1" strike="noStrike" spc="-1">
                 <a:solidFill>
                   <a:srgbClr val="000000"/>
                 </a:solidFill>
@@ -15088,7 +15666,7 @@
               </a:rPr>
               <a:t>Synchronization - PSS</a:t>
             </a:r>
-            <a:endParaRPr b="0" lang="en-US" sz="3600" spc="-1" strike="noStrike">
+            <a:endParaRPr lang="en-US" sz="3600" b="0" strike="noStrike" spc="-1">
               <a:latin typeface="Arial"/>
             </a:endParaRPr>
           </a:p>
@@ -15101,7 +15679,7 @@
           <p:nvPr/>
         </p:nvPicPr>
         <p:blipFill>
-          <a:blip r:embed="rId1"/>
+          <a:blip r:embed="rId3"/>
           <a:stretch/>
         </p:blipFill>
         <p:spPr>
@@ -15148,7 +15726,7 @@
               </a:avLst>
             </a:prstGeom>
             <a:solidFill>
-              <a:srgbClr val="d5dbe5"/>
+              <a:srgbClr val="D5DBE5"/>
             </a:solidFill>
             <a:ln w="12600">
               <a:solidFill>
@@ -15158,9 +15736,15 @@
             </a:ln>
           </p:spPr>
           <p:style>
-            <a:lnRef idx="0"/>
-            <a:fillRef idx="0"/>
-            <a:effectRef idx="0"/>
+            <a:lnRef idx="0">
+              <a:scrgbClr r="0" g="0" b="0"/>
+            </a:lnRef>
+            <a:fillRef idx="0">
+              <a:scrgbClr r="0" g="0" b="0"/>
+            </a:fillRef>
+            <a:effectRef idx="0">
+              <a:scrgbClr r="0" g="0" b="0"/>
+            </a:effectRef>
             <a:fontRef idx="minor"/>
           </p:style>
         </p:sp>
@@ -15184,26 +15768,33 @@
             </a:ln>
           </p:spPr>
           <p:style>
-            <a:lnRef idx="0"/>
-            <a:fillRef idx="0"/>
-            <a:effectRef idx="0"/>
+            <a:lnRef idx="0">
+              <a:scrgbClr r="0" g="0" b="0"/>
+            </a:lnRef>
+            <a:fillRef idx="0">
+              <a:scrgbClr r="0" g="0" b="0"/>
+            </a:fillRef>
+            <a:effectRef idx="0">
+              <a:scrgbClr r="0" g="0" b="0"/>
+            </a:effectRef>
             <a:fontRef idx="minor"/>
           </p:style>
           <p:txBody>
-            <a:bodyPr lIns="90000" rIns="90000" tIns="91440" bIns="91440">
+            <a:bodyPr lIns="90000" tIns="91440" rIns="90000" bIns="91440">
               <a:noAutofit/>
             </a:bodyPr>
+            <a:lstStyle/>
             <a:p>
               <a:pPr>
                 <a:lnSpc>
                   <a:spcPct val="90000"/>
                 </a:lnSpc>
                 <a:tabLst>
-                  <a:tab algn="l" pos="0"/>
+                  <a:tab pos="0" algn="l"/>
                 </a:tabLst>
               </a:pPr>
               <a:r>
-                <a:rPr b="0" lang="en-US" sz="2400" spc="-1" strike="noStrike">
+                <a:rPr lang="en-US" sz="2400" b="0" strike="noStrike" spc="-1">
                   <a:solidFill>
                     <a:srgbClr val="000000"/>
                   </a:solidFill>
@@ -15212,12 +15803,12 @@
                 </a:rPr>
                 <a:t>Identity within the group (0 to 2)</a:t>
               </a:r>
-              <a:endParaRPr b="0" lang="en-US" sz="2400" spc="-1" strike="noStrike">
+              <a:endParaRPr lang="en-US" sz="2400" b="0" strike="noStrike" spc="-1">
                 <a:latin typeface="Arial"/>
               </a:endParaRPr>
             </a:p>
             <a:p>
-              <a:pPr lvl="1" marL="171360" indent="-170280">
+              <a:pPr marL="171360" lvl="1" indent="-170280">
                 <a:lnSpc>
                   <a:spcPct val="90000"/>
                 </a:lnSpc>
@@ -15230,11 +15821,11 @@
                 <a:buFont typeface="Calibri"/>
                 <a:buChar char="•"/>
                 <a:tabLst>
-                  <a:tab algn="l" pos="0"/>
+                  <a:tab pos="0" algn="l"/>
                 </a:tabLst>
               </a:pPr>
               <a:r>
-                <a:rPr b="0" lang="en-US" sz="1600" spc="-1" strike="noStrike">
+                <a:rPr lang="en-US" sz="1600" b="0" strike="noStrike" spc="-1">
                   <a:solidFill>
                     <a:srgbClr val="000000"/>
                   </a:solidFill>
@@ -15243,12 +15834,12 @@
                 </a:rPr>
                 <a:t>Identify known sequence in Rx data</a:t>
               </a:r>
-              <a:endParaRPr b="0" lang="en-US" sz="1600" spc="-1" strike="noStrike">
+              <a:endParaRPr lang="en-US" sz="1600" b="0" strike="noStrike" spc="-1">
                 <a:latin typeface="Arial"/>
               </a:endParaRPr>
             </a:p>
             <a:p>
-              <a:pPr lvl="2" marL="1371600" indent="-329040">
+              <a:pPr marL="1371600" lvl="2" indent="-329040">
                 <a:lnSpc>
                   <a:spcPct val="90000"/>
                 </a:lnSpc>
@@ -15261,11 +15852,11 @@
                 <a:buFont typeface="Calibri"/>
                 <a:buChar char="■"/>
                 <a:tabLst>
-                  <a:tab algn="l" pos="0"/>
+                  <a:tab pos="0" algn="l"/>
                 </a:tabLst>
               </a:pPr>
               <a:r>
-                <a:rPr b="0" lang="en-US" sz="1600" spc="-1" strike="noStrike">
+                <a:rPr lang="en-US" sz="1600" b="0" strike="noStrike" spc="-1">
                   <a:solidFill>
                     <a:srgbClr val="000000"/>
                   </a:solidFill>
@@ -15274,12 +15865,12 @@
                 </a:rPr>
                 <a:t>1 of 3 possible Zadoff-Chu sequences</a:t>
               </a:r>
-              <a:endParaRPr b="0" lang="en-US" sz="1600" spc="-1" strike="noStrike">
+              <a:endParaRPr lang="en-US" sz="1600" b="0" strike="noStrike" spc="-1">
                 <a:latin typeface="Arial"/>
               </a:endParaRPr>
             </a:p>
             <a:p>
-              <a:pPr lvl="1" marL="171360" indent="-170280">
+              <a:pPr marL="171360" lvl="1" indent="-170280">
                 <a:lnSpc>
                   <a:spcPct val="90000"/>
                 </a:lnSpc>
@@ -15292,11 +15883,11 @@
                 <a:buFont typeface="Calibri"/>
                 <a:buChar char="•"/>
                 <a:tabLst>
-                  <a:tab algn="l" pos="0"/>
+                  <a:tab pos="0" algn="l"/>
                 </a:tabLst>
               </a:pPr>
               <a:r>
-                <a:rPr b="0" lang="en-US" sz="1600" spc="-1" strike="noStrike">
+                <a:rPr lang="en-US" sz="1600" b="0" strike="noStrike" spc="-1">
                   <a:solidFill>
                     <a:srgbClr val="000000"/>
                   </a:solidFill>
@@ -15305,12 +15896,12 @@
                 </a:rPr>
                 <a:t>Part 1 of getting Physical Cell ID (504 Unique IDs)</a:t>
               </a:r>
-              <a:endParaRPr b="0" lang="en-US" sz="1600" spc="-1" strike="noStrike">
+              <a:endParaRPr lang="en-US" sz="1600" b="0" strike="noStrike" spc="-1">
                 <a:latin typeface="Arial"/>
               </a:endParaRPr>
             </a:p>
             <a:p>
-              <a:pPr lvl="1" marL="171360" indent="-170280">
+              <a:pPr marL="171360" lvl="1" indent="-170280">
                 <a:lnSpc>
                   <a:spcPct val="90000"/>
                 </a:lnSpc>
@@ -15323,11 +15914,11 @@
                 <a:buFont typeface="Calibri"/>
                 <a:buChar char="•"/>
                 <a:tabLst>
-                  <a:tab algn="l" pos="0"/>
+                  <a:tab pos="0" algn="l"/>
                 </a:tabLst>
               </a:pPr>
               <a:r>
-                <a:rPr b="0" lang="en-US" sz="1600" spc="-1" strike="noStrike">
+                <a:rPr lang="en-US" sz="1600" b="0" strike="noStrike" spc="-1">
                   <a:solidFill>
                     <a:srgbClr val="000000"/>
                   </a:solidFill>
@@ -15336,12 +15927,12 @@
                 </a:rPr>
                 <a:t>Complex multiply: Rx data and Zadoff-Chu sequences (converted to time domain)</a:t>
               </a:r>
-              <a:endParaRPr b="0" lang="en-US" sz="1600" spc="-1" strike="noStrike">
+              <a:endParaRPr lang="en-US" sz="1600" b="0" strike="noStrike" spc="-1">
                 <a:latin typeface="Arial"/>
               </a:endParaRPr>
             </a:p>
             <a:p>
-              <a:pPr lvl="1" marL="171360" indent="-170280">
+              <a:pPr marL="171360" lvl="1" indent="-170280">
                 <a:lnSpc>
                   <a:spcPct val="90000"/>
                 </a:lnSpc>
@@ -15354,11 +15945,11 @@
                 <a:buFont typeface="Calibri"/>
                 <a:buChar char="•"/>
                 <a:tabLst>
-                  <a:tab algn="l" pos="0"/>
+                  <a:tab pos="0" algn="l"/>
                 </a:tabLst>
               </a:pPr>
               <a:r>
-                <a:rPr b="0" lang="en-US" sz="1600" spc="-1" strike="noStrike">
+                <a:rPr lang="en-US" sz="1600" b="0" strike="noStrike" spc="-1">
                   <a:solidFill>
                     <a:srgbClr val="000000"/>
                   </a:solidFill>
@@ -15367,7 +15958,7 @@
                 </a:rPr>
                 <a:t>Threshold detection to determine correlation peaks</a:t>
               </a:r>
-              <a:endParaRPr b="0" lang="en-US" sz="1600" spc="-1" strike="noStrike">
+              <a:endParaRPr lang="en-US" sz="1600" b="0" strike="noStrike" spc="-1">
                 <a:latin typeface="Arial"/>
               </a:endParaRPr>
             </a:p>
@@ -15376,12 +15967,12 @@
       </p:grpSp>
       <p:pic>
         <p:nvPicPr>
-          <p:cNvPr id="119" name="Google Shape;207;g12f99aefe16_1_22" descr=""/>
+          <p:cNvPr id="119" name="Google Shape;207;g12f99aefe16_1_22"/>
           <p:cNvPicPr/>
           <p:nvPr/>
         </p:nvPicPr>
         <p:blipFill>
-          <a:blip r:embed="rId2"/>
+          <a:blip r:embed="rId4"/>
           <a:stretch/>
         </p:blipFill>
         <p:spPr>
@@ -15399,12 +15990,12 @@
       </p:pic>
       <p:pic>
         <p:nvPicPr>
-          <p:cNvPr id="120" name="Google Shape;208;g12f99aefe16_1_22" descr=""/>
+          <p:cNvPr id="120" name="Google Shape;208;g12f99aefe16_1_22"/>
           <p:cNvPicPr/>
           <p:nvPr/>
         </p:nvPicPr>
         <p:blipFill>
-          <a:blip r:embed="rId3"/>
+          <a:blip r:embed="rId5"/>
           <a:stretch/>
         </p:blipFill>
         <p:spPr>
@@ -15422,13 +16013,13 @@
       </p:pic>
       <p:pic>
         <p:nvPicPr>
-          <p:cNvPr id="121" name="Google Shape;209;g12f99aefe16_1_22" descr=""/>
+          <p:cNvPr id="121" name="Google Shape;209;g12f99aefe16_1_22"/>
           <p:cNvPicPr/>
           <p:nvPr/>
         </p:nvPicPr>
         <p:blipFill>
-          <a:blip r:embed="rId4"/>
-          <a:srcRect l="0" t="0" r="9688" b="0"/>
+          <a:blip r:embed="rId6"/>
+          <a:srcRect r="9688"/>
           <a:stretch/>
         </p:blipFill>
         <p:spPr>
@@ -15446,12 +16037,12 @@
       </p:pic>
       <p:pic>
         <p:nvPicPr>
-          <p:cNvPr id="122" name="Google Shape;210;g12f99aefe16_1_22" descr=""/>
+          <p:cNvPr id="122" name="Google Shape;210;g12f99aefe16_1_22"/>
           <p:cNvPicPr/>
           <p:nvPr/>
         </p:nvPicPr>
         <p:blipFill>
-          <a:blip r:embed="rId5"/>
+          <a:blip r:embed="rId7"/>
           <a:stretch/>
         </p:blipFill>
         <p:spPr>
@@ -15487,26 +16078,33 @@
           </a:ln>
         </p:spPr>
         <p:style>
-          <a:lnRef idx="0"/>
-          <a:fillRef idx="0"/>
-          <a:effectRef idx="0"/>
+          <a:lnRef idx="0">
+            <a:scrgbClr r="0" g="0" b="0"/>
+          </a:lnRef>
+          <a:fillRef idx="0">
+            <a:scrgbClr r="0" g="0" b="0"/>
+          </a:fillRef>
+          <a:effectRef idx="0">
+            <a:scrgbClr r="0" g="0" b="0"/>
+          </a:effectRef>
           <a:fontRef idx="minor"/>
         </p:style>
         <p:txBody>
-          <a:bodyPr lIns="90000" rIns="90000" tIns="91440" bIns="91440">
+          <a:bodyPr lIns="90000" tIns="91440" rIns="90000" bIns="91440">
             <a:spAutoFit/>
           </a:bodyPr>
+          <a:lstStyle/>
           <a:p>
             <a:pPr>
               <a:lnSpc>
                 <a:spcPct val="100000"/>
               </a:lnSpc>
               <a:tabLst>
-                <a:tab algn="l" pos="0"/>
+                <a:tab pos="0" algn="l"/>
               </a:tabLst>
             </a:pPr>
             <a:r>
-              <a:rPr b="0" lang="en-US" sz="1000" spc="-1" strike="noStrike">
+              <a:rPr lang="en-US" sz="1000" b="0" strike="noStrike" spc="-1">
                 <a:solidFill>
                   <a:srgbClr val="000000"/>
                 </a:solidFill>
@@ -15515,7 +16113,7 @@
               </a:rPr>
               <a:t>Test Bench: Verified HLS code with Matlab Simulated results</a:t>
             </a:r>
-            <a:endParaRPr b="0" lang="en-US" sz="1000" spc="-1" strike="noStrike">
+            <a:endParaRPr lang="en-US" sz="1000" b="0" strike="noStrike" spc="-1">
               <a:latin typeface="Arial"/>
             </a:endParaRPr>
           </a:p>
@@ -15523,12 +16121,12 @@
       </p:sp>
       <p:pic>
         <p:nvPicPr>
-          <p:cNvPr id="124" name="Google Shape;212;g12f99aefe16_1_22" descr=""/>
+          <p:cNvPr id="124" name="Google Shape;212;g12f99aefe16_1_22"/>
           <p:cNvPicPr/>
           <p:nvPr/>
         </p:nvPicPr>
         <p:blipFill>
-          <a:blip r:embed="rId6"/>
+          <a:blip r:embed="rId5"/>
           <a:stretch/>
         </p:blipFill>
         <p:spPr>
@@ -15549,11 +16147,14 @@
       </p:pic>
     </p:spTree>
   </p:cSld>
-  <mc:AlternateContent>
+  <p:clrMapOvr>
+    <a:masterClrMapping/>
+  </p:clrMapOvr>
+  <mc:AlternateContent xmlns:mc="http://schemas.openxmlformats.org/markup-compatibility/2006" xmlns:p14="http://schemas.microsoft.com/office/powerpoint/2010/main">
     <mc:Choice Requires="p14">
       <p:transition spd="slow" p14:dur="2000"/>
     </mc:Choice>
-    <mc:Fallback>
+    <mc:Fallback xmlns="" xmlns:p15="http://schemas.microsoft.com/office/powerpoint/2012/main">
       <p:transition spd="slow"/>
     </mc:Fallback>
   </mc:AlternateContent>
@@ -15561,7 +16162,7 @@
 </file>
 
 <file path=ppt/slides/slide6.xml><?xml version="1.0" encoding="utf-8"?>
-<p:sld xmlns:a="http://schemas.openxmlformats.org/drawingml/2006/main" xmlns:p="http://schemas.openxmlformats.org/presentationml/2006/main" xmlns:r="http://schemas.openxmlformats.org/officeDocument/2006/relationships" xmlns:p14="http://schemas.microsoft.com/office/powerpoint/2010/main" xmlns:p15="http://schemas.microsoft.com/office/powerpoint/2012/main" xmlns:mc="http://schemas.openxmlformats.org/markup-compatibility/2006">
+<p:sld xmlns:a="http://schemas.openxmlformats.org/drawingml/2006/main" xmlns:r="http://schemas.openxmlformats.org/officeDocument/2006/relationships" xmlns:p="http://schemas.openxmlformats.org/presentationml/2006/main">
   <p:cSld>
     <p:spTree>
       <p:nvGrpSpPr>
@@ -15597,26 +16198,33 @@
           </a:ln>
         </p:spPr>
         <p:style>
-          <a:lnRef idx="0"/>
-          <a:fillRef idx="0"/>
-          <a:effectRef idx="0"/>
+          <a:lnRef idx="0">
+            <a:scrgbClr r="0" g="0" b="0"/>
+          </a:lnRef>
+          <a:fillRef idx="0">
+            <a:scrgbClr r="0" g="0" b="0"/>
+          </a:fillRef>
+          <a:effectRef idx="0">
+            <a:scrgbClr r="0" g="0" b="0"/>
+          </a:effectRef>
           <a:fontRef idx="minor"/>
         </p:style>
         <p:txBody>
-          <a:bodyPr lIns="90000" rIns="90000" tIns="45000" bIns="45000" anchor="ctr">
-            <a:normAutofit/>
+          <a:bodyPr lIns="90000" tIns="45000" rIns="90000" bIns="45000" anchor="ctr">
+            <a:normAutofit lnSpcReduction="10000"/>
           </a:bodyPr>
+          <a:lstStyle/>
           <a:p>
             <a:pPr>
               <a:lnSpc>
                 <a:spcPct val="90000"/>
               </a:lnSpc>
               <a:tabLst>
-                <a:tab algn="l" pos="0"/>
+                <a:tab pos="0" algn="l"/>
               </a:tabLst>
             </a:pPr>
             <a:r>
-              <a:rPr b="1" lang="en-US" sz="3600" spc="-1" strike="noStrike">
+              <a:rPr lang="en-US" sz="3600" b="1" strike="noStrike" spc="-1">
                 <a:solidFill>
                   <a:srgbClr val="000000"/>
                 </a:solidFill>
@@ -15625,7 +16233,7 @@
               </a:rPr>
               <a:t>Synchronization - SSS</a:t>
             </a:r>
-            <a:endParaRPr b="0" lang="en-US" sz="3600" spc="-1" strike="noStrike">
+            <a:endParaRPr lang="en-US" sz="3600" b="0" strike="noStrike" spc="-1">
               <a:latin typeface="Arial"/>
             </a:endParaRPr>
           </a:p>
@@ -15638,7 +16246,7 @@
           <p:nvPr/>
         </p:nvPicPr>
         <p:blipFill>
-          <a:blip r:embed="rId1"/>
+          <a:blip r:embed="rId3"/>
           <a:stretch/>
         </p:blipFill>
         <p:spPr>
@@ -15685,7 +16293,7 @@
               </a:avLst>
             </a:prstGeom>
             <a:solidFill>
-              <a:srgbClr val="d5dbe5"/>
+              <a:srgbClr val="D5DBE5"/>
             </a:solidFill>
             <a:ln w="12600">
               <a:solidFill>
@@ -15695,9 +16303,15 @@
             </a:ln>
           </p:spPr>
           <p:style>
-            <a:lnRef idx="0"/>
-            <a:fillRef idx="0"/>
-            <a:effectRef idx="0"/>
+            <a:lnRef idx="0">
+              <a:scrgbClr r="0" g="0" b="0"/>
+            </a:lnRef>
+            <a:fillRef idx="0">
+              <a:scrgbClr r="0" g="0" b="0"/>
+            </a:fillRef>
+            <a:effectRef idx="0">
+              <a:scrgbClr r="0" g="0" b="0"/>
+            </a:effectRef>
             <a:fontRef idx="minor"/>
           </p:style>
         </p:sp>
@@ -15721,26 +16335,33 @@
             </a:ln>
           </p:spPr>
           <p:style>
-            <a:lnRef idx="0"/>
-            <a:fillRef idx="0"/>
-            <a:effectRef idx="0"/>
+            <a:lnRef idx="0">
+              <a:scrgbClr r="0" g="0" b="0"/>
+            </a:lnRef>
+            <a:fillRef idx="0">
+              <a:scrgbClr r="0" g="0" b="0"/>
+            </a:fillRef>
+            <a:effectRef idx="0">
+              <a:scrgbClr r="0" g="0" b="0"/>
+            </a:effectRef>
             <a:fontRef idx="minor"/>
           </p:style>
           <p:txBody>
-            <a:bodyPr lIns="90000" rIns="90000" tIns="91440" bIns="91440">
+            <a:bodyPr lIns="90000" tIns="91440" rIns="90000" bIns="91440">
               <a:noAutofit/>
             </a:bodyPr>
+            <a:lstStyle/>
             <a:p>
               <a:pPr>
                 <a:lnSpc>
                   <a:spcPct val="90000"/>
                 </a:lnSpc>
                 <a:tabLst>
-                  <a:tab algn="l" pos="0"/>
+                  <a:tab pos="0" algn="l"/>
                 </a:tabLst>
               </a:pPr>
               <a:r>
-                <a:rPr b="0" lang="en-US" sz="2400" spc="-1" strike="noStrike">
+                <a:rPr lang="en-US" sz="2400" b="0" strike="noStrike" spc="-1">
                   <a:solidFill>
                     <a:srgbClr val="000000"/>
                   </a:solidFill>
@@ -15749,12 +16370,12 @@
                 </a:rPr>
                 <a:t>Physical layer cell identity group (0 to 167)</a:t>
               </a:r>
-              <a:endParaRPr b="0" lang="en-US" sz="2400" spc="-1" strike="noStrike">
+              <a:endParaRPr lang="en-US" sz="2400" b="0" strike="noStrike" spc="-1">
                 <a:latin typeface="Arial"/>
               </a:endParaRPr>
             </a:p>
             <a:p>
-              <a:pPr lvl="1" marL="171360" indent="-170280">
+              <a:pPr marL="171360" lvl="1" indent="-170280">
                 <a:lnSpc>
                   <a:spcPct val="90000"/>
                 </a:lnSpc>
@@ -15767,11 +16388,11 @@
                 <a:buFont typeface="Calibri"/>
                 <a:buChar char="•"/>
                 <a:tabLst>
-                  <a:tab algn="l" pos="0"/>
+                  <a:tab pos="0" algn="l"/>
                 </a:tabLst>
               </a:pPr>
               <a:r>
-                <a:rPr b="0" lang="en-US" sz="1600" spc="-1" strike="noStrike">
+                <a:rPr lang="en-US" sz="1600" b="0" strike="noStrike" spc="-1">
                   <a:solidFill>
                     <a:srgbClr val="000000"/>
                   </a:solidFill>
@@ -15780,12 +16401,12 @@
                 </a:rPr>
                 <a:t>FFT to demodulate OFDM data</a:t>
               </a:r>
-              <a:endParaRPr b="0" lang="en-US" sz="1600" spc="-1" strike="noStrike">
+              <a:endParaRPr lang="en-US" sz="1600" b="0" strike="noStrike" spc="-1">
                 <a:latin typeface="Arial"/>
               </a:endParaRPr>
             </a:p>
             <a:p>
-              <a:pPr lvl="1" marL="171360" indent="-170280">
+              <a:pPr marL="171360" lvl="1" indent="-170280">
                 <a:lnSpc>
                   <a:spcPct val="90000"/>
                 </a:lnSpc>
@@ -15798,11 +16419,11 @@
                 <a:buFont typeface="Calibri"/>
                 <a:buChar char="•"/>
                 <a:tabLst>
-                  <a:tab algn="l" pos="0"/>
+                  <a:tab pos="0" algn="l"/>
                 </a:tabLst>
               </a:pPr>
               <a:r>
-                <a:rPr b="0" lang="en-US" sz="1600" spc="-1" strike="noStrike">
+                <a:rPr lang="en-US" sz="1600" b="0" strike="noStrike" spc="-1">
                   <a:solidFill>
                     <a:srgbClr val="000000"/>
                   </a:solidFill>
@@ -15811,12 +16432,12 @@
                 </a:rPr>
                 <a:t>SSS Correlation: Multiply and accumulate 2 SSS Sequences (binary scrambling codes)</a:t>
               </a:r>
-              <a:endParaRPr b="0" lang="en-US" sz="1600" spc="-1" strike="noStrike">
+              <a:endParaRPr lang="en-US" sz="1600" b="0" strike="noStrike" spc="-1">
                 <a:latin typeface="Arial"/>
               </a:endParaRPr>
             </a:p>
             <a:p>
-              <a:pPr lvl="2" marL="1371600" indent="-329040">
+              <a:pPr marL="1371600" lvl="2" indent="-329040">
                 <a:lnSpc>
                   <a:spcPct val="90000"/>
                 </a:lnSpc>
@@ -15829,11 +16450,11 @@
                 <a:buFont typeface="Calibri"/>
                 <a:buChar char="■"/>
                 <a:tabLst>
-                  <a:tab algn="l" pos="0"/>
+                  <a:tab pos="0" algn="l"/>
                 </a:tabLst>
               </a:pPr>
               <a:r>
-                <a:rPr b="0" lang="en-US" sz="1600" spc="-1" strike="noStrike">
+                <a:rPr lang="en-US" sz="1600" b="0" strike="noStrike" spc="-1">
                   <a:solidFill>
                     <a:srgbClr val="000000"/>
                   </a:solidFill>
@@ -15842,12 +16463,12 @@
                 </a:rPr>
                 <a:t>Demodulated Rx data</a:t>
               </a:r>
-              <a:endParaRPr b="0" lang="en-US" sz="1600" spc="-1" strike="noStrike">
+              <a:endParaRPr lang="en-US" sz="1600" b="0" strike="noStrike" spc="-1">
                 <a:latin typeface="Arial"/>
               </a:endParaRPr>
             </a:p>
             <a:p>
-              <a:pPr lvl="1" marL="171360" indent="-170280">
+              <a:pPr marL="171360" lvl="1" indent="-170280">
                 <a:lnSpc>
                   <a:spcPct val="90000"/>
                 </a:lnSpc>
@@ -15860,11 +16481,11 @@
                 <a:buFont typeface="Calibri"/>
                 <a:buChar char="•"/>
                 <a:tabLst>
-                  <a:tab algn="l" pos="0"/>
+                  <a:tab pos="0" algn="l"/>
                 </a:tabLst>
               </a:pPr>
               <a:r>
-                <a:rPr b="0" lang="en-US" sz="1600" spc="-1" strike="noStrike">
+                <a:rPr lang="en-US" sz="1600" b="0" strike="noStrike" spc="-1">
                   <a:solidFill>
                     <a:srgbClr val="000000"/>
                   </a:solidFill>
@@ -15873,12 +16494,12 @@
                 </a:rPr>
                 <a:t>Threshold detection to determine correlation peaks</a:t>
               </a:r>
-              <a:endParaRPr b="0" lang="en-US" sz="1600" spc="-1" strike="noStrike">
+              <a:endParaRPr lang="en-US" sz="1600" b="0" strike="noStrike" spc="-1">
                 <a:latin typeface="Arial"/>
               </a:endParaRPr>
             </a:p>
             <a:p>
-              <a:pPr lvl="1" marL="171360" indent="-170280">
+              <a:pPr marL="171360" lvl="1" indent="-170280">
                 <a:lnSpc>
                   <a:spcPct val="90000"/>
                 </a:lnSpc>
@@ -15891,11 +16512,11 @@
                 <a:buFont typeface="Calibri"/>
                 <a:buChar char="•"/>
                 <a:tabLst>
-                  <a:tab algn="l" pos="0"/>
+                  <a:tab pos="0" algn="l"/>
                 </a:tabLst>
               </a:pPr>
               <a:r>
-                <a:rPr b="0" lang="en-US" sz="1600" spc="-1" strike="noStrike">
+                <a:rPr lang="en-US" sz="1600" b="0" strike="noStrike" spc="-1">
                   <a:solidFill>
                     <a:srgbClr val="000000"/>
                   </a:solidFill>
@@ -15904,7 +16525,7 @@
                 </a:rPr>
                 <a:t>Peak location range [0 167] = physical layer identity group</a:t>
               </a:r>
-              <a:endParaRPr b="0" lang="en-US" sz="1600" spc="-1" strike="noStrike">
+              <a:endParaRPr lang="en-US" sz="1600" b="0" strike="noStrike" spc="-1">
                 <a:latin typeface="Arial"/>
               </a:endParaRPr>
             </a:p>
@@ -15913,12 +16534,12 @@
       </p:grpSp>
       <p:pic>
         <p:nvPicPr>
-          <p:cNvPr id="130" name="Google Shape;222;g12f99aefe16_1_32" descr=""/>
+          <p:cNvPr id="130" name="Google Shape;222;g12f99aefe16_1_32"/>
           <p:cNvPicPr/>
           <p:nvPr/>
         </p:nvPicPr>
         <p:blipFill>
-          <a:blip r:embed="rId2"/>
+          <a:blip r:embed="rId4"/>
           <a:stretch/>
         </p:blipFill>
         <p:spPr>
@@ -15936,12 +16557,12 @@
       </p:pic>
       <p:pic>
         <p:nvPicPr>
-          <p:cNvPr id="131" name="Google Shape;223;g12f99aefe16_1_32" descr=""/>
+          <p:cNvPr id="131" name="Google Shape;223;g12f99aefe16_1_32"/>
           <p:cNvPicPr/>
           <p:nvPr/>
         </p:nvPicPr>
         <p:blipFill>
-          <a:blip r:embed="rId3"/>
+          <a:blip r:embed="rId5"/>
           <a:stretch/>
         </p:blipFill>
         <p:spPr>
@@ -15959,12 +16580,12 @@
       </p:pic>
       <p:pic>
         <p:nvPicPr>
-          <p:cNvPr id="132" name="Google Shape;224;g12f99aefe16_1_32" descr=""/>
+          <p:cNvPr id="132" name="Google Shape;224;g12f99aefe16_1_32"/>
           <p:cNvPicPr/>
           <p:nvPr/>
         </p:nvPicPr>
         <p:blipFill>
-          <a:blip r:embed="rId4"/>
+          <a:blip r:embed="rId6"/>
           <a:stretch/>
         </p:blipFill>
         <p:spPr>
@@ -16003,26 +16624,33 @@
           </a:ln>
         </p:spPr>
         <p:style>
-          <a:lnRef idx="0"/>
-          <a:fillRef idx="0"/>
-          <a:effectRef idx="0"/>
+          <a:lnRef idx="0">
+            <a:scrgbClr r="0" g="0" b="0"/>
+          </a:lnRef>
+          <a:fillRef idx="0">
+            <a:scrgbClr r="0" g="0" b="0"/>
+          </a:fillRef>
+          <a:effectRef idx="0">
+            <a:scrgbClr r="0" g="0" b="0"/>
+          </a:effectRef>
           <a:fontRef idx="minor"/>
         </p:style>
         <p:txBody>
-          <a:bodyPr lIns="90000" rIns="90000" tIns="91440" bIns="91440">
+          <a:bodyPr lIns="90000" tIns="91440" rIns="90000" bIns="91440">
             <a:spAutoFit/>
           </a:bodyPr>
+          <a:lstStyle/>
           <a:p>
             <a:pPr>
               <a:lnSpc>
                 <a:spcPct val="100000"/>
               </a:lnSpc>
               <a:tabLst>
-                <a:tab algn="l" pos="0"/>
+                <a:tab pos="0" algn="l"/>
               </a:tabLst>
             </a:pPr>
             <a:r>
-              <a:rPr b="0" lang="en-US" sz="1400" spc="-1" strike="noStrike">
+              <a:rPr lang="en-US" sz="1400" b="0" strike="noStrike" spc="-1">
                 <a:solidFill>
                   <a:srgbClr val="000000"/>
                 </a:solidFill>
@@ -16031,7 +16659,7 @@
               </a:rPr>
               <a:t>1 symbol: 128 samples</a:t>
             </a:r>
-            <a:endParaRPr b="0" lang="en-US" sz="1400" spc="-1" strike="noStrike">
+            <a:endParaRPr lang="en-US" sz="1400" b="0" strike="noStrike" spc="-1">
               <a:latin typeface="Arial"/>
             </a:endParaRPr>
           </a:p>
@@ -16054,15 +16682,21 @@
           <a:noFill/>
           <a:ln w="28440">
             <a:solidFill>
-              <a:srgbClr val="0000ff"/>
+              <a:srgbClr val="0000FF"/>
             </a:solidFill>
             <a:round/>
           </a:ln>
         </p:spPr>
         <p:style>
-          <a:lnRef idx="0"/>
-          <a:fillRef idx="0"/>
-          <a:effectRef idx="0"/>
+          <a:lnRef idx="0">
+            <a:scrgbClr r="0" g="0" b="0"/>
+          </a:lnRef>
+          <a:fillRef idx="0">
+            <a:scrgbClr r="0" g="0" b="0"/>
+          </a:fillRef>
+          <a:effectRef idx="0">
+            <a:scrgbClr r="0" g="0" b="0"/>
+          </a:effectRef>
           <a:fontRef idx="minor"/>
         </p:style>
       </p:sp>
@@ -16083,15 +16717,21 @@
           <a:noFill/>
           <a:ln w="28440">
             <a:solidFill>
-              <a:srgbClr val="0000ff"/>
+              <a:srgbClr val="0000FF"/>
             </a:solidFill>
             <a:round/>
           </a:ln>
         </p:spPr>
         <p:style>
-          <a:lnRef idx="0"/>
-          <a:fillRef idx="0"/>
-          <a:effectRef idx="0"/>
+          <a:lnRef idx="0">
+            <a:scrgbClr r="0" g="0" b="0"/>
+          </a:lnRef>
+          <a:fillRef idx="0">
+            <a:scrgbClr r="0" g="0" b="0"/>
+          </a:fillRef>
+          <a:effectRef idx="0">
+            <a:scrgbClr r="0" g="0" b="0"/>
+          </a:effectRef>
           <a:fontRef idx="minor"/>
         </p:style>
       </p:sp>
@@ -16112,15 +16752,21 @@
           <a:noFill/>
           <a:ln w="28440">
             <a:solidFill>
-              <a:srgbClr val="0000ff"/>
+              <a:srgbClr val="0000FF"/>
             </a:solidFill>
             <a:round/>
           </a:ln>
         </p:spPr>
         <p:style>
-          <a:lnRef idx="0"/>
-          <a:fillRef idx="0"/>
-          <a:effectRef idx="0"/>
+          <a:lnRef idx="0">
+            <a:scrgbClr r="0" g="0" b="0"/>
+          </a:lnRef>
+          <a:fillRef idx="0">
+            <a:scrgbClr r="0" g="0" b="0"/>
+          </a:fillRef>
+          <a:effectRef idx="0">
+            <a:scrgbClr r="0" g="0" b="0"/>
+          </a:effectRef>
           <a:fontRef idx="minor"/>
         </p:style>
       </p:sp>
@@ -16141,26 +16787,32 @@
           <a:noFill/>
           <a:ln w="28440">
             <a:solidFill>
-              <a:srgbClr val="0000ff"/>
+              <a:srgbClr val="0000FF"/>
             </a:solidFill>
             <a:round/>
           </a:ln>
         </p:spPr>
         <p:style>
-          <a:lnRef idx="0"/>
-          <a:fillRef idx="0"/>
-          <a:effectRef idx="0"/>
+          <a:lnRef idx="0">
+            <a:scrgbClr r="0" g="0" b="0"/>
+          </a:lnRef>
+          <a:fillRef idx="0">
+            <a:scrgbClr r="0" g="0" b="0"/>
+          </a:fillRef>
+          <a:effectRef idx="0">
+            <a:scrgbClr r="0" g="0" b="0"/>
+          </a:effectRef>
           <a:fontRef idx="minor"/>
         </p:style>
       </p:sp>
       <p:pic>
         <p:nvPicPr>
-          <p:cNvPr id="138" name="Google Shape;230;g12f99aefe16_1_32" descr=""/>
+          <p:cNvPr id="138" name="Google Shape;230;g12f99aefe16_1_32"/>
           <p:cNvPicPr/>
           <p:nvPr/>
         </p:nvPicPr>
         <p:blipFill>
-          <a:blip r:embed="rId5"/>
+          <a:blip r:embed="rId7"/>
           <a:stretch/>
         </p:blipFill>
         <p:spPr>
@@ -16178,12 +16830,12 @@
       </p:pic>
       <p:pic>
         <p:nvPicPr>
-          <p:cNvPr id="139" name="Google Shape;231;g12f99aefe16_1_32" descr=""/>
+          <p:cNvPr id="139" name="Google Shape;231;g12f99aefe16_1_32"/>
           <p:cNvPicPr/>
           <p:nvPr/>
         </p:nvPicPr>
         <p:blipFill>
-          <a:blip r:embed="rId6"/>
+          <a:blip r:embed="rId8"/>
           <a:stretch/>
         </p:blipFill>
         <p:spPr>
@@ -16219,26 +16871,33 @@
           </a:ln>
         </p:spPr>
         <p:style>
-          <a:lnRef idx="0"/>
-          <a:fillRef idx="0"/>
-          <a:effectRef idx="0"/>
+          <a:lnRef idx="0">
+            <a:scrgbClr r="0" g="0" b="0"/>
+          </a:lnRef>
+          <a:fillRef idx="0">
+            <a:scrgbClr r="0" g="0" b="0"/>
+          </a:fillRef>
+          <a:effectRef idx="0">
+            <a:scrgbClr r="0" g="0" b="0"/>
+          </a:effectRef>
           <a:fontRef idx="minor"/>
         </p:style>
         <p:txBody>
-          <a:bodyPr lIns="90000" rIns="90000" tIns="91440" bIns="91440">
+          <a:bodyPr lIns="90000" tIns="91440" rIns="90000" bIns="91440">
             <a:spAutoFit/>
           </a:bodyPr>
+          <a:lstStyle/>
           <a:p>
             <a:pPr>
               <a:lnSpc>
                 <a:spcPct val="100000"/>
               </a:lnSpc>
               <a:tabLst>
-                <a:tab algn="l" pos="0"/>
+                <a:tab pos="0" algn="l"/>
               </a:tabLst>
             </a:pPr>
             <a:r>
-              <a:rPr b="0" lang="en-US" sz="1000" spc="-1" strike="noStrike">
+              <a:rPr lang="en-US" sz="1000" b="0" strike="noStrike" spc="-1">
                 <a:solidFill>
                   <a:srgbClr val="000000"/>
                 </a:solidFill>
@@ -16247,7 +16906,7 @@
               </a:rPr>
               <a:t>Test Bench: Verified HLS code with Matlab Simulated results</a:t>
             </a:r>
-            <a:endParaRPr b="0" lang="en-US" sz="1000" spc="-1" strike="noStrike">
+            <a:endParaRPr lang="en-US" sz="1000" b="0" strike="noStrike" spc="-1">
               <a:latin typeface="Arial"/>
             </a:endParaRPr>
           </a:p>
@@ -16273,26 +16932,33 @@
           </a:ln>
         </p:spPr>
         <p:style>
-          <a:lnRef idx="0"/>
-          <a:fillRef idx="0"/>
-          <a:effectRef idx="0"/>
+          <a:lnRef idx="0">
+            <a:scrgbClr r="0" g="0" b="0"/>
+          </a:lnRef>
+          <a:fillRef idx="0">
+            <a:scrgbClr r="0" g="0" b="0"/>
+          </a:fillRef>
+          <a:effectRef idx="0">
+            <a:scrgbClr r="0" g="0" b="0"/>
+          </a:effectRef>
           <a:fontRef idx="minor"/>
         </p:style>
         <p:txBody>
-          <a:bodyPr lIns="90000" rIns="90000" tIns="91440" bIns="91440">
+          <a:bodyPr lIns="90000" tIns="91440" rIns="90000" bIns="91440">
             <a:spAutoFit/>
           </a:bodyPr>
+          <a:lstStyle/>
           <a:p>
             <a:pPr>
               <a:lnSpc>
                 <a:spcPct val="100000"/>
               </a:lnSpc>
               <a:tabLst>
-                <a:tab algn="l" pos="0"/>
+                <a:tab pos="0" algn="l"/>
               </a:tabLst>
             </a:pPr>
             <a:r>
-              <a:rPr b="0" lang="en-US" sz="1400" spc="-1" strike="noStrike">
+              <a:rPr lang="en-US" sz="1400" b="0" strike="noStrike" spc="-1">
                 <a:solidFill>
                   <a:srgbClr val="000000"/>
                 </a:solidFill>
@@ -16301,7 +16967,7 @@
               </a:rPr>
               <a:t>e.g. SSS 1 PSS 1 = SSS Seq 1 * PSS symbol samples</a:t>
             </a:r>
-            <a:endParaRPr b="0" lang="en-US" sz="1400" spc="-1" strike="noStrike">
+            <a:endParaRPr lang="en-US" sz="1400" b="0" strike="noStrike" spc="-1">
               <a:latin typeface="Arial"/>
             </a:endParaRPr>
           </a:p>
@@ -16309,11 +16975,14 @@
       </p:sp>
     </p:spTree>
   </p:cSld>
-  <mc:AlternateContent>
+  <p:clrMapOvr>
+    <a:masterClrMapping/>
+  </p:clrMapOvr>
+  <mc:AlternateContent xmlns:mc="http://schemas.openxmlformats.org/markup-compatibility/2006" xmlns:p14="http://schemas.microsoft.com/office/powerpoint/2010/main">
     <mc:Choice Requires="p14">
       <p:transition spd="slow" p14:dur="2000"/>
     </mc:Choice>
-    <mc:Fallback>
+    <mc:Fallback xmlns="" xmlns:p15="http://schemas.microsoft.com/office/powerpoint/2012/main">
       <p:transition spd="slow"/>
     </mc:Fallback>
   </mc:AlternateContent>
@@ -16331,34 +17000,34 @@
         <a:sysClr val="window" lastClr="FFFFFF"/>
       </a:lt1>
       <a:dk2>
-        <a:srgbClr val="44546a"/>
+        <a:srgbClr val="44546A"/>
       </a:dk2>
       <a:lt2>
-        <a:srgbClr val="e7e6e6"/>
+        <a:srgbClr val="E7E6E6"/>
       </a:lt2>
       <a:accent1>
-        <a:srgbClr val="4472c4"/>
+        <a:srgbClr val="4472C4"/>
       </a:accent1>
       <a:accent2>
-        <a:srgbClr val="ed7d31"/>
+        <a:srgbClr val="ED7D31"/>
       </a:accent2>
       <a:accent3>
-        <a:srgbClr val="a5a5a5"/>
+        <a:srgbClr val="A5A5A5"/>
       </a:accent3>
       <a:accent4>
-        <a:srgbClr val="ffc000"/>
+        <a:srgbClr val="FFC000"/>
       </a:accent4>
       <a:accent5>
-        <a:srgbClr val="5b9bd5"/>
+        <a:srgbClr val="5B9BD5"/>
       </a:accent5>
       <a:accent6>
-        <a:srgbClr val="70ad47"/>
+        <a:srgbClr val="70AD47"/>
       </a:accent6>
       <a:hlink>
-        <a:srgbClr val="0563c1"/>
+        <a:srgbClr val="0563C1"/>
       </a:hlink>
       <a:folHlink>
-        <a:srgbClr val="954f72"/>
+        <a:srgbClr val="954F72"/>
       </a:folHlink>
     </a:clrScheme>
     <a:fontScheme name="Office">
@@ -16543,6 +17212,8 @@
       </a:bgFillStyleLst>
     </a:fmtScheme>
   </a:themeElements>
+  <a:objectDefaults/>
+  <a:extraClrSchemeLst/>
 </a:theme>
 </file>
 
@@ -16557,34 +17228,34 @@
         <a:sysClr val="window" lastClr="FFFFFF"/>
       </a:lt1>
       <a:dk2>
-        <a:srgbClr val="44546a"/>
+        <a:srgbClr val="44546A"/>
       </a:dk2>
       <a:lt2>
-        <a:srgbClr val="e7e6e6"/>
+        <a:srgbClr val="E7E6E6"/>
       </a:lt2>
       <a:accent1>
-        <a:srgbClr val="4472c4"/>
+        <a:srgbClr val="4472C4"/>
       </a:accent1>
       <a:accent2>
-        <a:srgbClr val="ed7d31"/>
+        <a:srgbClr val="ED7D31"/>
       </a:accent2>
       <a:accent3>
-        <a:srgbClr val="a5a5a5"/>
+        <a:srgbClr val="A5A5A5"/>
       </a:accent3>
       <a:accent4>
-        <a:srgbClr val="ffc000"/>
+        <a:srgbClr val="FFC000"/>
       </a:accent4>
       <a:accent5>
-        <a:srgbClr val="5b9bd5"/>
+        <a:srgbClr val="5B9BD5"/>
       </a:accent5>
       <a:accent6>
-        <a:srgbClr val="70ad47"/>
+        <a:srgbClr val="70AD47"/>
       </a:accent6>
       <a:hlink>
-        <a:srgbClr val="0563c1"/>
+        <a:srgbClr val="0563C1"/>
       </a:hlink>
       <a:folHlink>
-        <a:srgbClr val="954f72"/>
+        <a:srgbClr val="954F72"/>
       </a:folHlink>
     </a:clrScheme>
     <a:fontScheme name="Office">
@@ -16769,6 +17440,8 @@
       </a:bgFillStyleLst>
     </a:fmtScheme>
   </a:themeElements>
+  <a:objectDefaults/>
+  <a:extraClrSchemeLst/>
 </a:theme>
 </file>
 
@@ -16783,34 +17456,34 @@
         <a:sysClr val="window" lastClr="FFFFFF"/>
       </a:lt1>
       <a:dk2>
-        <a:srgbClr val="44546a"/>
+        <a:srgbClr val="44546A"/>
       </a:dk2>
       <a:lt2>
-        <a:srgbClr val="e7e6e6"/>
+        <a:srgbClr val="E7E6E6"/>
       </a:lt2>
       <a:accent1>
-        <a:srgbClr val="4472c4"/>
+        <a:srgbClr val="4472C4"/>
       </a:accent1>
       <a:accent2>
-        <a:srgbClr val="ed7d31"/>
+        <a:srgbClr val="ED7D31"/>
       </a:accent2>
       <a:accent3>
-        <a:srgbClr val="a5a5a5"/>
+        <a:srgbClr val="A5A5A5"/>
       </a:accent3>
       <a:accent4>
-        <a:srgbClr val="ffc000"/>
+        <a:srgbClr val="FFC000"/>
       </a:accent4>
       <a:accent5>
-        <a:srgbClr val="5b9bd5"/>
+        <a:srgbClr val="5B9BD5"/>
       </a:accent5>
       <a:accent6>
-        <a:srgbClr val="70ad47"/>
+        <a:srgbClr val="70AD47"/>
       </a:accent6>
       <a:hlink>
-        <a:srgbClr val="0563c1"/>
+        <a:srgbClr val="0563C1"/>
       </a:hlink>
       <a:folHlink>
-        <a:srgbClr val="954f72"/>
+        <a:srgbClr val="954F72"/>
       </a:folHlink>
     </a:clrScheme>
     <a:fontScheme name="Office">
@@ -16995,5 +17668,7 @@
       </a:bgFillStyleLst>
     </a:fmtScheme>
   </a:themeElements>
+  <a:objectDefaults/>
+  <a:extraClrSchemeLst/>
 </a:theme>
 </file>
--- a/DOCUMENTATION/LTE_Cell_Search_3_Main_Components.pptx
+++ b/DOCUMENTATION/LTE_Cell_Search_3_Main_Components.pptx
@@ -14471,6 +14471,40 @@
           </a:graphicData>
         </a:graphic>
       </p:graphicFrame>
+      <p:sp>
+        <p:nvSpPr>
+          <p:cNvPr id="13" name="TextBox 12"/>
+          <p:cNvSpPr txBox="1"/>
+          <p:nvPr/>
+        </p:nvSpPr>
+        <p:spPr>
+          <a:xfrm>
+            <a:off x="6895306" y="6488280"/>
+            <a:ext cx="5257800" cy="307777"/>
+          </a:xfrm>
+          <a:prstGeom prst="rect">
+            <a:avLst/>
+          </a:prstGeom>
+          <a:noFill/>
+        </p:spPr>
+        <p:txBody>
+          <a:bodyPr wrap="square" rtlCol="0">
+            <a:spAutoFit/>
+          </a:bodyPr>
+          <a:lstStyle/>
+          <a:p>
+            <a:r>
+              <a:rPr lang="en-US" dirty="0"/>
+              <a:t>UCSD WES Cohort 9, All Rights Reserved</a:t>
+            </a:r>
+            <a:r>
+              <a:rPr lang="en-US" dirty="0" smtClean="0"/>
+              <a:t>.</a:t>
+            </a:r>
+            <a:endParaRPr lang="en-US" dirty="0"/>
+          </a:p>
+        </p:txBody>
+      </p:sp>
     </p:spTree>
   </p:cSld>
   <p:clrMapOvr>
@@ -14480,7 +14514,7 @@
     <mc:Choice Requires="p14">
       <p:transition spd="slow" p14:dur="2000" advTm="31000"/>
     </mc:Choice>
-    <mc:Fallback xmlns="" xmlns:p15="http://schemas.microsoft.com/office/powerpoint/2012/main">
+    <mc:Fallback xmlns:p15="http://schemas.microsoft.com/office/powerpoint/2012/main" xmlns="">
       <p:transition spd="slow" advTm="31000"/>
     </mc:Fallback>
   </mc:AlternateContent>
@@ -14709,6 +14743,40 @@
           </a:ln>
         </p:spPr>
       </p:pic>
+      <p:sp>
+        <p:nvSpPr>
+          <p:cNvPr id="9" name="TextBox 8"/>
+          <p:cNvSpPr txBox="1"/>
+          <p:nvPr/>
+        </p:nvSpPr>
+        <p:spPr>
+          <a:xfrm>
+            <a:off x="6895306" y="6488280"/>
+            <a:ext cx="5257800" cy="307777"/>
+          </a:xfrm>
+          <a:prstGeom prst="rect">
+            <a:avLst/>
+          </a:prstGeom>
+          <a:noFill/>
+        </p:spPr>
+        <p:txBody>
+          <a:bodyPr wrap="square" rtlCol="0">
+            <a:spAutoFit/>
+          </a:bodyPr>
+          <a:lstStyle/>
+          <a:p>
+            <a:r>
+              <a:rPr lang="en-US" dirty="0"/>
+              <a:t>UCSD WES Cohort 9, All Rights Reserved</a:t>
+            </a:r>
+            <a:r>
+              <a:rPr lang="en-US" dirty="0" smtClean="0"/>
+              <a:t>.</a:t>
+            </a:r>
+            <a:endParaRPr lang="en-US" dirty="0"/>
+          </a:p>
+        </p:txBody>
+      </p:sp>
     </p:spTree>
   </p:cSld>
   <p:clrMapOvr>
@@ -14718,7 +14786,7 @@
     <mc:Choice Requires="p14">
       <p:transition spd="slow" p14:dur="2000" advTm="58000"/>
     </mc:Choice>
-    <mc:Fallback xmlns="" xmlns:p15="http://schemas.microsoft.com/office/powerpoint/2012/main">
+    <mc:Fallback xmlns:p15="http://schemas.microsoft.com/office/powerpoint/2012/main" xmlns="">
       <p:transition spd="slow" advTm="58000"/>
     </mc:Fallback>
   </mc:AlternateContent>
@@ -15181,6 +15249,40 @@
           </a:p>
         </p:txBody>
       </p:sp>
+      <p:sp>
+        <p:nvSpPr>
+          <p:cNvPr id="10" name="TextBox 9"/>
+          <p:cNvSpPr txBox="1"/>
+          <p:nvPr/>
+        </p:nvSpPr>
+        <p:spPr>
+          <a:xfrm>
+            <a:off x="6895306" y="6488280"/>
+            <a:ext cx="5257800" cy="307777"/>
+          </a:xfrm>
+          <a:prstGeom prst="rect">
+            <a:avLst/>
+          </a:prstGeom>
+          <a:noFill/>
+        </p:spPr>
+        <p:txBody>
+          <a:bodyPr wrap="square" rtlCol="0">
+            <a:spAutoFit/>
+          </a:bodyPr>
+          <a:lstStyle/>
+          <a:p>
+            <a:r>
+              <a:rPr lang="en-US" dirty="0"/>
+              <a:t>UCSD WES Cohort 9, All Rights Reserved</a:t>
+            </a:r>
+            <a:r>
+              <a:rPr lang="en-US" dirty="0" smtClean="0"/>
+              <a:t>.</a:t>
+            </a:r>
+            <a:endParaRPr lang="en-US" dirty="0"/>
+          </a:p>
+        </p:txBody>
+      </p:sp>
     </p:spTree>
   </p:cSld>
   <p:clrMapOvr>
@@ -15190,7 +15292,7 @@
     <mc:Choice Requires="p14">
       <p:transition spd="slow" p14:dur="2000"/>
     </mc:Choice>
-    <mc:Fallback xmlns="" xmlns:p15="http://schemas.microsoft.com/office/powerpoint/2012/main">
+    <mc:Fallback xmlns:p15="http://schemas.microsoft.com/office/powerpoint/2012/main" xmlns="">
       <p:transition spd="slow"/>
     </mc:Fallback>
   </mc:AlternateContent>
@@ -15578,6 +15680,40 @@
           </a:ln>
         </p:spPr>
       </p:pic>
+      <p:sp>
+        <p:nvSpPr>
+          <p:cNvPr id="10" name="TextBox 9"/>
+          <p:cNvSpPr txBox="1"/>
+          <p:nvPr/>
+        </p:nvSpPr>
+        <p:spPr>
+          <a:xfrm>
+            <a:off x="6895306" y="6488280"/>
+            <a:ext cx="5257800" cy="307777"/>
+          </a:xfrm>
+          <a:prstGeom prst="rect">
+            <a:avLst/>
+          </a:prstGeom>
+          <a:noFill/>
+        </p:spPr>
+        <p:txBody>
+          <a:bodyPr wrap="square" rtlCol="0">
+            <a:spAutoFit/>
+          </a:bodyPr>
+          <a:lstStyle/>
+          <a:p>
+            <a:r>
+              <a:rPr lang="en-US" dirty="0"/>
+              <a:t>UCSD WES Cohort 9, All Rights Reserved</a:t>
+            </a:r>
+            <a:r>
+              <a:rPr lang="en-US" dirty="0" smtClean="0"/>
+              <a:t>.</a:t>
+            </a:r>
+            <a:endParaRPr lang="en-US" dirty="0"/>
+          </a:p>
+        </p:txBody>
+      </p:sp>
     </p:spTree>
   </p:cSld>
   <p:clrMapOvr>
@@ -15587,7 +15723,7 @@
     <mc:Choice Requires="p14">
       <p:transition spd="slow" p14:dur="2000"/>
     </mc:Choice>
-    <mc:Fallback xmlns="" xmlns:p15="http://schemas.microsoft.com/office/powerpoint/2012/main">
+    <mc:Fallback xmlns:p15="http://schemas.microsoft.com/office/powerpoint/2012/main" xmlns="">
       <p:transition spd="slow"/>
     </mc:Fallback>
   </mc:AlternateContent>
@@ -16145,6 +16281,40 @@
           </a:ln>
         </p:spPr>
       </p:pic>
+      <p:sp>
+        <p:nvSpPr>
+          <p:cNvPr id="13" name="TextBox 12"/>
+          <p:cNvSpPr txBox="1"/>
+          <p:nvPr/>
+        </p:nvSpPr>
+        <p:spPr>
+          <a:xfrm>
+            <a:off x="6895306" y="6488280"/>
+            <a:ext cx="5257800" cy="307777"/>
+          </a:xfrm>
+          <a:prstGeom prst="rect">
+            <a:avLst/>
+          </a:prstGeom>
+          <a:noFill/>
+        </p:spPr>
+        <p:txBody>
+          <a:bodyPr wrap="square" rtlCol="0">
+            <a:spAutoFit/>
+          </a:bodyPr>
+          <a:lstStyle/>
+          <a:p>
+            <a:r>
+              <a:rPr lang="en-US" dirty="0"/>
+              <a:t>UCSD WES Cohort 9, All Rights Reserved</a:t>
+            </a:r>
+            <a:r>
+              <a:rPr lang="en-US" dirty="0" smtClean="0"/>
+              <a:t>.</a:t>
+            </a:r>
+            <a:endParaRPr lang="en-US" dirty="0"/>
+          </a:p>
+        </p:txBody>
+      </p:sp>
     </p:spTree>
   </p:cSld>
   <p:clrMapOvr>
@@ -16154,7 +16324,7 @@
     <mc:Choice Requires="p14">
       <p:transition spd="slow" p14:dur="2000"/>
     </mc:Choice>
-    <mc:Fallback xmlns="" xmlns:p15="http://schemas.microsoft.com/office/powerpoint/2012/main">
+    <mc:Fallback xmlns:p15="http://schemas.microsoft.com/office/powerpoint/2012/main" xmlns="">
       <p:transition spd="slow"/>
     </mc:Fallback>
   </mc:AlternateContent>
@@ -16973,6 +17143,40 @@
           </a:p>
         </p:txBody>
       </p:sp>
+      <p:sp>
+        <p:nvSpPr>
+          <p:cNvPr id="19" name="TextBox 18"/>
+          <p:cNvSpPr txBox="1"/>
+          <p:nvPr/>
+        </p:nvSpPr>
+        <p:spPr>
+          <a:xfrm>
+            <a:off x="6895306" y="6488280"/>
+            <a:ext cx="5257800" cy="307777"/>
+          </a:xfrm>
+          <a:prstGeom prst="rect">
+            <a:avLst/>
+          </a:prstGeom>
+          <a:noFill/>
+        </p:spPr>
+        <p:txBody>
+          <a:bodyPr wrap="square" rtlCol="0">
+            <a:spAutoFit/>
+          </a:bodyPr>
+          <a:lstStyle/>
+          <a:p>
+            <a:r>
+              <a:rPr lang="en-US" dirty="0"/>
+              <a:t>UCSD WES Cohort 9, All Rights Reserved</a:t>
+            </a:r>
+            <a:r>
+              <a:rPr lang="en-US" dirty="0" smtClean="0"/>
+              <a:t>.</a:t>
+            </a:r>
+            <a:endParaRPr lang="en-US" dirty="0"/>
+          </a:p>
+        </p:txBody>
+      </p:sp>
     </p:spTree>
   </p:cSld>
   <p:clrMapOvr>
@@ -16982,7 +17186,7 @@
     <mc:Choice Requires="p14">
       <p:transition spd="slow" p14:dur="2000"/>
     </mc:Choice>
-    <mc:Fallback xmlns="" xmlns:p15="http://schemas.microsoft.com/office/powerpoint/2012/main">
+    <mc:Fallback xmlns:p15="http://schemas.microsoft.com/office/powerpoint/2012/main" xmlns="">
       <p:transition spd="slow"/>
     </mc:Fallback>
   </mc:AlternateContent>
